--- a/DDR.pptx
+++ b/DDR.pptx
@@ -1,24 +1,31 @@
 
 <file path=ppt/presentation.xml><?xml version="1.0" encoding="utf-8"?>
-<p:presentation xmlns:a="http://schemas.openxmlformats.org/drawingml/2006/main" xmlns:r="http://schemas.openxmlformats.org/officeDocument/2006/relationships" xmlns:p="http://schemas.openxmlformats.org/presentationml/2006/main" autoCompressPictures="0">
+<p:presentation xmlns:p="http://schemas.openxmlformats.org/presentationml/2006/main" xmlns:r="http://schemas.openxmlformats.org/officeDocument/2006/relationships" xmlns:a="http://schemas.openxmlformats.org/drawingml/2006/main" autoCompressPictures="0">
   <p:sldMasterIdLst>
     <p:sldMasterId id="2147483648" r:id="rId1"/>
   </p:sldMasterIdLst>
+  <p:notesMasterIdLst>
+    <p:notesMasterId r:id="rId2"/>
+  </p:notesMasterIdLst>
   <p:sldIdLst>
-    <p:sldId id="260" r:id="rId2"/>
-    <p:sldId id="256" r:id="rId3"/>
-    <p:sldId id="257" r:id="rId4"/>
+    <p:sldId id="257" r:id="rId3"/>
+    <p:sldId id="258" r:id="rId4"/>
     <p:sldId id="259" r:id="rId5"/>
-    <p:sldId id="258" r:id="rId6"/>
+    <p:sldId id="260" r:id="rId6"/>
     <p:sldId id="261" r:id="rId7"/>
+    <p:sldId id="262" r:id="rId8"/>
+    <p:sldId id="263" r:id="rId9"/>
+    <p:sldId id="264" r:id="rId10"/>
+    <p:sldId id="265" r:id="rId11"/>
+    <p:sldId id="266" r:id="rId12"/>
   </p:sldIdLst>
-  <p:sldSz cx="12192000" cy="6858000"/>
+  <p:sldSz type="screen16x9" cy="6858000" cx="12192000"/>
   <p:notesSz cx="6858000" cy="9144000"/>
   <p:defaultTextStyle>
     <a:defPPr>
       <a:defRPr lang="en-US"/>
     </a:defPPr>
-    <a:lvl1pPr marL="0" algn="l" defTabSz="457200" rtl="0" eaLnBrk="1" latinLnBrk="0" hangingPunct="1">
+    <a:lvl1pPr algn="l" defTabSz="457200" eaLnBrk="1" hangingPunct="1" latinLnBrk="0" marL="0" rtl="0">
       <a:defRPr sz="1800" kern="1200">
         <a:solidFill>
           <a:schemeClr val="tx1"/>
@@ -28,7 +35,7 @@
         <a:cs typeface="+mn-cs"/>
       </a:defRPr>
     </a:lvl1pPr>
-    <a:lvl2pPr marL="457200" algn="l" defTabSz="457200" rtl="0" eaLnBrk="1" latinLnBrk="0" hangingPunct="1">
+    <a:lvl2pPr algn="l" defTabSz="457200" eaLnBrk="1" hangingPunct="1" latinLnBrk="0" marL="457200" rtl="0">
       <a:defRPr sz="1800" kern="1200">
         <a:solidFill>
           <a:schemeClr val="tx1"/>
@@ -38,7 +45,7 @@
         <a:cs typeface="+mn-cs"/>
       </a:defRPr>
     </a:lvl2pPr>
-    <a:lvl3pPr marL="914400" algn="l" defTabSz="457200" rtl="0" eaLnBrk="1" latinLnBrk="0" hangingPunct="1">
+    <a:lvl3pPr algn="l" defTabSz="457200" eaLnBrk="1" hangingPunct="1" latinLnBrk="0" marL="914400" rtl="0">
       <a:defRPr sz="1800" kern="1200">
         <a:solidFill>
           <a:schemeClr val="tx1"/>
@@ -48,7 +55,7 @@
         <a:cs typeface="+mn-cs"/>
       </a:defRPr>
     </a:lvl3pPr>
-    <a:lvl4pPr marL="1371600" algn="l" defTabSz="457200" rtl="0" eaLnBrk="1" latinLnBrk="0" hangingPunct="1">
+    <a:lvl4pPr algn="l" defTabSz="457200" eaLnBrk="1" hangingPunct="1" latinLnBrk="0" marL="1371600" rtl="0">
       <a:defRPr sz="1800" kern="1200">
         <a:solidFill>
           <a:schemeClr val="tx1"/>
@@ -58,7 +65,7 @@
         <a:cs typeface="+mn-cs"/>
       </a:defRPr>
     </a:lvl4pPr>
-    <a:lvl5pPr marL="1828800" algn="l" defTabSz="457200" rtl="0" eaLnBrk="1" latinLnBrk="0" hangingPunct="1">
+    <a:lvl5pPr algn="l" defTabSz="457200" eaLnBrk="1" hangingPunct="1" latinLnBrk="0" marL="1828800" rtl="0">
       <a:defRPr sz="1800" kern="1200">
         <a:solidFill>
           <a:schemeClr val="tx1"/>
@@ -68,7 +75,7 @@
         <a:cs typeface="+mn-cs"/>
       </a:defRPr>
     </a:lvl5pPr>
-    <a:lvl6pPr marL="2286000" algn="l" defTabSz="457200" rtl="0" eaLnBrk="1" latinLnBrk="0" hangingPunct="1">
+    <a:lvl6pPr algn="l" defTabSz="457200" eaLnBrk="1" hangingPunct="1" latinLnBrk="0" marL="2286000" rtl="0">
       <a:defRPr sz="1800" kern="1200">
         <a:solidFill>
           <a:schemeClr val="tx1"/>
@@ -78,7 +85,7 @@
         <a:cs typeface="+mn-cs"/>
       </a:defRPr>
     </a:lvl6pPr>
-    <a:lvl7pPr marL="2743200" algn="l" defTabSz="457200" rtl="0" eaLnBrk="1" latinLnBrk="0" hangingPunct="1">
+    <a:lvl7pPr algn="l" defTabSz="457200" eaLnBrk="1" hangingPunct="1" latinLnBrk="0" marL="2743200" rtl="0">
       <a:defRPr sz="1800" kern="1200">
         <a:solidFill>
           <a:schemeClr val="tx1"/>
@@ -88,7 +95,7 @@
         <a:cs typeface="+mn-cs"/>
       </a:defRPr>
     </a:lvl7pPr>
-    <a:lvl8pPr marL="3200400" algn="l" defTabSz="457200" rtl="0" eaLnBrk="1" latinLnBrk="0" hangingPunct="1">
+    <a:lvl8pPr algn="l" defTabSz="457200" eaLnBrk="1" hangingPunct="1" latinLnBrk="0" marL="3200400" rtl="0">
       <a:defRPr sz="1800" kern="1200">
         <a:solidFill>
           <a:schemeClr val="tx1"/>
@@ -98,7 +105,7 @@
         <a:cs typeface="+mn-cs"/>
       </a:defRPr>
     </a:lvl8pPr>
-    <a:lvl9pPr marL="3657600" algn="l" defTabSz="457200" rtl="0" eaLnBrk="1" latinLnBrk="0" hangingPunct="1">
+    <a:lvl9pPr algn="l" defTabSz="457200" eaLnBrk="1" hangingPunct="1" latinLnBrk="0" marL="3657600" rtl="0">
       <a:defRPr sz="1800" kern="1200">
         <a:solidFill>
           <a:schemeClr val="tx1"/>
@@ -109,51 +116,436 @@
       </a:defRPr>
     </a:lvl9pPr>
   </p:defaultTextStyle>
-  <p:extLst>
-    <p:ext uri="{EFAFB233-063F-42B5-8137-9DF3F51BA10A}">
-      <p15:sldGuideLst xmlns:p15="http://schemas.microsoft.com/office/powerpoint/2012/main">
-        <p15:guide id="1" orient="horz" pos="2160">
-          <p15:clr>
-            <a:srgbClr val="A4A3A4"/>
-          </p15:clr>
-        </p15:guide>
-        <p15:guide id="2" pos="3840">
-          <p15:clr>
-            <a:srgbClr val="A4A3A4"/>
-          </p15:clr>
-        </p15:guide>
-      </p15:sldGuideLst>
-    </p:ext>
-  </p:extLst>
 </p:presentation>
 </file>
 
 <file path=ppt/commentAuthors.xml><?xml version="1.0" encoding="utf-8"?>
-<p:cmAuthorLst xmlns:a="http://schemas.openxmlformats.org/drawingml/2006/main" xmlns:r="http://schemas.openxmlformats.org/officeDocument/2006/relationships" xmlns:p="http://schemas.openxmlformats.org/presentationml/2006/main">
+<p:cmAuthorLst xmlns:p="http://schemas.openxmlformats.org/presentationml/2006/main" xmlns:r="http://schemas.openxmlformats.org/officeDocument/2006/relationships" xmlns:a="http://schemas.openxmlformats.org/drawingml/2006/main">
   <p:cmAuthor id="1" name="未知用户" initials="" lastIdx="1" clrIdx="0"/>
 </p:cmAuthorLst>
 </file>
 
 <file path=ppt/comments/comment1.xml><?xml version="1.0" encoding="utf-8"?>
-<p:cmLst xmlns:a="http://schemas.openxmlformats.org/drawingml/2006/main" xmlns:r="http://schemas.openxmlformats.org/officeDocument/2006/relationships" xmlns:p="http://schemas.openxmlformats.org/presentationml/2006/main">
+<p:cmLst xmlns:p="http://schemas.openxmlformats.org/presentationml/2006/main" xmlns:r="http://schemas.openxmlformats.org/officeDocument/2006/relationships" xmlns:a="http://schemas.openxmlformats.org/drawingml/2006/main">
   <p:cm authorId="1" dt="2019-01-06T13:21:06.778" idx="1">
     <p:pos x="10" y="10"/>
     <p:text/>
-    <p:extLst>
-      <p:ext uri="{C676402C-5697-4E1C-873F-D02D1690AC5C}">
-        <p15:threadingInfo xmlns:p15="http://schemas.microsoft.com/office/powerpoint/2012/main" timeZoneBias="-480"/>
-      </p:ext>
-    </p:extLst>
   </p:cm>
 </p:cmLst>
 </file>
 
+<file path=ppt/notesMasters/notesMaster1.xml><?xml version="1.0" encoding="utf-8"?>
+<p:notesMaster xmlns:a="http://schemas.openxmlformats.org/drawingml/2006/main" xmlns:r="http://schemas.openxmlformats.org/officeDocument/2006/relationships" xmlns:p="http://schemas.openxmlformats.org/presentationml/2006/main">
+  <p:cSld>
+    <p:bg>
+      <p:bgPr>
+        <a:solidFill>
+          <a:schemeClr val="bg1"/>
+        </a:solidFill>
+      </p:bgPr>
+    </p:bg>
+    <p:spTree>
+      <p:nvGrpSpPr>
+        <p:cNvPr id="57" name=""/>
+        <p:cNvGrpSpPr/>
+        <p:nvPr/>
+      </p:nvGrpSpPr>
+      <p:grpSpPr>
+        <a:xfrm>
+          <a:off x="0" y="0"/>
+          <a:ext cx="0" cy="0"/>
+          <a:chOff x="0" y="0"/>
+          <a:chExt cx="0" cy="0"/>
+        </a:xfrm>
+      </p:grpSpPr>
+      <p:sp>
+        <p:nvSpPr>
+          <p:cNvPr id="1048738" name="Rectangle 2"/>
+          <p:cNvSpPr>
+            <a:spLocks noGrp="1" noChangeArrowheads="1"/>
+          </p:cNvSpPr>
+          <p:nvPr>
+            <p:ph type="hdr" sz="quarter"/>
+          </p:nvPr>
+        </p:nvSpPr>
+        <p:spPr bwMode="auto">
+          <a:xfrm>
+            <a:off x="2" y="1"/>
+            <a:ext cx="3076575" cy="512763"/>
+          </a:xfrm>
+          <a:prstGeom prst="rect"/>
+          <a:noFill/>
+          <a:ln w="9525">
+            <a:noFill/>
+            <a:miter lim="800000"/>
+            <a:headEnd/>
+            <a:tailEnd/>
+          </a:ln>
+          <a:effectLst/>
+        </p:spPr>
+        <p:txBody>
+          <a:bodyPr anchor="t" anchorCtr="0" bIns="45745" compatLnSpc="1" lIns="91492" numCol="1" rIns="91492" tIns="45745" vert="horz" wrap="square">
+            <a:prstTxWarp prst="textNoShape"/>
+          </a:bodyPr>
+          <a:lstStyle>
+            <a:lvl1pPr algn="l">
+              <a:defRPr sz="1100"/>
+            </a:lvl1pPr>
+          </a:lstStyle>
+          <a:p>
+            <a:endParaRPr lang="en-US"/>
+          </a:p>
+        </p:txBody>
+      </p:sp>
+      <p:sp>
+        <p:nvSpPr>
+          <p:cNvPr id="1048739" name="Rectangle 3"/>
+          <p:cNvSpPr>
+            <a:spLocks noGrp="1" noChangeArrowheads="1"/>
+          </p:cNvSpPr>
+          <p:nvPr>
+            <p:ph type="dt" idx="1"/>
+          </p:nvPr>
+        </p:nvSpPr>
+        <p:spPr bwMode="auto">
+          <a:xfrm>
+            <a:off x="4021139" y="1"/>
+            <a:ext cx="3076575" cy="512763"/>
+          </a:xfrm>
+          <a:prstGeom prst="rect"/>
+          <a:noFill/>
+          <a:ln w="9525">
+            <a:noFill/>
+            <a:miter lim="800000"/>
+            <a:headEnd/>
+            <a:tailEnd/>
+          </a:ln>
+          <a:effectLst/>
+        </p:spPr>
+        <p:txBody>
+          <a:bodyPr anchor="t" anchorCtr="0" bIns="45745" compatLnSpc="1" lIns="91492" numCol="1" rIns="91492" tIns="45745" vert="horz" wrap="square">
+            <a:prstTxWarp prst="textNoShape"/>
+          </a:bodyPr>
+          <a:lstStyle>
+            <a:lvl1pPr algn="r">
+              <a:defRPr sz="1100"/>
+            </a:lvl1pPr>
+          </a:lstStyle>
+          <a:p>
+            <a:endParaRPr lang="en-US"/>
+          </a:p>
+        </p:txBody>
+      </p:sp>
+      <p:sp>
+        <p:nvSpPr>
+          <p:cNvPr id="1048740" name="Rectangle 4"/>
+          <p:cNvSpPr>
+            <a:spLocks noChangeAspect="1" noRot="1" noGrp="1" noChangeArrowheads="1" noTextEdit="1"/>
+          </p:cNvSpPr>
+          <p:nvPr>
+            <p:ph type="sldImg" idx="2"/>
+          </p:nvPr>
+        </p:nvSpPr>
+        <p:spPr bwMode="auto">
+          <a:xfrm>
+            <a:off x="990600" y="766763"/>
+            <a:ext cx="5118100" cy="3838575"/>
+          </a:xfrm>
+          <a:prstGeom prst="rect"/>
+          <a:noFill/>
+          <a:ln w="9525">
+            <a:solidFill>
+              <a:srgbClr val="000000"/>
+            </a:solidFill>
+            <a:miter lim="800000"/>
+            <a:headEnd/>
+            <a:tailEnd/>
+          </a:ln>
+          <a:effectLst/>
+        </p:spPr>
+      </p:sp>
+      <p:sp>
+        <p:nvSpPr>
+          <p:cNvPr id="1048741" name="Rectangle 5"/>
+          <p:cNvSpPr>
+            <a:spLocks noGrp="1" noChangeArrowheads="1"/>
+          </p:cNvSpPr>
+          <p:nvPr>
+            <p:ph type="body" sz="quarter" idx="3"/>
+          </p:nvPr>
+        </p:nvSpPr>
+        <p:spPr bwMode="auto">
+          <a:xfrm>
+            <a:off x="709614" y="4862514"/>
+            <a:ext cx="5680075" cy="4605337"/>
+          </a:xfrm>
+          <a:prstGeom prst="rect"/>
+          <a:noFill/>
+          <a:ln w="9525">
+            <a:noFill/>
+            <a:miter lim="800000"/>
+            <a:headEnd/>
+            <a:tailEnd/>
+          </a:ln>
+          <a:effectLst/>
+        </p:spPr>
+        <p:txBody>
+          <a:bodyPr anchor="t" anchorCtr="0" bIns="45745" compatLnSpc="1" lIns="91492" numCol="1" rIns="91492" tIns="45745" vert="horz" wrap="square">
+            <a:prstTxWarp prst="textNoShape"/>
+          </a:bodyPr>
+          <a:p>
+            <a:pPr lvl="0"/>
+            <a:r>
+              <a:rPr lang="en-US" smtClean="0"/>
+              <a:t>Click to edit Master text styles</a:t>
+            </a:r>
+          </a:p>
+          <a:p>
+            <a:pPr lvl="1"/>
+            <a:r>
+              <a:rPr lang="en-US" smtClean="0"/>
+              <a:t>Second level</a:t>
+            </a:r>
+          </a:p>
+          <a:p>
+            <a:pPr lvl="2"/>
+            <a:r>
+              <a:rPr lang="en-US" smtClean="0"/>
+              <a:t>Third level</a:t>
+            </a:r>
+          </a:p>
+          <a:p>
+            <a:pPr lvl="3"/>
+            <a:r>
+              <a:rPr lang="en-US" smtClean="0"/>
+              <a:t>Fourth level</a:t>
+            </a:r>
+          </a:p>
+          <a:p>
+            <a:pPr lvl="4"/>
+            <a:r>
+              <a:rPr lang="en-US" smtClean="0"/>
+              <a:t>Fifth level</a:t>
+            </a:r>
+          </a:p>
+        </p:txBody>
+      </p:sp>
+      <p:sp>
+        <p:nvSpPr>
+          <p:cNvPr id="1048742" name="Rectangle 6"/>
+          <p:cNvSpPr>
+            <a:spLocks noGrp="1" noChangeArrowheads="1"/>
+          </p:cNvSpPr>
+          <p:nvPr>
+            <p:ph type="ftr" sz="quarter" idx="4"/>
+          </p:nvPr>
+        </p:nvSpPr>
+        <p:spPr bwMode="auto">
+          <a:xfrm>
+            <a:off x="2" y="9720264"/>
+            <a:ext cx="3076575" cy="512762"/>
+          </a:xfrm>
+          <a:prstGeom prst="rect"/>
+          <a:noFill/>
+          <a:ln w="9525">
+            <a:noFill/>
+            <a:miter lim="800000"/>
+            <a:headEnd/>
+            <a:tailEnd/>
+          </a:ln>
+          <a:effectLst/>
+        </p:spPr>
+        <p:txBody>
+          <a:bodyPr anchor="b" anchorCtr="0" bIns="45745" compatLnSpc="1" lIns="91492" numCol="1" rIns="91492" tIns="45745" vert="horz" wrap="square">
+            <a:prstTxWarp prst="textNoShape"/>
+          </a:bodyPr>
+          <a:lstStyle>
+            <a:lvl1pPr algn="l">
+              <a:defRPr sz="1100"/>
+            </a:lvl1pPr>
+          </a:lstStyle>
+          <a:p>
+            <a:endParaRPr lang="en-US"/>
+          </a:p>
+        </p:txBody>
+      </p:sp>
+      <p:sp>
+        <p:nvSpPr>
+          <p:cNvPr id="1048743" name="Rectangle 7"/>
+          <p:cNvSpPr>
+            <a:spLocks noGrp="1" noChangeArrowheads="1"/>
+          </p:cNvSpPr>
+          <p:nvPr>
+            <p:ph type="sldNum" sz="quarter" idx="5"/>
+          </p:nvPr>
+        </p:nvSpPr>
+        <p:spPr bwMode="auto">
+          <a:xfrm>
+            <a:off x="4021139" y="9720264"/>
+            <a:ext cx="3076575" cy="512762"/>
+          </a:xfrm>
+          <a:prstGeom prst="rect"/>
+          <a:noFill/>
+          <a:ln w="9525">
+            <a:noFill/>
+            <a:miter lim="800000"/>
+            <a:headEnd/>
+            <a:tailEnd/>
+          </a:ln>
+          <a:effectLst/>
+        </p:spPr>
+        <p:txBody>
+          <a:bodyPr anchor="b" anchorCtr="0" bIns="45745" compatLnSpc="1" lIns="91492" numCol="1" rIns="91492" tIns="45745" vert="horz" wrap="square">
+            <a:prstTxWarp prst="textNoShape"/>
+          </a:bodyPr>
+          <a:lstStyle>
+            <a:lvl1pPr algn="r">
+              <a:defRPr sz="1100"/>
+            </a:lvl1pPr>
+          </a:lstStyle>
+          <a:p>
+            <a:fld id="{A9A0EA98-5831-4853-B862-C702E6EB345C}" type="slidenum">
+              <a:rPr lang="en-US"/>
+              <a:t>‹#›</a:t>
+            </a:fld>
+            <a:endParaRPr lang="en-US"/>
+          </a:p>
+        </p:txBody>
+      </p:sp>
+    </p:spTree>
+  </p:cSld>
+  <p:clrMap accent1="accent1" accent2="accent2" accent3="accent3" accent4="accent4" accent5="accent5" accent6="accent6" bg1="lt1" bg2="lt2" tx1="dk1" tx2="dk2" hlink="hlink" folHlink="folHlink"/>
+  <p:notesStyle>
+    <a:lvl1pPr algn="l" fontAlgn="base" rtl="0">
+      <a:spcBef>
+        <a:spcPct val="30000"/>
+      </a:spcBef>
+      <a:spcAft>
+        <a:spcPct val="0"/>
+      </a:spcAft>
+      <a:defRPr sz="1200" kern="1200">
+        <a:solidFill>
+          <a:schemeClr val="tx1"/>
+        </a:solidFill>
+        <a:latin typeface="Arial" charset="0"/>
+        <a:ea typeface="+mn-ea"/>
+        <a:cs typeface="+mn-cs"/>
+      </a:defRPr>
+    </a:lvl1pPr>
+    <a:lvl2pPr algn="l" fontAlgn="base" marL="457200" rtl="0">
+      <a:spcBef>
+        <a:spcPct val="30000"/>
+      </a:spcBef>
+      <a:spcAft>
+        <a:spcPct val="0"/>
+      </a:spcAft>
+      <a:defRPr sz="1200" kern="1200">
+        <a:solidFill>
+          <a:schemeClr val="tx1"/>
+        </a:solidFill>
+        <a:latin typeface="Arial" charset="0"/>
+        <a:ea typeface="+mn-ea"/>
+        <a:cs typeface="+mn-cs"/>
+      </a:defRPr>
+    </a:lvl2pPr>
+    <a:lvl3pPr algn="l" fontAlgn="base" marL="914400" rtl="0">
+      <a:spcBef>
+        <a:spcPct val="30000"/>
+      </a:spcBef>
+      <a:spcAft>
+        <a:spcPct val="0"/>
+      </a:spcAft>
+      <a:defRPr sz="1200" kern="1200">
+        <a:solidFill>
+          <a:schemeClr val="tx1"/>
+        </a:solidFill>
+        <a:latin typeface="Arial" charset="0"/>
+        <a:ea typeface="+mn-ea"/>
+        <a:cs typeface="+mn-cs"/>
+      </a:defRPr>
+    </a:lvl3pPr>
+    <a:lvl4pPr algn="l" fontAlgn="base" marL="1371600" rtl="0">
+      <a:spcBef>
+        <a:spcPct val="30000"/>
+      </a:spcBef>
+      <a:spcAft>
+        <a:spcPct val="0"/>
+      </a:spcAft>
+      <a:defRPr sz="1200" kern="1200">
+        <a:solidFill>
+          <a:schemeClr val="tx1"/>
+        </a:solidFill>
+        <a:latin typeface="Arial" charset="0"/>
+        <a:ea typeface="+mn-ea"/>
+        <a:cs typeface="+mn-cs"/>
+      </a:defRPr>
+    </a:lvl4pPr>
+    <a:lvl5pPr algn="l" fontAlgn="base" marL="1828800" rtl="0">
+      <a:spcBef>
+        <a:spcPct val="30000"/>
+      </a:spcBef>
+      <a:spcAft>
+        <a:spcPct val="0"/>
+      </a:spcAft>
+      <a:defRPr sz="1200" kern="1200">
+        <a:solidFill>
+          <a:schemeClr val="tx1"/>
+        </a:solidFill>
+        <a:latin typeface="Arial" charset="0"/>
+        <a:ea typeface="+mn-ea"/>
+        <a:cs typeface="+mn-cs"/>
+      </a:defRPr>
+    </a:lvl5pPr>
+    <a:lvl6pPr algn="l" defTabSz="914400" eaLnBrk="1" hangingPunct="1" latinLnBrk="0" marL="2286000" rtl="0">
+      <a:defRPr sz="1200" kern="1200">
+        <a:solidFill>
+          <a:schemeClr val="tx1"/>
+        </a:solidFill>
+        <a:latin typeface="+mn-lt"/>
+        <a:ea typeface="+mn-ea"/>
+        <a:cs typeface="+mn-cs"/>
+      </a:defRPr>
+    </a:lvl6pPr>
+    <a:lvl7pPr algn="l" defTabSz="914400" eaLnBrk="1" hangingPunct="1" latinLnBrk="0" marL="2743200" rtl="0">
+      <a:defRPr sz="1200" kern="1200">
+        <a:solidFill>
+          <a:schemeClr val="tx1"/>
+        </a:solidFill>
+        <a:latin typeface="+mn-lt"/>
+        <a:ea typeface="+mn-ea"/>
+        <a:cs typeface="+mn-cs"/>
+      </a:defRPr>
+    </a:lvl7pPr>
+    <a:lvl8pPr algn="l" defTabSz="914400" eaLnBrk="1" hangingPunct="1" latinLnBrk="0" marL="3200400" rtl="0">
+      <a:defRPr sz="1200" kern="1200">
+        <a:solidFill>
+          <a:schemeClr val="tx1"/>
+        </a:solidFill>
+        <a:latin typeface="+mn-lt"/>
+        <a:ea typeface="+mn-ea"/>
+        <a:cs typeface="+mn-cs"/>
+      </a:defRPr>
+    </a:lvl8pPr>
+    <a:lvl9pPr algn="l" defTabSz="914400" eaLnBrk="1" hangingPunct="1" latinLnBrk="0" marL="3657600" rtl="0">
+      <a:defRPr sz="1200" kern="1200">
+        <a:solidFill>
+          <a:schemeClr val="tx1"/>
+        </a:solidFill>
+        <a:latin typeface="+mn-lt"/>
+        <a:ea typeface="+mn-ea"/>
+        <a:cs typeface="+mn-cs"/>
+      </a:defRPr>
+    </a:lvl9pPr>
+  </p:notesStyle>
+</p:notesMaster>
+</file>
+
 <file path=ppt/slideLayouts/slideLayout1.xml><?xml version="1.0" encoding="utf-8"?>
-<p:sldLayout xmlns:a="http://schemas.openxmlformats.org/drawingml/2006/main" xmlns:r="http://schemas.openxmlformats.org/officeDocument/2006/relationships" xmlns:p="http://schemas.openxmlformats.org/presentationml/2006/main" type="title" preserve="1">
+<p:sldLayout xmlns:a="http://schemas.openxmlformats.org/drawingml/2006/main" xmlns:r="http://schemas.openxmlformats.org/officeDocument/2006/relationships" xmlns:p="http://schemas.openxmlformats.org/presentationml/2006/main" preserve="1" type="title">
   <p:cSld name="标题幻灯片">
     <p:spTree>
       <p:nvGrpSpPr>
-        <p:cNvPr id="1" name=""/>
+        <p:cNvPr id="37" name=""/>
         <p:cNvGrpSpPr/>
         <p:nvPr/>
       </p:nvGrpSpPr>
@@ -167,20 +559,14 @@
       </p:grpSpPr>
       <p:pic>
         <p:nvPicPr>
-          <p:cNvPr id="7" name="Picture 6" descr="HD-ShadowLong.png"/>
+          <p:cNvPr id="2097163" name="Picture 6" descr="HD-ShadowLong.png"/>
           <p:cNvPicPr>
             <a:picLocks noChangeAspect="1"/>
           </p:cNvPicPr>
           <p:nvPr/>
         </p:nvPicPr>
         <p:blipFill>
-          <a:blip r:embed="rId2">
-            <a:extLst>
-              <a:ext uri="{28A0092B-C50C-407E-A947-70E740481C1C}">
-                <a14:useLocalDpi xmlns:a14="http://schemas.microsoft.com/office/drawing/2010/main" val="0"/>
-              </a:ext>
-            </a:extLst>
-          </a:blip>
+          <a:blip xmlns:r="http://schemas.openxmlformats.org/officeDocument/2006/relationships" r:embed="rId1"/>
           <a:stretch>
             <a:fillRect/>
           </a:stretch>
@@ -190,27 +576,19 @@
             <a:off x="1" y="4242851"/>
             <a:ext cx="8968084" cy="275942"/>
           </a:xfrm>
-          <a:prstGeom prst="rect">
-            <a:avLst/>
-          </a:prstGeom>
+          <a:prstGeom prst="rect"/>
         </p:spPr>
       </p:pic>
       <p:pic>
         <p:nvPicPr>
-          <p:cNvPr id="8" name="Picture 7" descr="HD-ShadowShort.png"/>
+          <p:cNvPr id="2097164" name="Picture 7" descr="HD-ShadowShort.png"/>
           <p:cNvPicPr>
             <a:picLocks noChangeAspect="1"/>
           </p:cNvPicPr>
           <p:nvPr/>
         </p:nvPicPr>
         <p:blipFill>
-          <a:blip r:embed="rId3">
-            <a:extLst>
-              <a:ext uri="{28A0092B-C50C-407E-A947-70E740481C1C}">
-                <a14:useLocalDpi xmlns:a14="http://schemas.microsoft.com/office/drawing/2010/main" val="0"/>
-              </a:ext>
-            </a:extLst>
-          </a:blip>
+          <a:blip xmlns:r="http://schemas.openxmlformats.org/officeDocument/2006/relationships" r:embed="rId2"/>
           <a:stretch>
             <a:fillRect/>
           </a:stretch>
@@ -220,14 +598,12 @@
             <a:off x="9111716" y="4243845"/>
             <a:ext cx="3077108" cy="276940"/>
           </a:xfrm>
-          <a:prstGeom prst="rect">
-            <a:avLst/>
-          </a:prstGeom>
+          <a:prstGeom prst="rect"/>
         </p:spPr>
       </p:pic>
       <p:sp>
         <p:nvSpPr>
-          <p:cNvPr id="9" name="Rectangle 8"/>
+          <p:cNvPr id="1048602" name="Rectangle 8"/>
           <p:cNvSpPr/>
           <p:nvPr/>
         </p:nvSpPr>
@@ -236,9 +612,7 @@
             <a:off x="0" y="2590078"/>
             <a:ext cx="8968085" cy="1660332"/>
           </a:xfrm>
-          <a:prstGeom prst="rect">
-            <a:avLst/>
-          </a:prstGeom>
+          <a:prstGeom prst="rect"/>
           <a:solidFill>
             <a:schemeClr val="bg1">
               <a:lumMod val="85000"/>
@@ -268,7 +642,7 @@
       </p:sp>
       <p:sp>
         <p:nvSpPr>
-          <p:cNvPr id="10" name="Rectangle 9"/>
+          <p:cNvPr id="1048603" name="Rectangle 9"/>
           <p:cNvSpPr/>
           <p:nvPr/>
         </p:nvSpPr>
@@ -277,9 +651,7 @@
             <a:off x="9111715" y="2590078"/>
             <a:ext cx="3077109" cy="1660332"/>
           </a:xfrm>
-          <a:prstGeom prst="rect">
-            <a:avLst/>
-          </a:prstGeom>
+          <a:prstGeom prst="rect"/>
           <a:solidFill>
             <a:schemeClr val="accent1"/>
           </a:solidFill>
@@ -306,7 +678,7 @@
       </p:sp>
       <p:sp>
         <p:nvSpPr>
-          <p:cNvPr id="2" name="Title 1"/>
+          <p:cNvPr id="1048604" name="Title 1"/>
           <p:cNvSpPr>
             <a:spLocks noGrp="1"/>
           </p:cNvSpPr>
@@ -331,16 +703,16 @@
           </a:lstStyle>
           <a:p>
             <a:r>
-              <a:rPr lang="zh-CN" altLang="en-US"/>
+              <a:rPr altLang="en-US" lang="zh-CN"/>
               <a:t>单击此处编辑母版标题样式</a:t>
             </a:r>
-            <a:endParaRPr lang="en-US" dirty="0"/>
-          </a:p>
-        </p:txBody>
-      </p:sp>
-      <p:sp>
-        <p:nvSpPr>
-          <p:cNvPr id="3" name="Subtitle 2"/>
+            <a:endParaRPr dirty="0" lang="en-US"/>
+          </a:p>
+        </p:txBody>
+      </p:sp>
+      <p:sp>
+        <p:nvSpPr>
+          <p:cNvPr id="1048605" name="Subtitle 2"/>
           <p:cNvSpPr>
             <a:spLocks noGrp="1"/>
           </p:cNvSpPr>
@@ -359,55 +731,55 @@
             <a:normAutofit/>
           </a:bodyPr>
           <a:lstStyle>
-            <a:lvl1pPr marL="0" indent="0" algn="r">
+            <a:lvl1pPr algn="r" indent="0" marL="0">
               <a:buNone/>
               <a:defRPr sz="2000"/>
             </a:lvl1pPr>
-            <a:lvl2pPr marL="457200" indent="0" algn="ctr">
+            <a:lvl2pPr algn="ctr" indent="0" marL="457200">
               <a:buNone/>
               <a:defRPr sz="2000"/>
             </a:lvl2pPr>
-            <a:lvl3pPr marL="914400" indent="0" algn="ctr">
+            <a:lvl3pPr algn="ctr" indent="0" marL="914400">
               <a:buNone/>
               <a:defRPr sz="1800"/>
             </a:lvl3pPr>
-            <a:lvl4pPr marL="1371600" indent="0" algn="ctr">
+            <a:lvl4pPr algn="ctr" indent="0" marL="1371600">
               <a:buNone/>
               <a:defRPr sz="1600"/>
             </a:lvl4pPr>
-            <a:lvl5pPr marL="1828800" indent="0" algn="ctr">
+            <a:lvl5pPr algn="ctr" indent="0" marL="1828800">
               <a:buNone/>
               <a:defRPr sz="1600"/>
             </a:lvl5pPr>
-            <a:lvl6pPr marL="2286000" indent="0" algn="ctr">
+            <a:lvl6pPr algn="ctr" indent="0" marL="2286000">
               <a:buNone/>
               <a:defRPr sz="1600"/>
             </a:lvl6pPr>
-            <a:lvl7pPr marL="2743200" indent="0" algn="ctr">
+            <a:lvl7pPr algn="ctr" indent="0" marL="2743200">
               <a:buNone/>
               <a:defRPr sz="1600"/>
             </a:lvl7pPr>
-            <a:lvl8pPr marL="3200400" indent="0" algn="ctr">
+            <a:lvl8pPr algn="ctr" indent="0" marL="3200400">
               <a:buNone/>
               <a:defRPr sz="1600"/>
             </a:lvl8pPr>
-            <a:lvl9pPr marL="3657600" indent="0" algn="ctr">
+            <a:lvl9pPr algn="ctr" indent="0" marL="3657600">
               <a:buNone/>
               <a:defRPr sz="1600"/>
             </a:lvl9pPr>
           </a:lstStyle>
           <a:p>
             <a:r>
-              <a:rPr lang="zh-CN" altLang="en-US"/>
+              <a:rPr altLang="en-US" lang="zh-CN"/>
               <a:t>单击此处编辑母版副标题样式</a:t>
             </a:r>
-            <a:endParaRPr lang="en-US" dirty="0"/>
-          </a:p>
-        </p:txBody>
-      </p:sp>
-      <p:sp>
-        <p:nvSpPr>
-          <p:cNvPr id="4" name="Date Placeholder 3"/>
+            <a:endParaRPr dirty="0" lang="en-US"/>
+          </a:p>
+        </p:txBody>
+      </p:sp>
+      <p:sp>
+        <p:nvSpPr>
+          <p:cNvPr id="1048606" name="Date Placeholder 3"/>
           <p:cNvSpPr>
             <a:spLocks noGrp="1"/>
           </p:cNvSpPr>
@@ -418,19 +790,18 @@
         <p:spPr/>
         <p:txBody>
           <a:bodyPr/>
-          <a:lstStyle/>
           <a:p>
             <a:fld id="{78ABE3C1-DBE1-495D-B57B-2849774B866A}" type="datetimeFigureOut">
-              <a:rPr lang="en-US" dirty="0"/>
+              <a:rPr dirty="0" lang="en-US"/>
               <a:t>1/6/2019</a:t>
             </a:fld>
-            <a:endParaRPr lang="en-US" dirty="0"/>
-          </a:p>
-        </p:txBody>
-      </p:sp>
-      <p:sp>
-        <p:nvSpPr>
-          <p:cNvPr id="5" name="Footer Placeholder 4"/>
+            <a:endParaRPr dirty="0" lang="en-US"/>
+          </a:p>
+        </p:txBody>
+      </p:sp>
+      <p:sp>
+        <p:nvSpPr>
+          <p:cNvPr id="1048607" name="Footer Placeholder 4"/>
           <p:cNvSpPr>
             <a:spLocks noGrp="1"/>
           </p:cNvSpPr>
@@ -441,15 +812,14 @@
         <p:spPr/>
         <p:txBody>
           <a:bodyPr/>
-          <a:lstStyle/>
-          <a:p>
-            <a:endParaRPr lang="en-US" dirty="0"/>
-          </a:p>
-        </p:txBody>
-      </p:sp>
-      <p:sp>
-        <p:nvSpPr>
-          <p:cNvPr id="6" name="Slide Number Placeholder 5"/>
+          <a:p>
+            <a:endParaRPr dirty="0" lang="en-US"/>
+          </a:p>
+        </p:txBody>
+      </p:sp>
+      <p:sp>
+        <p:nvSpPr>
+          <p:cNvPr id="1048608" name="Slide Number Placeholder 5"/>
           <p:cNvSpPr>
             <a:spLocks noGrp="1"/>
           </p:cNvSpPr>
@@ -465,13 +835,12 @@
         </p:spPr>
         <p:txBody>
           <a:bodyPr/>
-          <a:lstStyle/>
           <a:p>
             <a:fld id="{6D22F896-40B5-4ADD-8801-0D06FADFA095}" type="slidenum">
-              <a:rPr lang="en-US" dirty="0"/>
+              <a:rPr dirty="0" lang="en-US"/>
               <a:t>‹#›</a:t>
             </a:fld>
-            <a:endParaRPr lang="en-US" dirty="0"/>
+            <a:endParaRPr dirty="0" lang="en-US"/>
           </a:p>
         </p:txBody>
       </p:sp>
@@ -488,7 +857,7 @@
   <p:cSld name="带描述的全景图片">
     <p:spTree>
       <p:nvGrpSpPr>
-        <p:cNvPr id="1" name=""/>
+        <p:cNvPr id="56" name=""/>
         <p:cNvGrpSpPr/>
         <p:nvPr/>
       </p:nvGrpSpPr>
@@ -502,20 +871,14 @@
       </p:grpSpPr>
       <p:pic>
         <p:nvPicPr>
-          <p:cNvPr id="8" name="Picture 7" descr="HD-ShadowLong.png"/>
+          <p:cNvPr id="2097193" name="Picture 7" descr="HD-ShadowLong.png"/>
           <p:cNvPicPr>
             <a:picLocks noChangeAspect="1"/>
           </p:cNvPicPr>
           <p:nvPr/>
         </p:nvPicPr>
         <p:blipFill>
-          <a:blip r:embed="rId2">
-            <a:extLst>
-              <a:ext uri="{28A0092B-C50C-407E-A947-70E740481C1C}">
-                <a14:useLocalDpi xmlns:a14="http://schemas.microsoft.com/office/drawing/2010/main" val="0"/>
-              </a:ext>
-            </a:extLst>
-          </a:blip>
+          <a:blip xmlns:r="http://schemas.openxmlformats.org/officeDocument/2006/relationships" r:embed="rId1"/>
           <a:stretch>
             <a:fillRect/>
           </a:stretch>
@@ -525,27 +888,19 @@
             <a:off x="1" y="5928628"/>
             <a:ext cx="10437812" cy="321164"/>
           </a:xfrm>
-          <a:prstGeom prst="rect">
-            <a:avLst/>
-          </a:prstGeom>
+          <a:prstGeom prst="rect"/>
         </p:spPr>
       </p:pic>
       <p:pic>
         <p:nvPicPr>
-          <p:cNvPr id="9" name="Picture 8" descr="HD-ShadowShort.png"/>
+          <p:cNvPr id="2097194" name="Picture 8" descr="HD-ShadowShort.png"/>
           <p:cNvPicPr>
             <a:picLocks noChangeAspect="1"/>
           </p:cNvPicPr>
           <p:nvPr/>
         </p:nvPicPr>
         <p:blipFill>
-          <a:blip r:embed="rId3">
-            <a:extLst>
-              <a:ext uri="{28A0092B-C50C-407E-A947-70E740481C1C}">
-                <a14:useLocalDpi xmlns:a14="http://schemas.microsoft.com/office/drawing/2010/main" val="0"/>
-              </a:ext>
-            </a:extLst>
-          </a:blip>
+          <a:blip xmlns:r="http://schemas.openxmlformats.org/officeDocument/2006/relationships" r:embed="rId2"/>
           <a:stretch>
             <a:fillRect/>
           </a:stretch>
@@ -555,14 +910,12 @@
             <a:off x="10585826" y="5929622"/>
             <a:ext cx="1602997" cy="144270"/>
           </a:xfrm>
-          <a:prstGeom prst="rect">
-            <a:avLst/>
-          </a:prstGeom>
+          <a:prstGeom prst="rect"/>
         </p:spPr>
       </p:pic>
       <p:sp>
         <p:nvSpPr>
-          <p:cNvPr id="10" name="Rectangle 9"/>
+          <p:cNvPr id="1048730" name="Rectangle 9"/>
           <p:cNvSpPr/>
           <p:nvPr/>
         </p:nvSpPr>
@@ -571,9 +924,7 @@
             <a:off x="0" y="4567988"/>
             <a:ext cx="10437812" cy="1368198"/>
           </a:xfrm>
-          <a:prstGeom prst="rect">
-            <a:avLst/>
-          </a:prstGeom>
+          <a:prstGeom prst="rect"/>
           <a:solidFill>
             <a:schemeClr val="bg1">
               <a:lumMod val="85000"/>
@@ -603,7 +954,7 @@
       </p:sp>
       <p:sp>
         <p:nvSpPr>
-          <p:cNvPr id="11" name="Rectangle 10"/>
+          <p:cNvPr id="1048731" name="Rectangle 10"/>
           <p:cNvSpPr/>
           <p:nvPr/>
         </p:nvSpPr>
@@ -612,9 +963,7 @@
             <a:off x="10585827" y="4567988"/>
             <a:ext cx="1602997" cy="1368198"/>
           </a:xfrm>
-          <a:prstGeom prst="rect">
-            <a:avLst/>
-          </a:prstGeom>
+          <a:prstGeom prst="rect"/>
           <a:solidFill>
             <a:schemeClr val="accent1"/>
           </a:solidFill>
@@ -641,7 +990,7 @@
       </p:sp>
       <p:sp>
         <p:nvSpPr>
-          <p:cNvPr id="2" name="Title 1"/>
+          <p:cNvPr id="1048732" name="Title 1"/>
           <p:cNvSpPr>
             <a:spLocks noGrp="1"/>
           </p:cNvSpPr>
@@ -666,18 +1015,18 @@
           </a:lstStyle>
           <a:p>
             <a:r>
-              <a:rPr lang="zh-CN" altLang="en-US"/>
+              <a:rPr altLang="en-US" lang="zh-CN"/>
               <a:t>单击此处编辑母版标题样式</a:t>
             </a:r>
-            <a:endParaRPr lang="en-US" dirty="0"/>
-          </a:p>
-        </p:txBody>
-      </p:sp>
-      <p:sp>
-        <p:nvSpPr>
-          <p:cNvPr id="3" name="Picture Placeholder 2"/>
-          <p:cNvSpPr>
-            <a:spLocks noGrp="1" noChangeAspect="1"/>
+            <a:endParaRPr dirty="0" lang="en-US"/>
+          </a:p>
+        </p:txBody>
+      </p:sp>
+      <p:sp>
+        <p:nvSpPr>
+          <p:cNvPr id="1048733" name="Picture Placeholder 2"/>
+          <p:cNvSpPr>
+            <a:spLocks noChangeAspect="1" noGrp="1"/>
           </p:cNvSpPr>
           <p:nvPr>
             <p:ph type="pic" idx="1"/>
@@ -693,7 +1042,7 @@
             <a:noFill/>
           </a:ln>
           <a:effectLst>
-            <a:outerShdw blurRad="76200" dist="63500" dir="5040000" algn="tl" rotWithShape="0">
+            <a:outerShdw algn="tl" blurRad="76200" dir="5040000" dist="63500" rotWithShape="0">
               <a:srgbClr val="000000">
                 <a:alpha val="41000"/>
               </a:srgbClr>
@@ -703,55 +1052,55 @@
         <p:txBody>
           <a:bodyPr anchor="t"/>
           <a:lstStyle>
-            <a:lvl1pPr marL="0" indent="0">
+            <a:lvl1pPr indent="0" marL="0">
               <a:buNone/>
               <a:defRPr sz="3200"/>
             </a:lvl1pPr>
-            <a:lvl2pPr marL="457200" indent="0">
+            <a:lvl2pPr indent="0" marL="457200">
               <a:buNone/>
               <a:defRPr sz="2800"/>
             </a:lvl2pPr>
-            <a:lvl3pPr marL="914400" indent="0">
+            <a:lvl3pPr indent="0" marL="914400">
               <a:buNone/>
               <a:defRPr sz="2400"/>
             </a:lvl3pPr>
-            <a:lvl4pPr marL="1371600" indent="0">
+            <a:lvl4pPr indent="0" marL="1371600">
               <a:buNone/>
               <a:defRPr sz="2000"/>
             </a:lvl4pPr>
-            <a:lvl5pPr marL="1828800" indent="0">
+            <a:lvl5pPr indent="0" marL="1828800">
               <a:buNone/>
               <a:defRPr sz="2000"/>
             </a:lvl5pPr>
-            <a:lvl6pPr marL="2286000" indent="0">
+            <a:lvl6pPr indent="0" marL="2286000">
               <a:buNone/>
               <a:defRPr sz="2000"/>
             </a:lvl6pPr>
-            <a:lvl7pPr marL="2743200" indent="0">
+            <a:lvl7pPr indent="0" marL="2743200">
               <a:buNone/>
               <a:defRPr sz="2000"/>
             </a:lvl7pPr>
-            <a:lvl8pPr marL="3200400" indent="0">
+            <a:lvl8pPr indent="0" marL="3200400">
               <a:buNone/>
               <a:defRPr sz="2000"/>
             </a:lvl8pPr>
-            <a:lvl9pPr marL="3657600" indent="0">
+            <a:lvl9pPr indent="0" marL="3657600">
               <a:buNone/>
               <a:defRPr sz="2000"/>
             </a:lvl9pPr>
           </a:lstStyle>
           <a:p>
             <a:r>
-              <a:rPr lang="zh-CN" altLang="en-US"/>
+              <a:rPr altLang="en-US" lang="zh-CN"/>
               <a:t>单击图标添加图片</a:t>
             </a:r>
-            <a:endParaRPr lang="en-US" dirty="0"/>
-          </a:p>
-        </p:txBody>
-      </p:sp>
-      <p:sp>
-        <p:nvSpPr>
-          <p:cNvPr id="4" name="Text Placeholder 3"/>
+            <a:endParaRPr dirty="0" lang="en-US"/>
+          </a:p>
+        </p:txBody>
+      </p:sp>
+      <p:sp>
+        <p:nvSpPr>
+          <p:cNvPr id="1048734" name="Text Placeholder 3"/>
           <p:cNvSpPr>
             <a:spLocks noGrp="1"/>
           </p:cNvSpPr>
@@ -768,39 +1117,39 @@
         <p:txBody>
           <a:bodyPr/>
           <a:lstStyle>
-            <a:lvl1pPr marL="0" indent="0">
+            <a:lvl1pPr indent="0" marL="0">
               <a:buNone/>
               <a:defRPr sz="1600"/>
             </a:lvl1pPr>
-            <a:lvl2pPr marL="457200" indent="0">
+            <a:lvl2pPr indent="0" marL="457200">
               <a:buNone/>
               <a:defRPr sz="1400"/>
             </a:lvl2pPr>
-            <a:lvl3pPr marL="914400" indent="0">
+            <a:lvl3pPr indent="0" marL="914400">
               <a:buNone/>
               <a:defRPr sz="1200"/>
             </a:lvl3pPr>
-            <a:lvl4pPr marL="1371600" indent="0">
+            <a:lvl4pPr indent="0" marL="1371600">
               <a:buNone/>
               <a:defRPr sz="1000"/>
             </a:lvl4pPr>
-            <a:lvl5pPr marL="1828800" indent="0">
+            <a:lvl5pPr indent="0" marL="1828800">
               <a:buNone/>
               <a:defRPr sz="1000"/>
             </a:lvl5pPr>
-            <a:lvl6pPr marL="2286000" indent="0">
+            <a:lvl6pPr indent="0" marL="2286000">
               <a:buNone/>
               <a:defRPr sz="1000"/>
             </a:lvl6pPr>
-            <a:lvl7pPr marL="2743200" indent="0">
+            <a:lvl7pPr indent="0" marL="2743200">
               <a:buNone/>
               <a:defRPr sz="1000"/>
             </a:lvl7pPr>
-            <a:lvl8pPr marL="3200400" indent="0">
+            <a:lvl8pPr indent="0" marL="3200400">
               <a:buNone/>
               <a:defRPr sz="1000"/>
             </a:lvl8pPr>
-            <a:lvl9pPr marL="3657600" indent="0">
+            <a:lvl9pPr indent="0" marL="3657600">
               <a:buNone/>
               <a:defRPr sz="1000"/>
             </a:lvl9pPr>
@@ -808,7 +1157,7 @@
           <a:p>
             <a:pPr lvl="0"/>
             <a:r>
-              <a:rPr lang="zh-CN" altLang="en-US"/>
+              <a:rPr altLang="en-US" lang="zh-CN"/>
               <a:t>编辑母版文本样式</a:t>
             </a:r>
           </a:p>
@@ -816,7 +1165,7 @@
       </p:sp>
       <p:sp>
         <p:nvSpPr>
-          <p:cNvPr id="5" name="Date Placeholder 4"/>
+          <p:cNvPr id="1048735" name="Date Placeholder 4"/>
           <p:cNvSpPr>
             <a:spLocks noGrp="1"/>
           </p:cNvSpPr>
@@ -827,19 +1176,18 @@
         <p:spPr/>
         <p:txBody>
           <a:bodyPr/>
-          <a:lstStyle/>
           <a:p>
             <a:fld id="{446C117F-5CCF-4837-BE5F-2B92066CAFAF}" type="datetimeFigureOut">
-              <a:rPr lang="en-US" dirty="0"/>
+              <a:rPr dirty="0" lang="en-US"/>
               <a:t>1/6/2019</a:t>
             </a:fld>
-            <a:endParaRPr lang="en-US" dirty="0"/>
-          </a:p>
-        </p:txBody>
-      </p:sp>
-      <p:sp>
-        <p:nvSpPr>
-          <p:cNvPr id="6" name="Footer Placeholder 5"/>
+            <a:endParaRPr dirty="0" lang="en-US"/>
+          </a:p>
+        </p:txBody>
+      </p:sp>
+      <p:sp>
+        <p:nvSpPr>
+          <p:cNvPr id="1048736" name="Footer Placeholder 5"/>
           <p:cNvSpPr>
             <a:spLocks noGrp="1"/>
           </p:cNvSpPr>
@@ -850,15 +1198,14 @@
         <p:spPr/>
         <p:txBody>
           <a:bodyPr/>
-          <a:lstStyle/>
-          <a:p>
-            <a:endParaRPr lang="en-US" dirty="0"/>
-          </a:p>
-        </p:txBody>
-      </p:sp>
-      <p:sp>
-        <p:nvSpPr>
-          <p:cNvPr id="7" name="Slide Number Placeholder 6"/>
+          <a:p>
+            <a:endParaRPr dirty="0" lang="en-US"/>
+          </a:p>
+        </p:txBody>
+      </p:sp>
+      <p:sp>
+        <p:nvSpPr>
+          <p:cNvPr id="1048737" name="Slide Number Placeholder 6"/>
           <p:cNvSpPr>
             <a:spLocks noGrp="1"/>
           </p:cNvSpPr>
@@ -874,13 +1221,12 @@
         </p:spPr>
         <p:txBody>
           <a:bodyPr/>
-          <a:lstStyle/>
           <a:p>
             <a:fld id="{6D22F896-40B5-4ADD-8801-0D06FADFA095}" type="slidenum">
-              <a:rPr lang="en-US" dirty="0"/>
+              <a:rPr dirty="0" lang="en-US"/>
               <a:t>‹#›</a:t>
             </a:fld>
-            <a:endParaRPr lang="en-US" dirty="0"/>
+            <a:endParaRPr dirty="0" lang="en-US"/>
           </a:p>
         </p:txBody>
       </p:sp>
@@ -897,7 +1243,7 @@
   <p:cSld name="标题和描述">
     <p:spTree>
       <p:nvGrpSpPr>
-        <p:cNvPr id="1" name=""/>
+        <p:cNvPr id="35" name=""/>
         <p:cNvGrpSpPr/>
         <p:nvPr/>
       </p:nvGrpSpPr>
@@ -911,20 +1257,14 @@
       </p:grpSpPr>
       <p:pic>
         <p:nvPicPr>
-          <p:cNvPr id="8" name="Picture 7" descr="HD-ShadowLong.png"/>
+          <p:cNvPr id="2097159" name="Picture 7" descr="HD-ShadowLong.png"/>
           <p:cNvPicPr>
             <a:picLocks noChangeAspect="1"/>
           </p:cNvPicPr>
           <p:nvPr/>
         </p:nvPicPr>
         <p:blipFill>
-          <a:blip r:embed="rId2">
-            <a:extLst>
-              <a:ext uri="{28A0092B-C50C-407E-A947-70E740481C1C}">
-                <a14:useLocalDpi xmlns:a14="http://schemas.microsoft.com/office/drawing/2010/main" val="0"/>
-              </a:ext>
-            </a:extLst>
-          </a:blip>
+          <a:blip xmlns:r="http://schemas.openxmlformats.org/officeDocument/2006/relationships" r:embed="rId1"/>
           <a:stretch>
             <a:fillRect/>
           </a:stretch>
@@ -934,27 +1274,19 @@
             <a:off x="1" y="5928628"/>
             <a:ext cx="10437812" cy="321164"/>
           </a:xfrm>
-          <a:prstGeom prst="rect">
-            <a:avLst/>
-          </a:prstGeom>
+          <a:prstGeom prst="rect"/>
         </p:spPr>
       </p:pic>
       <p:pic>
         <p:nvPicPr>
-          <p:cNvPr id="9" name="Picture 8" descr="HD-ShadowShort.png"/>
+          <p:cNvPr id="2097160" name="Picture 8" descr="HD-ShadowShort.png"/>
           <p:cNvPicPr>
             <a:picLocks noChangeAspect="1"/>
           </p:cNvPicPr>
           <p:nvPr/>
         </p:nvPicPr>
         <p:blipFill>
-          <a:blip r:embed="rId3">
-            <a:extLst>
-              <a:ext uri="{28A0092B-C50C-407E-A947-70E740481C1C}">
-                <a14:useLocalDpi xmlns:a14="http://schemas.microsoft.com/office/drawing/2010/main" val="0"/>
-              </a:ext>
-            </a:extLst>
-          </a:blip>
+          <a:blip xmlns:r="http://schemas.openxmlformats.org/officeDocument/2006/relationships" r:embed="rId2"/>
           <a:stretch>
             <a:fillRect/>
           </a:stretch>
@@ -964,14 +1296,12 @@
             <a:off x="10585826" y="5929622"/>
             <a:ext cx="1602997" cy="144270"/>
           </a:xfrm>
-          <a:prstGeom prst="rect">
-            <a:avLst/>
-          </a:prstGeom>
+          <a:prstGeom prst="rect"/>
         </p:spPr>
       </p:pic>
       <p:sp>
         <p:nvSpPr>
-          <p:cNvPr id="10" name="Rectangle 9"/>
+          <p:cNvPr id="1048593" name="Rectangle 9"/>
           <p:cNvSpPr/>
           <p:nvPr/>
         </p:nvSpPr>
@@ -980,9 +1310,7 @@
             <a:off x="0" y="4567988"/>
             <a:ext cx="10437812" cy="1368198"/>
           </a:xfrm>
-          <a:prstGeom prst="rect">
-            <a:avLst/>
-          </a:prstGeom>
+          <a:prstGeom prst="rect"/>
           <a:solidFill>
             <a:schemeClr val="bg1">
               <a:lumMod val="85000"/>
@@ -1012,7 +1340,7 @@
       </p:sp>
       <p:sp>
         <p:nvSpPr>
-          <p:cNvPr id="11" name="Rectangle 10"/>
+          <p:cNvPr id="1048594" name="Rectangle 10"/>
           <p:cNvSpPr/>
           <p:nvPr/>
         </p:nvSpPr>
@@ -1021,9 +1349,7 @@
             <a:off x="10585827" y="4567988"/>
             <a:ext cx="1602997" cy="1368198"/>
           </a:xfrm>
-          <a:prstGeom prst="rect">
-            <a:avLst/>
-          </a:prstGeom>
+          <a:prstGeom prst="rect"/>
           <a:solidFill>
             <a:schemeClr val="accent1"/>
           </a:solidFill>
@@ -1050,7 +1376,7 @@
       </p:sp>
       <p:sp>
         <p:nvSpPr>
-          <p:cNvPr id="2" name="Title 1"/>
+          <p:cNvPr id="1048595" name="Title 1"/>
           <p:cNvSpPr>
             <a:spLocks noGrp="1"/>
           </p:cNvSpPr>
@@ -1073,16 +1399,16 @@
           </a:lstStyle>
           <a:p>
             <a:r>
-              <a:rPr lang="zh-CN" altLang="en-US"/>
+              <a:rPr altLang="en-US" lang="zh-CN"/>
               <a:t>单击此处编辑母版标题样式</a:t>
             </a:r>
-            <a:endParaRPr lang="en-US" dirty="0"/>
-          </a:p>
-        </p:txBody>
-      </p:sp>
-      <p:sp>
-        <p:nvSpPr>
-          <p:cNvPr id="4" name="Text Placeholder 3"/>
+            <a:endParaRPr dirty="0" lang="en-US"/>
+          </a:p>
+        </p:txBody>
+      </p:sp>
+      <p:sp>
+        <p:nvSpPr>
+          <p:cNvPr id="1048596" name="Text Placeholder 3"/>
           <p:cNvSpPr>
             <a:spLocks noGrp="1"/>
           </p:cNvSpPr>
@@ -1099,39 +1425,39 @@
         <p:txBody>
           <a:bodyPr anchor="ctr"/>
           <a:lstStyle>
-            <a:lvl1pPr marL="0" indent="0">
+            <a:lvl1pPr indent="0" marL="0">
               <a:buNone/>
               <a:defRPr sz="1600"/>
             </a:lvl1pPr>
-            <a:lvl2pPr marL="457200" indent="0">
+            <a:lvl2pPr indent="0" marL="457200">
               <a:buNone/>
               <a:defRPr sz="1400"/>
             </a:lvl2pPr>
-            <a:lvl3pPr marL="914400" indent="0">
+            <a:lvl3pPr indent="0" marL="914400">
               <a:buNone/>
               <a:defRPr sz="1200"/>
             </a:lvl3pPr>
-            <a:lvl4pPr marL="1371600" indent="0">
+            <a:lvl4pPr indent="0" marL="1371600">
               <a:buNone/>
               <a:defRPr sz="1000"/>
             </a:lvl4pPr>
-            <a:lvl5pPr marL="1828800" indent="0">
+            <a:lvl5pPr indent="0" marL="1828800">
               <a:buNone/>
               <a:defRPr sz="1000"/>
             </a:lvl5pPr>
-            <a:lvl6pPr marL="2286000" indent="0">
+            <a:lvl6pPr indent="0" marL="2286000">
               <a:buNone/>
               <a:defRPr sz="1000"/>
             </a:lvl6pPr>
-            <a:lvl7pPr marL="2743200" indent="0">
+            <a:lvl7pPr indent="0" marL="2743200">
               <a:buNone/>
               <a:defRPr sz="1000"/>
             </a:lvl7pPr>
-            <a:lvl8pPr marL="3200400" indent="0">
+            <a:lvl8pPr indent="0" marL="3200400">
               <a:buNone/>
               <a:defRPr sz="1000"/>
             </a:lvl8pPr>
-            <a:lvl9pPr marL="3657600" indent="0">
+            <a:lvl9pPr indent="0" marL="3657600">
               <a:buNone/>
               <a:defRPr sz="1000"/>
             </a:lvl9pPr>
@@ -1139,7 +1465,7 @@
           <a:p>
             <a:pPr lvl="0"/>
             <a:r>
-              <a:rPr lang="zh-CN" altLang="en-US"/>
+              <a:rPr altLang="en-US" lang="zh-CN"/>
               <a:t>编辑母版文本样式</a:t>
             </a:r>
           </a:p>
@@ -1147,7 +1473,7 @@
       </p:sp>
       <p:sp>
         <p:nvSpPr>
-          <p:cNvPr id="5" name="Date Placeholder 4"/>
+          <p:cNvPr id="1048597" name="Date Placeholder 4"/>
           <p:cNvSpPr>
             <a:spLocks noGrp="1"/>
           </p:cNvSpPr>
@@ -1158,19 +1484,18 @@
         <p:spPr/>
         <p:txBody>
           <a:bodyPr/>
-          <a:lstStyle/>
           <a:p>
             <a:fld id="{84EB90BD-B6CE-46B7-997F-7313B992CCDC}" type="datetimeFigureOut">
-              <a:rPr lang="en-US" dirty="0"/>
+              <a:rPr dirty="0" lang="en-US"/>
               <a:t>1/6/2019</a:t>
             </a:fld>
-            <a:endParaRPr lang="en-US" dirty="0"/>
-          </a:p>
-        </p:txBody>
-      </p:sp>
-      <p:sp>
-        <p:nvSpPr>
-          <p:cNvPr id="6" name="Footer Placeholder 5"/>
+            <a:endParaRPr dirty="0" lang="en-US"/>
+          </a:p>
+        </p:txBody>
+      </p:sp>
+      <p:sp>
+        <p:nvSpPr>
+          <p:cNvPr id="1048598" name="Footer Placeholder 5"/>
           <p:cNvSpPr>
             <a:spLocks noGrp="1"/>
           </p:cNvSpPr>
@@ -1181,15 +1506,14 @@
         <p:spPr/>
         <p:txBody>
           <a:bodyPr/>
-          <a:lstStyle/>
-          <a:p>
-            <a:endParaRPr lang="en-US" dirty="0"/>
-          </a:p>
-        </p:txBody>
-      </p:sp>
-      <p:sp>
-        <p:nvSpPr>
-          <p:cNvPr id="7" name="Slide Number Placeholder 6"/>
+          <a:p>
+            <a:endParaRPr dirty="0" lang="en-US"/>
+          </a:p>
+        </p:txBody>
+      </p:sp>
+      <p:sp>
+        <p:nvSpPr>
+          <p:cNvPr id="1048599" name="Slide Number Placeholder 6"/>
           <p:cNvSpPr>
             <a:spLocks noGrp="1"/>
           </p:cNvSpPr>
@@ -1205,13 +1529,12 @@
         </p:spPr>
         <p:txBody>
           <a:bodyPr/>
-          <a:lstStyle/>
           <a:p>
             <a:fld id="{6D22F896-40B5-4ADD-8801-0D06FADFA095}" type="slidenum">
-              <a:rPr lang="en-US" dirty="0"/>
+              <a:rPr dirty="0" lang="en-US"/>
               <a:t>‹#›</a:t>
             </a:fld>
-            <a:endParaRPr lang="en-US" dirty="0"/>
+            <a:endParaRPr dirty="0" lang="en-US"/>
           </a:p>
         </p:txBody>
       </p:sp>
@@ -1228,7 +1551,7 @@
   <p:cSld name="带描述的引言">
     <p:spTree>
       <p:nvGrpSpPr>
-        <p:cNvPr id="1" name=""/>
+        <p:cNvPr id="47" name=""/>
         <p:cNvGrpSpPr/>
         <p:nvPr/>
       </p:nvGrpSpPr>
@@ -1242,20 +1565,14 @@
       </p:grpSpPr>
       <p:pic>
         <p:nvPicPr>
-          <p:cNvPr id="11" name="Picture 10" descr="HD-ShadowLong.png"/>
+          <p:cNvPr id="2097176" name="Picture 10" descr="HD-ShadowLong.png"/>
           <p:cNvPicPr>
             <a:picLocks noChangeAspect="1"/>
           </p:cNvPicPr>
           <p:nvPr/>
         </p:nvPicPr>
         <p:blipFill>
-          <a:blip r:embed="rId2">
-            <a:extLst>
-              <a:ext uri="{28A0092B-C50C-407E-A947-70E740481C1C}">
-                <a14:useLocalDpi xmlns:a14="http://schemas.microsoft.com/office/drawing/2010/main" val="0"/>
-              </a:ext>
-            </a:extLst>
-          </a:blip>
+          <a:blip xmlns:r="http://schemas.openxmlformats.org/officeDocument/2006/relationships" r:embed="rId1"/>
           <a:stretch>
             <a:fillRect/>
           </a:stretch>
@@ -1265,27 +1582,19 @@
             <a:off x="1" y="5928628"/>
             <a:ext cx="10437812" cy="321164"/>
           </a:xfrm>
-          <a:prstGeom prst="rect">
-            <a:avLst/>
-          </a:prstGeom>
+          <a:prstGeom prst="rect"/>
         </p:spPr>
       </p:pic>
       <p:pic>
         <p:nvPicPr>
-          <p:cNvPr id="13" name="Picture 12" descr="HD-ShadowShort.png"/>
+          <p:cNvPr id="2097177" name="Picture 12" descr="HD-ShadowShort.png"/>
           <p:cNvPicPr>
             <a:picLocks noChangeAspect="1"/>
           </p:cNvPicPr>
           <p:nvPr/>
         </p:nvPicPr>
         <p:blipFill>
-          <a:blip r:embed="rId3">
-            <a:extLst>
-              <a:ext uri="{28A0092B-C50C-407E-A947-70E740481C1C}">
-                <a14:useLocalDpi xmlns:a14="http://schemas.microsoft.com/office/drawing/2010/main" val="0"/>
-              </a:ext>
-            </a:extLst>
-          </a:blip>
+          <a:blip xmlns:r="http://schemas.openxmlformats.org/officeDocument/2006/relationships" r:embed="rId2"/>
           <a:stretch>
             <a:fillRect/>
           </a:stretch>
@@ -1295,14 +1604,12 @@
             <a:off x="10585826" y="5929622"/>
             <a:ext cx="1602997" cy="144270"/>
           </a:xfrm>
-          <a:prstGeom prst="rect">
-            <a:avLst/>
-          </a:prstGeom>
+          <a:prstGeom prst="rect"/>
         </p:spPr>
       </p:pic>
       <p:sp>
         <p:nvSpPr>
-          <p:cNvPr id="14" name="Rectangle 13"/>
+          <p:cNvPr id="1048660" name="Rectangle 13"/>
           <p:cNvSpPr/>
           <p:nvPr/>
         </p:nvSpPr>
@@ -1311,9 +1618,7 @@
             <a:off x="0" y="4567988"/>
             <a:ext cx="10437812" cy="1368198"/>
           </a:xfrm>
-          <a:prstGeom prst="rect">
-            <a:avLst/>
-          </a:prstGeom>
+          <a:prstGeom prst="rect"/>
           <a:solidFill>
             <a:schemeClr val="bg1">
               <a:lumMod val="85000"/>
@@ -1343,7 +1648,7 @@
       </p:sp>
       <p:sp>
         <p:nvSpPr>
-          <p:cNvPr id="15" name="Rectangle 14"/>
+          <p:cNvPr id="1048661" name="Rectangle 14"/>
           <p:cNvSpPr/>
           <p:nvPr/>
         </p:nvSpPr>
@@ -1352,9 +1657,7 @@
             <a:off x="10585827" y="4567988"/>
             <a:ext cx="1602997" cy="1368198"/>
           </a:xfrm>
-          <a:prstGeom prst="rect">
-            <a:avLst/>
-          </a:prstGeom>
+          <a:prstGeom prst="rect"/>
           <a:solidFill>
             <a:schemeClr val="accent1"/>
           </a:solidFill>
@@ -1381,7 +1684,7 @@
       </p:sp>
       <p:sp>
         <p:nvSpPr>
-          <p:cNvPr id="2" name="Title 1"/>
+          <p:cNvPr id="1048662" name="Title 1"/>
           <p:cNvSpPr>
             <a:spLocks noGrp="1"/>
           </p:cNvSpPr>
@@ -1404,16 +1707,16 @@
           </a:lstStyle>
           <a:p>
             <a:r>
-              <a:rPr lang="zh-CN" altLang="en-US"/>
+              <a:rPr altLang="en-US" lang="zh-CN"/>
               <a:t>单击此处编辑母版标题样式</a:t>
             </a:r>
-            <a:endParaRPr lang="en-US" dirty="0"/>
-          </a:p>
-        </p:txBody>
-      </p:sp>
-      <p:sp>
-        <p:nvSpPr>
-          <p:cNvPr id="12" name="Text Placeholder 3"/>
+            <a:endParaRPr dirty="0" lang="en-US"/>
+          </a:p>
+        </p:txBody>
+      </p:sp>
+      <p:sp>
+        <p:nvSpPr>
+          <p:cNvPr id="1048663" name="Text Placeholder 3"/>
           <p:cNvSpPr>
             <a:spLocks noGrp="1"/>
           </p:cNvSpPr>
@@ -1432,39 +1735,39 @@
             <a:normAutofit/>
           </a:bodyPr>
           <a:lstStyle>
-            <a:lvl1pPr marL="0" indent="0">
+            <a:lvl1pPr indent="0" marL="0">
               <a:buNone/>
               <a:defRPr sz="1400"/>
             </a:lvl1pPr>
-            <a:lvl2pPr marL="457200" indent="0">
+            <a:lvl2pPr indent="0" marL="457200">
               <a:buNone/>
               <a:defRPr sz="1400"/>
             </a:lvl2pPr>
-            <a:lvl3pPr marL="914400" indent="0">
+            <a:lvl3pPr indent="0" marL="914400">
               <a:buNone/>
               <a:defRPr sz="1200"/>
             </a:lvl3pPr>
-            <a:lvl4pPr marL="1371600" indent="0">
+            <a:lvl4pPr indent="0" marL="1371600">
               <a:buNone/>
               <a:defRPr sz="1000"/>
             </a:lvl4pPr>
-            <a:lvl5pPr marL="1828800" indent="0">
+            <a:lvl5pPr indent="0" marL="1828800">
               <a:buNone/>
               <a:defRPr sz="1000"/>
             </a:lvl5pPr>
-            <a:lvl6pPr marL="2286000" indent="0">
+            <a:lvl6pPr indent="0" marL="2286000">
               <a:buNone/>
               <a:defRPr sz="1000"/>
             </a:lvl6pPr>
-            <a:lvl7pPr marL="2743200" indent="0">
+            <a:lvl7pPr indent="0" marL="2743200">
               <a:buNone/>
               <a:defRPr sz="1000"/>
             </a:lvl7pPr>
-            <a:lvl8pPr marL="3200400" indent="0">
+            <a:lvl8pPr indent="0" marL="3200400">
               <a:buNone/>
               <a:defRPr sz="1000"/>
             </a:lvl8pPr>
-            <a:lvl9pPr marL="3657600" indent="0">
+            <a:lvl9pPr indent="0" marL="3657600">
               <a:buNone/>
               <a:defRPr sz="1000"/>
             </a:lvl9pPr>
@@ -1472,7 +1775,7 @@
           <a:p>
             <a:pPr lvl="0"/>
             <a:r>
-              <a:rPr lang="zh-CN" altLang="en-US"/>
+              <a:rPr altLang="en-US" lang="zh-CN"/>
               <a:t>编辑母版文本样式</a:t>
             </a:r>
           </a:p>
@@ -1480,7 +1783,7 @@
       </p:sp>
       <p:sp>
         <p:nvSpPr>
-          <p:cNvPr id="4" name="Text Placeholder 3"/>
+          <p:cNvPr id="1048664" name="Text Placeholder 3"/>
           <p:cNvSpPr>
             <a:spLocks noGrp="1"/>
           </p:cNvSpPr>
@@ -1499,39 +1802,39 @@
             <a:normAutofit/>
           </a:bodyPr>
           <a:lstStyle>
-            <a:lvl1pPr marL="0" indent="0">
+            <a:lvl1pPr indent="0" marL="0">
               <a:buNone/>
               <a:defRPr sz="1600"/>
             </a:lvl1pPr>
-            <a:lvl2pPr marL="457200" indent="0">
+            <a:lvl2pPr indent="0" marL="457200">
               <a:buNone/>
               <a:defRPr sz="1400"/>
             </a:lvl2pPr>
-            <a:lvl3pPr marL="914400" indent="0">
+            <a:lvl3pPr indent="0" marL="914400">
               <a:buNone/>
               <a:defRPr sz="1200"/>
             </a:lvl3pPr>
-            <a:lvl4pPr marL="1371600" indent="0">
+            <a:lvl4pPr indent="0" marL="1371600">
               <a:buNone/>
               <a:defRPr sz="1000"/>
             </a:lvl4pPr>
-            <a:lvl5pPr marL="1828800" indent="0">
+            <a:lvl5pPr indent="0" marL="1828800">
               <a:buNone/>
               <a:defRPr sz="1000"/>
             </a:lvl5pPr>
-            <a:lvl6pPr marL="2286000" indent="0">
+            <a:lvl6pPr indent="0" marL="2286000">
               <a:buNone/>
               <a:defRPr sz="1000"/>
             </a:lvl6pPr>
-            <a:lvl7pPr marL="2743200" indent="0">
+            <a:lvl7pPr indent="0" marL="2743200">
               <a:buNone/>
               <a:defRPr sz="1000"/>
             </a:lvl7pPr>
-            <a:lvl8pPr marL="3200400" indent="0">
+            <a:lvl8pPr indent="0" marL="3200400">
               <a:buNone/>
               <a:defRPr sz="1000"/>
             </a:lvl8pPr>
-            <a:lvl9pPr marL="3657600" indent="0">
+            <a:lvl9pPr indent="0" marL="3657600">
               <a:buNone/>
               <a:defRPr sz="1000"/>
             </a:lvl9pPr>
@@ -1539,7 +1842,7 @@
           <a:p>
             <a:pPr lvl="0"/>
             <a:r>
-              <a:rPr lang="zh-CN" altLang="en-US"/>
+              <a:rPr altLang="en-US" lang="zh-CN"/>
               <a:t>编辑母版文本样式</a:t>
             </a:r>
           </a:p>
@@ -1547,7 +1850,7 @@
       </p:sp>
       <p:sp>
         <p:nvSpPr>
-          <p:cNvPr id="5" name="Date Placeholder 4"/>
+          <p:cNvPr id="1048665" name="Date Placeholder 4"/>
           <p:cNvSpPr>
             <a:spLocks noGrp="1"/>
           </p:cNvSpPr>
@@ -1558,19 +1861,18 @@
         <p:spPr/>
         <p:txBody>
           <a:bodyPr/>
-          <a:lstStyle/>
           <a:p>
             <a:fld id="{CDB9D11F-B188-461D-B23F-39381795C052}" type="datetimeFigureOut">
-              <a:rPr lang="en-US" dirty="0"/>
+              <a:rPr dirty="0" lang="en-US"/>
               <a:t>1/6/2019</a:t>
             </a:fld>
-            <a:endParaRPr lang="en-US" dirty="0"/>
-          </a:p>
-        </p:txBody>
-      </p:sp>
-      <p:sp>
-        <p:nvSpPr>
-          <p:cNvPr id="6" name="Footer Placeholder 5"/>
+            <a:endParaRPr dirty="0" lang="en-US"/>
+          </a:p>
+        </p:txBody>
+      </p:sp>
+      <p:sp>
+        <p:nvSpPr>
+          <p:cNvPr id="1048666" name="Footer Placeholder 5"/>
           <p:cNvSpPr>
             <a:spLocks noGrp="1"/>
           </p:cNvSpPr>
@@ -1581,15 +1883,14 @@
         <p:spPr/>
         <p:txBody>
           <a:bodyPr/>
-          <a:lstStyle/>
-          <a:p>
-            <a:endParaRPr lang="en-US" dirty="0"/>
-          </a:p>
-        </p:txBody>
-      </p:sp>
-      <p:sp>
-        <p:nvSpPr>
-          <p:cNvPr id="7" name="Slide Number Placeholder 6"/>
+          <a:p>
+            <a:endParaRPr dirty="0" lang="en-US"/>
+          </a:p>
+        </p:txBody>
+      </p:sp>
+      <p:sp>
+        <p:nvSpPr>
+          <p:cNvPr id="1048667" name="Slide Number Placeholder 6"/>
           <p:cNvSpPr>
             <a:spLocks noGrp="1"/>
           </p:cNvSpPr>
@@ -1605,19 +1906,18 @@
         </p:spPr>
         <p:txBody>
           <a:bodyPr/>
-          <a:lstStyle/>
           <a:p>
             <a:fld id="{6D22F896-40B5-4ADD-8801-0D06FADFA095}" type="slidenum">
-              <a:rPr lang="en-US" dirty="0"/>
+              <a:rPr dirty="0" lang="en-US"/>
               <a:t>‹#›</a:t>
             </a:fld>
-            <a:endParaRPr lang="en-US" dirty="0"/>
-          </a:p>
-        </p:txBody>
-      </p:sp>
-      <p:sp>
-        <p:nvSpPr>
-          <p:cNvPr id="16" name="TextBox 15"/>
+            <a:endParaRPr dirty="0" lang="en-US"/>
+          </a:p>
+        </p:txBody>
+      </p:sp>
+      <p:sp>
+        <p:nvSpPr>
+          <p:cNvPr id="1048668" name="TextBox 15"/>
           <p:cNvSpPr txBox="1"/>
           <p:nvPr/>
         </p:nvSpPr>
@@ -1626,12 +1926,10 @@
             <a:off x="583572" y="748116"/>
             <a:ext cx="609600" cy="584776"/>
           </a:xfrm>
-          <a:prstGeom prst="rect">
-            <a:avLst/>
-          </a:prstGeom>
-        </p:spPr>
-        <p:txBody>
-          <a:bodyPr vert="horz" lIns="91440" tIns="45720" rIns="91440" bIns="45720" rtlCol="0" anchor="ctr">
+          <a:prstGeom prst="rect"/>
+        </p:spPr>
+        <p:txBody>
+          <a:bodyPr anchor="ctr" bIns="45720" lIns="91440" rIns="91440" rtlCol="0" tIns="45720" vert="horz">
             <a:noAutofit/>
           </a:bodyPr>
           <a:lstStyle>
@@ -1640,7 +1938,7 @@
                 <a:spcPct val="0"/>
               </a:spcBef>
               <a:buNone/>
-              <a:defRPr sz="3200" b="0" cap="all">
+              <a:defRPr b="0" cap="all" sz="3200">
                 <a:ln w="3175" cmpd="sng">
                   <a:noFill/>
                 </a:ln>
@@ -1652,7 +1950,7 @@
                       <a:alpha val="40000"/>
                     </a:schemeClr>
                   </a:glow>
-                  <a:outerShdw blurRad="28575" dist="38100" dir="14040000" algn="tl" rotWithShape="0">
+                  <a:outerShdw algn="tl" blurRad="28575" dir="14040000" dist="38100" rotWithShape="0">
                     <a:srgbClr val="000000">
                       <a:alpha val="25000"/>
                     </a:srgbClr>
@@ -1720,7 +2018,7 @@
           <a:p>
             <a:pPr lvl="0"/>
             <a:r>
-              <a:rPr lang="en-US" sz="7200" dirty="0">
+              <a:rPr dirty="0" sz="7200" lang="en-US">
                 <a:solidFill>
                   <a:schemeClr val="tx1"/>
                 </a:solidFill>
@@ -1733,7 +2031,7 @@
       </p:sp>
       <p:sp>
         <p:nvSpPr>
-          <p:cNvPr id="17" name="TextBox 16"/>
+          <p:cNvPr id="1048669" name="TextBox 16"/>
           <p:cNvSpPr txBox="1"/>
           <p:nvPr/>
         </p:nvSpPr>
@@ -1742,12 +2040,10 @@
             <a:off x="9662809" y="3033524"/>
             <a:ext cx="609600" cy="584776"/>
           </a:xfrm>
-          <a:prstGeom prst="rect">
-            <a:avLst/>
-          </a:prstGeom>
-        </p:spPr>
-        <p:txBody>
-          <a:bodyPr vert="horz" lIns="91440" tIns="45720" rIns="91440" bIns="45720" rtlCol="0" anchor="ctr">
+          <a:prstGeom prst="rect"/>
+        </p:spPr>
+        <p:txBody>
+          <a:bodyPr anchor="ctr" bIns="45720" lIns="91440" rIns="91440" rtlCol="0" tIns="45720" vert="horz">
             <a:noAutofit/>
           </a:bodyPr>
           <a:lstStyle>
@@ -1756,7 +2052,7 @@
                 <a:spcPct val="0"/>
               </a:spcBef>
               <a:buNone/>
-              <a:defRPr sz="3200" b="0" cap="all">
+              <a:defRPr b="0" cap="all" sz="3200">
                 <a:ln w="3175" cmpd="sng">
                   <a:noFill/>
                 </a:ln>
@@ -1768,7 +2064,7 @@
                       <a:alpha val="40000"/>
                     </a:schemeClr>
                   </a:glow>
-                  <a:outerShdw blurRad="28575" dist="38100" dir="14040000" algn="tl" rotWithShape="0">
+                  <a:outerShdw algn="tl" blurRad="28575" dir="14040000" dist="38100" rotWithShape="0">
                     <a:srgbClr val="000000">
                       <a:alpha val="25000"/>
                     </a:srgbClr>
@@ -1834,9 +2130,9 @@
             </a:lvl9pPr>
           </a:lstStyle>
           <a:p>
-            <a:pPr lvl="0" algn="r"/>
-            <a:r>
-              <a:rPr lang="en-US" sz="7200" dirty="0">
+            <a:pPr algn="r" lvl="0"/>
+            <a:r>
+              <a:rPr dirty="0" sz="7200" lang="en-US">
                 <a:solidFill>
                   <a:schemeClr val="tx1"/>
                 </a:solidFill>
@@ -1860,7 +2156,7 @@
   <p:cSld name="名片">
     <p:spTree>
       <p:nvGrpSpPr>
-        <p:cNvPr id="1" name=""/>
+        <p:cNvPr id="49" name=""/>
         <p:cNvGrpSpPr/>
         <p:nvPr/>
       </p:nvGrpSpPr>
@@ -1874,20 +2170,14 @@
       </p:grpSpPr>
       <p:pic>
         <p:nvPicPr>
-          <p:cNvPr id="9" name="Picture 8" descr="HD-ShadowLong.png"/>
+          <p:cNvPr id="2097179" name="Picture 8" descr="HD-ShadowLong.png"/>
           <p:cNvPicPr>
             <a:picLocks noChangeAspect="1"/>
           </p:cNvPicPr>
           <p:nvPr/>
         </p:nvPicPr>
         <p:blipFill>
-          <a:blip r:embed="rId2">
-            <a:extLst>
-              <a:ext uri="{28A0092B-C50C-407E-A947-70E740481C1C}">
-                <a14:useLocalDpi xmlns:a14="http://schemas.microsoft.com/office/drawing/2010/main" val="0"/>
-              </a:ext>
-            </a:extLst>
-          </a:blip>
+          <a:blip xmlns:r="http://schemas.openxmlformats.org/officeDocument/2006/relationships" r:embed="rId1"/>
           <a:stretch>
             <a:fillRect/>
           </a:stretch>
@@ -1897,27 +2187,19 @@
             <a:off x="1" y="5928628"/>
             <a:ext cx="10437812" cy="321164"/>
           </a:xfrm>
-          <a:prstGeom prst="rect">
-            <a:avLst/>
-          </a:prstGeom>
+          <a:prstGeom prst="rect"/>
         </p:spPr>
       </p:pic>
       <p:pic>
         <p:nvPicPr>
-          <p:cNvPr id="10" name="Picture 9" descr="HD-ShadowShort.png"/>
+          <p:cNvPr id="2097180" name="Picture 9" descr="HD-ShadowShort.png"/>
           <p:cNvPicPr>
             <a:picLocks noChangeAspect="1"/>
           </p:cNvPicPr>
           <p:nvPr/>
         </p:nvPicPr>
         <p:blipFill>
-          <a:blip r:embed="rId3">
-            <a:extLst>
-              <a:ext uri="{28A0092B-C50C-407E-A947-70E740481C1C}">
-                <a14:useLocalDpi xmlns:a14="http://schemas.microsoft.com/office/drawing/2010/main" val="0"/>
-              </a:ext>
-            </a:extLst>
-          </a:blip>
+          <a:blip xmlns:r="http://schemas.openxmlformats.org/officeDocument/2006/relationships" r:embed="rId2"/>
           <a:stretch>
             <a:fillRect/>
           </a:stretch>
@@ -1927,14 +2209,12 @@
             <a:off x="10585826" y="5929622"/>
             <a:ext cx="1602997" cy="144270"/>
           </a:xfrm>
-          <a:prstGeom prst="rect">
-            <a:avLst/>
-          </a:prstGeom>
+          <a:prstGeom prst="rect"/>
         </p:spPr>
       </p:pic>
       <p:sp>
         <p:nvSpPr>
-          <p:cNvPr id="11" name="Rectangle 10"/>
+          <p:cNvPr id="1048674" name="Rectangle 10"/>
           <p:cNvSpPr/>
           <p:nvPr/>
         </p:nvSpPr>
@@ -1943,9 +2223,7 @@
             <a:off x="0" y="4567988"/>
             <a:ext cx="10437812" cy="1368198"/>
           </a:xfrm>
-          <a:prstGeom prst="rect">
-            <a:avLst/>
-          </a:prstGeom>
+          <a:prstGeom prst="rect"/>
           <a:solidFill>
             <a:schemeClr val="bg1">
               <a:lumMod val="85000"/>
@@ -1975,7 +2253,7 @@
       </p:sp>
       <p:sp>
         <p:nvSpPr>
-          <p:cNvPr id="12" name="Rectangle 11"/>
+          <p:cNvPr id="1048675" name="Rectangle 11"/>
           <p:cNvSpPr/>
           <p:nvPr/>
         </p:nvSpPr>
@@ -1984,9 +2262,7 @@
             <a:off x="10585827" y="4567988"/>
             <a:ext cx="1602997" cy="1368198"/>
           </a:xfrm>
-          <a:prstGeom prst="rect">
-            <a:avLst/>
-          </a:prstGeom>
+          <a:prstGeom prst="rect"/>
           <a:solidFill>
             <a:schemeClr val="accent1"/>
           </a:solidFill>
@@ -2013,7 +2289,7 @@
       </p:sp>
       <p:sp>
         <p:nvSpPr>
-          <p:cNvPr id="2" name="Title 1"/>
+          <p:cNvPr id="1048676" name="Title 1"/>
           <p:cNvSpPr>
             <a:spLocks noGrp="1"/>
           </p:cNvSpPr>
@@ -2036,16 +2312,16 @@
           </a:lstStyle>
           <a:p>
             <a:r>
-              <a:rPr lang="zh-CN" altLang="en-US"/>
+              <a:rPr altLang="en-US" lang="zh-CN"/>
               <a:t>单击此处编辑母版标题样式</a:t>
             </a:r>
-            <a:endParaRPr lang="en-US" dirty="0"/>
-          </a:p>
-        </p:txBody>
-      </p:sp>
-      <p:sp>
-        <p:nvSpPr>
-          <p:cNvPr id="4" name="Text Placeholder 3"/>
+            <a:endParaRPr dirty="0" lang="en-US"/>
+          </a:p>
+        </p:txBody>
+      </p:sp>
+      <p:sp>
+        <p:nvSpPr>
+          <p:cNvPr id="1048677" name="Text Placeholder 3"/>
           <p:cNvSpPr>
             <a:spLocks noGrp="1"/>
           </p:cNvSpPr>
@@ -2062,39 +2338,39 @@
         <p:txBody>
           <a:bodyPr anchor="t"/>
           <a:lstStyle>
-            <a:lvl1pPr marL="0" indent="0">
+            <a:lvl1pPr indent="0" marL="0">
               <a:buNone/>
               <a:defRPr sz="1600"/>
             </a:lvl1pPr>
-            <a:lvl2pPr marL="457200" indent="0">
+            <a:lvl2pPr indent="0" marL="457200">
               <a:buNone/>
               <a:defRPr sz="1400"/>
             </a:lvl2pPr>
-            <a:lvl3pPr marL="914400" indent="0">
+            <a:lvl3pPr indent="0" marL="914400">
               <a:buNone/>
               <a:defRPr sz="1200"/>
             </a:lvl3pPr>
-            <a:lvl4pPr marL="1371600" indent="0">
+            <a:lvl4pPr indent="0" marL="1371600">
               <a:buNone/>
               <a:defRPr sz="1000"/>
             </a:lvl4pPr>
-            <a:lvl5pPr marL="1828800" indent="0">
+            <a:lvl5pPr indent="0" marL="1828800">
               <a:buNone/>
               <a:defRPr sz="1000"/>
             </a:lvl5pPr>
-            <a:lvl6pPr marL="2286000" indent="0">
+            <a:lvl6pPr indent="0" marL="2286000">
               <a:buNone/>
               <a:defRPr sz="1000"/>
             </a:lvl6pPr>
-            <a:lvl7pPr marL="2743200" indent="0">
+            <a:lvl7pPr indent="0" marL="2743200">
               <a:buNone/>
               <a:defRPr sz="1000"/>
             </a:lvl7pPr>
-            <a:lvl8pPr marL="3200400" indent="0">
+            <a:lvl8pPr indent="0" marL="3200400">
               <a:buNone/>
               <a:defRPr sz="1000"/>
             </a:lvl8pPr>
-            <a:lvl9pPr marL="3657600" indent="0">
+            <a:lvl9pPr indent="0" marL="3657600">
               <a:buNone/>
               <a:defRPr sz="1000"/>
             </a:lvl9pPr>
@@ -2102,7 +2378,7 @@
           <a:p>
             <a:pPr lvl="0"/>
             <a:r>
-              <a:rPr lang="zh-CN" altLang="en-US"/>
+              <a:rPr altLang="en-US" lang="zh-CN"/>
               <a:t>编辑母版文本样式</a:t>
             </a:r>
           </a:p>
@@ -2110,7 +2386,7 @@
       </p:sp>
       <p:sp>
         <p:nvSpPr>
-          <p:cNvPr id="5" name="Date Placeholder 4"/>
+          <p:cNvPr id="1048678" name="Date Placeholder 4"/>
           <p:cNvSpPr>
             <a:spLocks noGrp="1"/>
           </p:cNvSpPr>
@@ -2121,19 +2397,18 @@
         <p:spPr/>
         <p:txBody>
           <a:bodyPr/>
-          <a:lstStyle/>
           <a:p>
             <a:fld id="{52E6D8D9-55A2-4063-B0F3-121F44549695}" type="datetimeFigureOut">
-              <a:rPr lang="en-US" dirty="0"/>
+              <a:rPr dirty="0" lang="en-US"/>
               <a:t>1/6/2019</a:t>
             </a:fld>
-            <a:endParaRPr lang="en-US" dirty="0"/>
-          </a:p>
-        </p:txBody>
-      </p:sp>
-      <p:sp>
-        <p:nvSpPr>
-          <p:cNvPr id="6" name="Footer Placeholder 5"/>
+            <a:endParaRPr dirty="0" lang="en-US"/>
+          </a:p>
+        </p:txBody>
+      </p:sp>
+      <p:sp>
+        <p:nvSpPr>
+          <p:cNvPr id="1048679" name="Footer Placeholder 5"/>
           <p:cNvSpPr>
             <a:spLocks noGrp="1"/>
           </p:cNvSpPr>
@@ -2144,15 +2419,14 @@
         <p:spPr/>
         <p:txBody>
           <a:bodyPr/>
-          <a:lstStyle/>
-          <a:p>
-            <a:endParaRPr lang="en-US" dirty="0"/>
-          </a:p>
-        </p:txBody>
-      </p:sp>
-      <p:sp>
-        <p:nvSpPr>
-          <p:cNvPr id="7" name="Slide Number Placeholder 6"/>
+          <a:p>
+            <a:endParaRPr dirty="0" lang="en-US"/>
+          </a:p>
+        </p:txBody>
+      </p:sp>
+      <p:sp>
+        <p:nvSpPr>
+          <p:cNvPr id="1048680" name="Slide Number Placeholder 6"/>
           <p:cNvSpPr>
             <a:spLocks noGrp="1"/>
           </p:cNvSpPr>
@@ -2168,13 +2442,12 @@
         </p:spPr>
         <p:txBody>
           <a:bodyPr/>
-          <a:lstStyle/>
           <a:p>
             <a:fld id="{6D22F896-40B5-4ADD-8801-0D06FADFA095}" type="slidenum">
-              <a:rPr lang="en-US" dirty="0"/>
+              <a:rPr dirty="0" lang="en-US"/>
               <a:t>‹#›</a:t>
             </a:fld>
-            <a:endParaRPr lang="en-US" dirty="0"/>
+            <a:endParaRPr dirty="0" lang="en-US"/>
           </a:p>
         </p:txBody>
       </p:sp>
@@ -2191,7 +2464,7 @@
   <p:cSld name="3 栏">
     <p:spTree>
       <p:nvGrpSpPr>
-        <p:cNvPr id="1" name=""/>
+        <p:cNvPr id="55" name=""/>
         <p:cNvGrpSpPr/>
         <p:nvPr/>
       </p:nvGrpSpPr>
@@ -2205,20 +2478,14 @@
       </p:grpSpPr>
       <p:pic>
         <p:nvPicPr>
-          <p:cNvPr id="13" name="Picture 12" descr="HD-ShadowLong.png"/>
+          <p:cNvPr id="2097191" name="Picture 12" descr="HD-ShadowLong.png"/>
           <p:cNvPicPr>
             <a:picLocks noChangeAspect="1"/>
           </p:cNvPicPr>
           <p:nvPr/>
         </p:nvPicPr>
         <p:blipFill>
-          <a:blip r:embed="rId2">
-            <a:extLst>
-              <a:ext uri="{28A0092B-C50C-407E-A947-70E740481C1C}">
-                <a14:useLocalDpi xmlns:a14="http://schemas.microsoft.com/office/drawing/2010/main" val="0"/>
-              </a:ext>
-            </a:extLst>
-          </a:blip>
+          <a:blip xmlns:r="http://schemas.openxmlformats.org/officeDocument/2006/relationships" r:embed="rId1"/>
           <a:stretch>
             <a:fillRect/>
           </a:stretch>
@@ -2228,27 +2495,19 @@
             <a:off x="1" y="1970240"/>
             <a:ext cx="10437812" cy="321164"/>
           </a:xfrm>
-          <a:prstGeom prst="rect">
-            <a:avLst/>
-          </a:prstGeom>
+          <a:prstGeom prst="rect"/>
         </p:spPr>
       </p:pic>
       <p:pic>
         <p:nvPicPr>
-          <p:cNvPr id="14" name="Picture 13" descr="HD-ShadowShort.png"/>
+          <p:cNvPr id="2097192" name="Picture 13" descr="HD-ShadowShort.png"/>
           <p:cNvPicPr>
             <a:picLocks noChangeAspect="1"/>
           </p:cNvPicPr>
           <p:nvPr/>
         </p:nvPicPr>
         <p:blipFill>
-          <a:blip r:embed="rId3">
-            <a:extLst>
-              <a:ext uri="{28A0092B-C50C-407E-A947-70E740481C1C}">
-                <a14:useLocalDpi xmlns:a14="http://schemas.microsoft.com/office/drawing/2010/main" val="0"/>
-              </a:ext>
-            </a:extLst>
-          </a:blip>
+          <a:blip xmlns:r="http://schemas.openxmlformats.org/officeDocument/2006/relationships" r:embed="rId2"/>
           <a:stretch>
             <a:fillRect/>
           </a:stretch>
@@ -2258,14 +2517,12 @@
             <a:off x="10585826" y="1971234"/>
             <a:ext cx="1602997" cy="144270"/>
           </a:xfrm>
-          <a:prstGeom prst="rect">
-            <a:avLst/>
-          </a:prstGeom>
+          <a:prstGeom prst="rect"/>
         </p:spPr>
       </p:pic>
       <p:sp>
         <p:nvSpPr>
-          <p:cNvPr id="16" name="Rectangle 15"/>
+          <p:cNvPr id="1048718" name="Rectangle 15"/>
           <p:cNvSpPr/>
           <p:nvPr/>
         </p:nvSpPr>
@@ -2274,9 +2531,7 @@
             <a:off x="0" y="609600"/>
             <a:ext cx="10437812" cy="1368198"/>
           </a:xfrm>
-          <a:prstGeom prst="rect">
-            <a:avLst/>
-          </a:prstGeom>
+          <a:prstGeom prst="rect"/>
           <a:solidFill>
             <a:schemeClr val="bg1">
               <a:lumMod val="85000"/>
@@ -2306,7 +2561,7 @@
       </p:sp>
       <p:sp>
         <p:nvSpPr>
-          <p:cNvPr id="17" name="Rectangle 16"/>
+          <p:cNvPr id="1048719" name="Rectangle 16"/>
           <p:cNvSpPr/>
           <p:nvPr/>
         </p:nvSpPr>
@@ -2315,9 +2570,7 @@
             <a:off x="10585827" y="609600"/>
             <a:ext cx="1602997" cy="1368198"/>
           </a:xfrm>
-          <a:prstGeom prst="rect">
-            <a:avLst/>
-          </a:prstGeom>
+          <a:prstGeom prst="rect"/>
           <a:solidFill>
             <a:schemeClr val="accent1"/>
           </a:solidFill>
@@ -2344,7 +2597,7 @@
       </p:sp>
       <p:sp>
         <p:nvSpPr>
-          <p:cNvPr id="15" name="Title 1"/>
+          <p:cNvPr id="1048720" name="Title 1"/>
           <p:cNvSpPr>
             <a:spLocks noGrp="1"/>
           </p:cNvSpPr>
@@ -2360,19 +2613,18 @@
         </p:spPr>
         <p:txBody>
           <a:bodyPr/>
-          <a:lstStyle/>
-          <a:p>
-            <a:r>
-              <a:rPr lang="zh-CN" altLang="en-US"/>
+          <a:p>
+            <a:r>
+              <a:rPr altLang="en-US" lang="zh-CN"/>
               <a:t>单击此处编辑母版标题样式</a:t>
             </a:r>
-            <a:endParaRPr lang="en-US" dirty="0"/>
-          </a:p>
-        </p:txBody>
-      </p:sp>
-      <p:sp>
-        <p:nvSpPr>
-          <p:cNvPr id="7" name="Text Placeholder 2"/>
+            <a:endParaRPr dirty="0" lang="en-US"/>
+          </a:p>
+        </p:txBody>
+      </p:sp>
+      <p:sp>
+        <p:nvSpPr>
+          <p:cNvPr id="1048721" name="Text Placeholder 2"/>
           <p:cNvSpPr>
             <a:spLocks noGrp="1"/>
           </p:cNvSpPr>
@@ -2391,51 +2643,51 @@
             <a:noAutofit/>
           </a:bodyPr>
           <a:lstStyle>
-            <a:lvl1pPr marL="0" indent="0">
-              <a:buNone/>
-              <a:defRPr sz="2400" b="0">
+            <a:lvl1pPr indent="0" marL="0">
+              <a:buNone/>
+              <a:defRPr b="0" sz="2400">
                 <a:solidFill>
                   <a:schemeClr val="tx1"/>
                 </a:solidFill>
               </a:defRPr>
             </a:lvl1pPr>
-            <a:lvl2pPr marL="457200" indent="0">
-              <a:buNone/>
-              <a:defRPr sz="2000" b="1"/>
+            <a:lvl2pPr indent="0" marL="457200">
+              <a:buNone/>
+              <a:defRPr b="1" sz="2000"/>
             </a:lvl2pPr>
-            <a:lvl3pPr marL="914400" indent="0">
-              <a:buNone/>
-              <a:defRPr sz="1800" b="1"/>
+            <a:lvl3pPr indent="0" marL="914400">
+              <a:buNone/>
+              <a:defRPr b="1" sz="1800"/>
             </a:lvl3pPr>
-            <a:lvl4pPr marL="1371600" indent="0">
-              <a:buNone/>
-              <a:defRPr sz="1600" b="1"/>
+            <a:lvl4pPr indent="0" marL="1371600">
+              <a:buNone/>
+              <a:defRPr b="1" sz="1600"/>
             </a:lvl4pPr>
-            <a:lvl5pPr marL="1828800" indent="0">
-              <a:buNone/>
-              <a:defRPr sz="1600" b="1"/>
+            <a:lvl5pPr indent="0" marL="1828800">
+              <a:buNone/>
+              <a:defRPr b="1" sz="1600"/>
             </a:lvl5pPr>
-            <a:lvl6pPr marL="2286000" indent="0">
-              <a:buNone/>
-              <a:defRPr sz="1600" b="1"/>
+            <a:lvl6pPr indent="0" marL="2286000">
+              <a:buNone/>
+              <a:defRPr b="1" sz="1600"/>
             </a:lvl6pPr>
-            <a:lvl7pPr marL="2743200" indent="0">
-              <a:buNone/>
-              <a:defRPr sz="1600" b="1"/>
+            <a:lvl7pPr indent="0" marL="2743200">
+              <a:buNone/>
+              <a:defRPr b="1" sz="1600"/>
             </a:lvl7pPr>
-            <a:lvl8pPr marL="3200400" indent="0">
-              <a:buNone/>
-              <a:defRPr sz="1600" b="1"/>
+            <a:lvl8pPr indent="0" marL="3200400">
+              <a:buNone/>
+              <a:defRPr b="1" sz="1600"/>
             </a:lvl8pPr>
-            <a:lvl9pPr marL="3657600" indent="0">
-              <a:buNone/>
-              <a:defRPr sz="1600" b="1"/>
+            <a:lvl9pPr indent="0" marL="3657600">
+              <a:buNone/>
+              <a:defRPr b="1" sz="1600"/>
             </a:lvl9pPr>
           </a:lstStyle>
           <a:p>
             <a:pPr lvl="0"/>
             <a:r>
-              <a:rPr lang="zh-CN" altLang="en-US"/>
+              <a:rPr altLang="en-US" lang="zh-CN"/>
               <a:t>编辑母版文本样式</a:t>
             </a:r>
           </a:p>
@@ -2443,7 +2695,7 @@
       </p:sp>
       <p:sp>
         <p:nvSpPr>
-          <p:cNvPr id="8" name="Text Placeholder 3"/>
+          <p:cNvPr id="1048722" name="Text Placeholder 3"/>
           <p:cNvSpPr>
             <a:spLocks noGrp="1"/>
           </p:cNvSpPr>
@@ -2462,39 +2714,39 @@
             <a:normAutofit/>
           </a:bodyPr>
           <a:lstStyle>
-            <a:lvl1pPr marL="0" indent="0">
+            <a:lvl1pPr indent="0" marL="0">
               <a:buNone/>
               <a:defRPr sz="1400"/>
             </a:lvl1pPr>
-            <a:lvl2pPr marL="457200" indent="0">
+            <a:lvl2pPr indent="0" marL="457200">
               <a:buNone/>
               <a:defRPr sz="1200"/>
             </a:lvl2pPr>
-            <a:lvl3pPr marL="914400" indent="0">
+            <a:lvl3pPr indent="0" marL="914400">
               <a:buNone/>
               <a:defRPr sz="1000"/>
             </a:lvl3pPr>
-            <a:lvl4pPr marL="1371600" indent="0">
+            <a:lvl4pPr indent="0" marL="1371600">
               <a:buNone/>
               <a:defRPr sz="900"/>
             </a:lvl4pPr>
-            <a:lvl5pPr marL="1828800" indent="0">
+            <a:lvl5pPr indent="0" marL="1828800">
               <a:buNone/>
               <a:defRPr sz="900"/>
             </a:lvl5pPr>
-            <a:lvl6pPr marL="2286000" indent="0">
+            <a:lvl6pPr indent="0" marL="2286000">
               <a:buNone/>
               <a:defRPr sz="900"/>
             </a:lvl6pPr>
-            <a:lvl7pPr marL="2743200" indent="0">
+            <a:lvl7pPr indent="0" marL="2743200">
               <a:buNone/>
               <a:defRPr sz="900"/>
             </a:lvl7pPr>
-            <a:lvl8pPr marL="3200400" indent="0">
+            <a:lvl8pPr indent="0" marL="3200400">
               <a:buNone/>
               <a:defRPr sz="900"/>
             </a:lvl8pPr>
-            <a:lvl9pPr marL="3657600" indent="0">
+            <a:lvl9pPr indent="0" marL="3657600">
               <a:buNone/>
               <a:defRPr sz="900"/>
             </a:lvl9pPr>
@@ -2502,7 +2754,7 @@
           <a:p>
             <a:pPr lvl="0"/>
             <a:r>
-              <a:rPr lang="zh-CN" altLang="en-US"/>
+              <a:rPr altLang="en-US" lang="zh-CN"/>
               <a:t>编辑母版文本样式</a:t>
             </a:r>
           </a:p>
@@ -2510,7 +2762,7 @@
       </p:sp>
       <p:sp>
         <p:nvSpPr>
-          <p:cNvPr id="9" name="Text Placeholder 4"/>
+          <p:cNvPr id="1048723" name="Text Placeholder 4"/>
           <p:cNvSpPr>
             <a:spLocks noGrp="1"/>
           </p:cNvSpPr>
@@ -2529,51 +2781,51 @@
             <a:noAutofit/>
           </a:bodyPr>
           <a:lstStyle>
-            <a:lvl1pPr marL="0" indent="0">
-              <a:buNone/>
-              <a:defRPr sz="2400" b="0">
+            <a:lvl1pPr indent="0" marL="0">
+              <a:buNone/>
+              <a:defRPr b="0" sz="2400">
                 <a:solidFill>
                   <a:schemeClr val="tx1"/>
                 </a:solidFill>
               </a:defRPr>
             </a:lvl1pPr>
-            <a:lvl2pPr marL="457200" indent="0">
-              <a:buNone/>
-              <a:defRPr sz="2000" b="1"/>
+            <a:lvl2pPr indent="0" marL="457200">
+              <a:buNone/>
+              <a:defRPr b="1" sz="2000"/>
             </a:lvl2pPr>
-            <a:lvl3pPr marL="914400" indent="0">
-              <a:buNone/>
-              <a:defRPr sz="1800" b="1"/>
+            <a:lvl3pPr indent="0" marL="914400">
+              <a:buNone/>
+              <a:defRPr b="1" sz="1800"/>
             </a:lvl3pPr>
-            <a:lvl4pPr marL="1371600" indent="0">
-              <a:buNone/>
-              <a:defRPr sz="1600" b="1"/>
+            <a:lvl4pPr indent="0" marL="1371600">
+              <a:buNone/>
+              <a:defRPr b="1" sz="1600"/>
             </a:lvl4pPr>
-            <a:lvl5pPr marL="1828800" indent="0">
-              <a:buNone/>
-              <a:defRPr sz="1600" b="1"/>
+            <a:lvl5pPr indent="0" marL="1828800">
+              <a:buNone/>
+              <a:defRPr b="1" sz="1600"/>
             </a:lvl5pPr>
-            <a:lvl6pPr marL="2286000" indent="0">
-              <a:buNone/>
-              <a:defRPr sz="1600" b="1"/>
+            <a:lvl6pPr indent="0" marL="2286000">
+              <a:buNone/>
+              <a:defRPr b="1" sz="1600"/>
             </a:lvl6pPr>
-            <a:lvl7pPr marL="2743200" indent="0">
-              <a:buNone/>
-              <a:defRPr sz="1600" b="1"/>
+            <a:lvl7pPr indent="0" marL="2743200">
+              <a:buNone/>
+              <a:defRPr b="1" sz="1600"/>
             </a:lvl7pPr>
-            <a:lvl8pPr marL="3200400" indent="0">
-              <a:buNone/>
-              <a:defRPr sz="1600" b="1"/>
+            <a:lvl8pPr indent="0" marL="3200400">
+              <a:buNone/>
+              <a:defRPr b="1" sz="1600"/>
             </a:lvl8pPr>
-            <a:lvl9pPr marL="3657600" indent="0">
-              <a:buNone/>
-              <a:defRPr sz="1600" b="1"/>
+            <a:lvl9pPr indent="0" marL="3657600">
+              <a:buNone/>
+              <a:defRPr b="1" sz="1600"/>
             </a:lvl9pPr>
           </a:lstStyle>
           <a:p>
             <a:pPr lvl="0"/>
             <a:r>
-              <a:rPr lang="zh-CN" altLang="en-US"/>
+              <a:rPr altLang="en-US" lang="zh-CN"/>
               <a:t>编辑母版文本样式</a:t>
             </a:r>
           </a:p>
@@ -2581,7 +2833,7 @@
       </p:sp>
       <p:sp>
         <p:nvSpPr>
-          <p:cNvPr id="10" name="Text Placeholder 3"/>
+          <p:cNvPr id="1048724" name="Text Placeholder 3"/>
           <p:cNvSpPr>
             <a:spLocks noGrp="1"/>
           </p:cNvSpPr>
@@ -2600,39 +2852,39 @@
             <a:normAutofit/>
           </a:bodyPr>
           <a:lstStyle>
-            <a:lvl1pPr marL="0" indent="0">
+            <a:lvl1pPr indent="0" marL="0">
               <a:buNone/>
               <a:defRPr sz="1400"/>
             </a:lvl1pPr>
-            <a:lvl2pPr marL="457200" indent="0">
+            <a:lvl2pPr indent="0" marL="457200">
               <a:buNone/>
               <a:defRPr sz="1200"/>
             </a:lvl2pPr>
-            <a:lvl3pPr marL="914400" indent="0">
+            <a:lvl3pPr indent="0" marL="914400">
               <a:buNone/>
               <a:defRPr sz="1000"/>
             </a:lvl3pPr>
-            <a:lvl4pPr marL="1371600" indent="0">
+            <a:lvl4pPr indent="0" marL="1371600">
               <a:buNone/>
               <a:defRPr sz="900"/>
             </a:lvl4pPr>
-            <a:lvl5pPr marL="1828800" indent="0">
+            <a:lvl5pPr indent="0" marL="1828800">
               <a:buNone/>
               <a:defRPr sz="900"/>
             </a:lvl5pPr>
-            <a:lvl6pPr marL="2286000" indent="0">
+            <a:lvl6pPr indent="0" marL="2286000">
               <a:buNone/>
               <a:defRPr sz="900"/>
             </a:lvl6pPr>
-            <a:lvl7pPr marL="2743200" indent="0">
+            <a:lvl7pPr indent="0" marL="2743200">
               <a:buNone/>
               <a:defRPr sz="900"/>
             </a:lvl7pPr>
-            <a:lvl8pPr marL="3200400" indent="0">
+            <a:lvl8pPr indent="0" marL="3200400">
               <a:buNone/>
               <a:defRPr sz="900"/>
             </a:lvl8pPr>
-            <a:lvl9pPr marL="3657600" indent="0">
+            <a:lvl9pPr indent="0" marL="3657600">
               <a:buNone/>
               <a:defRPr sz="900"/>
             </a:lvl9pPr>
@@ -2640,7 +2892,7 @@
           <a:p>
             <a:pPr lvl="0"/>
             <a:r>
-              <a:rPr lang="zh-CN" altLang="en-US"/>
+              <a:rPr altLang="en-US" lang="zh-CN"/>
               <a:t>编辑母版文本样式</a:t>
             </a:r>
           </a:p>
@@ -2648,7 +2900,7 @@
       </p:sp>
       <p:sp>
         <p:nvSpPr>
-          <p:cNvPr id="11" name="Text Placeholder 4"/>
+          <p:cNvPr id="1048725" name="Text Placeholder 4"/>
           <p:cNvSpPr>
             <a:spLocks noGrp="1"/>
           </p:cNvSpPr>
@@ -2667,51 +2919,51 @@
             <a:noAutofit/>
           </a:bodyPr>
           <a:lstStyle>
-            <a:lvl1pPr marL="0" indent="0">
-              <a:buNone/>
-              <a:defRPr sz="2400" b="0">
+            <a:lvl1pPr indent="0" marL="0">
+              <a:buNone/>
+              <a:defRPr b="0" sz="2400">
                 <a:solidFill>
                   <a:schemeClr val="tx1"/>
                 </a:solidFill>
               </a:defRPr>
             </a:lvl1pPr>
-            <a:lvl2pPr marL="457200" indent="0">
-              <a:buNone/>
-              <a:defRPr sz="2000" b="1"/>
+            <a:lvl2pPr indent="0" marL="457200">
+              <a:buNone/>
+              <a:defRPr b="1" sz="2000"/>
             </a:lvl2pPr>
-            <a:lvl3pPr marL="914400" indent="0">
-              <a:buNone/>
-              <a:defRPr sz="1800" b="1"/>
+            <a:lvl3pPr indent="0" marL="914400">
+              <a:buNone/>
+              <a:defRPr b="1" sz="1800"/>
             </a:lvl3pPr>
-            <a:lvl4pPr marL="1371600" indent="0">
-              <a:buNone/>
-              <a:defRPr sz="1600" b="1"/>
+            <a:lvl4pPr indent="0" marL="1371600">
+              <a:buNone/>
+              <a:defRPr b="1" sz="1600"/>
             </a:lvl4pPr>
-            <a:lvl5pPr marL="1828800" indent="0">
-              <a:buNone/>
-              <a:defRPr sz="1600" b="1"/>
+            <a:lvl5pPr indent="0" marL="1828800">
+              <a:buNone/>
+              <a:defRPr b="1" sz="1600"/>
             </a:lvl5pPr>
-            <a:lvl6pPr marL="2286000" indent="0">
-              <a:buNone/>
-              <a:defRPr sz="1600" b="1"/>
+            <a:lvl6pPr indent="0" marL="2286000">
+              <a:buNone/>
+              <a:defRPr b="1" sz="1600"/>
             </a:lvl6pPr>
-            <a:lvl7pPr marL="2743200" indent="0">
-              <a:buNone/>
-              <a:defRPr sz="1600" b="1"/>
+            <a:lvl7pPr indent="0" marL="2743200">
+              <a:buNone/>
+              <a:defRPr b="1" sz="1600"/>
             </a:lvl7pPr>
-            <a:lvl8pPr marL="3200400" indent="0">
-              <a:buNone/>
-              <a:defRPr sz="1600" b="1"/>
+            <a:lvl8pPr indent="0" marL="3200400">
+              <a:buNone/>
+              <a:defRPr b="1" sz="1600"/>
             </a:lvl8pPr>
-            <a:lvl9pPr marL="3657600" indent="0">
-              <a:buNone/>
-              <a:defRPr sz="1600" b="1"/>
+            <a:lvl9pPr indent="0" marL="3657600">
+              <a:buNone/>
+              <a:defRPr b="1" sz="1600"/>
             </a:lvl9pPr>
           </a:lstStyle>
           <a:p>
             <a:pPr lvl="0"/>
             <a:r>
-              <a:rPr lang="zh-CN" altLang="en-US"/>
+              <a:rPr altLang="en-US" lang="zh-CN"/>
               <a:t>编辑母版文本样式</a:t>
             </a:r>
           </a:p>
@@ -2719,7 +2971,7 @@
       </p:sp>
       <p:sp>
         <p:nvSpPr>
-          <p:cNvPr id="12" name="Text Placeholder 3"/>
+          <p:cNvPr id="1048726" name="Text Placeholder 3"/>
           <p:cNvSpPr>
             <a:spLocks noGrp="1"/>
           </p:cNvSpPr>
@@ -2738,39 +2990,39 @@
             <a:normAutofit/>
           </a:bodyPr>
           <a:lstStyle>
-            <a:lvl1pPr marL="0" indent="0">
+            <a:lvl1pPr indent="0" marL="0">
               <a:buNone/>
               <a:defRPr sz="1400"/>
             </a:lvl1pPr>
-            <a:lvl2pPr marL="457200" indent="0">
+            <a:lvl2pPr indent="0" marL="457200">
               <a:buNone/>
               <a:defRPr sz="1200"/>
             </a:lvl2pPr>
-            <a:lvl3pPr marL="914400" indent="0">
+            <a:lvl3pPr indent="0" marL="914400">
               <a:buNone/>
               <a:defRPr sz="1000"/>
             </a:lvl3pPr>
-            <a:lvl4pPr marL="1371600" indent="0">
+            <a:lvl4pPr indent="0" marL="1371600">
               <a:buNone/>
               <a:defRPr sz="900"/>
             </a:lvl4pPr>
-            <a:lvl5pPr marL="1828800" indent="0">
+            <a:lvl5pPr indent="0" marL="1828800">
               <a:buNone/>
               <a:defRPr sz="900"/>
             </a:lvl5pPr>
-            <a:lvl6pPr marL="2286000" indent="0">
+            <a:lvl6pPr indent="0" marL="2286000">
               <a:buNone/>
               <a:defRPr sz="900"/>
             </a:lvl6pPr>
-            <a:lvl7pPr marL="2743200" indent="0">
+            <a:lvl7pPr indent="0" marL="2743200">
               <a:buNone/>
               <a:defRPr sz="900"/>
             </a:lvl7pPr>
-            <a:lvl8pPr marL="3200400" indent="0">
+            <a:lvl8pPr indent="0" marL="3200400">
               <a:buNone/>
               <a:defRPr sz="900"/>
             </a:lvl8pPr>
-            <a:lvl9pPr marL="3657600" indent="0">
+            <a:lvl9pPr indent="0" marL="3657600">
               <a:buNone/>
               <a:defRPr sz="900"/>
             </a:lvl9pPr>
@@ -2778,7 +3030,7 @@
           <a:p>
             <a:pPr lvl="0"/>
             <a:r>
-              <a:rPr lang="zh-CN" altLang="en-US"/>
+              <a:rPr altLang="en-US" lang="zh-CN"/>
               <a:t>编辑母版文本样式</a:t>
             </a:r>
           </a:p>
@@ -2786,7 +3038,7 @@
       </p:sp>
       <p:sp>
         <p:nvSpPr>
-          <p:cNvPr id="3" name="Date Placeholder 2"/>
+          <p:cNvPr id="1048727" name="Date Placeholder 2"/>
           <p:cNvSpPr>
             <a:spLocks noGrp="1"/>
           </p:cNvSpPr>
@@ -2797,19 +3049,18 @@
         <p:spPr/>
         <p:txBody>
           <a:bodyPr/>
-          <a:lstStyle/>
           <a:p>
             <a:fld id="{D4B24536-994D-4021-A283-9F449C0DB509}" type="datetimeFigureOut">
-              <a:rPr lang="en-US" dirty="0"/>
+              <a:rPr dirty="0" lang="en-US"/>
               <a:t>1/6/2019</a:t>
             </a:fld>
-            <a:endParaRPr lang="en-US" dirty="0"/>
-          </a:p>
-        </p:txBody>
-      </p:sp>
-      <p:sp>
-        <p:nvSpPr>
-          <p:cNvPr id="4" name="Footer Placeholder 3"/>
+            <a:endParaRPr dirty="0" lang="en-US"/>
+          </a:p>
+        </p:txBody>
+      </p:sp>
+      <p:sp>
+        <p:nvSpPr>
+          <p:cNvPr id="1048728" name="Footer Placeholder 3"/>
           <p:cNvSpPr>
             <a:spLocks noGrp="1"/>
           </p:cNvSpPr>
@@ -2820,15 +3071,14 @@
         <p:spPr/>
         <p:txBody>
           <a:bodyPr/>
-          <a:lstStyle/>
-          <a:p>
-            <a:endParaRPr lang="en-US" dirty="0"/>
-          </a:p>
-        </p:txBody>
-      </p:sp>
-      <p:sp>
-        <p:nvSpPr>
-          <p:cNvPr id="5" name="Slide Number Placeholder 4"/>
+          <a:p>
+            <a:endParaRPr dirty="0" lang="en-US"/>
+          </a:p>
+        </p:txBody>
+      </p:sp>
+      <p:sp>
+        <p:nvSpPr>
+          <p:cNvPr id="1048729" name="Slide Number Placeholder 4"/>
           <p:cNvSpPr>
             <a:spLocks noGrp="1"/>
           </p:cNvSpPr>
@@ -2839,13 +3089,12 @@
         <p:spPr/>
         <p:txBody>
           <a:bodyPr/>
-          <a:lstStyle/>
           <a:p>
             <a:fld id="{6D22F896-40B5-4ADD-8801-0D06FADFA095}" type="slidenum">
-              <a:rPr lang="en-US" dirty="0"/>
+              <a:rPr dirty="0" lang="en-US"/>
               <a:t>‹#›</a:t>
             </a:fld>
-            <a:endParaRPr lang="en-US" dirty="0"/>
+            <a:endParaRPr dirty="0" lang="en-US"/>
           </a:p>
         </p:txBody>
       </p:sp>
@@ -2862,7 +3111,7 @@
   <p:cSld name="3 图片栏">
     <p:spTree>
       <p:nvGrpSpPr>
-        <p:cNvPr id="1" name=""/>
+        <p:cNvPr id="43" name=""/>
         <p:cNvGrpSpPr/>
         <p:nvPr/>
       </p:nvGrpSpPr>
@@ -2876,20 +3125,14 @@
       </p:grpSpPr>
       <p:pic>
         <p:nvPicPr>
-          <p:cNvPr id="15" name="Picture 14" descr="HD-ShadowLong.png"/>
+          <p:cNvPr id="2097170" name="Picture 14" descr="HD-ShadowLong.png"/>
           <p:cNvPicPr>
             <a:picLocks noChangeAspect="1"/>
           </p:cNvPicPr>
           <p:nvPr/>
         </p:nvPicPr>
         <p:blipFill>
-          <a:blip r:embed="rId2">
-            <a:extLst>
-              <a:ext uri="{28A0092B-C50C-407E-A947-70E740481C1C}">
-                <a14:useLocalDpi xmlns:a14="http://schemas.microsoft.com/office/drawing/2010/main" val="0"/>
-              </a:ext>
-            </a:extLst>
-          </a:blip>
+          <a:blip xmlns:r="http://schemas.openxmlformats.org/officeDocument/2006/relationships" r:embed="rId1"/>
           <a:stretch>
             <a:fillRect/>
           </a:stretch>
@@ -2899,27 +3142,19 @@
             <a:off x="1" y="1970240"/>
             <a:ext cx="10437812" cy="321164"/>
           </a:xfrm>
-          <a:prstGeom prst="rect">
-            <a:avLst/>
-          </a:prstGeom>
+          <a:prstGeom prst="rect"/>
         </p:spPr>
       </p:pic>
       <p:pic>
         <p:nvPicPr>
-          <p:cNvPr id="16" name="Picture 15" descr="HD-ShadowShort.png"/>
+          <p:cNvPr id="2097171" name="Picture 15" descr="HD-ShadowShort.png"/>
           <p:cNvPicPr>
             <a:picLocks noChangeAspect="1"/>
           </p:cNvPicPr>
           <p:nvPr/>
         </p:nvPicPr>
         <p:blipFill>
-          <a:blip r:embed="rId3">
-            <a:extLst>
-              <a:ext uri="{28A0092B-C50C-407E-A947-70E740481C1C}">
-                <a14:useLocalDpi xmlns:a14="http://schemas.microsoft.com/office/drawing/2010/main" val="0"/>
-              </a:ext>
-            </a:extLst>
-          </a:blip>
+          <a:blip xmlns:r="http://schemas.openxmlformats.org/officeDocument/2006/relationships" r:embed="rId2"/>
           <a:stretch>
             <a:fillRect/>
           </a:stretch>
@@ -2929,14 +3164,12 @@
             <a:off x="10585826" y="1971234"/>
             <a:ext cx="1602997" cy="144270"/>
           </a:xfrm>
-          <a:prstGeom prst="rect">
-            <a:avLst/>
-          </a:prstGeom>
+          <a:prstGeom prst="rect"/>
         </p:spPr>
       </p:pic>
       <p:sp>
         <p:nvSpPr>
-          <p:cNvPr id="17" name="Rectangle 16"/>
+          <p:cNvPr id="1048621" name="Rectangle 16"/>
           <p:cNvSpPr/>
           <p:nvPr/>
         </p:nvSpPr>
@@ -2945,9 +3178,7 @@
             <a:off x="0" y="609600"/>
             <a:ext cx="10437812" cy="1368198"/>
           </a:xfrm>
-          <a:prstGeom prst="rect">
-            <a:avLst/>
-          </a:prstGeom>
+          <a:prstGeom prst="rect"/>
           <a:solidFill>
             <a:schemeClr val="bg1">
               <a:lumMod val="85000"/>
@@ -2977,7 +3208,7 @@
       </p:sp>
       <p:sp>
         <p:nvSpPr>
-          <p:cNvPr id="18" name="Rectangle 17"/>
+          <p:cNvPr id="1048622" name="Rectangle 17"/>
           <p:cNvSpPr/>
           <p:nvPr/>
         </p:nvSpPr>
@@ -2986,9 +3217,7 @@
             <a:off x="10585827" y="609600"/>
             <a:ext cx="1602997" cy="1368198"/>
           </a:xfrm>
-          <a:prstGeom prst="rect">
-            <a:avLst/>
-          </a:prstGeom>
+          <a:prstGeom prst="rect"/>
           <a:solidFill>
             <a:schemeClr val="accent1"/>
           </a:solidFill>
@@ -3015,7 +3244,7 @@
       </p:sp>
       <p:sp>
         <p:nvSpPr>
-          <p:cNvPr id="30" name="Title 1"/>
+          <p:cNvPr id="1048623" name="Title 1"/>
           <p:cNvSpPr>
             <a:spLocks noGrp="1"/>
           </p:cNvSpPr>
@@ -3031,19 +3260,18 @@
         </p:spPr>
         <p:txBody>
           <a:bodyPr/>
-          <a:lstStyle/>
-          <a:p>
-            <a:r>
-              <a:rPr lang="zh-CN" altLang="en-US"/>
+          <a:p>
+            <a:r>
+              <a:rPr altLang="en-US" lang="zh-CN"/>
               <a:t>单击此处编辑母版标题样式</a:t>
             </a:r>
-            <a:endParaRPr lang="en-US" dirty="0"/>
-          </a:p>
-        </p:txBody>
-      </p:sp>
-      <p:sp>
-        <p:nvSpPr>
-          <p:cNvPr id="19" name="Text Placeholder 2"/>
+            <a:endParaRPr dirty="0" lang="en-US"/>
+          </a:p>
+        </p:txBody>
+      </p:sp>
+      <p:sp>
+        <p:nvSpPr>
+          <p:cNvPr id="1048624" name="Text Placeholder 2"/>
           <p:cNvSpPr>
             <a:spLocks noGrp="1"/>
           </p:cNvSpPr>
@@ -3062,51 +3290,51 @@
             <a:noAutofit/>
           </a:bodyPr>
           <a:lstStyle>
-            <a:lvl1pPr marL="0" indent="0">
-              <a:buNone/>
-              <a:defRPr sz="2400" b="0">
+            <a:lvl1pPr indent="0" marL="0">
+              <a:buNone/>
+              <a:defRPr b="0" sz="2400">
                 <a:solidFill>
                   <a:schemeClr val="tx1"/>
                 </a:solidFill>
               </a:defRPr>
             </a:lvl1pPr>
-            <a:lvl2pPr marL="457200" indent="0">
-              <a:buNone/>
-              <a:defRPr sz="2000" b="1"/>
+            <a:lvl2pPr indent="0" marL="457200">
+              <a:buNone/>
+              <a:defRPr b="1" sz="2000"/>
             </a:lvl2pPr>
-            <a:lvl3pPr marL="914400" indent="0">
-              <a:buNone/>
-              <a:defRPr sz="1800" b="1"/>
+            <a:lvl3pPr indent="0" marL="914400">
+              <a:buNone/>
+              <a:defRPr b="1" sz="1800"/>
             </a:lvl3pPr>
-            <a:lvl4pPr marL="1371600" indent="0">
-              <a:buNone/>
-              <a:defRPr sz="1600" b="1"/>
+            <a:lvl4pPr indent="0" marL="1371600">
+              <a:buNone/>
+              <a:defRPr b="1" sz="1600"/>
             </a:lvl4pPr>
-            <a:lvl5pPr marL="1828800" indent="0">
-              <a:buNone/>
-              <a:defRPr sz="1600" b="1"/>
+            <a:lvl5pPr indent="0" marL="1828800">
+              <a:buNone/>
+              <a:defRPr b="1" sz="1600"/>
             </a:lvl5pPr>
-            <a:lvl6pPr marL="2286000" indent="0">
-              <a:buNone/>
-              <a:defRPr sz="1600" b="1"/>
+            <a:lvl6pPr indent="0" marL="2286000">
+              <a:buNone/>
+              <a:defRPr b="1" sz="1600"/>
             </a:lvl6pPr>
-            <a:lvl7pPr marL="2743200" indent="0">
-              <a:buNone/>
-              <a:defRPr sz="1600" b="1"/>
+            <a:lvl7pPr indent="0" marL="2743200">
+              <a:buNone/>
+              <a:defRPr b="1" sz="1600"/>
             </a:lvl7pPr>
-            <a:lvl8pPr marL="3200400" indent="0">
-              <a:buNone/>
-              <a:defRPr sz="1600" b="1"/>
+            <a:lvl8pPr indent="0" marL="3200400">
+              <a:buNone/>
+              <a:defRPr b="1" sz="1600"/>
             </a:lvl8pPr>
-            <a:lvl9pPr marL="3657600" indent="0">
-              <a:buNone/>
-              <a:defRPr sz="1600" b="1"/>
+            <a:lvl9pPr indent="0" marL="3657600">
+              <a:buNone/>
+              <a:defRPr b="1" sz="1600"/>
             </a:lvl9pPr>
           </a:lstStyle>
           <a:p>
             <a:pPr lvl="0"/>
             <a:r>
-              <a:rPr lang="zh-CN" altLang="en-US"/>
+              <a:rPr altLang="en-US" lang="zh-CN"/>
               <a:t>编辑母版文本样式</a:t>
             </a:r>
           </a:p>
@@ -3114,9 +3342,9 @@
       </p:sp>
       <p:sp>
         <p:nvSpPr>
-          <p:cNvPr id="20" name="Picture Placeholder 2"/>
-          <p:cNvSpPr>
-            <a:spLocks noGrp="1" noChangeAspect="1"/>
+          <p:cNvPr id="1048625" name="Picture Placeholder 2"/>
+          <p:cNvSpPr>
+            <a:spLocks noChangeAspect="1" noGrp="1"/>
           </p:cNvSpPr>
           <p:nvPr>
             <p:ph type="pic" idx="15"/>
@@ -3133,7 +3361,7 @@
             </a:avLst>
           </a:prstGeom>
           <a:effectLst>
-            <a:outerShdw blurRad="50800" dist="50800" dir="5400000" algn="tl" rotWithShape="0">
+            <a:outerShdw algn="tl" blurRad="50800" dir="5400000" dist="50800" rotWithShape="0">
               <a:srgbClr val="000000">
                 <a:alpha val="43000"/>
               </a:srgbClr>
@@ -3145,55 +3373,55 @@
             <a:normAutofit/>
           </a:bodyPr>
           <a:lstStyle>
-            <a:lvl1pPr marL="0" indent="0" algn="ctr">
+            <a:lvl1pPr algn="ctr" indent="0" marL="0">
               <a:buNone/>
               <a:defRPr sz="1600"/>
             </a:lvl1pPr>
-            <a:lvl2pPr marL="457200" indent="0">
+            <a:lvl2pPr indent="0" marL="457200">
               <a:buNone/>
               <a:defRPr sz="1600"/>
             </a:lvl2pPr>
-            <a:lvl3pPr marL="914400" indent="0">
+            <a:lvl3pPr indent="0" marL="914400">
               <a:buNone/>
               <a:defRPr sz="1600"/>
             </a:lvl3pPr>
-            <a:lvl4pPr marL="1371600" indent="0">
+            <a:lvl4pPr indent="0" marL="1371600">
               <a:buNone/>
               <a:defRPr sz="1600"/>
             </a:lvl4pPr>
-            <a:lvl5pPr marL="1828800" indent="0">
+            <a:lvl5pPr indent="0" marL="1828800">
               <a:buNone/>
               <a:defRPr sz="1600"/>
             </a:lvl5pPr>
-            <a:lvl6pPr marL="2286000" indent="0">
+            <a:lvl6pPr indent="0" marL="2286000">
               <a:buNone/>
               <a:defRPr sz="1600"/>
             </a:lvl6pPr>
-            <a:lvl7pPr marL="2743200" indent="0">
+            <a:lvl7pPr indent="0" marL="2743200">
               <a:buNone/>
               <a:defRPr sz="1600"/>
             </a:lvl7pPr>
-            <a:lvl8pPr marL="3200400" indent="0">
+            <a:lvl8pPr indent="0" marL="3200400">
               <a:buNone/>
               <a:defRPr sz="1600"/>
             </a:lvl8pPr>
-            <a:lvl9pPr marL="3657600" indent="0">
+            <a:lvl9pPr indent="0" marL="3657600">
               <a:buNone/>
               <a:defRPr sz="1600"/>
             </a:lvl9pPr>
           </a:lstStyle>
           <a:p>
             <a:r>
-              <a:rPr lang="zh-CN" altLang="en-US"/>
+              <a:rPr altLang="en-US" lang="zh-CN"/>
               <a:t>单击图标添加图片</a:t>
             </a:r>
-            <a:endParaRPr lang="en-US" dirty="0"/>
-          </a:p>
-        </p:txBody>
-      </p:sp>
-      <p:sp>
-        <p:nvSpPr>
-          <p:cNvPr id="21" name="Text Placeholder 3"/>
+            <a:endParaRPr dirty="0" lang="en-US"/>
+          </a:p>
+        </p:txBody>
+      </p:sp>
+      <p:sp>
+        <p:nvSpPr>
+          <p:cNvPr id="1048626" name="Text Placeholder 3"/>
           <p:cNvSpPr>
             <a:spLocks noGrp="1"/>
           </p:cNvSpPr>
@@ -3212,39 +3440,39 @@
             <a:normAutofit/>
           </a:bodyPr>
           <a:lstStyle>
-            <a:lvl1pPr marL="0" indent="0">
+            <a:lvl1pPr indent="0" marL="0">
               <a:buNone/>
               <a:defRPr sz="1400"/>
             </a:lvl1pPr>
-            <a:lvl2pPr marL="457200" indent="0">
+            <a:lvl2pPr indent="0" marL="457200">
               <a:buNone/>
               <a:defRPr sz="1200"/>
             </a:lvl2pPr>
-            <a:lvl3pPr marL="914400" indent="0">
+            <a:lvl3pPr indent="0" marL="914400">
               <a:buNone/>
               <a:defRPr sz="1000"/>
             </a:lvl3pPr>
-            <a:lvl4pPr marL="1371600" indent="0">
+            <a:lvl4pPr indent="0" marL="1371600">
               <a:buNone/>
               <a:defRPr sz="900"/>
             </a:lvl4pPr>
-            <a:lvl5pPr marL="1828800" indent="0">
+            <a:lvl5pPr indent="0" marL="1828800">
               <a:buNone/>
               <a:defRPr sz="900"/>
             </a:lvl5pPr>
-            <a:lvl6pPr marL="2286000" indent="0">
+            <a:lvl6pPr indent="0" marL="2286000">
               <a:buNone/>
               <a:defRPr sz="900"/>
             </a:lvl6pPr>
-            <a:lvl7pPr marL="2743200" indent="0">
+            <a:lvl7pPr indent="0" marL="2743200">
               <a:buNone/>
               <a:defRPr sz="900"/>
             </a:lvl7pPr>
-            <a:lvl8pPr marL="3200400" indent="0">
+            <a:lvl8pPr indent="0" marL="3200400">
               <a:buNone/>
               <a:defRPr sz="900"/>
             </a:lvl8pPr>
-            <a:lvl9pPr marL="3657600" indent="0">
+            <a:lvl9pPr indent="0" marL="3657600">
               <a:buNone/>
               <a:defRPr sz="900"/>
             </a:lvl9pPr>
@@ -3252,7 +3480,7 @@
           <a:p>
             <a:pPr lvl="0"/>
             <a:r>
-              <a:rPr lang="zh-CN" altLang="en-US"/>
+              <a:rPr altLang="en-US" lang="zh-CN"/>
               <a:t>编辑母版文本样式</a:t>
             </a:r>
           </a:p>
@@ -3260,7 +3488,7 @@
       </p:sp>
       <p:sp>
         <p:nvSpPr>
-          <p:cNvPr id="22" name="Text Placeholder 4"/>
+          <p:cNvPr id="1048627" name="Text Placeholder 4"/>
           <p:cNvSpPr>
             <a:spLocks noGrp="1"/>
           </p:cNvSpPr>
@@ -3279,51 +3507,51 @@
             <a:noAutofit/>
           </a:bodyPr>
           <a:lstStyle>
-            <a:lvl1pPr marL="0" indent="0">
-              <a:buNone/>
-              <a:defRPr sz="2400" b="0">
+            <a:lvl1pPr indent="0" marL="0">
+              <a:buNone/>
+              <a:defRPr b="0" sz="2400">
                 <a:solidFill>
                   <a:schemeClr val="tx1"/>
                 </a:solidFill>
               </a:defRPr>
             </a:lvl1pPr>
-            <a:lvl2pPr marL="457200" indent="0">
-              <a:buNone/>
-              <a:defRPr sz="2000" b="1"/>
+            <a:lvl2pPr indent="0" marL="457200">
+              <a:buNone/>
+              <a:defRPr b="1" sz="2000"/>
             </a:lvl2pPr>
-            <a:lvl3pPr marL="914400" indent="0">
-              <a:buNone/>
-              <a:defRPr sz="1800" b="1"/>
+            <a:lvl3pPr indent="0" marL="914400">
+              <a:buNone/>
+              <a:defRPr b="1" sz="1800"/>
             </a:lvl3pPr>
-            <a:lvl4pPr marL="1371600" indent="0">
-              <a:buNone/>
-              <a:defRPr sz="1600" b="1"/>
+            <a:lvl4pPr indent="0" marL="1371600">
+              <a:buNone/>
+              <a:defRPr b="1" sz="1600"/>
             </a:lvl4pPr>
-            <a:lvl5pPr marL="1828800" indent="0">
-              <a:buNone/>
-              <a:defRPr sz="1600" b="1"/>
+            <a:lvl5pPr indent="0" marL="1828800">
+              <a:buNone/>
+              <a:defRPr b="1" sz="1600"/>
             </a:lvl5pPr>
-            <a:lvl6pPr marL="2286000" indent="0">
-              <a:buNone/>
-              <a:defRPr sz="1600" b="1"/>
+            <a:lvl6pPr indent="0" marL="2286000">
+              <a:buNone/>
+              <a:defRPr b="1" sz="1600"/>
             </a:lvl6pPr>
-            <a:lvl7pPr marL="2743200" indent="0">
-              <a:buNone/>
-              <a:defRPr sz="1600" b="1"/>
+            <a:lvl7pPr indent="0" marL="2743200">
+              <a:buNone/>
+              <a:defRPr b="1" sz="1600"/>
             </a:lvl7pPr>
-            <a:lvl8pPr marL="3200400" indent="0">
-              <a:buNone/>
-              <a:defRPr sz="1600" b="1"/>
+            <a:lvl8pPr indent="0" marL="3200400">
+              <a:buNone/>
+              <a:defRPr b="1" sz="1600"/>
             </a:lvl8pPr>
-            <a:lvl9pPr marL="3657600" indent="0">
-              <a:buNone/>
-              <a:defRPr sz="1600" b="1"/>
+            <a:lvl9pPr indent="0" marL="3657600">
+              <a:buNone/>
+              <a:defRPr b="1" sz="1600"/>
             </a:lvl9pPr>
           </a:lstStyle>
           <a:p>
             <a:pPr lvl="0"/>
             <a:r>
-              <a:rPr lang="zh-CN" altLang="en-US"/>
+              <a:rPr altLang="en-US" lang="zh-CN"/>
               <a:t>编辑母版文本样式</a:t>
             </a:r>
           </a:p>
@@ -3331,9 +3559,9 @@
       </p:sp>
       <p:sp>
         <p:nvSpPr>
-          <p:cNvPr id="23" name="Picture Placeholder 2"/>
-          <p:cNvSpPr>
-            <a:spLocks noGrp="1" noChangeAspect="1"/>
+          <p:cNvPr id="1048628" name="Picture Placeholder 2"/>
+          <p:cNvSpPr>
+            <a:spLocks noChangeAspect="1" noGrp="1"/>
           </p:cNvSpPr>
           <p:nvPr>
             <p:ph type="pic" idx="21"/>
@@ -3350,7 +3578,7 @@
             </a:avLst>
           </a:prstGeom>
           <a:effectLst>
-            <a:outerShdw blurRad="50800" dist="50800" dir="5400000" algn="tl" rotWithShape="0">
+            <a:outerShdw algn="tl" blurRad="50800" dir="5400000" dist="50800" rotWithShape="0">
               <a:srgbClr val="000000">
                 <a:alpha val="43000"/>
               </a:srgbClr>
@@ -3362,55 +3590,55 @@
             <a:normAutofit/>
           </a:bodyPr>
           <a:lstStyle>
-            <a:lvl1pPr marL="0" indent="0" algn="ctr">
+            <a:lvl1pPr algn="ctr" indent="0" marL="0">
               <a:buNone/>
               <a:defRPr sz="1600"/>
             </a:lvl1pPr>
-            <a:lvl2pPr marL="457200" indent="0">
+            <a:lvl2pPr indent="0" marL="457200">
               <a:buNone/>
               <a:defRPr sz="1600"/>
             </a:lvl2pPr>
-            <a:lvl3pPr marL="914400" indent="0">
+            <a:lvl3pPr indent="0" marL="914400">
               <a:buNone/>
               <a:defRPr sz="1600"/>
             </a:lvl3pPr>
-            <a:lvl4pPr marL="1371600" indent="0">
+            <a:lvl4pPr indent="0" marL="1371600">
               <a:buNone/>
               <a:defRPr sz="1600"/>
             </a:lvl4pPr>
-            <a:lvl5pPr marL="1828800" indent="0">
+            <a:lvl5pPr indent="0" marL="1828800">
               <a:buNone/>
               <a:defRPr sz="1600"/>
             </a:lvl5pPr>
-            <a:lvl6pPr marL="2286000" indent="0">
+            <a:lvl6pPr indent="0" marL="2286000">
               <a:buNone/>
               <a:defRPr sz="1600"/>
             </a:lvl6pPr>
-            <a:lvl7pPr marL="2743200" indent="0">
+            <a:lvl7pPr indent="0" marL="2743200">
               <a:buNone/>
               <a:defRPr sz="1600"/>
             </a:lvl7pPr>
-            <a:lvl8pPr marL="3200400" indent="0">
+            <a:lvl8pPr indent="0" marL="3200400">
               <a:buNone/>
               <a:defRPr sz="1600"/>
             </a:lvl8pPr>
-            <a:lvl9pPr marL="3657600" indent="0">
+            <a:lvl9pPr indent="0" marL="3657600">
               <a:buNone/>
               <a:defRPr sz="1600"/>
             </a:lvl9pPr>
           </a:lstStyle>
           <a:p>
             <a:r>
-              <a:rPr lang="zh-CN" altLang="en-US"/>
+              <a:rPr altLang="en-US" lang="zh-CN"/>
               <a:t>单击图标添加图片</a:t>
             </a:r>
-            <a:endParaRPr lang="en-US" dirty="0"/>
-          </a:p>
-        </p:txBody>
-      </p:sp>
-      <p:sp>
-        <p:nvSpPr>
-          <p:cNvPr id="24" name="Text Placeholder 3"/>
+            <a:endParaRPr dirty="0" lang="en-US"/>
+          </a:p>
+        </p:txBody>
+      </p:sp>
+      <p:sp>
+        <p:nvSpPr>
+          <p:cNvPr id="1048629" name="Text Placeholder 3"/>
           <p:cNvSpPr>
             <a:spLocks noGrp="1"/>
           </p:cNvSpPr>
@@ -3429,39 +3657,39 @@
             <a:normAutofit/>
           </a:bodyPr>
           <a:lstStyle>
-            <a:lvl1pPr marL="0" indent="0">
+            <a:lvl1pPr indent="0" marL="0">
               <a:buNone/>
               <a:defRPr sz="1400"/>
             </a:lvl1pPr>
-            <a:lvl2pPr marL="457200" indent="0">
+            <a:lvl2pPr indent="0" marL="457200">
               <a:buNone/>
               <a:defRPr sz="1200"/>
             </a:lvl2pPr>
-            <a:lvl3pPr marL="914400" indent="0">
+            <a:lvl3pPr indent="0" marL="914400">
               <a:buNone/>
               <a:defRPr sz="1000"/>
             </a:lvl3pPr>
-            <a:lvl4pPr marL="1371600" indent="0">
+            <a:lvl4pPr indent="0" marL="1371600">
               <a:buNone/>
               <a:defRPr sz="900"/>
             </a:lvl4pPr>
-            <a:lvl5pPr marL="1828800" indent="0">
+            <a:lvl5pPr indent="0" marL="1828800">
               <a:buNone/>
               <a:defRPr sz="900"/>
             </a:lvl5pPr>
-            <a:lvl6pPr marL="2286000" indent="0">
+            <a:lvl6pPr indent="0" marL="2286000">
               <a:buNone/>
               <a:defRPr sz="900"/>
             </a:lvl6pPr>
-            <a:lvl7pPr marL="2743200" indent="0">
+            <a:lvl7pPr indent="0" marL="2743200">
               <a:buNone/>
               <a:defRPr sz="900"/>
             </a:lvl7pPr>
-            <a:lvl8pPr marL="3200400" indent="0">
+            <a:lvl8pPr indent="0" marL="3200400">
               <a:buNone/>
               <a:defRPr sz="900"/>
             </a:lvl8pPr>
-            <a:lvl9pPr marL="3657600" indent="0">
+            <a:lvl9pPr indent="0" marL="3657600">
               <a:buNone/>
               <a:defRPr sz="900"/>
             </a:lvl9pPr>
@@ -3469,7 +3697,7 @@
           <a:p>
             <a:pPr lvl="0"/>
             <a:r>
-              <a:rPr lang="zh-CN" altLang="en-US"/>
+              <a:rPr altLang="en-US" lang="zh-CN"/>
               <a:t>编辑母版文本样式</a:t>
             </a:r>
           </a:p>
@@ -3477,7 +3705,7 @@
       </p:sp>
       <p:sp>
         <p:nvSpPr>
-          <p:cNvPr id="25" name="Text Placeholder 4"/>
+          <p:cNvPr id="1048630" name="Text Placeholder 4"/>
           <p:cNvSpPr>
             <a:spLocks noGrp="1"/>
           </p:cNvSpPr>
@@ -3496,51 +3724,51 @@
             <a:noAutofit/>
           </a:bodyPr>
           <a:lstStyle>
-            <a:lvl1pPr marL="0" indent="0">
-              <a:buNone/>
-              <a:defRPr sz="2400" b="0">
+            <a:lvl1pPr indent="0" marL="0">
+              <a:buNone/>
+              <a:defRPr b="0" sz="2400">
                 <a:solidFill>
                   <a:schemeClr val="tx1"/>
                 </a:solidFill>
               </a:defRPr>
             </a:lvl1pPr>
-            <a:lvl2pPr marL="457200" indent="0">
-              <a:buNone/>
-              <a:defRPr sz="2000" b="1"/>
+            <a:lvl2pPr indent="0" marL="457200">
+              <a:buNone/>
+              <a:defRPr b="1" sz="2000"/>
             </a:lvl2pPr>
-            <a:lvl3pPr marL="914400" indent="0">
-              <a:buNone/>
-              <a:defRPr sz="1800" b="1"/>
+            <a:lvl3pPr indent="0" marL="914400">
+              <a:buNone/>
+              <a:defRPr b="1" sz="1800"/>
             </a:lvl3pPr>
-            <a:lvl4pPr marL="1371600" indent="0">
-              <a:buNone/>
-              <a:defRPr sz="1600" b="1"/>
+            <a:lvl4pPr indent="0" marL="1371600">
+              <a:buNone/>
+              <a:defRPr b="1" sz="1600"/>
             </a:lvl4pPr>
-            <a:lvl5pPr marL="1828800" indent="0">
-              <a:buNone/>
-              <a:defRPr sz="1600" b="1"/>
+            <a:lvl5pPr indent="0" marL="1828800">
+              <a:buNone/>
+              <a:defRPr b="1" sz="1600"/>
             </a:lvl5pPr>
-            <a:lvl6pPr marL="2286000" indent="0">
-              <a:buNone/>
-              <a:defRPr sz="1600" b="1"/>
+            <a:lvl6pPr indent="0" marL="2286000">
+              <a:buNone/>
+              <a:defRPr b="1" sz="1600"/>
             </a:lvl6pPr>
-            <a:lvl7pPr marL="2743200" indent="0">
-              <a:buNone/>
-              <a:defRPr sz="1600" b="1"/>
+            <a:lvl7pPr indent="0" marL="2743200">
+              <a:buNone/>
+              <a:defRPr b="1" sz="1600"/>
             </a:lvl7pPr>
-            <a:lvl8pPr marL="3200400" indent="0">
-              <a:buNone/>
-              <a:defRPr sz="1600" b="1"/>
+            <a:lvl8pPr indent="0" marL="3200400">
+              <a:buNone/>
+              <a:defRPr b="1" sz="1600"/>
             </a:lvl8pPr>
-            <a:lvl9pPr marL="3657600" indent="0">
-              <a:buNone/>
-              <a:defRPr sz="1600" b="1"/>
+            <a:lvl9pPr indent="0" marL="3657600">
+              <a:buNone/>
+              <a:defRPr b="1" sz="1600"/>
             </a:lvl9pPr>
           </a:lstStyle>
           <a:p>
             <a:pPr lvl="0"/>
             <a:r>
-              <a:rPr lang="zh-CN" altLang="en-US"/>
+              <a:rPr altLang="en-US" lang="zh-CN"/>
               <a:t>编辑母版文本样式</a:t>
             </a:r>
           </a:p>
@@ -3548,9 +3776,9 @@
       </p:sp>
       <p:sp>
         <p:nvSpPr>
-          <p:cNvPr id="26" name="Picture Placeholder 2"/>
-          <p:cNvSpPr>
-            <a:spLocks noGrp="1" noChangeAspect="1"/>
+          <p:cNvPr id="1048631" name="Picture Placeholder 2"/>
+          <p:cNvSpPr>
+            <a:spLocks noChangeAspect="1" noGrp="1"/>
           </p:cNvSpPr>
           <p:nvPr>
             <p:ph type="pic" idx="22"/>
@@ -3567,7 +3795,7 @@
             </a:avLst>
           </a:prstGeom>
           <a:effectLst>
-            <a:outerShdw blurRad="50800" dist="50800" dir="5400000" algn="tl" rotWithShape="0">
+            <a:outerShdw algn="tl" blurRad="50800" dir="5400000" dist="50800" rotWithShape="0">
               <a:srgbClr val="000000">
                 <a:alpha val="43000"/>
               </a:srgbClr>
@@ -3579,55 +3807,55 @@
             <a:normAutofit/>
           </a:bodyPr>
           <a:lstStyle>
-            <a:lvl1pPr marL="0" indent="0" algn="ctr">
+            <a:lvl1pPr algn="ctr" indent="0" marL="0">
               <a:buNone/>
               <a:defRPr sz="1600"/>
             </a:lvl1pPr>
-            <a:lvl2pPr marL="457200" indent="0">
+            <a:lvl2pPr indent="0" marL="457200">
               <a:buNone/>
               <a:defRPr sz="1600"/>
             </a:lvl2pPr>
-            <a:lvl3pPr marL="914400" indent="0">
+            <a:lvl3pPr indent="0" marL="914400">
               <a:buNone/>
               <a:defRPr sz="1600"/>
             </a:lvl3pPr>
-            <a:lvl4pPr marL="1371600" indent="0">
+            <a:lvl4pPr indent="0" marL="1371600">
               <a:buNone/>
               <a:defRPr sz="1600"/>
             </a:lvl4pPr>
-            <a:lvl5pPr marL="1828800" indent="0">
+            <a:lvl5pPr indent="0" marL="1828800">
               <a:buNone/>
               <a:defRPr sz="1600"/>
             </a:lvl5pPr>
-            <a:lvl6pPr marL="2286000" indent="0">
+            <a:lvl6pPr indent="0" marL="2286000">
               <a:buNone/>
               <a:defRPr sz="1600"/>
             </a:lvl6pPr>
-            <a:lvl7pPr marL="2743200" indent="0">
+            <a:lvl7pPr indent="0" marL="2743200">
               <a:buNone/>
               <a:defRPr sz="1600"/>
             </a:lvl7pPr>
-            <a:lvl8pPr marL="3200400" indent="0">
+            <a:lvl8pPr indent="0" marL="3200400">
               <a:buNone/>
               <a:defRPr sz="1600"/>
             </a:lvl8pPr>
-            <a:lvl9pPr marL="3657600" indent="0">
+            <a:lvl9pPr indent="0" marL="3657600">
               <a:buNone/>
               <a:defRPr sz="1600"/>
             </a:lvl9pPr>
           </a:lstStyle>
           <a:p>
             <a:r>
-              <a:rPr lang="zh-CN" altLang="en-US"/>
+              <a:rPr altLang="en-US" lang="zh-CN"/>
               <a:t>单击图标添加图片</a:t>
             </a:r>
-            <a:endParaRPr lang="en-US" dirty="0"/>
-          </a:p>
-        </p:txBody>
-      </p:sp>
-      <p:sp>
-        <p:nvSpPr>
-          <p:cNvPr id="27" name="Text Placeholder 3"/>
+            <a:endParaRPr dirty="0" lang="en-US"/>
+          </a:p>
+        </p:txBody>
+      </p:sp>
+      <p:sp>
+        <p:nvSpPr>
+          <p:cNvPr id="1048632" name="Text Placeholder 3"/>
           <p:cNvSpPr>
             <a:spLocks noGrp="1"/>
           </p:cNvSpPr>
@@ -3646,39 +3874,39 @@
             <a:normAutofit/>
           </a:bodyPr>
           <a:lstStyle>
-            <a:lvl1pPr marL="0" indent="0">
+            <a:lvl1pPr indent="0" marL="0">
               <a:buNone/>
               <a:defRPr sz="1400"/>
             </a:lvl1pPr>
-            <a:lvl2pPr marL="457200" indent="0">
+            <a:lvl2pPr indent="0" marL="457200">
               <a:buNone/>
               <a:defRPr sz="1200"/>
             </a:lvl2pPr>
-            <a:lvl3pPr marL="914400" indent="0">
+            <a:lvl3pPr indent="0" marL="914400">
               <a:buNone/>
               <a:defRPr sz="1000"/>
             </a:lvl3pPr>
-            <a:lvl4pPr marL="1371600" indent="0">
+            <a:lvl4pPr indent="0" marL="1371600">
               <a:buNone/>
               <a:defRPr sz="900"/>
             </a:lvl4pPr>
-            <a:lvl5pPr marL="1828800" indent="0">
+            <a:lvl5pPr indent="0" marL="1828800">
               <a:buNone/>
               <a:defRPr sz="900"/>
             </a:lvl5pPr>
-            <a:lvl6pPr marL="2286000" indent="0">
+            <a:lvl6pPr indent="0" marL="2286000">
               <a:buNone/>
               <a:defRPr sz="900"/>
             </a:lvl6pPr>
-            <a:lvl7pPr marL="2743200" indent="0">
+            <a:lvl7pPr indent="0" marL="2743200">
               <a:buNone/>
               <a:defRPr sz="900"/>
             </a:lvl7pPr>
-            <a:lvl8pPr marL="3200400" indent="0">
+            <a:lvl8pPr indent="0" marL="3200400">
               <a:buNone/>
               <a:defRPr sz="900"/>
             </a:lvl8pPr>
-            <a:lvl9pPr marL="3657600" indent="0">
+            <a:lvl9pPr indent="0" marL="3657600">
               <a:buNone/>
               <a:defRPr sz="900"/>
             </a:lvl9pPr>
@@ -3686,7 +3914,7 @@
           <a:p>
             <a:pPr lvl="0"/>
             <a:r>
-              <a:rPr lang="zh-CN" altLang="en-US"/>
+              <a:rPr altLang="en-US" lang="zh-CN"/>
               <a:t>编辑母版文本样式</a:t>
             </a:r>
           </a:p>
@@ -3694,7 +3922,7 @@
       </p:sp>
       <p:sp>
         <p:nvSpPr>
-          <p:cNvPr id="3" name="Date Placeholder 2"/>
+          <p:cNvPr id="1048633" name="Date Placeholder 2"/>
           <p:cNvSpPr>
             <a:spLocks noGrp="1"/>
           </p:cNvSpPr>
@@ -3705,19 +3933,18 @@
         <p:spPr/>
         <p:txBody>
           <a:bodyPr/>
-          <a:lstStyle/>
           <a:p>
             <a:fld id="{3CBBBB78-C96F-47B7-AB17-D852CA960AC9}" type="datetimeFigureOut">
-              <a:rPr lang="en-US" dirty="0"/>
+              <a:rPr dirty="0" lang="en-US"/>
               <a:t>1/6/2019</a:t>
             </a:fld>
-            <a:endParaRPr lang="en-US" dirty="0"/>
-          </a:p>
-        </p:txBody>
-      </p:sp>
-      <p:sp>
-        <p:nvSpPr>
-          <p:cNvPr id="4" name="Footer Placeholder 3"/>
+            <a:endParaRPr dirty="0" lang="en-US"/>
+          </a:p>
+        </p:txBody>
+      </p:sp>
+      <p:sp>
+        <p:nvSpPr>
+          <p:cNvPr id="1048634" name="Footer Placeholder 3"/>
           <p:cNvSpPr>
             <a:spLocks noGrp="1"/>
           </p:cNvSpPr>
@@ -3728,15 +3955,14 @@
         <p:spPr/>
         <p:txBody>
           <a:bodyPr/>
-          <a:lstStyle/>
-          <a:p>
-            <a:endParaRPr lang="en-US" dirty="0"/>
-          </a:p>
-        </p:txBody>
-      </p:sp>
-      <p:sp>
-        <p:nvSpPr>
-          <p:cNvPr id="5" name="Slide Number Placeholder 4"/>
+          <a:p>
+            <a:endParaRPr dirty="0" lang="en-US"/>
+          </a:p>
+        </p:txBody>
+      </p:sp>
+      <p:sp>
+        <p:nvSpPr>
+          <p:cNvPr id="1048635" name="Slide Number Placeholder 4"/>
           <p:cNvSpPr>
             <a:spLocks noGrp="1"/>
           </p:cNvSpPr>
@@ -3747,13 +3973,12 @@
         <p:spPr/>
         <p:txBody>
           <a:bodyPr/>
-          <a:lstStyle/>
           <a:p>
             <a:fld id="{6D22F896-40B5-4ADD-8801-0D06FADFA095}" type="slidenum">
-              <a:rPr lang="en-US" dirty="0"/>
+              <a:rPr dirty="0" lang="en-US"/>
               <a:t>‹#›</a:t>
             </a:fld>
-            <a:endParaRPr lang="en-US" dirty="0"/>
+            <a:endParaRPr dirty="0" lang="en-US"/>
           </a:p>
         </p:txBody>
       </p:sp>
@@ -3766,11 +3991,11 @@
 </file>
 
 <file path=ppt/slideLayouts/slideLayout16.xml><?xml version="1.0" encoding="utf-8"?>
-<p:sldLayout xmlns:a="http://schemas.openxmlformats.org/drawingml/2006/main" xmlns:r="http://schemas.openxmlformats.org/officeDocument/2006/relationships" xmlns:p="http://schemas.openxmlformats.org/presentationml/2006/main" type="vertTx" preserve="1">
+<p:sldLayout xmlns:a="http://schemas.openxmlformats.org/drawingml/2006/main" xmlns:r="http://schemas.openxmlformats.org/officeDocument/2006/relationships" xmlns:p="http://schemas.openxmlformats.org/presentationml/2006/main" preserve="1" type="vertTx">
   <p:cSld name="标题和竖排文字">
     <p:spTree>
       <p:nvGrpSpPr>
-        <p:cNvPr id="1" name=""/>
+        <p:cNvPr id="46" name=""/>
         <p:cNvGrpSpPr/>
         <p:nvPr/>
       </p:nvGrpSpPr>
@@ -3784,20 +4009,14 @@
       </p:grpSpPr>
       <p:pic>
         <p:nvPicPr>
-          <p:cNvPr id="7" name="Picture 6" descr="HD-ShadowLong.png"/>
+          <p:cNvPr id="2097174" name="Picture 6" descr="HD-ShadowLong.png"/>
           <p:cNvPicPr>
             <a:picLocks noChangeAspect="1"/>
           </p:cNvPicPr>
           <p:nvPr/>
         </p:nvPicPr>
         <p:blipFill>
-          <a:blip r:embed="rId2">
-            <a:extLst>
-              <a:ext uri="{28A0092B-C50C-407E-A947-70E740481C1C}">
-                <a14:useLocalDpi xmlns:a14="http://schemas.microsoft.com/office/drawing/2010/main" val="0"/>
-              </a:ext>
-            </a:extLst>
-          </a:blip>
+          <a:blip xmlns:r="http://schemas.openxmlformats.org/officeDocument/2006/relationships" r:embed="rId1"/>
           <a:stretch>
             <a:fillRect/>
           </a:stretch>
@@ -3807,27 +4026,19 @@
             <a:off x="1" y="1970240"/>
             <a:ext cx="10437812" cy="321164"/>
           </a:xfrm>
-          <a:prstGeom prst="rect">
-            <a:avLst/>
-          </a:prstGeom>
+          <a:prstGeom prst="rect"/>
         </p:spPr>
       </p:pic>
       <p:pic>
         <p:nvPicPr>
-          <p:cNvPr id="8" name="Picture 7" descr="HD-ShadowShort.png"/>
+          <p:cNvPr id="2097175" name="Picture 7" descr="HD-ShadowShort.png"/>
           <p:cNvPicPr>
             <a:picLocks noChangeAspect="1"/>
           </p:cNvPicPr>
           <p:nvPr/>
         </p:nvPicPr>
         <p:blipFill>
-          <a:blip r:embed="rId3">
-            <a:extLst>
-              <a:ext uri="{28A0092B-C50C-407E-A947-70E740481C1C}">
-                <a14:useLocalDpi xmlns:a14="http://schemas.microsoft.com/office/drawing/2010/main" val="0"/>
-              </a:ext>
-            </a:extLst>
-          </a:blip>
+          <a:blip xmlns:r="http://schemas.openxmlformats.org/officeDocument/2006/relationships" r:embed="rId2"/>
           <a:stretch>
             <a:fillRect/>
           </a:stretch>
@@ -3837,14 +4048,12 @@
             <a:off x="10585826" y="1971234"/>
             <a:ext cx="1602997" cy="144270"/>
           </a:xfrm>
-          <a:prstGeom prst="rect">
-            <a:avLst/>
-          </a:prstGeom>
+          <a:prstGeom prst="rect"/>
         </p:spPr>
       </p:pic>
       <p:sp>
         <p:nvSpPr>
-          <p:cNvPr id="9" name="Rectangle 8"/>
+          <p:cNvPr id="1048653" name="Rectangle 8"/>
           <p:cNvSpPr/>
           <p:nvPr/>
         </p:nvSpPr>
@@ -3853,9 +4062,7 @@
             <a:off x="0" y="609600"/>
             <a:ext cx="10437812" cy="1368198"/>
           </a:xfrm>
-          <a:prstGeom prst="rect">
-            <a:avLst/>
-          </a:prstGeom>
+          <a:prstGeom prst="rect"/>
           <a:solidFill>
             <a:schemeClr val="bg1">
               <a:lumMod val="85000"/>
@@ -3885,7 +4092,7 @@
       </p:sp>
       <p:sp>
         <p:nvSpPr>
-          <p:cNvPr id="10" name="Rectangle 9"/>
+          <p:cNvPr id="1048654" name="Rectangle 9"/>
           <p:cNvSpPr/>
           <p:nvPr/>
         </p:nvSpPr>
@@ -3894,9 +4101,7 @@
             <a:off x="10585827" y="609600"/>
             <a:ext cx="1602997" cy="1368198"/>
           </a:xfrm>
-          <a:prstGeom prst="rect">
-            <a:avLst/>
-          </a:prstGeom>
+          <a:prstGeom prst="rect"/>
           <a:solidFill>
             <a:schemeClr val="accent1"/>
           </a:solidFill>
@@ -3923,7 +4128,7 @@
       </p:sp>
       <p:sp>
         <p:nvSpPr>
-          <p:cNvPr id="2" name="Title 1"/>
+          <p:cNvPr id="1048655" name="Title 1"/>
           <p:cNvSpPr>
             <a:spLocks noGrp="1"/>
           </p:cNvSpPr>
@@ -3935,22 +4140,20 @@
         <p:txBody>
           <a:bodyPr/>
           <a:lstStyle>
-            <a:lvl1pPr algn="r">
-              <a:defRPr/>
-            </a:lvl1pPr>
+            <a:lvl1pPr algn="r"/>
           </a:lstStyle>
           <a:p>
             <a:r>
-              <a:rPr lang="zh-CN" altLang="en-US"/>
+              <a:rPr altLang="en-US" lang="zh-CN"/>
               <a:t>单击此处编辑母版标题样式</a:t>
             </a:r>
-            <a:endParaRPr lang="en-US" dirty="0"/>
-          </a:p>
-        </p:txBody>
-      </p:sp>
-      <p:sp>
-        <p:nvSpPr>
-          <p:cNvPr id="3" name="Vertical Text Placeholder 2"/>
+            <a:endParaRPr dirty="0" lang="en-US"/>
+          </a:p>
+        </p:txBody>
+      </p:sp>
+      <p:sp>
+        <p:nvSpPr>
+          <p:cNvPr id="1048656" name="Vertical Text Placeholder 2"/>
           <p:cNvSpPr>
             <a:spLocks noGrp="1"/>
           </p:cNvSpPr>
@@ -3961,48 +4164,47 @@
         <p:spPr/>
         <p:txBody>
           <a:bodyPr vert="eaVert"/>
-          <a:lstStyle/>
           <a:p>
             <a:pPr lvl="0"/>
             <a:r>
-              <a:rPr lang="zh-CN" altLang="en-US"/>
+              <a:rPr altLang="en-US" lang="zh-CN"/>
               <a:t>编辑母版文本样式</a:t>
             </a:r>
           </a:p>
           <a:p>
             <a:pPr lvl="1"/>
             <a:r>
-              <a:rPr lang="zh-CN" altLang="en-US"/>
+              <a:rPr altLang="en-US" lang="zh-CN"/>
               <a:t>第二级</a:t>
             </a:r>
           </a:p>
           <a:p>
             <a:pPr lvl="2"/>
             <a:r>
-              <a:rPr lang="zh-CN" altLang="en-US"/>
+              <a:rPr altLang="en-US" lang="zh-CN"/>
               <a:t>第三级</a:t>
             </a:r>
           </a:p>
           <a:p>
             <a:pPr lvl="3"/>
             <a:r>
-              <a:rPr lang="zh-CN" altLang="en-US"/>
+              <a:rPr altLang="en-US" lang="zh-CN"/>
               <a:t>第四级</a:t>
             </a:r>
           </a:p>
           <a:p>
             <a:pPr lvl="4"/>
             <a:r>
-              <a:rPr lang="zh-CN" altLang="en-US"/>
+              <a:rPr altLang="en-US" lang="zh-CN"/>
               <a:t>第五级</a:t>
             </a:r>
-            <a:endParaRPr lang="en-US" dirty="0"/>
-          </a:p>
-        </p:txBody>
-      </p:sp>
-      <p:sp>
-        <p:nvSpPr>
-          <p:cNvPr id="4" name="Date Placeholder 3"/>
+            <a:endParaRPr dirty="0" lang="en-US"/>
+          </a:p>
+        </p:txBody>
+      </p:sp>
+      <p:sp>
+        <p:nvSpPr>
+          <p:cNvPr id="1048657" name="Date Placeholder 3"/>
           <p:cNvSpPr>
             <a:spLocks noGrp="1"/>
           </p:cNvSpPr>
@@ -4013,19 +4215,18 @@
         <p:spPr/>
         <p:txBody>
           <a:bodyPr/>
-          <a:lstStyle/>
           <a:p>
             <a:fld id="{1FA3F48C-C7C6-4055-9F49-3777875E72AE}" type="datetimeFigureOut">
-              <a:rPr lang="en-US" dirty="0"/>
+              <a:rPr dirty="0" lang="en-US"/>
               <a:t>1/6/2019</a:t>
             </a:fld>
-            <a:endParaRPr lang="en-US" dirty="0"/>
-          </a:p>
-        </p:txBody>
-      </p:sp>
-      <p:sp>
-        <p:nvSpPr>
-          <p:cNvPr id="5" name="Footer Placeholder 4"/>
+            <a:endParaRPr dirty="0" lang="en-US"/>
+          </a:p>
+        </p:txBody>
+      </p:sp>
+      <p:sp>
+        <p:nvSpPr>
+          <p:cNvPr id="1048658" name="Footer Placeholder 4"/>
           <p:cNvSpPr>
             <a:spLocks noGrp="1"/>
           </p:cNvSpPr>
@@ -4036,15 +4237,14 @@
         <p:spPr/>
         <p:txBody>
           <a:bodyPr/>
-          <a:lstStyle/>
-          <a:p>
-            <a:endParaRPr lang="en-US" dirty="0"/>
-          </a:p>
-        </p:txBody>
-      </p:sp>
-      <p:sp>
-        <p:nvSpPr>
-          <p:cNvPr id="6" name="Slide Number Placeholder 5"/>
+          <a:p>
+            <a:endParaRPr dirty="0" lang="en-US"/>
+          </a:p>
+        </p:txBody>
+      </p:sp>
+      <p:sp>
+        <p:nvSpPr>
+          <p:cNvPr id="1048659" name="Slide Number Placeholder 5"/>
           <p:cNvSpPr>
             <a:spLocks noGrp="1"/>
           </p:cNvSpPr>
@@ -4055,13 +4255,12 @@
         <p:spPr/>
         <p:txBody>
           <a:bodyPr/>
-          <a:lstStyle/>
           <a:p>
             <a:fld id="{6D22F896-40B5-4ADD-8801-0D06FADFA095}" type="slidenum">
-              <a:rPr lang="en-US" dirty="0"/>
+              <a:rPr dirty="0" lang="en-US"/>
               <a:t>‹#›</a:t>
             </a:fld>
-            <a:endParaRPr lang="en-US" dirty="0"/>
+            <a:endParaRPr dirty="0" lang="en-US"/>
           </a:p>
         </p:txBody>
       </p:sp>
@@ -4074,11 +4273,11 @@
 </file>
 
 <file path=ppt/slideLayouts/slideLayout17.xml><?xml version="1.0" encoding="utf-8"?>
-<p:sldLayout xmlns:a="http://schemas.openxmlformats.org/drawingml/2006/main" xmlns:r="http://schemas.openxmlformats.org/officeDocument/2006/relationships" xmlns:p="http://schemas.openxmlformats.org/presentationml/2006/main" type="vertTitleAndTx" preserve="1">
+<p:sldLayout xmlns:a="http://schemas.openxmlformats.org/drawingml/2006/main" xmlns:r="http://schemas.openxmlformats.org/officeDocument/2006/relationships" xmlns:p="http://schemas.openxmlformats.org/presentationml/2006/main" preserve="1" type="vertTitleAndTx">
   <p:cSld name="竖排标题与文本">
     <p:spTree>
       <p:nvGrpSpPr>
-        <p:cNvPr id="1" name=""/>
+        <p:cNvPr id="44" name=""/>
         <p:cNvGrpSpPr/>
         <p:nvPr/>
       </p:nvGrpSpPr>
@@ -4092,7 +4291,7 @@
       </p:grpSpPr>
       <p:sp>
         <p:nvSpPr>
-          <p:cNvPr id="7" name="Rectangle 6"/>
+          <p:cNvPr id="1048636" name="Rectangle 6"/>
           <p:cNvSpPr/>
           <p:nvPr/>
         </p:nvSpPr>
@@ -4101,9 +4300,7 @@
             <a:off x="8116207" y="1869395"/>
             <a:ext cx="5106988" cy="1368198"/>
           </a:xfrm>
-          <a:prstGeom prst="rect">
-            <a:avLst/>
-          </a:prstGeom>
+          <a:prstGeom prst="rect"/>
           <a:solidFill>
             <a:schemeClr val="bg1">
               <a:lumMod val="85000"/>
@@ -4133,7 +4330,7 @@
       </p:sp>
       <p:sp>
         <p:nvSpPr>
-          <p:cNvPr id="8" name="Rectangle 7"/>
+          <p:cNvPr id="1048637" name="Rectangle 7"/>
           <p:cNvSpPr/>
           <p:nvPr/>
         </p:nvSpPr>
@@ -4142,9 +4339,7 @@
             <a:off x="9868202" y="5372403"/>
             <a:ext cx="1602997" cy="1368198"/>
           </a:xfrm>
-          <a:prstGeom prst="rect">
-            <a:avLst/>
-          </a:prstGeom>
+          <a:prstGeom prst="rect"/>
           <a:solidFill>
             <a:schemeClr val="accent1"/>
           </a:solidFill>
@@ -4171,7 +4366,7 @@
       </p:sp>
       <p:sp>
         <p:nvSpPr>
-          <p:cNvPr id="2" name="Vertical Title 1"/>
+          <p:cNvPr id="1048638" name="Vertical Title 1"/>
           <p:cNvSpPr>
             <a:spLocks noGrp="1"/>
           </p:cNvSpPr>
@@ -4186,20 +4381,21 @@
           </a:xfrm>
         </p:spPr>
         <p:txBody>
-          <a:bodyPr vert="eaVert"/>
-          <a:lstStyle/>
-          <a:p>
-            <a:r>
-              <a:rPr lang="zh-CN" altLang="en-US"/>
+          <a:bodyPr vert="eaVert">
+            <a:normAutofit fontScale="90000"/>
+          </a:bodyPr>
+          <a:p>
+            <a:r>
+              <a:rPr altLang="en-US" lang="zh-CN"/>
               <a:t>单击此处编辑母版标题样式</a:t>
             </a:r>
-            <a:endParaRPr lang="en-US" dirty="0"/>
-          </a:p>
-        </p:txBody>
-      </p:sp>
-      <p:sp>
-        <p:nvSpPr>
-          <p:cNvPr id="3" name="Vertical Text Placeholder 2"/>
+            <a:endParaRPr dirty="0" lang="en-US"/>
+          </a:p>
+        </p:txBody>
+      </p:sp>
+      <p:sp>
+        <p:nvSpPr>
+          <p:cNvPr id="1048639" name="Vertical Text Placeholder 2"/>
           <p:cNvSpPr>
             <a:spLocks noGrp="1"/>
           </p:cNvSpPr>
@@ -4215,48 +4411,47 @@
         </p:spPr>
         <p:txBody>
           <a:bodyPr vert="eaVert"/>
-          <a:lstStyle/>
           <a:p>
             <a:pPr lvl="0"/>
             <a:r>
-              <a:rPr lang="zh-CN" altLang="en-US"/>
+              <a:rPr altLang="en-US" lang="zh-CN"/>
               <a:t>编辑母版文本样式</a:t>
             </a:r>
           </a:p>
           <a:p>
             <a:pPr lvl="1"/>
             <a:r>
-              <a:rPr lang="zh-CN" altLang="en-US"/>
+              <a:rPr altLang="en-US" lang="zh-CN"/>
               <a:t>第二级</a:t>
             </a:r>
           </a:p>
           <a:p>
             <a:pPr lvl="2"/>
             <a:r>
-              <a:rPr lang="zh-CN" altLang="en-US"/>
+              <a:rPr altLang="en-US" lang="zh-CN"/>
               <a:t>第三级</a:t>
             </a:r>
           </a:p>
           <a:p>
             <a:pPr lvl="3"/>
             <a:r>
-              <a:rPr lang="zh-CN" altLang="en-US"/>
+              <a:rPr altLang="en-US" lang="zh-CN"/>
               <a:t>第四级</a:t>
             </a:r>
           </a:p>
           <a:p>
             <a:pPr lvl="4"/>
             <a:r>
-              <a:rPr lang="zh-CN" altLang="en-US"/>
+              <a:rPr altLang="en-US" lang="zh-CN"/>
               <a:t>第五级</a:t>
             </a:r>
-            <a:endParaRPr lang="en-US" dirty="0"/>
-          </a:p>
-        </p:txBody>
-      </p:sp>
-      <p:sp>
-        <p:nvSpPr>
-          <p:cNvPr id="4" name="Date Placeholder 3"/>
+            <a:endParaRPr dirty="0" lang="en-US"/>
+          </a:p>
+        </p:txBody>
+      </p:sp>
+      <p:sp>
+        <p:nvSpPr>
+          <p:cNvPr id="1048640" name="Date Placeholder 3"/>
           <p:cNvSpPr>
             <a:spLocks noGrp="1"/>
           </p:cNvSpPr>
@@ -4272,19 +4467,18 @@
         </p:spPr>
         <p:txBody>
           <a:bodyPr/>
-          <a:lstStyle/>
           <a:p>
             <a:fld id="{6178E61D-D431-422C-9764-11DAFE33AB63}" type="datetimeFigureOut">
-              <a:rPr lang="en-US" dirty="0"/>
+              <a:rPr dirty="0" lang="en-US"/>
               <a:t>1/6/2019</a:t>
             </a:fld>
-            <a:endParaRPr lang="en-US" dirty="0"/>
-          </a:p>
-        </p:txBody>
-      </p:sp>
-      <p:sp>
-        <p:nvSpPr>
-          <p:cNvPr id="5" name="Footer Placeholder 4"/>
+            <a:endParaRPr dirty="0" lang="en-US"/>
+          </a:p>
+        </p:txBody>
+      </p:sp>
+      <p:sp>
+        <p:nvSpPr>
+          <p:cNvPr id="1048641" name="Footer Placeholder 4"/>
           <p:cNvSpPr>
             <a:spLocks noGrp="1"/>
           </p:cNvSpPr>
@@ -4300,15 +4494,14 @@
         </p:spPr>
         <p:txBody>
           <a:bodyPr/>
-          <a:lstStyle/>
-          <a:p>
-            <a:endParaRPr lang="en-US" dirty="0"/>
-          </a:p>
-        </p:txBody>
-      </p:sp>
-      <p:sp>
-        <p:nvSpPr>
-          <p:cNvPr id="6" name="Slide Number Placeholder 5"/>
+          <a:p>
+            <a:endParaRPr dirty="0" lang="en-US"/>
+          </a:p>
+        </p:txBody>
+      </p:sp>
+      <p:sp>
+        <p:nvSpPr>
+          <p:cNvPr id="1048642" name="Slide Number Placeholder 5"/>
           <p:cNvSpPr>
             <a:spLocks noGrp="1"/>
           </p:cNvSpPr>
@@ -4325,16 +4518,14 @@
         <p:txBody>
           <a:bodyPr anchor="t"/>
           <a:lstStyle>
-            <a:lvl1pPr algn="ctr">
-              <a:defRPr/>
-            </a:lvl1pPr>
+            <a:lvl1pPr algn="ctr"/>
           </a:lstStyle>
           <a:p>
             <a:fld id="{6D22F896-40B5-4ADD-8801-0D06FADFA095}" type="slidenum">
-              <a:rPr lang="en-US" dirty="0"/>
+              <a:rPr dirty="0" lang="en-US"/>
               <a:t>‹#›</a:t>
             </a:fld>
-            <a:endParaRPr lang="en-US" dirty="0"/>
+            <a:endParaRPr dirty="0" lang="en-US"/>
           </a:p>
         </p:txBody>
       </p:sp>
@@ -4347,11 +4538,11 @@
 </file>
 
 <file path=ppt/slideLayouts/slideLayout2.xml><?xml version="1.0" encoding="utf-8"?>
-<p:sldLayout xmlns:a="http://schemas.openxmlformats.org/drawingml/2006/main" xmlns:r="http://schemas.openxmlformats.org/officeDocument/2006/relationships" xmlns:p="http://schemas.openxmlformats.org/presentationml/2006/main" type="obj" preserve="1">
+<p:sldLayout xmlns:a="http://schemas.openxmlformats.org/drawingml/2006/main" xmlns:r="http://schemas.openxmlformats.org/officeDocument/2006/relationships" xmlns:p="http://schemas.openxmlformats.org/presentationml/2006/main" preserve="1" type="obj">
   <p:cSld name="标题和内容">
     <p:spTree>
       <p:nvGrpSpPr>
-        <p:cNvPr id="1" name=""/>
+        <p:cNvPr id="30" name=""/>
         <p:cNvGrpSpPr/>
         <p:nvPr/>
       </p:nvGrpSpPr>
@@ -4365,20 +4556,14 @@
       </p:grpSpPr>
       <p:pic>
         <p:nvPicPr>
-          <p:cNvPr id="15" name="Picture 14" descr="HD-ShadowLong.png"/>
+          <p:cNvPr id="2097153" name="Picture 14" descr="HD-ShadowLong.png"/>
           <p:cNvPicPr>
             <a:picLocks noChangeAspect="1"/>
           </p:cNvPicPr>
           <p:nvPr/>
         </p:nvPicPr>
         <p:blipFill>
-          <a:blip r:embed="rId2">
-            <a:extLst>
-              <a:ext uri="{28A0092B-C50C-407E-A947-70E740481C1C}">
-                <a14:useLocalDpi xmlns:a14="http://schemas.microsoft.com/office/drawing/2010/main" val="0"/>
-              </a:ext>
-            </a:extLst>
-          </a:blip>
+          <a:blip xmlns:r="http://schemas.openxmlformats.org/officeDocument/2006/relationships" r:embed="rId1"/>
           <a:stretch>
             <a:fillRect/>
           </a:stretch>
@@ -4388,27 +4573,19 @@
             <a:off x="1" y="1970240"/>
             <a:ext cx="10437812" cy="321164"/>
           </a:xfrm>
-          <a:prstGeom prst="rect">
-            <a:avLst/>
-          </a:prstGeom>
+          <a:prstGeom prst="rect"/>
         </p:spPr>
       </p:pic>
       <p:pic>
         <p:nvPicPr>
-          <p:cNvPr id="16" name="Picture 15" descr="HD-ShadowShort.png"/>
+          <p:cNvPr id="2097154" name="Picture 15" descr="HD-ShadowShort.png"/>
           <p:cNvPicPr>
             <a:picLocks noChangeAspect="1"/>
           </p:cNvPicPr>
           <p:nvPr/>
         </p:nvPicPr>
         <p:blipFill>
-          <a:blip r:embed="rId3">
-            <a:extLst>
-              <a:ext uri="{28A0092B-C50C-407E-A947-70E740481C1C}">
-                <a14:useLocalDpi xmlns:a14="http://schemas.microsoft.com/office/drawing/2010/main" val="0"/>
-              </a:ext>
-            </a:extLst>
-          </a:blip>
+          <a:blip xmlns:r="http://schemas.openxmlformats.org/officeDocument/2006/relationships" r:embed="rId2"/>
           <a:stretch>
             <a:fillRect/>
           </a:stretch>
@@ -4418,14 +4595,12 @@
             <a:off x="10585826" y="1971234"/>
             <a:ext cx="1602997" cy="144270"/>
           </a:xfrm>
-          <a:prstGeom prst="rect">
-            <a:avLst/>
-          </a:prstGeom>
+          <a:prstGeom prst="rect"/>
         </p:spPr>
       </p:pic>
       <p:sp>
         <p:nvSpPr>
-          <p:cNvPr id="17" name="Rectangle 16"/>
+          <p:cNvPr id="1048581" name="Rectangle 16"/>
           <p:cNvSpPr/>
           <p:nvPr/>
         </p:nvSpPr>
@@ -4434,9 +4609,7 @@
             <a:off x="0" y="609600"/>
             <a:ext cx="10437812" cy="1368198"/>
           </a:xfrm>
-          <a:prstGeom prst="rect">
-            <a:avLst/>
-          </a:prstGeom>
+          <a:prstGeom prst="rect"/>
           <a:solidFill>
             <a:schemeClr val="bg1">
               <a:lumMod val="85000"/>
@@ -4466,7 +4639,7 @@
       </p:sp>
       <p:sp>
         <p:nvSpPr>
-          <p:cNvPr id="18" name="Rectangle 17"/>
+          <p:cNvPr id="1048582" name="Rectangle 17"/>
           <p:cNvSpPr/>
           <p:nvPr/>
         </p:nvSpPr>
@@ -4475,9 +4648,7 @@
             <a:off x="10585827" y="609600"/>
             <a:ext cx="1602997" cy="1368198"/>
           </a:xfrm>
-          <a:prstGeom prst="rect">
-            <a:avLst/>
-          </a:prstGeom>
+          <a:prstGeom prst="rect"/>
           <a:solidFill>
             <a:schemeClr val="accent1"/>
           </a:solidFill>
@@ -4504,7 +4675,7 @@
       </p:sp>
       <p:sp>
         <p:nvSpPr>
-          <p:cNvPr id="2" name="Title 1"/>
+          <p:cNvPr id="1048583" name="Title 1"/>
           <p:cNvSpPr>
             <a:spLocks noGrp="1"/>
           </p:cNvSpPr>
@@ -4515,19 +4686,18 @@
         <p:spPr/>
         <p:txBody>
           <a:bodyPr/>
-          <a:lstStyle/>
-          <a:p>
-            <a:r>
-              <a:rPr lang="zh-CN" altLang="en-US"/>
+          <a:p>
+            <a:r>
+              <a:rPr altLang="en-US" lang="zh-CN"/>
               <a:t>单击此处编辑母版标题样式</a:t>
             </a:r>
-            <a:endParaRPr lang="en-US" dirty="0"/>
-          </a:p>
-        </p:txBody>
-      </p:sp>
-      <p:sp>
-        <p:nvSpPr>
-          <p:cNvPr id="3" name="Content Placeholder 2"/>
+            <a:endParaRPr dirty="0" lang="en-US"/>
+          </a:p>
+        </p:txBody>
+      </p:sp>
+      <p:sp>
+        <p:nvSpPr>
+          <p:cNvPr id="1048584" name="Content Placeholder 2"/>
           <p:cNvSpPr>
             <a:spLocks noGrp="1"/>
           </p:cNvSpPr>
@@ -4538,48 +4708,47 @@
         <p:spPr/>
         <p:txBody>
           <a:bodyPr/>
-          <a:lstStyle/>
           <a:p>
             <a:pPr lvl="0"/>
             <a:r>
-              <a:rPr lang="zh-CN" altLang="en-US"/>
+              <a:rPr altLang="en-US" lang="zh-CN"/>
               <a:t>编辑母版文本样式</a:t>
             </a:r>
           </a:p>
           <a:p>
             <a:pPr lvl="1"/>
             <a:r>
-              <a:rPr lang="zh-CN" altLang="en-US"/>
+              <a:rPr altLang="en-US" lang="zh-CN"/>
               <a:t>第二级</a:t>
             </a:r>
           </a:p>
           <a:p>
             <a:pPr lvl="2"/>
             <a:r>
-              <a:rPr lang="zh-CN" altLang="en-US"/>
+              <a:rPr altLang="en-US" lang="zh-CN"/>
               <a:t>第三级</a:t>
             </a:r>
           </a:p>
           <a:p>
             <a:pPr lvl="3"/>
             <a:r>
-              <a:rPr lang="zh-CN" altLang="en-US"/>
+              <a:rPr altLang="en-US" lang="zh-CN"/>
               <a:t>第四级</a:t>
             </a:r>
           </a:p>
           <a:p>
             <a:pPr lvl="4"/>
             <a:r>
-              <a:rPr lang="zh-CN" altLang="en-US"/>
+              <a:rPr altLang="en-US" lang="zh-CN"/>
               <a:t>第五级</a:t>
             </a:r>
-            <a:endParaRPr lang="en-US" dirty="0"/>
-          </a:p>
-        </p:txBody>
-      </p:sp>
-      <p:sp>
-        <p:nvSpPr>
-          <p:cNvPr id="4" name="Date Placeholder 3"/>
+            <a:endParaRPr dirty="0" lang="en-US"/>
+          </a:p>
+        </p:txBody>
+      </p:sp>
+      <p:sp>
+        <p:nvSpPr>
+          <p:cNvPr id="1048585" name="Date Placeholder 3"/>
           <p:cNvSpPr>
             <a:spLocks noGrp="1"/>
           </p:cNvSpPr>
@@ -4590,19 +4759,18 @@
         <p:spPr/>
         <p:txBody>
           <a:bodyPr/>
-          <a:lstStyle/>
           <a:p>
             <a:fld id="{12DE42F4-6EEF-4EF7-8ED4-2208F0F89A08}" type="datetimeFigureOut">
-              <a:rPr lang="en-US" dirty="0"/>
+              <a:rPr dirty="0" lang="en-US"/>
               <a:t>1/6/2019</a:t>
             </a:fld>
-            <a:endParaRPr lang="en-US" dirty="0"/>
-          </a:p>
-        </p:txBody>
-      </p:sp>
-      <p:sp>
-        <p:nvSpPr>
-          <p:cNvPr id="5" name="Footer Placeholder 4"/>
+            <a:endParaRPr dirty="0" lang="en-US"/>
+          </a:p>
+        </p:txBody>
+      </p:sp>
+      <p:sp>
+        <p:nvSpPr>
+          <p:cNvPr id="1048586" name="Footer Placeholder 4"/>
           <p:cNvSpPr>
             <a:spLocks noGrp="1"/>
           </p:cNvSpPr>
@@ -4613,15 +4781,14 @@
         <p:spPr/>
         <p:txBody>
           <a:bodyPr/>
-          <a:lstStyle/>
-          <a:p>
-            <a:endParaRPr lang="en-US" dirty="0"/>
-          </a:p>
-        </p:txBody>
-      </p:sp>
-      <p:sp>
-        <p:nvSpPr>
-          <p:cNvPr id="6" name="Slide Number Placeholder 5"/>
+          <a:p>
+            <a:endParaRPr dirty="0" lang="en-US"/>
+          </a:p>
+        </p:txBody>
+      </p:sp>
+      <p:sp>
+        <p:nvSpPr>
+          <p:cNvPr id="1048587" name="Slide Number Placeholder 5"/>
           <p:cNvSpPr>
             <a:spLocks noGrp="1"/>
           </p:cNvSpPr>
@@ -4632,13 +4799,12 @@
         <p:spPr/>
         <p:txBody>
           <a:bodyPr/>
-          <a:lstStyle/>
           <a:p>
             <a:fld id="{6D22F896-40B5-4ADD-8801-0D06FADFA095}" type="slidenum">
-              <a:rPr lang="en-US" dirty="0"/>
+              <a:rPr dirty="0" lang="en-US"/>
               <a:t>‹#›</a:t>
             </a:fld>
-            <a:endParaRPr lang="en-US" dirty="0"/>
+            <a:endParaRPr dirty="0" lang="en-US"/>
           </a:p>
         </p:txBody>
       </p:sp>
@@ -4651,11 +4817,11 @@
 </file>
 
 <file path=ppt/slideLayouts/slideLayout3.xml><?xml version="1.0" encoding="utf-8"?>
-<p:sldLayout xmlns:a="http://schemas.openxmlformats.org/drawingml/2006/main" xmlns:r="http://schemas.openxmlformats.org/officeDocument/2006/relationships" xmlns:p="http://schemas.openxmlformats.org/presentationml/2006/main" type="secHead" preserve="1">
+<p:sldLayout xmlns:a="http://schemas.openxmlformats.org/drawingml/2006/main" xmlns:r="http://schemas.openxmlformats.org/officeDocument/2006/relationships" xmlns:p="http://schemas.openxmlformats.org/presentationml/2006/main" preserve="1" type="secHead">
   <p:cSld name="节标题">
     <p:spTree>
       <p:nvGrpSpPr>
-        <p:cNvPr id="1" name=""/>
+        <p:cNvPr id="50" name=""/>
         <p:cNvGrpSpPr/>
         <p:nvPr/>
       </p:nvGrpSpPr>
@@ -4669,20 +4835,14 @@
       </p:grpSpPr>
       <p:pic>
         <p:nvPicPr>
-          <p:cNvPr id="7" name="Picture 6" descr="HD-ShadowLong.png"/>
+          <p:cNvPr id="2097181" name="Picture 6" descr="HD-ShadowLong.png"/>
           <p:cNvPicPr>
             <a:picLocks noChangeAspect="1"/>
           </p:cNvPicPr>
           <p:nvPr/>
         </p:nvPicPr>
         <p:blipFill>
-          <a:blip r:embed="rId2">
-            <a:extLst>
-              <a:ext uri="{28A0092B-C50C-407E-A947-70E740481C1C}">
-                <a14:useLocalDpi xmlns:a14="http://schemas.microsoft.com/office/drawing/2010/main" val="0"/>
-              </a:ext>
-            </a:extLst>
-          </a:blip>
+          <a:blip xmlns:r="http://schemas.openxmlformats.org/officeDocument/2006/relationships" r:embed="rId1"/>
           <a:stretch>
             <a:fillRect/>
           </a:stretch>
@@ -4692,27 +4852,19 @@
             <a:off x="-1" y="4086907"/>
             <a:ext cx="10437812" cy="321164"/>
           </a:xfrm>
-          <a:prstGeom prst="rect">
-            <a:avLst/>
-          </a:prstGeom>
+          <a:prstGeom prst="rect"/>
         </p:spPr>
       </p:pic>
       <p:pic>
         <p:nvPicPr>
-          <p:cNvPr id="8" name="Picture 7" descr="HD-ShadowShort.png"/>
+          <p:cNvPr id="2097182" name="Picture 7" descr="HD-ShadowShort.png"/>
           <p:cNvPicPr>
             <a:picLocks noChangeAspect="1"/>
           </p:cNvPicPr>
           <p:nvPr/>
         </p:nvPicPr>
         <p:blipFill>
-          <a:blip r:embed="rId3">
-            <a:extLst>
-              <a:ext uri="{28A0092B-C50C-407E-A947-70E740481C1C}">
-                <a14:useLocalDpi xmlns:a14="http://schemas.microsoft.com/office/drawing/2010/main" val="0"/>
-              </a:ext>
-            </a:extLst>
-          </a:blip>
+          <a:blip xmlns:r="http://schemas.openxmlformats.org/officeDocument/2006/relationships" r:embed="rId2"/>
           <a:stretch>
             <a:fillRect/>
           </a:stretch>
@@ -4722,14 +4874,12 @@
             <a:off x="10585824" y="4087901"/>
             <a:ext cx="1602997" cy="144270"/>
           </a:xfrm>
-          <a:prstGeom prst="rect">
-            <a:avLst/>
-          </a:prstGeom>
+          <a:prstGeom prst="rect"/>
         </p:spPr>
       </p:pic>
       <p:sp>
         <p:nvSpPr>
-          <p:cNvPr id="9" name="Rectangle 8"/>
+          <p:cNvPr id="1048681" name="Rectangle 8"/>
           <p:cNvSpPr/>
           <p:nvPr/>
         </p:nvSpPr>
@@ -4738,9 +4888,7 @@
             <a:off x="-2" y="2726267"/>
             <a:ext cx="10437812" cy="1368198"/>
           </a:xfrm>
-          <a:prstGeom prst="rect">
-            <a:avLst/>
-          </a:prstGeom>
+          <a:prstGeom prst="rect"/>
           <a:solidFill>
             <a:schemeClr val="bg1">
               <a:lumMod val="85000"/>
@@ -4770,7 +4918,7 @@
       </p:sp>
       <p:sp>
         <p:nvSpPr>
-          <p:cNvPr id="10" name="Rectangle 9"/>
+          <p:cNvPr id="1048682" name="Rectangle 9"/>
           <p:cNvSpPr/>
           <p:nvPr/>
         </p:nvSpPr>
@@ -4779,9 +4927,7 @@
             <a:off x="10585825" y="2726267"/>
             <a:ext cx="1602997" cy="1368198"/>
           </a:xfrm>
-          <a:prstGeom prst="rect">
-            <a:avLst/>
-          </a:prstGeom>
+          <a:prstGeom prst="rect"/>
           <a:solidFill>
             <a:schemeClr val="accent1"/>
           </a:solidFill>
@@ -4808,7 +4954,7 @@
       </p:sp>
       <p:sp>
         <p:nvSpPr>
-          <p:cNvPr id="2" name="Title 1"/>
+          <p:cNvPr id="1048683" name="Title 1"/>
           <p:cNvSpPr>
             <a:spLocks noGrp="1"/>
           </p:cNvSpPr>
@@ -4833,16 +4979,16 @@
           </a:lstStyle>
           <a:p>
             <a:r>
-              <a:rPr lang="zh-CN" altLang="en-US"/>
+              <a:rPr altLang="en-US" lang="zh-CN"/>
               <a:t>单击此处编辑母版标题样式</a:t>
             </a:r>
-            <a:endParaRPr lang="en-US" dirty="0"/>
-          </a:p>
-        </p:txBody>
-      </p:sp>
-      <p:sp>
-        <p:nvSpPr>
-          <p:cNvPr id="3" name="Text Placeholder 2"/>
+            <a:endParaRPr dirty="0" lang="en-US"/>
+          </a:p>
+        </p:txBody>
+      </p:sp>
+      <p:sp>
+        <p:nvSpPr>
+          <p:cNvPr id="1048684" name="Text Placeholder 2"/>
           <p:cNvSpPr>
             <a:spLocks noGrp="1"/>
           </p:cNvSpPr>
@@ -4861,7 +5007,7 @@
             <a:normAutofit/>
           </a:bodyPr>
           <a:lstStyle>
-            <a:lvl1pPr marL="0" indent="0" algn="r">
+            <a:lvl1pPr algn="r" indent="0" marL="0">
               <a:buNone/>
               <a:defRPr sz="2000">
                 <a:solidFill>
@@ -4871,7 +5017,7 @@
                 </a:solidFill>
               </a:defRPr>
             </a:lvl1pPr>
-            <a:lvl2pPr marL="457200" indent="0">
+            <a:lvl2pPr indent="0" marL="457200">
               <a:buNone/>
               <a:defRPr sz="2000">
                 <a:solidFill>
@@ -4881,7 +5027,7 @@
                 </a:solidFill>
               </a:defRPr>
             </a:lvl2pPr>
-            <a:lvl3pPr marL="914400" indent="0">
+            <a:lvl3pPr indent="0" marL="914400">
               <a:buNone/>
               <a:defRPr sz="1800">
                 <a:solidFill>
@@ -4891,7 +5037,7 @@
                 </a:solidFill>
               </a:defRPr>
             </a:lvl3pPr>
-            <a:lvl4pPr marL="1371600" indent="0">
+            <a:lvl4pPr indent="0" marL="1371600">
               <a:buNone/>
               <a:defRPr sz="1600">
                 <a:solidFill>
@@ -4901,7 +5047,7 @@
                 </a:solidFill>
               </a:defRPr>
             </a:lvl4pPr>
-            <a:lvl5pPr marL="1828800" indent="0">
+            <a:lvl5pPr indent="0" marL="1828800">
               <a:buNone/>
               <a:defRPr sz="1600">
                 <a:solidFill>
@@ -4911,7 +5057,7 @@
                 </a:solidFill>
               </a:defRPr>
             </a:lvl5pPr>
-            <a:lvl6pPr marL="2286000" indent="0">
+            <a:lvl6pPr indent="0" marL="2286000">
               <a:buNone/>
               <a:defRPr sz="1600">
                 <a:solidFill>
@@ -4921,7 +5067,7 @@
                 </a:solidFill>
               </a:defRPr>
             </a:lvl6pPr>
-            <a:lvl7pPr marL="2743200" indent="0">
+            <a:lvl7pPr indent="0" marL="2743200">
               <a:buNone/>
               <a:defRPr sz="1600">
                 <a:solidFill>
@@ -4931,7 +5077,7 @@
                 </a:solidFill>
               </a:defRPr>
             </a:lvl7pPr>
-            <a:lvl8pPr marL="3200400" indent="0">
+            <a:lvl8pPr indent="0" marL="3200400">
               <a:buNone/>
               <a:defRPr sz="1600">
                 <a:solidFill>
@@ -4941,7 +5087,7 @@
                 </a:solidFill>
               </a:defRPr>
             </a:lvl8pPr>
-            <a:lvl9pPr marL="3657600" indent="0">
+            <a:lvl9pPr indent="0" marL="3657600">
               <a:buNone/>
               <a:defRPr sz="1600">
                 <a:solidFill>
@@ -4955,7 +5101,7 @@
           <a:p>
             <a:pPr lvl="0"/>
             <a:r>
-              <a:rPr lang="zh-CN" altLang="en-US"/>
+              <a:rPr altLang="en-US" lang="zh-CN"/>
               <a:t>编辑母版文本样式</a:t>
             </a:r>
           </a:p>
@@ -4963,7 +5109,7 @@
       </p:sp>
       <p:sp>
         <p:nvSpPr>
-          <p:cNvPr id="4" name="Date Placeholder 3"/>
+          <p:cNvPr id="1048685" name="Date Placeholder 3"/>
           <p:cNvSpPr>
             <a:spLocks noGrp="1"/>
           </p:cNvSpPr>
@@ -4974,19 +5120,18 @@
         <p:spPr/>
         <p:txBody>
           <a:bodyPr/>
-          <a:lstStyle/>
           <a:p>
             <a:fld id="{30578ACC-22D6-47C1-A373-4FD133E34F3C}" type="datetimeFigureOut">
-              <a:rPr lang="en-US" dirty="0"/>
+              <a:rPr dirty="0" lang="en-US"/>
               <a:t>1/6/2019</a:t>
             </a:fld>
-            <a:endParaRPr lang="en-US" dirty="0"/>
-          </a:p>
-        </p:txBody>
-      </p:sp>
-      <p:sp>
-        <p:nvSpPr>
-          <p:cNvPr id="5" name="Footer Placeholder 4"/>
+            <a:endParaRPr dirty="0" lang="en-US"/>
+          </a:p>
+        </p:txBody>
+      </p:sp>
+      <p:sp>
+        <p:nvSpPr>
+          <p:cNvPr id="1048686" name="Footer Placeholder 4"/>
           <p:cNvSpPr>
             <a:spLocks noGrp="1"/>
           </p:cNvSpPr>
@@ -4997,15 +5142,14 @@
         <p:spPr/>
         <p:txBody>
           <a:bodyPr/>
-          <a:lstStyle/>
-          <a:p>
-            <a:endParaRPr lang="en-US" dirty="0"/>
-          </a:p>
-        </p:txBody>
-      </p:sp>
-      <p:sp>
-        <p:nvSpPr>
-          <p:cNvPr id="6" name="Slide Number Placeholder 5"/>
+          <a:p>
+            <a:endParaRPr dirty="0" lang="en-US"/>
+          </a:p>
+        </p:txBody>
+      </p:sp>
+      <p:sp>
+        <p:nvSpPr>
+          <p:cNvPr id="1048687" name="Slide Number Placeholder 5"/>
           <p:cNvSpPr>
             <a:spLocks noGrp="1"/>
           </p:cNvSpPr>
@@ -5021,13 +5165,12 @@
         </p:spPr>
         <p:txBody>
           <a:bodyPr/>
-          <a:lstStyle/>
           <a:p>
             <a:fld id="{6D22F896-40B5-4ADD-8801-0D06FADFA095}" type="slidenum">
-              <a:rPr lang="en-US" dirty="0"/>
+              <a:rPr dirty="0" lang="en-US"/>
               <a:t>‹#›</a:t>
             </a:fld>
-            <a:endParaRPr lang="en-US" dirty="0"/>
+            <a:endParaRPr dirty="0" lang="en-US"/>
           </a:p>
         </p:txBody>
       </p:sp>
@@ -5040,11 +5183,11 @@
 </file>
 
 <file path=ppt/slideLayouts/slideLayout4.xml><?xml version="1.0" encoding="utf-8"?>
-<p:sldLayout xmlns:a="http://schemas.openxmlformats.org/drawingml/2006/main" xmlns:r="http://schemas.openxmlformats.org/officeDocument/2006/relationships" xmlns:p="http://schemas.openxmlformats.org/presentationml/2006/main" type="twoObj" preserve="1">
+<p:sldLayout xmlns:a="http://schemas.openxmlformats.org/drawingml/2006/main" xmlns:r="http://schemas.openxmlformats.org/officeDocument/2006/relationships" xmlns:p="http://schemas.openxmlformats.org/presentationml/2006/main" preserve="1" type="twoObj">
   <p:cSld name="两栏内容">
     <p:spTree>
       <p:nvGrpSpPr>
-        <p:cNvPr id="1" name=""/>
+        <p:cNvPr id="52" name=""/>
         <p:cNvGrpSpPr/>
         <p:nvPr/>
       </p:nvGrpSpPr>
@@ -5058,20 +5201,14 @@
       </p:grpSpPr>
       <p:pic>
         <p:nvPicPr>
-          <p:cNvPr id="8" name="Picture 7" descr="HD-ShadowLong.png"/>
+          <p:cNvPr id="2097185" name="Picture 7" descr="HD-ShadowLong.png"/>
           <p:cNvPicPr>
             <a:picLocks noChangeAspect="1"/>
           </p:cNvPicPr>
           <p:nvPr/>
         </p:nvPicPr>
         <p:blipFill>
-          <a:blip r:embed="rId2">
-            <a:extLst>
-              <a:ext uri="{28A0092B-C50C-407E-A947-70E740481C1C}">
-                <a14:useLocalDpi xmlns:a14="http://schemas.microsoft.com/office/drawing/2010/main" val="0"/>
-              </a:ext>
-            </a:extLst>
-          </a:blip>
+          <a:blip xmlns:r="http://schemas.openxmlformats.org/officeDocument/2006/relationships" r:embed="rId1"/>
           <a:stretch>
             <a:fillRect/>
           </a:stretch>
@@ -5081,27 +5218,19 @@
             <a:off x="1" y="1970240"/>
             <a:ext cx="10437812" cy="321164"/>
           </a:xfrm>
-          <a:prstGeom prst="rect">
-            <a:avLst/>
-          </a:prstGeom>
+          <a:prstGeom prst="rect"/>
         </p:spPr>
       </p:pic>
       <p:pic>
         <p:nvPicPr>
-          <p:cNvPr id="9" name="Picture 8" descr="HD-ShadowShort.png"/>
+          <p:cNvPr id="2097186" name="Picture 8" descr="HD-ShadowShort.png"/>
           <p:cNvPicPr>
             <a:picLocks noChangeAspect="1"/>
           </p:cNvPicPr>
           <p:nvPr/>
         </p:nvPicPr>
         <p:blipFill>
-          <a:blip r:embed="rId3">
-            <a:extLst>
-              <a:ext uri="{28A0092B-C50C-407E-A947-70E740481C1C}">
-                <a14:useLocalDpi xmlns:a14="http://schemas.microsoft.com/office/drawing/2010/main" val="0"/>
-              </a:ext>
-            </a:extLst>
-          </a:blip>
+          <a:blip xmlns:r="http://schemas.openxmlformats.org/officeDocument/2006/relationships" r:embed="rId2"/>
           <a:stretch>
             <a:fillRect/>
           </a:stretch>
@@ -5111,14 +5240,12 @@
             <a:off x="10585826" y="1971234"/>
             <a:ext cx="1602997" cy="144270"/>
           </a:xfrm>
-          <a:prstGeom prst="rect">
-            <a:avLst/>
-          </a:prstGeom>
+          <a:prstGeom prst="rect"/>
         </p:spPr>
       </p:pic>
       <p:sp>
         <p:nvSpPr>
-          <p:cNvPr id="10" name="Rectangle 9"/>
+          <p:cNvPr id="1048696" name="Rectangle 9"/>
           <p:cNvSpPr/>
           <p:nvPr/>
         </p:nvSpPr>
@@ -5127,9 +5254,7 @@
             <a:off x="0" y="609600"/>
             <a:ext cx="10437812" cy="1368198"/>
           </a:xfrm>
-          <a:prstGeom prst="rect">
-            <a:avLst/>
-          </a:prstGeom>
+          <a:prstGeom prst="rect"/>
           <a:solidFill>
             <a:schemeClr val="bg1">
               <a:lumMod val="85000"/>
@@ -5159,7 +5284,7 @@
       </p:sp>
       <p:sp>
         <p:nvSpPr>
-          <p:cNvPr id="11" name="Rectangle 10"/>
+          <p:cNvPr id="1048697" name="Rectangle 10"/>
           <p:cNvSpPr/>
           <p:nvPr/>
         </p:nvSpPr>
@@ -5168,9 +5293,7 @@
             <a:off x="10585827" y="609600"/>
             <a:ext cx="1602997" cy="1368198"/>
           </a:xfrm>
-          <a:prstGeom prst="rect">
-            <a:avLst/>
-          </a:prstGeom>
+          <a:prstGeom prst="rect"/>
           <a:solidFill>
             <a:schemeClr val="accent1"/>
           </a:solidFill>
@@ -5197,7 +5320,7 @@
       </p:sp>
       <p:sp>
         <p:nvSpPr>
-          <p:cNvPr id="2" name="Title 1"/>
+          <p:cNvPr id="1048698" name="Title 1"/>
           <p:cNvSpPr>
             <a:spLocks noGrp="1"/>
           </p:cNvSpPr>
@@ -5208,19 +5331,18 @@
         <p:spPr/>
         <p:txBody>
           <a:bodyPr/>
-          <a:lstStyle/>
-          <a:p>
-            <a:r>
-              <a:rPr lang="zh-CN" altLang="en-US"/>
+          <a:p>
+            <a:r>
+              <a:rPr altLang="en-US" lang="zh-CN"/>
               <a:t>单击此处编辑母版标题样式</a:t>
             </a:r>
-            <a:endParaRPr lang="en-US" dirty="0"/>
-          </a:p>
-        </p:txBody>
-      </p:sp>
-      <p:sp>
-        <p:nvSpPr>
-          <p:cNvPr id="3" name="Content Placeholder 2"/>
+            <a:endParaRPr dirty="0" lang="en-US"/>
+          </a:p>
+        </p:txBody>
+      </p:sp>
+      <p:sp>
+        <p:nvSpPr>
+          <p:cNvPr id="1048699" name="Content Placeholder 2"/>
           <p:cNvSpPr>
             <a:spLocks noGrp="1"/>
           </p:cNvSpPr>
@@ -5236,48 +5358,47 @@
         </p:spPr>
         <p:txBody>
           <a:bodyPr/>
-          <a:lstStyle/>
           <a:p>
             <a:pPr lvl="0"/>
             <a:r>
-              <a:rPr lang="zh-CN" altLang="en-US"/>
+              <a:rPr altLang="en-US" lang="zh-CN"/>
               <a:t>编辑母版文本样式</a:t>
             </a:r>
           </a:p>
           <a:p>
             <a:pPr lvl="1"/>
             <a:r>
-              <a:rPr lang="zh-CN" altLang="en-US"/>
+              <a:rPr altLang="en-US" lang="zh-CN"/>
               <a:t>第二级</a:t>
             </a:r>
           </a:p>
           <a:p>
             <a:pPr lvl="2"/>
             <a:r>
-              <a:rPr lang="zh-CN" altLang="en-US"/>
+              <a:rPr altLang="en-US" lang="zh-CN"/>
               <a:t>第三级</a:t>
             </a:r>
           </a:p>
           <a:p>
             <a:pPr lvl="3"/>
             <a:r>
-              <a:rPr lang="zh-CN" altLang="en-US"/>
+              <a:rPr altLang="en-US" lang="zh-CN"/>
               <a:t>第四级</a:t>
             </a:r>
           </a:p>
           <a:p>
             <a:pPr lvl="4"/>
             <a:r>
-              <a:rPr lang="zh-CN" altLang="en-US"/>
+              <a:rPr altLang="en-US" lang="zh-CN"/>
               <a:t>第五级</a:t>
             </a:r>
-            <a:endParaRPr lang="en-US" dirty="0"/>
-          </a:p>
-        </p:txBody>
-      </p:sp>
-      <p:sp>
-        <p:nvSpPr>
-          <p:cNvPr id="4" name="Content Placeholder 3"/>
+            <a:endParaRPr dirty="0" lang="en-US"/>
+          </a:p>
+        </p:txBody>
+      </p:sp>
+      <p:sp>
+        <p:nvSpPr>
+          <p:cNvPr id="1048700" name="Content Placeholder 3"/>
           <p:cNvSpPr>
             <a:spLocks noGrp="1"/>
           </p:cNvSpPr>
@@ -5293,48 +5414,47 @@
         </p:spPr>
         <p:txBody>
           <a:bodyPr/>
-          <a:lstStyle/>
           <a:p>
             <a:pPr lvl="0"/>
             <a:r>
-              <a:rPr lang="zh-CN" altLang="en-US"/>
+              <a:rPr altLang="en-US" lang="zh-CN"/>
               <a:t>编辑母版文本样式</a:t>
             </a:r>
           </a:p>
           <a:p>
             <a:pPr lvl="1"/>
             <a:r>
-              <a:rPr lang="zh-CN" altLang="en-US"/>
+              <a:rPr altLang="en-US" lang="zh-CN"/>
               <a:t>第二级</a:t>
             </a:r>
           </a:p>
           <a:p>
             <a:pPr lvl="2"/>
             <a:r>
-              <a:rPr lang="zh-CN" altLang="en-US"/>
+              <a:rPr altLang="en-US" lang="zh-CN"/>
               <a:t>第三级</a:t>
             </a:r>
           </a:p>
           <a:p>
             <a:pPr lvl="3"/>
             <a:r>
-              <a:rPr lang="zh-CN" altLang="en-US"/>
+              <a:rPr altLang="en-US" lang="zh-CN"/>
               <a:t>第四级</a:t>
             </a:r>
           </a:p>
           <a:p>
             <a:pPr lvl="4"/>
             <a:r>
-              <a:rPr lang="zh-CN" altLang="en-US"/>
+              <a:rPr altLang="en-US" lang="zh-CN"/>
               <a:t>第五级</a:t>
             </a:r>
-            <a:endParaRPr lang="en-US" dirty="0"/>
-          </a:p>
-        </p:txBody>
-      </p:sp>
-      <p:sp>
-        <p:nvSpPr>
-          <p:cNvPr id="5" name="Date Placeholder 4"/>
+            <a:endParaRPr dirty="0" lang="en-US"/>
+          </a:p>
+        </p:txBody>
+      </p:sp>
+      <p:sp>
+        <p:nvSpPr>
+          <p:cNvPr id="1048701" name="Date Placeholder 4"/>
           <p:cNvSpPr>
             <a:spLocks noGrp="1"/>
           </p:cNvSpPr>
@@ -5345,19 +5465,18 @@
         <p:spPr/>
         <p:txBody>
           <a:bodyPr/>
-          <a:lstStyle/>
           <a:p>
             <a:fld id="{4E5A6C69-6797-4E8A-BF37-F2C3751466E9}" type="datetimeFigureOut">
-              <a:rPr lang="en-US" dirty="0"/>
+              <a:rPr dirty="0" lang="en-US"/>
               <a:t>1/6/2019</a:t>
             </a:fld>
-            <a:endParaRPr lang="en-US" dirty="0"/>
-          </a:p>
-        </p:txBody>
-      </p:sp>
-      <p:sp>
-        <p:nvSpPr>
-          <p:cNvPr id="6" name="Footer Placeholder 5"/>
+            <a:endParaRPr dirty="0" lang="en-US"/>
+          </a:p>
+        </p:txBody>
+      </p:sp>
+      <p:sp>
+        <p:nvSpPr>
+          <p:cNvPr id="1048702" name="Footer Placeholder 5"/>
           <p:cNvSpPr>
             <a:spLocks noGrp="1"/>
           </p:cNvSpPr>
@@ -5368,15 +5487,14 @@
         <p:spPr/>
         <p:txBody>
           <a:bodyPr/>
-          <a:lstStyle/>
-          <a:p>
-            <a:endParaRPr lang="en-US" dirty="0"/>
-          </a:p>
-        </p:txBody>
-      </p:sp>
-      <p:sp>
-        <p:nvSpPr>
-          <p:cNvPr id="7" name="Slide Number Placeholder 6"/>
+          <a:p>
+            <a:endParaRPr dirty="0" lang="en-US"/>
+          </a:p>
+        </p:txBody>
+      </p:sp>
+      <p:sp>
+        <p:nvSpPr>
+          <p:cNvPr id="1048703" name="Slide Number Placeholder 6"/>
           <p:cNvSpPr>
             <a:spLocks noGrp="1"/>
           </p:cNvSpPr>
@@ -5387,13 +5505,12 @@
         <p:spPr/>
         <p:txBody>
           <a:bodyPr/>
-          <a:lstStyle/>
           <a:p>
             <a:fld id="{6D22F896-40B5-4ADD-8801-0D06FADFA095}" type="slidenum">
-              <a:rPr lang="en-US" dirty="0"/>
+              <a:rPr dirty="0" lang="en-US"/>
               <a:t>‹#›</a:t>
             </a:fld>
-            <a:endParaRPr lang="en-US" dirty="0"/>
+            <a:endParaRPr dirty="0" lang="en-US"/>
           </a:p>
         </p:txBody>
       </p:sp>
@@ -5406,11 +5523,11 @@
 </file>
 
 <file path=ppt/slideLayouts/slideLayout5.xml><?xml version="1.0" encoding="utf-8"?>
-<p:sldLayout xmlns:a="http://schemas.openxmlformats.org/drawingml/2006/main" xmlns:r="http://schemas.openxmlformats.org/officeDocument/2006/relationships" xmlns:p="http://schemas.openxmlformats.org/presentationml/2006/main" type="twoTxTwoObj" preserve="1">
+<p:sldLayout xmlns:a="http://schemas.openxmlformats.org/drawingml/2006/main" xmlns:r="http://schemas.openxmlformats.org/officeDocument/2006/relationships" xmlns:p="http://schemas.openxmlformats.org/presentationml/2006/main" preserve="1" type="twoTxTwoObj">
   <p:cSld name="比较">
     <p:spTree>
       <p:nvGrpSpPr>
-        <p:cNvPr id="1" name=""/>
+        <p:cNvPr id="45" name=""/>
         <p:cNvGrpSpPr/>
         <p:nvPr/>
       </p:nvGrpSpPr>
@@ -5424,20 +5541,14 @@
       </p:grpSpPr>
       <p:pic>
         <p:nvPicPr>
-          <p:cNvPr id="10" name="Picture 9" descr="HD-ShadowLong.png"/>
+          <p:cNvPr id="2097172" name="Picture 9" descr="HD-ShadowLong.png"/>
           <p:cNvPicPr>
             <a:picLocks noChangeAspect="1"/>
           </p:cNvPicPr>
           <p:nvPr/>
         </p:nvPicPr>
         <p:blipFill>
-          <a:blip r:embed="rId2">
-            <a:extLst>
-              <a:ext uri="{28A0092B-C50C-407E-A947-70E740481C1C}">
-                <a14:useLocalDpi xmlns:a14="http://schemas.microsoft.com/office/drawing/2010/main" val="0"/>
-              </a:ext>
-            </a:extLst>
-          </a:blip>
+          <a:blip xmlns:r="http://schemas.openxmlformats.org/officeDocument/2006/relationships" r:embed="rId1"/>
           <a:stretch>
             <a:fillRect/>
           </a:stretch>
@@ -5447,27 +5558,19 @@
             <a:off x="1" y="1970240"/>
             <a:ext cx="10437812" cy="321164"/>
           </a:xfrm>
-          <a:prstGeom prst="rect">
-            <a:avLst/>
-          </a:prstGeom>
+          <a:prstGeom prst="rect"/>
         </p:spPr>
       </p:pic>
       <p:pic>
         <p:nvPicPr>
-          <p:cNvPr id="11" name="Picture 10" descr="HD-ShadowShort.png"/>
+          <p:cNvPr id="2097173" name="Picture 10" descr="HD-ShadowShort.png"/>
           <p:cNvPicPr>
             <a:picLocks noChangeAspect="1"/>
           </p:cNvPicPr>
           <p:nvPr/>
         </p:nvPicPr>
         <p:blipFill>
-          <a:blip r:embed="rId3">
-            <a:extLst>
-              <a:ext uri="{28A0092B-C50C-407E-A947-70E740481C1C}">
-                <a14:useLocalDpi xmlns:a14="http://schemas.microsoft.com/office/drawing/2010/main" val="0"/>
-              </a:ext>
-            </a:extLst>
-          </a:blip>
+          <a:blip xmlns:r="http://schemas.openxmlformats.org/officeDocument/2006/relationships" r:embed="rId2"/>
           <a:stretch>
             <a:fillRect/>
           </a:stretch>
@@ -5477,14 +5580,12 @@
             <a:off x="10585826" y="1971234"/>
             <a:ext cx="1602997" cy="144270"/>
           </a:xfrm>
-          <a:prstGeom prst="rect">
-            <a:avLst/>
-          </a:prstGeom>
+          <a:prstGeom prst="rect"/>
         </p:spPr>
       </p:pic>
       <p:sp>
         <p:nvSpPr>
-          <p:cNvPr id="12" name="Rectangle 11"/>
+          <p:cNvPr id="1048643" name="Rectangle 11"/>
           <p:cNvSpPr/>
           <p:nvPr/>
         </p:nvSpPr>
@@ -5493,9 +5594,7 @@
             <a:off x="0" y="609600"/>
             <a:ext cx="10437812" cy="1368198"/>
           </a:xfrm>
-          <a:prstGeom prst="rect">
-            <a:avLst/>
-          </a:prstGeom>
+          <a:prstGeom prst="rect"/>
           <a:solidFill>
             <a:schemeClr val="bg1">
               <a:lumMod val="85000"/>
@@ -5525,7 +5624,7 @@
       </p:sp>
       <p:sp>
         <p:nvSpPr>
-          <p:cNvPr id="13" name="Rectangle 12"/>
+          <p:cNvPr id="1048644" name="Rectangle 12"/>
           <p:cNvSpPr/>
           <p:nvPr/>
         </p:nvSpPr>
@@ -5534,9 +5633,7 @@
             <a:off x="10585827" y="609600"/>
             <a:ext cx="1602997" cy="1368198"/>
           </a:xfrm>
-          <a:prstGeom prst="rect">
-            <a:avLst/>
-          </a:prstGeom>
+          <a:prstGeom prst="rect"/>
           <a:solidFill>
             <a:schemeClr val="accent1"/>
           </a:solidFill>
@@ -5563,7 +5660,7 @@
       </p:sp>
       <p:sp>
         <p:nvSpPr>
-          <p:cNvPr id="2" name="Title 1"/>
+          <p:cNvPr id="1048645" name="Title 1"/>
           <p:cNvSpPr>
             <a:spLocks noGrp="1"/>
           </p:cNvSpPr>
@@ -5579,19 +5676,18 @@
         </p:spPr>
         <p:txBody>
           <a:bodyPr/>
-          <a:lstStyle/>
-          <a:p>
-            <a:r>
-              <a:rPr lang="zh-CN" altLang="en-US"/>
+          <a:p>
+            <a:r>
+              <a:rPr altLang="en-US" lang="zh-CN"/>
               <a:t>单击此处编辑母版标题样式</a:t>
             </a:r>
-            <a:endParaRPr lang="en-US" dirty="0"/>
-          </a:p>
-        </p:txBody>
-      </p:sp>
-      <p:sp>
-        <p:nvSpPr>
-          <p:cNvPr id="3" name="Text Placeholder 2"/>
+            <a:endParaRPr dirty="0" lang="en-US"/>
+          </a:p>
+        </p:txBody>
+      </p:sp>
+      <p:sp>
+        <p:nvSpPr>
+          <p:cNvPr id="1048646" name="Text Placeholder 2"/>
           <p:cNvSpPr>
             <a:spLocks noGrp="1"/>
           </p:cNvSpPr>
@@ -5608,47 +5704,47 @@
         <p:txBody>
           <a:bodyPr anchor="b"/>
           <a:lstStyle>
-            <a:lvl1pPr marL="0" indent="0">
-              <a:buNone/>
-              <a:defRPr sz="2400" b="1"/>
+            <a:lvl1pPr indent="0" marL="0">
+              <a:buNone/>
+              <a:defRPr b="1" sz="2400"/>
             </a:lvl1pPr>
-            <a:lvl2pPr marL="457200" indent="0">
-              <a:buNone/>
-              <a:defRPr sz="2000" b="1"/>
+            <a:lvl2pPr indent="0" marL="457200">
+              <a:buNone/>
+              <a:defRPr b="1" sz="2000"/>
             </a:lvl2pPr>
-            <a:lvl3pPr marL="914400" indent="0">
-              <a:buNone/>
-              <a:defRPr sz="1800" b="1"/>
+            <a:lvl3pPr indent="0" marL="914400">
+              <a:buNone/>
+              <a:defRPr b="1" sz="1800"/>
             </a:lvl3pPr>
-            <a:lvl4pPr marL="1371600" indent="0">
-              <a:buNone/>
-              <a:defRPr sz="1600" b="1"/>
+            <a:lvl4pPr indent="0" marL="1371600">
+              <a:buNone/>
+              <a:defRPr b="1" sz="1600"/>
             </a:lvl4pPr>
-            <a:lvl5pPr marL="1828800" indent="0">
-              <a:buNone/>
-              <a:defRPr sz="1600" b="1"/>
+            <a:lvl5pPr indent="0" marL="1828800">
+              <a:buNone/>
+              <a:defRPr b="1" sz="1600"/>
             </a:lvl5pPr>
-            <a:lvl6pPr marL="2286000" indent="0">
-              <a:buNone/>
-              <a:defRPr sz="1600" b="1"/>
+            <a:lvl6pPr indent="0" marL="2286000">
+              <a:buNone/>
+              <a:defRPr b="1" sz="1600"/>
             </a:lvl6pPr>
-            <a:lvl7pPr marL="2743200" indent="0">
-              <a:buNone/>
-              <a:defRPr sz="1600" b="1"/>
+            <a:lvl7pPr indent="0" marL="2743200">
+              <a:buNone/>
+              <a:defRPr b="1" sz="1600"/>
             </a:lvl7pPr>
-            <a:lvl8pPr marL="3200400" indent="0">
-              <a:buNone/>
-              <a:defRPr sz="1600" b="1"/>
+            <a:lvl8pPr indent="0" marL="3200400">
+              <a:buNone/>
+              <a:defRPr b="1" sz="1600"/>
             </a:lvl8pPr>
-            <a:lvl9pPr marL="3657600" indent="0">
-              <a:buNone/>
-              <a:defRPr sz="1600" b="1"/>
+            <a:lvl9pPr indent="0" marL="3657600">
+              <a:buNone/>
+              <a:defRPr b="1" sz="1600"/>
             </a:lvl9pPr>
           </a:lstStyle>
           <a:p>
             <a:pPr lvl="0"/>
             <a:r>
-              <a:rPr lang="zh-CN" altLang="en-US"/>
+              <a:rPr altLang="en-US" lang="zh-CN"/>
               <a:t>编辑母版文本样式</a:t>
             </a:r>
           </a:p>
@@ -5656,7 +5752,7 @@
       </p:sp>
       <p:sp>
         <p:nvSpPr>
-          <p:cNvPr id="4" name="Content Placeholder 3"/>
+          <p:cNvPr id="1048647" name="Content Placeholder 3"/>
           <p:cNvSpPr>
             <a:spLocks noGrp="1"/>
           </p:cNvSpPr>
@@ -5672,48 +5768,47 @@
         </p:spPr>
         <p:txBody>
           <a:bodyPr/>
-          <a:lstStyle/>
           <a:p>
             <a:pPr lvl="0"/>
             <a:r>
-              <a:rPr lang="zh-CN" altLang="en-US"/>
+              <a:rPr altLang="en-US" lang="zh-CN"/>
               <a:t>编辑母版文本样式</a:t>
             </a:r>
           </a:p>
           <a:p>
             <a:pPr lvl="1"/>
             <a:r>
-              <a:rPr lang="zh-CN" altLang="en-US"/>
+              <a:rPr altLang="en-US" lang="zh-CN"/>
               <a:t>第二级</a:t>
             </a:r>
           </a:p>
           <a:p>
             <a:pPr lvl="2"/>
             <a:r>
-              <a:rPr lang="zh-CN" altLang="en-US"/>
+              <a:rPr altLang="en-US" lang="zh-CN"/>
               <a:t>第三级</a:t>
             </a:r>
           </a:p>
           <a:p>
             <a:pPr lvl="3"/>
             <a:r>
-              <a:rPr lang="zh-CN" altLang="en-US"/>
+              <a:rPr altLang="en-US" lang="zh-CN"/>
               <a:t>第四级</a:t>
             </a:r>
           </a:p>
           <a:p>
             <a:pPr lvl="4"/>
             <a:r>
-              <a:rPr lang="zh-CN" altLang="en-US"/>
+              <a:rPr altLang="en-US" lang="zh-CN"/>
               <a:t>第五级</a:t>
             </a:r>
-            <a:endParaRPr lang="en-US" dirty="0"/>
-          </a:p>
-        </p:txBody>
-      </p:sp>
-      <p:sp>
-        <p:nvSpPr>
-          <p:cNvPr id="5" name="Text Placeholder 4"/>
+            <a:endParaRPr dirty="0" lang="en-US"/>
+          </a:p>
+        </p:txBody>
+      </p:sp>
+      <p:sp>
+        <p:nvSpPr>
+          <p:cNvPr id="1048648" name="Text Placeholder 4"/>
           <p:cNvSpPr>
             <a:spLocks noGrp="1"/>
           </p:cNvSpPr>
@@ -5730,47 +5825,47 @@
         <p:txBody>
           <a:bodyPr anchor="b"/>
           <a:lstStyle>
-            <a:lvl1pPr marL="0" indent="0">
-              <a:buNone/>
-              <a:defRPr sz="2400" b="1"/>
+            <a:lvl1pPr indent="0" marL="0">
+              <a:buNone/>
+              <a:defRPr b="1" sz="2400"/>
             </a:lvl1pPr>
-            <a:lvl2pPr marL="457200" indent="0">
-              <a:buNone/>
-              <a:defRPr sz="2000" b="1"/>
+            <a:lvl2pPr indent="0" marL="457200">
+              <a:buNone/>
+              <a:defRPr b="1" sz="2000"/>
             </a:lvl2pPr>
-            <a:lvl3pPr marL="914400" indent="0">
-              <a:buNone/>
-              <a:defRPr sz="1800" b="1"/>
+            <a:lvl3pPr indent="0" marL="914400">
+              <a:buNone/>
+              <a:defRPr b="1" sz="1800"/>
             </a:lvl3pPr>
-            <a:lvl4pPr marL="1371600" indent="0">
-              <a:buNone/>
-              <a:defRPr sz="1600" b="1"/>
+            <a:lvl4pPr indent="0" marL="1371600">
+              <a:buNone/>
+              <a:defRPr b="1" sz="1600"/>
             </a:lvl4pPr>
-            <a:lvl5pPr marL="1828800" indent="0">
-              <a:buNone/>
-              <a:defRPr sz="1600" b="1"/>
+            <a:lvl5pPr indent="0" marL="1828800">
+              <a:buNone/>
+              <a:defRPr b="1" sz="1600"/>
             </a:lvl5pPr>
-            <a:lvl6pPr marL="2286000" indent="0">
-              <a:buNone/>
-              <a:defRPr sz="1600" b="1"/>
+            <a:lvl6pPr indent="0" marL="2286000">
+              <a:buNone/>
+              <a:defRPr b="1" sz="1600"/>
             </a:lvl6pPr>
-            <a:lvl7pPr marL="2743200" indent="0">
-              <a:buNone/>
-              <a:defRPr sz="1600" b="1"/>
+            <a:lvl7pPr indent="0" marL="2743200">
+              <a:buNone/>
+              <a:defRPr b="1" sz="1600"/>
             </a:lvl7pPr>
-            <a:lvl8pPr marL="3200400" indent="0">
-              <a:buNone/>
-              <a:defRPr sz="1600" b="1"/>
+            <a:lvl8pPr indent="0" marL="3200400">
+              <a:buNone/>
+              <a:defRPr b="1" sz="1600"/>
             </a:lvl8pPr>
-            <a:lvl9pPr marL="3657600" indent="0">
-              <a:buNone/>
-              <a:defRPr sz="1600" b="1"/>
+            <a:lvl9pPr indent="0" marL="3657600">
+              <a:buNone/>
+              <a:defRPr b="1" sz="1600"/>
             </a:lvl9pPr>
           </a:lstStyle>
           <a:p>
             <a:pPr lvl="0"/>
             <a:r>
-              <a:rPr lang="zh-CN" altLang="en-US"/>
+              <a:rPr altLang="en-US" lang="zh-CN"/>
               <a:t>编辑母版文本样式</a:t>
             </a:r>
           </a:p>
@@ -5778,7 +5873,7 @@
       </p:sp>
       <p:sp>
         <p:nvSpPr>
-          <p:cNvPr id="6" name="Content Placeholder 5"/>
+          <p:cNvPr id="1048649" name="Content Placeholder 5"/>
           <p:cNvSpPr>
             <a:spLocks noGrp="1"/>
           </p:cNvSpPr>
@@ -5794,48 +5889,47 @@
         </p:spPr>
         <p:txBody>
           <a:bodyPr/>
-          <a:lstStyle/>
           <a:p>
             <a:pPr lvl="0"/>
             <a:r>
-              <a:rPr lang="zh-CN" altLang="en-US"/>
+              <a:rPr altLang="en-US" lang="zh-CN"/>
               <a:t>编辑母版文本样式</a:t>
             </a:r>
           </a:p>
           <a:p>
             <a:pPr lvl="1"/>
             <a:r>
-              <a:rPr lang="zh-CN" altLang="en-US"/>
+              <a:rPr altLang="en-US" lang="zh-CN"/>
               <a:t>第二级</a:t>
             </a:r>
           </a:p>
           <a:p>
             <a:pPr lvl="2"/>
             <a:r>
-              <a:rPr lang="zh-CN" altLang="en-US"/>
+              <a:rPr altLang="en-US" lang="zh-CN"/>
               <a:t>第三级</a:t>
             </a:r>
           </a:p>
           <a:p>
             <a:pPr lvl="3"/>
             <a:r>
-              <a:rPr lang="zh-CN" altLang="en-US"/>
+              <a:rPr altLang="en-US" lang="zh-CN"/>
               <a:t>第四级</a:t>
             </a:r>
           </a:p>
           <a:p>
             <a:pPr lvl="4"/>
             <a:r>
-              <a:rPr lang="zh-CN" altLang="en-US"/>
+              <a:rPr altLang="en-US" lang="zh-CN"/>
               <a:t>第五级</a:t>
             </a:r>
-            <a:endParaRPr lang="en-US" dirty="0"/>
-          </a:p>
-        </p:txBody>
-      </p:sp>
-      <p:sp>
-        <p:nvSpPr>
-          <p:cNvPr id="7" name="Date Placeholder 6"/>
+            <a:endParaRPr dirty="0" lang="en-US"/>
+          </a:p>
+        </p:txBody>
+      </p:sp>
+      <p:sp>
+        <p:nvSpPr>
+          <p:cNvPr id="1048650" name="Date Placeholder 6"/>
           <p:cNvSpPr>
             <a:spLocks noGrp="1"/>
           </p:cNvSpPr>
@@ -5846,19 +5940,18 @@
         <p:spPr/>
         <p:txBody>
           <a:bodyPr/>
-          <a:lstStyle/>
           <a:p>
             <a:fld id="{D82014A1-A632-4878-A0D3-F52BA7563730}" type="datetimeFigureOut">
-              <a:rPr lang="en-US" dirty="0"/>
+              <a:rPr dirty="0" lang="en-US"/>
               <a:t>1/6/2019</a:t>
             </a:fld>
-            <a:endParaRPr lang="en-US" dirty="0"/>
-          </a:p>
-        </p:txBody>
-      </p:sp>
-      <p:sp>
-        <p:nvSpPr>
-          <p:cNvPr id="8" name="Footer Placeholder 7"/>
+            <a:endParaRPr dirty="0" lang="en-US"/>
+          </a:p>
+        </p:txBody>
+      </p:sp>
+      <p:sp>
+        <p:nvSpPr>
+          <p:cNvPr id="1048651" name="Footer Placeholder 7"/>
           <p:cNvSpPr>
             <a:spLocks noGrp="1"/>
           </p:cNvSpPr>
@@ -5869,15 +5962,14 @@
         <p:spPr/>
         <p:txBody>
           <a:bodyPr/>
-          <a:lstStyle/>
-          <a:p>
-            <a:endParaRPr lang="en-US" dirty="0"/>
-          </a:p>
-        </p:txBody>
-      </p:sp>
-      <p:sp>
-        <p:nvSpPr>
-          <p:cNvPr id="9" name="Slide Number Placeholder 8"/>
+          <a:p>
+            <a:endParaRPr dirty="0" lang="en-US"/>
+          </a:p>
+        </p:txBody>
+      </p:sp>
+      <p:sp>
+        <p:nvSpPr>
+          <p:cNvPr id="1048652" name="Slide Number Placeholder 8"/>
           <p:cNvSpPr>
             <a:spLocks noGrp="1"/>
           </p:cNvSpPr>
@@ -5888,13 +5980,12 @@
         <p:spPr/>
         <p:txBody>
           <a:bodyPr/>
-          <a:lstStyle/>
           <a:p>
             <a:fld id="{6D22F896-40B5-4ADD-8801-0D06FADFA095}" type="slidenum">
-              <a:rPr lang="en-US" dirty="0"/>
+              <a:rPr dirty="0" lang="en-US"/>
               <a:t>‹#›</a:t>
             </a:fld>
-            <a:endParaRPr lang="en-US" dirty="0"/>
+            <a:endParaRPr dirty="0" lang="en-US"/>
           </a:p>
         </p:txBody>
       </p:sp>
@@ -5907,11 +5998,11 @@
 </file>
 
 <file path=ppt/slideLayouts/slideLayout6.xml><?xml version="1.0" encoding="utf-8"?>
-<p:sldLayout xmlns:a="http://schemas.openxmlformats.org/drawingml/2006/main" xmlns:r="http://schemas.openxmlformats.org/officeDocument/2006/relationships" xmlns:p="http://schemas.openxmlformats.org/presentationml/2006/main" type="titleOnly" preserve="1">
+<p:sldLayout xmlns:a="http://schemas.openxmlformats.org/drawingml/2006/main" xmlns:r="http://schemas.openxmlformats.org/officeDocument/2006/relationships" xmlns:p="http://schemas.openxmlformats.org/presentationml/2006/main" preserve="1" type="titleOnly">
   <p:cSld name="仅标题">
     <p:spTree>
       <p:nvGrpSpPr>
-        <p:cNvPr id="1" name=""/>
+        <p:cNvPr id="53" name=""/>
         <p:cNvGrpSpPr/>
         <p:nvPr/>
       </p:nvGrpSpPr>
@@ -5925,20 +6016,14 @@
       </p:grpSpPr>
       <p:pic>
         <p:nvPicPr>
-          <p:cNvPr id="6" name="Picture 5" descr="HD-ShadowLong.png"/>
+          <p:cNvPr id="2097187" name="Picture 5" descr="HD-ShadowLong.png"/>
           <p:cNvPicPr>
             <a:picLocks noChangeAspect="1"/>
           </p:cNvPicPr>
           <p:nvPr/>
         </p:nvPicPr>
         <p:blipFill>
-          <a:blip r:embed="rId2">
-            <a:extLst>
-              <a:ext uri="{28A0092B-C50C-407E-A947-70E740481C1C}">
-                <a14:useLocalDpi xmlns:a14="http://schemas.microsoft.com/office/drawing/2010/main" val="0"/>
-              </a:ext>
-            </a:extLst>
-          </a:blip>
+          <a:blip xmlns:r="http://schemas.openxmlformats.org/officeDocument/2006/relationships" r:embed="rId1"/>
           <a:stretch>
             <a:fillRect/>
           </a:stretch>
@@ -5948,27 +6033,19 @@
             <a:off x="1" y="1970240"/>
             <a:ext cx="10437812" cy="321164"/>
           </a:xfrm>
-          <a:prstGeom prst="rect">
-            <a:avLst/>
-          </a:prstGeom>
+          <a:prstGeom prst="rect"/>
         </p:spPr>
       </p:pic>
       <p:pic>
         <p:nvPicPr>
-          <p:cNvPr id="7" name="Picture 6" descr="HD-ShadowShort.png"/>
+          <p:cNvPr id="2097188" name="Picture 6" descr="HD-ShadowShort.png"/>
           <p:cNvPicPr>
             <a:picLocks noChangeAspect="1"/>
           </p:cNvPicPr>
           <p:nvPr/>
         </p:nvPicPr>
         <p:blipFill>
-          <a:blip r:embed="rId3">
-            <a:extLst>
-              <a:ext uri="{28A0092B-C50C-407E-A947-70E740481C1C}">
-                <a14:useLocalDpi xmlns:a14="http://schemas.microsoft.com/office/drawing/2010/main" val="0"/>
-              </a:ext>
-            </a:extLst>
-          </a:blip>
+          <a:blip xmlns:r="http://schemas.openxmlformats.org/officeDocument/2006/relationships" r:embed="rId2"/>
           <a:stretch>
             <a:fillRect/>
           </a:stretch>
@@ -5978,14 +6055,12 @@
             <a:off x="10585826" y="1971234"/>
             <a:ext cx="1602997" cy="144270"/>
           </a:xfrm>
-          <a:prstGeom prst="rect">
-            <a:avLst/>
-          </a:prstGeom>
+          <a:prstGeom prst="rect"/>
         </p:spPr>
       </p:pic>
       <p:sp>
         <p:nvSpPr>
-          <p:cNvPr id="8" name="Rectangle 7"/>
+          <p:cNvPr id="1048704" name="Rectangle 7"/>
           <p:cNvSpPr/>
           <p:nvPr/>
         </p:nvSpPr>
@@ -5994,9 +6069,7 @@
             <a:off x="0" y="609600"/>
             <a:ext cx="10437812" cy="1368198"/>
           </a:xfrm>
-          <a:prstGeom prst="rect">
-            <a:avLst/>
-          </a:prstGeom>
+          <a:prstGeom prst="rect"/>
           <a:solidFill>
             <a:schemeClr val="bg1">
               <a:lumMod val="85000"/>
@@ -6026,7 +6099,7 @@
       </p:sp>
       <p:sp>
         <p:nvSpPr>
-          <p:cNvPr id="9" name="Rectangle 8"/>
+          <p:cNvPr id="1048705" name="Rectangle 8"/>
           <p:cNvSpPr/>
           <p:nvPr/>
         </p:nvSpPr>
@@ -6035,9 +6108,7 @@
             <a:off x="10585827" y="609600"/>
             <a:ext cx="1602997" cy="1368198"/>
           </a:xfrm>
-          <a:prstGeom prst="rect">
-            <a:avLst/>
-          </a:prstGeom>
+          <a:prstGeom prst="rect"/>
           <a:solidFill>
             <a:schemeClr val="accent1"/>
           </a:solidFill>
@@ -6064,7 +6135,7 @@
       </p:sp>
       <p:sp>
         <p:nvSpPr>
-          <p:cNvPr id="2" name="Title 1"/>
+          <p:cNvPr id="1048706" name="Title 1"/>
           <p:cNvSpPr>
             <a:spLocks noGrp="1"/>
           </p:cNvSpPr>
@@ -6075,19 +6146,18 @@
         <p:spPr/>
         <p:txBody>
           <a:bodyPr/>
-          <a:lstStyle/>
-          <a:p>
-            <a:r>
-              <a:rPr lang="zh-CN" altLang="en-US"/>
+          <a:p>
+            <a:r>
+              <a:rPr altLang="en-US" lang="zh-CN"/>
               <a:t>单击此处编辑母版标题样式</a:t>
             </a:r>
-            <a:endParaRPr lang="en-US" dirty="0"/>
-          </a:p>
-        </p:txBody>
-      </p:sp>
-      <p:sp>
-        <p:nvSpPr>
-          <p:cNvPr id="3" name="Date Placeholder 2"/>
+            <a:endParaRPr dirty="0" lang="en-US"/>
+          </a:p>
+        </p:txBody>
+      </p:sp>
+      <p:sp>
+        <p:nvSpPr>
+          <p:cNvPr id="1048707" name="Date Placeholder 2"/>
           <p:cNvSpPr>
             <a:spLocks noGrp="1"/>
           </p:cNvSpPr>
@@ -6098,19 +6168,18 @@
         <p:spPr/>
         <p:txBody>
           <a:bodyPr/>
-          <a:lstStyle/>
           <a:p>
             <a:fld id="{CE99F462-093F-4566-844B-4C71F2739DA5}" type="datetimeFigureOut">
-              <a:rPr lang="en-US" dirty="0"/>
+              <a:rPr dirty="0" lang="en-US"/>
               <a:t>1/6/2019</a:t>
             </a:fld>
-            <a:endParaRPr lang="en-US" dirty="0"/>
-          </a:p>
-        </p:txBody>
-      </p:sp>
-      <p:sp>
-        <p:nvSpPr>
-          <p:cNvPr id="4" name="Footer Placeholder 3"/>
+            <a:endParaRPr dirty="0" lang="en-US"/>
+          </a:p>
+        </p:txBody>
+      </p:sp>
+      <p:sp>
+        <p:nvSpPr>
+          <p:cNvPr id="1048708" name="Footer Placeholder 3"/>
           <p:cNvSpPr>
             <a:spLocks noGrp="1"/>
           </p:cNvSpPr>
@@ -6121,15 +6190,14 @@
         <p:spPr/>
         <p:txBody>
           <a:bodyPr/>
-          <a:lstStyle/>
-          <a:p>
-            <a:endParaRPr lang="en-US" dirty="0"/>
-          </a:p>
-        </p:txBody>
-      </p:sp>
-      <p:sp>
-        <p:nvSpPr>
-          <p:cNvPr id="5" name="Slide Number Placeholder 4"/>
+          <a:p>
+            <a:endParaRPr dirty="0" lang="en-US"/>
+          </a:p>
+        </p:txBody>
+      </p:sp>
+      <p:sp>
+        <p:nvSpPr>
+          <p:cNvPr id="1048709" name="Slide Number Placeholder 4"/>
           <p:cNvSpPr>
             <a:spLocks noGrp="1"/>
           </p:cNvSpPr>
@@ -6140,13 +6208,12 @@
         <p:spPr/>
         <p:txBody>
           <a:bodyPr/>
-          <a:lstStyle/>
           <a:p>
             <a:fld id="{6D22F896-40B5-4ADD-8801-0D06FADFA095}" type="slidenum">
-              <a:rPr lang="en-US" dirty="0"/>
+              <a:rPr dirty="0" lang="en-US"/>
               <a:t>‹#›</a:t>
             </a:fld>
-            <a:endParaRPr lang="en-US" dirty="0"/>
+            <a:endParaRPr dirty="0" lang="en-US"/>
           </a:p>
         </p:txBody>
       </p:sp>
@@ -6159,11 +6226,11 @@
 </file>
 
 <file path=ppt/slideLayouts/slideLayout7.xml><?xml version="1.0" encoding="utf-8"?>
-<p:sldLayout xmlns:a="http://schemas.openxmlformats.org/drawingml/2006/main" xmlns:r="http://schemas.openxmlformats.org/officeDocument/2006/relationships" xmlns:p="http://schemas.openxmlformats.org/presentationml/2006/main" type="blank" preserve="1">
+<p:sldLayout xmlns:a="http://schemas.openxmlformats.org/drawingml/2006/main" xmlns:r="http://schemas.openxmlformats.org/officeDocument/2006/relationships" xmlns:p="http://schemas.openxmlformats.org/presentationml/2006/main" preserve="1" type="blank">
   <p:cSld name="空白">
     <p:spTree>
       <p:nvGrpSpPr>
-        <p:cNvPr id="1" name=""/>
+        <p:cNvPr id="48" name=""/>
         <p:cNvGrpSpPr/>
         <p:nvPr/>
       </p:nvGrpSpPr>
@@ -6177,20 +6244,14 @@
       </p:grpSpPr>
       <p:pic>
         <p:nvPicPr>
-          <p:cNvPr id="5" name="Picture 4" descr="HD-ShadowShort.png"/>
+          <p:cNvPr id="2097178" name="Picture 4" descr="HD-ShadowShort.png"/>
           <p:cNvPicPr>
             <a:picLocks noChangeAspect="1"/>
           </p:cNvPicPr>
           <p:nvPr/>
         </p:nvPicPr>
         <p:blipFill>
-          <a:blip r:embed="rId2">
-            <a:extLst>
-              <a:ext uri="{28A0092B-C50C-407E-A947-70E740481C1C}">
-                <a14:useLocalDpi xmlns:a14="http://schemas.microsoft.com/office/drawing/2010/main" val="0"/>
-              </a:ext>
-            </a:extLst>
-          </a:blip>
+          <a:blip xmlns:r="http://schemas.openxmlformats.org/officeDocument/2006/relationships" r:embed="rId1"/>
           <a:stretch>
             <a:fillRect/>
           </a:stretch>
@@ -6200,14 +6261,12 @@
             <a:off x="10585826" y="1971234"/>
             <a:ext cx="1602997" cy="144270"/>
           </a:xfrm>
-          <a:prstGeom prst="rect">
-            <a:avLst/>
-          </a:prstGeom>
+          <a:prstGeom prst="rect"/>
         </p:spPr>
       </p:pic>
       <p:sp>
         <p:nvSpPr>
-          <p:cNvPr id="6" name="Rectangle 5"/>
+          <p:cNvPr id="1048670" name="Rectangle 5"/>
           <p:cNvSpPr/>
           <p:nvPr/>
         </p:nvSpPr>
@@ -6216,9 +6275,7 @@
             <a:off x="10585827" y="609600"/>
             <a:ext cx="1602997" cy="1368198"/>
           </a:xfrm>
-          <a:prstGeom prst="rect">
-            <a:avLst/>
-          </a:prstGeom>
+          <a:prstGeom prst="rect"/>
           <a:solidFill>
             <a:schemeClr val="accent1"/>
           </a:solidFill>
@@ -6245,7 +6302,7 @@
       </p:sp>
       <p:sp>
         <p:nvSpPr>
-          <p:cNvPr id="2" name="Date Placeholder 1"/>
+          <p:cNvPr id="1048671" name="Date Placeholder 1"/>
           <p:cNvSpPr>
             <a:spLocks noGrp="1"/>
           </p:cNvSpPr>
@@ -6256,19 +6313,18 @@
         <p:spPr/>
         <p:txBody>
           <a:bodyPr/>
-          <a:lstStyle/>
           <a:p>
             <a:fld id="{3D24A7AC-904D-4781-85BA-7D10C17ED021}" type="datetimeFigureOut">
-              <a:rPr lang="en-US" dirty="0"/>
+              <a:rPr dirty="0" lang="en-US"/>
               <a:t>1/6/2019</a:t>
             </a:fld>
-            <a:endParaRPr lang="en-US" dirty="0"/>
-          </a:p>
-        </p:txBody>
-      </p:sp>
-      <p:sp>
-        <p:nvSpPr>
-          <p:cNvPr id="3" name="Footer Placeholder 2"/>
+            <a:endParaRPr dirty="0" lang="en-US"/>
+          </a:p>
+        </p:txBody>
+      </p:sp>
+      <p:sp>
+        <p:nvSpPr>
+          <p:cNvPr id="1048672" name="Footer Placeholder 2"/>
           <p:cNvSpPr>
             <a:spLocks noGrp="1"/>
           </p:cNvSpPr>
@@ -6279,15 +6335,14 @@
         <p:spPr/>
         <p:txBody>
           <a:bodyPr/>
-          <a:lstStyle/>
-          <a:p>
-            <a:endParaRPr lang="en-US" dirty="0"/>
-          </a:p>
-        </p:txBody>
-      </p:sp>
-      <p:sp>
-        <p:nvSpPr>
-          <p:cNvPr id="4" name="Slide Number Placeholder 3"/>
+          <a:p>
+            <a:endParaRPr dirty="0" lang="en-US"/>
+          </a:p>
+        </p:txBody>
+      </p:sp>
+      <p:sp>
+        <p:nvSpPr>
+          <p:cNvPr id="1048673" name="Slide Number Placeholder 3"/>
           <p:cNvSpPr>
             <a:spLocks noGrp="1"/>
           </p:cNvSpPr>
@@ -6298,13 +6353,12 @@
         <p:spPr/>
         <p:txBody>
           <a:bodyPr/>
-          <a:lstStyle/>
           <a:p>
             <a:fld id="{6D22F896-40B5-4ADD-8801-0D06FADFA095}" type="slidenum">
-              <a:rPr lang="en-US" dirty="0"/>
+              <a:rPr dirty="0" lang="en-US"/>
               <a:t>‹#›</a:t>
             </a:fld>
-            <a:endParaRPr lang="en-US" dirty="0"/>
+            <a:endParaRPr dirty="0" lang="en-US"/>
           </a:p>
         </p:txBody>
       </p:sp>
@@ -6317,11 +6371,11 @@
 </file>
 
 <file path=ppt/slideLayouts/slideLayout8.xml><?xml version="1.0" encoding="utf-8"?>
-<p:sldLayout xmlns:a="http://schemas.openxmlformats.org/drawingml/2006/main" xmlns:r="http://schemas.openxmlformats.org/officeDocument/2006/relationships" xmlns:p="http://schemas.openxmlformats.org/presentationml/2006/main" type="objTx" preserve="1">
+<p:sldLayout xmlns:a="http://schemas.openxmlformats.org/drawingml/2006/main" xmlns:r="http://schemas.openxmlformats.org/officeDocument/2006/relationships" xmlns:p="http://schemas.openxmlformats.org/presentationml/2006/main" preserve="1" type="objTx">
   <p:cSld name="内容与标题">
     <p:spTree>
       <p:nvGrpSpPr>
-        <p:cNvPr id="1" name=""/>
+        <p:cNvPr id="51" name=""/>
         <p:cNvGrpSpPr/>
         <p:nvPr/>
       </p:nvGrpSpPr>
@@ -6335,20 +6389,14 @@
       </p:grpSpPr>
       <p:pic>
         <p:nvPicPr>
-          <p:cNvPr id="8" name="Picture 7" descr="HD-ShadowLong.png"/>
+          <p:cNvPr id="2097183" name="Picture 7" descr="HD-ShadowLong.png"/>
           <p:cNvPicPr>
             <a:picLocks noChangeAspect="1"/>
           </p:cNvPicPr>
           <p:nvPr/>
         </p:nvPicPr>
         <p:blipFill>
-          <a:blip r:embed="rId2">
-            <a:extLst>
-              <a:ext uri="{28A0092B-C50C-407E-A947-70E740481C1C}">
-                <a14:useLocalDpi xmlns:a14="http://schemas.microsoft.com/office/drawing/2010/main" val="0"/>
-              </a:ext>
-            </a:extLst>
-          </a:blip>
+          <a:blip xmlns:r="http://schemas.openxmlformats.org/officeDocument/2006/relationships" r:embed="rId1"/>
           <a:stretch>
             <a:fillRect/>
           </a:stretch>
@@ -6358,27 +6406,19 @@
             <a:off x="1" y="1970240"/>
             <a:ext cx="10437812" cy="321164"/>
           </a:xfrm>
-          <a:prstGeom prst="rect">
-            <a:avLst/>
-          </a:prstGeom>
+          <a:prstGeom prst="rect"/>
         </p:spPr>
       </p:pic>
       <p:pic>
         <p:nvPicPr>
-          <p:cNvPr id="9" name="Picture 8" descr="HD-ShadowShort.png"/>
+          <p:cNvPr id="2097184" name="Picture 8" descr="HD-ShadowShort.png"/>
           <p:cNvPicPr>
             <a:picLocks noChangeAspect="1"/>
           </p:cNvPicPr>
           <p:nvPr/>
         </p:nvPicPr>
         <p:blipFill>
-          <a:blip r:embed="rId3">
-            <a:extLst>
-              <a:ext uri="{28A0092B-C50C-407E-A947-70E740481C1C}">
-                <a14:useLocalDpi xmlns:a14="http://schemas.microsoft.com/office/drawing/2010/main" val="0"/>
-              </a:ext>
-            </a:extLst>
-          </a:blip>
+          <a:blip xmlns:r="http://schemas.openxmlformats.org/officeDocument/2006/relationships" r:embed="rId2"/>
           <a:stretch>
             <a:fillRect/>
           </a:stretch>
@@ -6388,14 +6428,12 @@
             <a:off x="10585826" y="1971234"/>
             <a:ext cx="1602997" cy="144270"/>
           </a:xfrm>
-          <a:prstGeom prst="rect">
-            <a:avLst/>
-          </a:prstGeom>
+          <a:prstGeom prst="rect"/>
         </p:spPr>
       </p:pic>
       <p:sp>
         <p:nvSpPr>
-          <p:cNvPr id="10" name="Rectangle 9"/>
+          <p:cNvPr id="1048688" name="Rectangle 9"/>
           <p:cNvSpPr/>
           <p:nvPr/>
         </p:nvSpPr>
@@ -6404,9 +6442,7 @@
             <a:off x="0" y="609600"/>
             <a:ext cx="10437812" cy="1368198"/>
           </a:xfrm>
-          <a:prstGeom prst="rect">
-            <a:avLst/>
-          </a:prstGeom>
+          <a:prstGeom prst="rect"/>
           <a:solidFill>
             <a:schemeClr val="bg1">
               <a:lumMod val="85000"/>
@@ -6436,7 +6472,7 @@
       </p:sp>
       <p:sp>
         <p:nvSpPr>
-          <p:cNvPr id="11" name="Rectangle 10"/>
+          <p:cNvPr id="1048689" name="Rectangle 10"/>
           <p:cNvSpPr/>
           <p:nvPr/>
         </p:nvSpPr>
@@ -6445,9 +6481,7 @@
             <a:off x="10585827" y="609600"/>
             <a:ext cx="1602997" cy="1368198"/>
           </a:xfrm>
-          <a:prstGeom prst="rect">
-            <a:avLst/>
-          </a:prstGeom>
+          <a:prstGeom prst="rect"/>
           <a:solidFill>
             <a:schemeClr val="accent1"/>
           </a:solidFill>
@@ -6474,7 +6508,7 @@
       </p:sp>
       <p:sp>
         <p:nvSpPr>
-          <p:cNvPr id="2" name="Title 1"/>
+          <p:cNvPr id="1048690" name="Title 1"/>
           <p:cNvSpPr>
             <a:spLocks noGrp="1"/>
           </p:cNvSpPr>
@@ -6499,16 +6533,16 @@
           </a:lstStyle>
           <a:p>
             <a:r>
-              <a:rPr lang="zh-CN" altLang="en-US"/>
+              <a:rPr altLang="en-US" lang="zh-CN"/>
               <a:t>单击此处编辑母版标题样式</a:t>
             </a:r>
-            <a:endParaRPr lang="en-US" dirty="0"/>
-          </a:p>
-        </p:txBody>
-      </p:sp>
-      <p:sp>
-        <p:nvSpPr>
-          <p:cNvPr id="3" name="Content Placeholder 2"/>
+            <a:endParaRPr dirty="0" lang="en-US"/>
+          </a:p>
+        </p:txBody>
+      </p:sp>
+      <p:sp>
+        <p:nvSpPr>
+          <p:cNvPr id="1048691" name="Content Placeholder 2"/>
           <p:cNvSpPr>
             <a:spLocks noGrp="1"/>
           </p:cNvSpPr>
@@ -6524,48 +6558,47 @@
         </p:spPr>
         <p:txBody>
           <a:bodyPr/>
-          <a:lstStyle/>
           <a:p>
             <a:pPr lvl="0"/>
             <a:r>
-              <a:rPr lang="zh-CN" altLang="en-US"/>
+              <a:rPr altLang="en-US" lang="zh-CN"/>
               <a:t>编辑母版文本样式</a:t>
             </a:r>
           </a:p>
           <a:p>
             <a:pPr lvl="1"/>
             <a:r>
-              <a:rPr lang="zh-CN" altLang="en-US"/>
+              <a:rPr altLang="en-US" lang="zh-CN"/>
               <a:t>第二级</a:t>
             </a:r>
           </a:p>
           <a:p>
             <a:pPr lvl="2"/>
             <a:r>
-              <a:rPr lang="zh-CN" altLang="en-US"/>
+              <a:rPr altLang="en-US" lang="zh-CN"/>
               <a:t>第三级</a:t>
             </a:r>
           </a:p>
           <a:p>
             <a:pPr lvl="3"/>
             <a:r>
-              <a:rPr lang="zh-CN" altLang="en-US"/>
+              <a:rPr altLang="en-US" lang="zh-CN"/>
               <a:t>第四级</a:t>
             </a:r>
           </a:p>
           <a:p>
             <a:pPr lvl="4"/>
             <a:r>
-              <a:rPr lang="zh-CN" altLang="en-US"/>
+              <a:rPr altLang="en-US" lang="zh-CN"/>
               <a:t>第五级</a:t>
             </a:r>
-            <a:endParaRPr lang="en-US" dirty="0"/>
-          </a:p>
-        </p:txBody>
-      </p:sp>
-      <p:sp>
-        <p:nvSpPr>
-          <p:cNvPr id="4" name="Text Placeholder 3"/>
+            <a:endParaRPr dirty="0" lang="en-US"/>
+          </a:p>
+        </p:txBody>
+      </p:sp>
+      <p:sp>
+        <p:nvSpPr>
+          <p:cNvPr id="1048692" name="Text Placeholder 3"/>
           <p:cNvSpPr>
             <a:spLocks noGrp="1"/>
           </p:cNvSpPr>
@@ -6582,39 +6615,39 @@
         <p:txBody>
           <a:bodyPr anchor="ctr"/>
           <a:lstStyle>
-            <a:lvl1pPr marL="0" indent="0">
+            <a:lvl1pPr indent="0" marL="0">
               <a:buNone/>
               <a:defRPr sz="1600"/>
             </a:lvl1pPr>
-            <a:lvl2pPr marL="457200" indent="0">
+            <a:lvl2pPr indent="0" marL="457200">
               <a:buNone/>
               <a:defRPr sz="1400"/>
             </a:lvl2pPr>
-            <a:lvl3pPr marL="914400" indent="0">
+            <a:lvl3pPr indent="0" marL="914400">
               <a:buNone/>
               <a:defRPr sz="1200"/>
             </a:lvl3pPr>
-            <a:lvl4pPr marL="1371600" indent="0">
+            <a:lvl4pPr indent="0" marL="1371600">
               <a:buNone/>
               <a:defRPr sz="1000"/>
             </a:lvl4pPr>
-            <a:lvl5pPr marL="1828800" indent="0">
+            <a:lvl5pPr indent="0" marL="1828800">
               <a:buNone/>
               <a:defRPr sz="1000"/>
             </a:lvl5pPr>
-            <a:lvl6pPr marL="2286000" indent="0">
+            <a:lvl6pPr indent="0" marL="2286000">
               <a:buNone/>
               <a:defRPr sz="1000"/>
             </a:lvl6pPr>
-            <a:lvl7pPr marL="2743200" indent="0">
+            <a:lvl7pPr indent="0" marL="2743200">
               <a:buNone/>
               <a:defRPr sz="1000"/>
             </a:lvl7pPr>
-            <a:lvl8pPr marL="3200400" indent="0">
+            <a:lvl8pPr indent="0" marL="3200400">
               <a:buNone/>
               <a:defRPr sz="1000"/>
             </a:lvl8pPr>
-            <a:lvl9pPr marL="3657600" indent="0">
+            <a:lvl9pPr indent="0" marL="3657600">
               <a:buNone/>
               <a:defRPr sz="1000"/>
             </a:lvl9pPr>
@@ -6622,7 +6655,7 @@
           <a:p>
             <a:pPr lvl="0"/>
             <a:r>
-              <a:rPr lang="zh-CN" altLang="en-US"/>
+              <a:rPr altLang="en-US" lang="zh-CN"/>
               <a:t>编辑母版文本样式</a:t>
             </a:r>
           </a:p>
@@ -6630,7 +6663,7 @@
       </p:sp>
       <p:sp>
         <p:nvSpPr>
-          <p:cNvPr id="5" name="Date Placeholder 4"/>
+          <p:cNvPr id="1048693" name="Date Placeholder 4"/>
           <p:cNvSpPr>
             <a:spLocks noGrp="1"/>
           </p:cNvSpPr>
@@ -6641,19 +6674,18 @@
         <p:spPr/>
         <p:txBody>
           <a:bodyPr/>
-          <a:lstStyle/>
           <a:p>
             <a:fld id="{E331444B-B92B-4E27-8C94-BB93EAF5CB18}" type="datetimeFigureOut">
-              <a:rPr lang="en-US" dirty="0"/>
+              <a:rPr dirty="0" lang="en-US"/>
               <a:t>1/6/2019</a:t>
             </a:fld>
-            <a:endParaRPr lang="en-US" dirty="0"/>
-          </a:p>
-        </p:txBody>
-      </p:sp>
-      <p:sp>
-        <p:nvSpPr>
-          <p:cNvPr id="6" name="Footer Placeholder 5"/>
+            <a:endParaRPr dirty="0" lang="en-US"/>
+          </a:p>
+        </p:txBody>
+      </p:sp>
+      <p:sp>
+        <p:nvSpPr>
+          <p:cNvPr id="1048694" name="Footer Placeholder 5"/>
           <p:cNvSpPr>
             <a:spLocks noGrp="1"/>
           </p:cNvSpPr>
@@ -6664,15 +6696,14 @@
         <p:spPr/>
         <p:txBody>
           <a:bodyPr/>
-          <a:lstStyle/>
-          <a:p>
-            <a:endParaRPr lang="en-US" dirty="0"/>
-          </a:p>
-        </p:txBody>
-      </p:sp>
-      <p:sp>
-        <p:nvSpPr>
-          <p:cNvPr id="7" name="Slide Number Placeholder 6"/>
+          <a:p>
+            <a:endParaRPr dirty="0" lang="en-US"/>
+          </a:p>
+        </p:txBody>
+      </p:sp>
+      <p:sp>
+        <p:nvSpPr>
+          <p:cNvPr id="1048695" name="Slide Number Placeholder 6"/>
           <p:cNvSpPr>
             <a:spLocks noGrp="1"/>
           </p:cNvSpPr>
@@ -6683,13 +6714,12 @@
         <p:spPr/>
         <p:txBody>
           <a:bodyPr/>
-          <a:lstStyle/>
           <a:p>
             <a:fld id="{6D22F896-40B5-4ADD-8801-0D06FADFA095}" type="slidenum">
-              <a:rPr lang="en-US" dirty="0"/>
+              <a:rPr dirty="0" lang="en-US"/>
               <a:t>‹#›</a:t>
             </a:fld>
-            <a:endParaRPr lang="en-US" dirty="0"/>
+            <a:endParaRPr dirty="0" lang="en-US"/>
           </a:p>
         </p:txBody>
       </p:sp>
@@ -6702,11 +6732,11 @@
 </file>
 
 <file path=ppt/slideLayouts/slideLayout9.xml><?xml version="1.0" encoding="utf-8"?>
-<p:sldLayout xmlns:a="http://schemas.openxmlformats.org/drawingml/2006/main" xmlns:r="http://schemas.openxmlformats.org/officeDocument/2006/relationships" xmlns:p="http://schemas.openxmlformats.org/presentationml/2006/main" type="picTx" preserve="1">
+<p:sldLayout xmlns:a="http://schemas.openxmlformats.org/drawingml/2006/main" xmlns:r="http://schemas.openxmlformats.org/officeDocument/2006/relationships" xmlns:p="http://schemas.openxmlformats.org/presentationml/2006/main" preserve="1" type="picTx">
   <p:cSld name="图片与标题">
     <p:spTree>
       <p:nvGrpSpPr>
-        <p:cNvPr id="1" name=""/>
+        <p:cNvPr id="54" name=""/>
         <p:cNvGrpSpPr/>
         <p:nvPr/>
       </p:nvGrpSpPr>
@@ -6720,20 +6750,14 @@
       </p:grpSpPr>
       <p:pic>
         <p:nvPicPr>
-          <p:cNvPr id="8" name="Picture 7" descr="HD-ShadowLong.png"/>
+          <p:cNvPr id="2097189" name="Picture 7" descr="HD-ShadowLong.png"/>
           <p:cNvPicPr>
             <a:picLocks noChangeAspect="1"/>
           </p:cNvPicPr>
           <p:nvPr/>
         </p:nvPicPr>
         <p:blipFill>
-          <a:blip r:embed="rId2">
-            <a:extLst>
-              <a:ext uri="{28A0092B-C50C-407E-A947-70E740481C1C}">
-                <a14:useLocalDpi xmlns:a14="http://schemas.microsoft.com/office/drawing/2010/main" val="0"/>
-              </a:ext>
-            </a:extLst>
-          </a:blip>
+          <a:blip xmlns:r="http://schemas.openxmlformats.org/officeDocument/2006/relationships" r:embed="rId1"/>
           <a:stretch>
             <a:fillRect/>
           </a:stretch>
@@ -6743,27 +6767,19 @@
             <a:off x="1" y="1970240"/>
             <a:ext cx="10437812" cy="321164"/>
           </a:xfrm>
-          <a:prstGeom prst="rect">
-            <a:avLst/>
-          </a:prstGeom>
+          <a:prstGeom prst="rect"/>
         </p:spPr>
       </p:pic>
       <p:pic>
         <p:nvPicPr>
-          <p:cNvPr id="9" name="Picture 8" descr="HD-ShadowShort.png"/>
+          <p:cNvPr id="2097190" name="Picture 8" descr="HD-ShadowShort.png"/>
           <p:cNvPicPr>
             <a:picLocks noChangeAspect="1"/>
           </p:cNvPicPr>
           <p:nvPr/>
         </p:nvPicPr>
         <p:blipFill>
-          <a:blip r:embed="rId3">
-            <a:extLst>
-              <a:ext uri="{28A0092B-C50C-407E-A947-70E740481C1C}">
-                <a14:useLocalDpi xmlns:a14="http://schemas.microsoft.com/office/drawing/2010/main" val="0"/>
-              </a:ext>
-            </a:extLst>
-          </a:blip>
+          <a:blip xmlns:r="http://schemas.openxmlformats.org/officeDocument/2006/relationships" r:embed="rId2"/>
           <a:stretch>
             <a:fillRect/>
           </a:stretch>
@@ -6773,14 +6789,12 @@
             <a:off x="10585826" y="1971234"/>
             <a:ext cx="1602997" cy="144270"/>
           </a:xfrm>
-          <a:prstGeom prst="rect">
-            <a:avLst/>
-          </a:prstGeom>
+          <a:prstGeom prst="rect"/>
         </p:spPr>
       </p:pic>
       <p:sp>
         <p:nvSpPr>
-          <p:cNvPr id="10" name="Rectangle 9"/>
+          <p:cNvPr id="1048710" name="Rectangle 9"/>
           <p:cNvSpPr/>
           <p:nvPr/>
         </p:nvSpPr>
@@ -6789,9 +6803,7 @@
             <a:off x="0" y="609600"/>
             <a:ext cx="10437812" cy="1368198"/>
           </a:xfrm>
-          <a:prstGeom prst="rect">
-            <a:avLst/>
-          </a:prstGeom>
+          <a:prstGeom prst="rect"/>
           <a:solidFill>
             <a:schemeClr val="bg1">
               <a:lumMod val="85000"/>
@@ -6821,7 +6833,7 @@
       </p:sp>
       <p:sp>
         <p:nvSpPr>
-          <p:cNvPr id="11" name="Rectangle 10"/>
+          <p:cNvPr id="1048711" name="Rectangle 10"/>
           <p:cNvSpPr/>
           <p:nvPr/>
         </p:nvSpPr>
@@ -6830,9 +6842,7 @@
             <a:off x="10585827" y="609600"/>
             <a:ext cx="1602997" cy="1368198"/>
           </a:xfrm>
-          <a:prstGeom prst="rect">
-            <a:avLst/>
-          </a:prstGeom>
+          <a:prstGeom prst="rect"/>
           <a:solidFill>
             <a:schemeClr val="accent1"/>
           </a:solidFill>
@@ -6859,7 +6869,7 @@
       </p:sp>
       <p:sp>
         <p:nvSpPr>
-          <p:cNvPr id="2" name="Title 1"/>
+          <p:cNvPr id="1048712" name="Title 1"/>
           <p:cNvSpPr>
             <a:spLocks noGrp="1"/>
           </p:cNvSpPr>
@@ -6884,18 +6894,18 @@
           </a:lstStyle>
           <a:p>
             <a:r>
-              <a:rPr lang="zh-CN" altLang="en-US"/>
+              <a:rPr altLang="en-US" lang="zh-CN"/>
               <a:t>单击此处编辑母版标题样式</a:t>
             </a:r>
-            <a:endParaRPr lang="en-US" dirty="0"/>
-          </a:p>
-        </p:txBody>
-      </p:sp>
-      <p:sp>
-        <p:nvSpPr>
-          <p:cNvPr id="3" name="Picture Placeholder 2"/>
-          <p:cNvSpPr>
-            <a:spLocks noGrp="1" noChangeAspect="1"/>
+            <a:endParaRPr dirty="0" lang="en-US"/>
+          </a:p>
+        </p:txBody>
+      </p:sp>
+      <p:sp>
+        <p:nvSpPr>
+          <p:cNvPr id="1048713" name="Picture Placeholder 2"/>
+          <p:cNvSpPr>
+            <a:spLocks noChangeAspect="1" noGrp="1"/>
           </p:cNvSpPr>
           <p:nvPr>
             <p:ph type="pic" idx="1"/>
@@ -6911,7 +6921,7 @@
             <a:noFill/>
           </a:ln>
           <a:effectLst>
-            <a:outerShdw blurRad="76200" dist="63500" dir="5040000" algn="tl" rotWithShape="0">
+            <a:outerShdw algn="tl" blurRad="76200" dir="5040000" dist="63500" rotWithShape="0">
               <a:srgbClr val="000000">
                 <a:alpha val="41000"/>
               </a:srgbClr>
@@ -6921,55 +6931,55 @@
         <p:txBody>
           <a:bodyPr anchor="t"/>
           <a:lstStyle>
-            <a:lvl1pPr marL="0" indent="0">
+            <a:lvl1pPr indent="0" marL="0">
               <a:buNone/>
               <a:defRPr sz="3200"/>
             </a:lvl1pPr>
-            <a:lvl2pPr marL="457200" indent="0">
+            <a:lvl2pPr indent="0" marL="457200">
               <a:buNone/>
               <a:defRPr sz="2800"/>
             </a:lvl2pPr>
-            <a:lvl3pPr marL="914400" indent="0">
+            <a:lvl3pPr indent="0" marL="914400">
               <a:buNone/>
               <a:defRPr sz="2400"/>
             </a:lvl3pPr>
-            <a:lvl4pPr marL="1371600" indent="0">
+            <a:lvl4pPr indent="0" marL="1371600">
               <a:buNone/>
               <a:defRPr sz="2000"/>
             </a:lvl4pPr>
-            <a:lvl5pPr marL="1828800" indent="0">
+            <a:lvl5pPr indent="0" marL="1828800">
               <a:buNone/>
               <a:defRPr sz="2000"/>
             </a:lvl5pPr>
-            <a:lvl6pPr marL="2286000" indent="0">
+            <a:lvl6pPr indent="0" marL="2286000">
               <a:buNone/>
               <a:defRPr sz="2000"/>
             </a:lvl6pPr>
-            <a:lvl7pPr marL="2743200" indent="0">
+            <a:lvl7pPr indent="0" marL="2743200">
               <a:buNone/>
               <a:defRPr sz="2000"/>
             </a:lvl7pPr>
-            <a:lvl8pPr marL="3200400" indent="0">
+            <a:lvl8pPr indent="0" marL="3200400">
               <a:buNone/>
               <a:defRPr sz="2000"/>
             </a:lvl8pPr>
-            <a:lvl9pPr marL="3657600" indent="0">
+            <a:lvl9pPr indent="0" marL="3657600">
               <a:buNone/>
               <a:defRPr sz="2000"/>
             </a:lvl9pPr>
           </a:lstStyle>
           <a:p>
             <a:r>
-              <a:rPr lang="zh-CN" altLang="en-US"/>
+              <a:rPr altLang="en-US" lang="zh-CN"/>
               <a:t>单击图标添加图片</a:t>
             </a:r>
-            <a:endParaRPr lang="en-US" dirty="0"/>
-          </a:p>
-        </p:txBody>
-      </p:sp>
-      <p:sp>
-        <p:nvSpPr>
-          <p:cNvPr id="4" name="Text Placeholder 3"/>
+            <a:endParaRPr dirty="0" lang="en-US"/>
+          </a:p>
+        </p:txBody>
+      </p:sp>
+      <p:sp>
+        <p:nvSpPr>
+          <p:cNvPr id="1048714" name="Text Placeholder 3"/>
           <p:cNvSpPr>
             <a:spLocks noGrp="1"/>
           </p:cNvSpPr>
@@ -6986,39 +6996,39 @@
         <p:txBody>
           <a:bodyPr anchor="ctr"/>
           <a:lstStyle>
-            <a:lvl1pPr marL="0" indent="0">
+            <a:lvl1pPr indent="0" marL="0">
               <a:buNone/>
               <a:defRPr sz="1600"/>
             </a:lvl1pPr>
-            <a:lvl2pPr marL="457200" indent="0">
+            <a:lvl2pPr indent="0" marL="457200">
               <a:buNone/>
               <a:defRPr sz="1400"/>
             </a:lvl2pPr>
-            <a:lvl3pPr marL="914400" indent="0">
+            <a:lvl3pPr indent="0" marL="914400">
               <a:buNone/>
               <a:defRPr sz="1200"/>
             </a:lvl3pPr>
-            <a:lvl4pPr marL="1371600" indent="0">
+            <a:lvl4pPr indent="0" marL="1371600">
               <a:buNone/>
               <a:defRPr sz="1000"/>
             </a:lvl4pPr>
-            <a:lvl5pPr marL="1828800" indent="0">
+            <a:lvl5pPr indent="0" marL="1828800">
               <a:buNone/>
               <a:defRPr sz="1000"/>
             </a:lvl5pPr>
-            <a:lvl6pPr marL="2286000" indent="0">
+            <a:lvl6pPr indent="0" marL="2286000">
               <a:buNone/>
               <a:defRPr sz="1000"/>
             </a:lvl6pPr>
-            <a:lvl7pPr marL="2743200" indent="0">
+            <a:lvl7pPr indent="0" marL="2743200">
               <a:buNone/>
               <a:defRPr sz="1000"/>
             </a:lvl7pPr>
-            <a:lvl8pPr marL="3200400" indent="0">
+            <a:lvl8pPr indent="0" marL="3200400">
               <a:buNone/>
               <a:defRPr sz="1000"/>
             </a:lvl8pPr>
-            <a:lvl9pPr marL="3657600" indent="0">
+            <a:lvl9pPr indent="0" marL="3657600">
               <a:buNone/>
               <a:defRPr sz="1000"/>
             </a:lvl9pPr>
@@ -7026,7 +7036,7 @@
           <a:p>
             <a:pPr lvl="0"/>
             <a:r>
-              <a:rPr lang="zh-CN" altLang="en-US"/>
+              <a:rPr altLang="en-US" lang="zh-CN"/>
               <a:t>编辑母版文本样式</a:t>
             </a:r>
           </a:p>
@@ -7034,7 +7044,7 @@
       </p:sp>
       <p:sp>
         <p:nvSpPr>
-          <p:cNvPr id="5" name="Date Placeholder 4"/>
+          <p:cNvPr id="1048715" name="Date Placeholder 4"/>
           <p:cNvSpPr>
             <a:spLocks noGrp="1"/>
           </p:cNvSpPr>
@@ -7045,19 +7055,18 @@
         <p:spPr/>
         <p:txBody>
           <a:bodyPr/>
-          <a:lstStyle/>
           <a:p>
             <a:fld id="{363EFA5E-FA76-400D-B3DC-F0BA90E6D107}" type="datetimeFigureOut">
-              <a:rPr lang="en-US" dirty="0"/>
+              <a:rPr dirty="0" lang="en-US"/>
               <a:t>1/6/2019</a:t>
             </a:fld>
-            <a:endParaRPr lang="en-US" dirty="0"/>
-          </a:p>
-        </p:txBody>
-      </p:sp>
-      <p:sp>
-        <p:nvSpPr>
-          <p:cNvPr id="6" name="Footer Placeholder 5"/>
+            <a:endParaRPr dirty="0" lang="en-US"/>
+          </a:p>
+        </p:txBody>
+      </p:sp>
+      <p:sp>
+        <p:nvSpPr>
+          <p:cNvPr id="1048716" name="Footer Placeholder 5"/>
           <p:cNvSpPr>
             <a:spLocks noGrp="1"/>
           </p:cNvSpPr>
@@ -7068,15 +7077,14 @@
         <p:spPr/>
         <p:txBody>
           <a:bodyPr/>
-          <a:lstStyle/>
-          <a:p>
-            <a:endParaRPr lang="en-US" dirty="0"/>
-          </a:p>
-        </p:txBody>
-      </p:sp>
-      <p:sp>
-        <p:nvSpPr>
-          <p:cNvPr id="7" name="Slide Number Placeholder 6"/>
+          <a:p>
+            <a:endParaRPr dirty="0" lang="en-US"/>
+          </a:p>
+        </p:txBody>
+      </p:sp>
+      <p:sp>
+        <p:nvSpPr>
+          <p:cNvPr id="1048717" name="Slide Number Placeholder 6"/>
           <p:cNvSpPr>
             <a:spLocks noGrp="1"/>
           </p:cNvSpPr>
@@ -7087,13 +7095,12 @@
         <p:spPr/>
         <p:txBody>
           <a:bodyPr/>
-          <a:lstStyle/>
           <a:p>
             <a:fld id="{6D22F896-40B5-4ADD-8801-0D06FADFA095}" type="slidenum">
-              <a:rPr lang="en-US" dirty="0"/>
+              <a:rPr dirty="0" lang="en-US"/>
               <a:t>‹#›</a:t>
             </a:fld>
-            <a:endParaRPr lang="en-US" dirty="0"/>
+            <a:endParaRPr dirty="0" lang="en-US"/>
           </a:p>
         </p:txBody>
       </p:sp>
@@ -7115,7 +7122,7 @@
     </p:bg>
     <p:spTree>
       <p:nvGrpSpPr>
-        <p:cNvPr id="1" name=""/>
+        <p:cNvPr id="12" name=""/>
         <p:cNvGrpSpPr/>
         <p:nvPr/>
       </p:nvGrpSpPr>
@@ -7129,20 +7136,15 @@
       </p:grpSpPr>
       <p:pic>
         <p:nvPicPr>
-          <p:cNvPr id="7" name="Picture 6" descr="hashOverlay-FullResolve.png"/>
+          <p:cNvPr id="2097152" name="Picture 6" descr="hashOverlay-FullResolve.png"/>
           <p:cNvPicPr>
             <a:picLocks noChangeAspect="1"/>
           </p:cNvPicPr>
           <p:nvPr/>
         </p:nvPicPr>
         <p:blipFill>
-          <a:blip r:embed="rId19">
+          <a:blip xmlns:r="http://schemas.openxmlformats.org/officeDocument/2006/relationships" r:embed="rId18">
             <a:alphaModFix amt="10000"/>
-            <a:extLst>
-              <a:ext uri="{28A0092B-C50C-407E-A947-70E740481C1C}">
-                <a14:useLocalDpi xmlns:a14="http://schemas.microsoft.com/office/drawing/2010/main" val="0"/>
-              </a:ext>
-            </a:extLst>
           </a:blip>
           <a:stretch>
             <a:fillRect/>
@@ -7153,14 +7155,12 @@
             <a:off x="0" y="0"/>
             <a:ext cx="12192000" cy="6858000"/>
           </a:xfrm>
-          <a:prstGeom prst="rect">
-            <a:avLst/>
-          </a:prstGeom>
+          <a:prstGeom prst="rect"/>
         </p:spPr>
       </p:pic>
       <p:sp>
         <p:nvSpPr>
-          <p:cNvPr id="2" name="Title Placeholder 1"/>
+          <p:cNvPr id="1048576" name="Title Placeholder 1"/>
           <p:cNvSpPr>
             <a:spLocks noGrp="1"/>
           </p:cNvSpPr>
@@ -7173,27 +7173,24 @@
             <a:off x="680321" y="753228"/>
             <a:ext cx="9613861" cy="1080938"/>
           </a:xfrm>
-          <a:prstGeom prst="rect">
-            <a:avLst/>
-          </a:prstGeom>
-        </p:spPr>
-        <p:txBody>
-          <a:bodyPr vert="horz" lIns="91440" tIns="45720" rIns="91440" bIns="45720" rtlCol="0" anchor="ctr">
+          <a:prstGeom prst="rect"/>
+        </p:spPr>
+        <p:txBody>
+          <a:bodyPr anchor="ctr" bIns="45720" lIns="91440" rIns="91440" rtlCol="0" tIns="45720" vert="horz">
             <a:normAutofit/>
           </a:bodyPr>
-          <a:lstStyle/>
-          <a:p>
-            <a:r>
-              <a:rPr lang="zh-CN" altLang="en-US"/>
+          <a:p>
+            <a:r>
+              <a:rPr altLang="en-US" lang="zh-CN"/>
               <a:t>单击此处编辑母版标题样式</a:t>
             </a:r>
-            <a:endParaRPr lang="en-US" dirty="0"/>
-          </a:p>
-        </p:txBody>
-      </p:sp>
-      <p:sp>
-        <p:nvSpPr>
-          <p:cNvPr id="3" name="Text Placeholder 2"/>
+            <a:endParaRPr dirty="0" lang="en-US"/>
+          </a:p>
+        </p:txBody>
+      </p:sp>
+      <p:sp>
+        <p:nvSpPr>
+          <p:cNvPr id="1048577" name="Text Placeholder 2"/>
           <p:cNvSpPr>
             <a:spLocks noGrp="1"/>
           </p:cNvSpPr>
@@ -7206,56 +7203,53 @@
             <a:off x="680321" y="2336873"/>
             <a:ext cx="9613861" cy="3599316"/>
           </a:xfrm>
-          <a:prstGeom prst="rect">
-            <a:avLst/>
-          </a:prstGeom>
-        </p:spPr>
-        <p:txBody>
-          <a:bodyPr vert="horz" lIns="91440" tIns="45720" rIns="91440" bIns="45720" rtlCol="0">
+          <a:prstGeom prst="rect"/>
+        </p:spPr>
+        <p:txBody>
+          <a:bodyPr bIns="45720" lIns="91440" rIns="91440" rtlCol="0" tIns="45720" vert="horz">
             <a:normAutofit/>
           </a:bodyPr>
-          <a:lstStyle/>
           <a:p>
             <a:pPr lvl="0"/>
             <a:r>
-              <a:rPr lang="zh-CN" altLang="en-US"/>
+              <a:rPr altLang="en-US" lang="zh-CN"/>
               <a:t>编辑母版文本样式</a:t>
             </a:r>
           </a:p>
           <a:p>
             <a:pPr lvl="1"/>
             <a:r>
-              <a:rPr lang="zh-CN" altLang="en-US"/>
+              <a:rPr altLang="en-US" lang="zh-CN"/>
               <a:t>第二级</a:t>
             </a:r>
           </a:p>
           <a:p>
             <a:pPr lvl="2"/>
             <a:r>
-              <a:rPr lang="zh-CN" altLang="en-US"/>
+              <a:rPr altLang="en-US" lang="zh-CN"/>
               <a:t>第三级</a:t>
             </a:r>
           </a:p>
           <a:p>
             <a:pPr lvl="3"/>
             <a:r>
-              <a:rPr lang="zh-CN" altLang="en-US"/>
+              <a:rPr altLang="en-US" lang="zh-CN"/>
               <a:t>第四级</a:t>
             </a:r>
           </a:p>
           <a:p>
             <a:pPr lvl="4"/>
             <a:r>
-              <a:rPr lang="zh-CN" altLang="en-US"/>
+              <a:rPr altLang="en-US" lang="zh-CN"/>
               <a:t>第五级</a:t>
             </a:r>
-            <a:endParaRPr lang="en-US" dirty="0"/>
-          </a:p>
-        </p:txBody>
-      </p:sp>
-      <p:sp>
-        <p:nvSpPr>
-          <p:cNvPr id="4" name="Date Placeholder 3"/>
+            <a:endParaRPr dirty="0" lang="en-US"/>
+          </a:p>
+        </p:txBody>
+      </p:sp>
+      <p:sp>
+        <p:nvSpPr>
+          <p:cNvPr id="1048578" name="Date Placeholder 3"/>
           <p:cNvSpPr>
             <a:spLocks noGrp="1"/>
           </p:cNvSpPr>
@@ -7268,12 +7262,10 @@
             <a:off x="7550981" y="5936187"/>
             <a:ext cx="2743200" cy="365125"/>
           </a:xfrm>
-          <a:prstGeom prst="rect">
-            <a:avLst/>
-          </a:prstGeom>
-        </p:spPr>
-        <p:txBody>
-          <a:bodyPr vert="horz" lIns="91440" tIns="45720" rIns="91440" bIns="45720" rtlCol="0" anchor="ctr"/>
+          <a:prstGeom prst="rect"/>
+        </p:spPr>
+        <p:txBody>
+          <a:bodyPr anchor="ctr" bIns="45720" lIns="91440" rIns="91440" rtlCol="0" tIns="45720" vert="horz"/>
           <a:lstStyle>
             <a:lvl1pPr algn="r">
               <a:defRPr sz="1050">
@@ -7287,16 +7279,16 @@
           </a:lstStyle>
           <a:p>
             <a:fld id="{9D6E9DEC-419B-4CC5-A080-3B06BD5A8291}" type="datetimeFigureOut">
-              <a:rPr lang="en-US" dirty="0"/>
+              <a:rPr dirty="0" lang="en-US"/>
               <a:t>1/6/2019</a:t>
             </a:fld>
-            <a:endParaRPr lang="en-US" dirty="0"/>
-          </a:p>
-        </p:txBody>
-      </p:sp>
-      <p:sp>
-        <p:nvSpPr>
-          <p:cNvPr id="5" name="Footer Placeholder 4"/>
+            <a:endParaRPr dirty="0" lang="en-US"/>
+          </a:p>
+        </p:txBody>
+      </p:sp>
+      <p:sp>
+        <p:nvSpPr>
+          <p:cNvPr id="1048579" name="Footer Placeholder 4"/>
           <p:cNvSpPr>
             <a:spLocks noGrp="1"/>
           </p:cNvSpPr>
@@ -7309,12 +7301,10 @@
             <a:off x="680321" y="5936188"/>
             <a:ext cx="6870660" cy="365125"/>
           </a:xfrm>
-          <a:prstGeom prst="rect">
-            <a:avLst/>
-          </a:prstGeom>
-        </p:spPr>
-        <p:txBody>
-          <a:bodyPr vert="horz" lIns="91440" tIns="45720" rIns="91440" bIns="45720" rtlCol="0" anchor="ctr"/>
+          <a:prstGeom prst="rect"/>
+        </p:spPr>
+        <p:txBody>
+          <a:bodyPr anchor="ctr" bIns="45720" lIns="91440" rIns="91440" rtlCol="0" tIns="45720" vert="horz"/>
           <a:lstStyle>
             <a:lvl1pPr algn="l">
               <a:defRPr sz="1050">
@@ -7327,13 +7317,13 @@
             </a:lvl1pPr>
           </a:lstStyle>
           <a:p>
-            <a:endParaRPr lang="en-US" dirty="0"/>
-          </a:p>
-        </p:txBody>
-      </p:sp>
-      <p:sp>
-        <p:nvSpPr>
-          <p:cNvPr id="6" name="Slide Number Placeholder 5"/>
+            <a:endParaRPr dirty="0" lang="en-US"/>
+          </a:p>
+        </p:txBody>
+      </p:sp>
+      <p:sp>
+        <p:nvSpPr>
+          <p:cNvPr id="1048580" name="Slide Number Placeholder 5"/>
           <p:cNvSpPr>
             <a:spLocks noGrp="1"/>
           </p:cNvSpPr>
@@ -7346,12 +7336,10 @@
             <a:off x="10729455" y="753227"/>
             <a:ext cx="1154151" cy="1090789"/>
           </a:xfrm>
-          <a:prstGeom prst="rect">
-            <a:avLst/>
-          </a:prstGeom>
-        </p:spPr>
-        <p:txBody>
-          <a:bodyPr vert="horz" lIns="91440" tIns="45720" rIns="91440" bIns="45720" rtlCol="0" anchor="ctr"/>
+          <a:prstGeom prst="rect"/>
+        </p:spPr>
+        <p:txBody>
+          <a:bodyPr anchor="ctr" bIns="45720" lIns="91440" rIns="91440" rtlCol="0" tIns="45720" vert="horz"/>
           <a:lstStyle>
             <a:lvl1pPr algn="l">
               <a:defRPr sz="3600">
@@ -7365,16 +7353,16 @@
           </a:lstStyle>
           <a:p>
             <a:fld id="{6D22F896-40B5-4ADD-8801-0D06FADFA095}" type="slidenum">
-              <a:rPr lang="en-US" dirty="0"/>
+              <a:rPr dirty="0" lang="en-US"/>
               <a:t>‹#›</a:t>
             </a:fld>
-            <a:endParaRPr lang="en-US" dirty="0"/>
+            <a:endParaRPr dirty="0" lang="en-US"/>
           </a:p>
         </p:txBody>
       </p:sp>
     </p:spTree>
   </p:cSld>
-  <p:clrMap bg1="dk1" tx1="lt1" bg2="dk2" tx2="lt2" accent1="accent1" accent2="accent2" accent3="accent3" accent4="accent4" accent5="accent5" accent6="accent6" hlink="hlink" folHlink="folHlink"/>
+  <p:clrMap accent1="accent1" accent2="accent2" accent3="accent3" accent4="accent4" accent5="accent5" accent6="accent6" bg1="dk1" bg2="dk2" tx1="lt1" tx2="lt2" hlink="hlink" folHlink="folHlink"/>
   <p:sldLayoutIdLst>
     <p:sldLayoutId id="2147483649" r:id="rId1"/>
     <p:sldLayoutId id="2147483650" r:id="rId2"/>
@@ -7394,10 +7382,10 @@
     <p:sldLayoutId id="2147483664" r:id="rId16"/>
     <p:sldLayoutId id="2147483665" r:id="rId17"/>
   </p:sldLayoutIdLst>
-  <p:hf sldNum="0" hdr="0" ftr="0" dt="0"/>
+  <p:hf dt="0" ftr="0" hdr="0" sldNum="0"/>
   <p:txStyles>
     <p:titleStyle>
-      <a:lvl1pPr algn="l" defTabSz="914400" rtl="0" eaLnBrk="1" latinLnBrk="0" hangingPunct="1">
+      <a:lvl1pPr algn="l" defTabSz="914400" eaLnBrk="1" hangingPunct="1" latinLnBrk="0" rtl="0">
         <a:lnSpc>
           <a:spcPct val="90000"/>
         </a:lnSpc>
@@ -7416,7 +7404,7 @@
       </a:lvl1pPr>
     </p:titleStyle>
     <p:bodyStyle>
-      <a:lvl1pPr marL="228600" indent="-228600" algn="l" defTabSz="914400" rtl="0" eaLnBrk="1" latinLnBrk="0" hangingPunct="1">
+      <a:lvl1pPr algn="l" defTabSz="914400" eaLnBrk="1" hangingPunct="1" indent="-228600" latinLnBrk="0" marL="228600" rtl="0">
         <a:lnSpc>
           <a:spcPct val="90000"/>
         </a:lnSpc>
@@ -7434,7 +7422,7 @@
           <a:cs typeface="+mn-cs"/>
         </a:defRPr>
       </a:lvl1pPr>
-      <a:lvl2pPr marL="685800" indent="-228600" algn="l" defTabSz="914400" rtl="0" eaLnBrk="1" latinLnBrk="0" hangingPunct="1">
+      <a:lvl2pPr algn="l" defTabSz="914400" eaLnBrk="1" hangingPunct="1" indent="-228600" latinLnBrk="0" marL="685800" rtl="0">
         <a:lnSpc>
           <a:spcPct val="90000"/>
         </a:lnSpc>
@@ -7452,7 +7440,7 @@
           <a:cs typeface="+mn-cs"/>
         </a:defRPr>
       </a:lvl2pPr>
-      <a:lvl3pPr marL="1143000" indent="-228600" algn="l" defTabSz="914400" rtl="0" eaLnBrk="1" latinLnBrk="0" hangingPunct="1">
+      <a:lvl3pPr algn="l" defTabSz="914400" eaLnBrk="1" hangingPunct="1" indent="-228600" latinLnBrk="0" marL="1143000" rtl="0">
         <a:lnSpc>
           <a:spcPct val="90000"/>
         </a:lnSpc>
@@ -7470,7 +7458,7 @@
           <a:cs typeface="+mn-cs"/>
         </a:defRPr>
       </a:lvl3pPr>
-      <a:lvl4pPr marL="1600200" indent="-228600" algn="l" defTabSz="914400" rtl="0" eaLnBrk="1" latinLnBrk="0" hangingPunct="1">
+      <a:lvl4pPr algn="l" defTabSz="914400" eaLnBrk="1" hangingPunct="1" indent="-228600" latinLnBrk="0" marL="1600200" rtl="0">
         <a:lnSpc>
           <a:spcPct val="90000"/>
         </a:lnSpc>
@@ -7488,7 +7476,7 @@
           <a:cs typeface="+mn-cs"/>
         </a:defRPr>
       </a:lvl4pPr>
-      <a:lvl5pPr marL="2057400" indent="-228600" algn="l" defTabSz="914400" rtl="0" eaLnBrk="1" latinLnBrk="0" hangingPunct="1">
+      <a:lvl5pPr algn="l" defTabSz="914400" eaLnBrk="1" hangingPunct="1" indent="-228600" latinLnBrk="0" marL="2057400" rtl="0">
         <a:lnSpc>
           <a:spcPct val="90000"/>
         </a:lnSpc>
@@ -7506,7 +7494,7 @@
           <a:cs typeface="+mn-cs"/>
         </a:defRPr>
       </a:lvl5pPr>
-      <a:lvl6pPr marL="2514600" indent="-228600" algn="l" defTabSz="914400" rtl="0" eaLnBrk="1" latinLnBrk="0" hangingPunct="1">
+      <a:lvl6pPr algn="l" defTabSz="914400" eaLnBrk="1" hangingPunct="1" indent="-228600" latinLnBrk="0" marL="2514600" rtl="0">
         <a:lnSpc>
           <a:spcPct val="90000"/>
         </a:lnSpc>
@@ -7524,7 +7512,7 @@
           <a:cs typeface="+mn-cs"/>
         </a:defRPr>
       </a:lvl6pPr>
-      <a:lvl7pPr marL="2971800" indent="-228600" algn="l" defTabSz="914400" rtl="0" eaLnBrk="1" latinLnBrk="0" hangingPunct="1">
+      <a:lvl7pPr algn="l" defTabSz="914400" eaLnBrk="1" hangingPunct="1" indent="-228600" latinLnBrk="0" marL="2971800" rtl="0">
         <a:lnSpc>
           <a:spcPct val="90000"/>
         </a:lnSpc>
@@ -7542,7 +7530,7 @@
           <a:cs typeface="+mn-cs"/>
         </a:defRPr>
       </a:lvl7pPr>
-      <a:lvl8pPr marL="3429000" indent="-228600" algn="l" defTabSz="914400" rtl="0" eaLnBrk="1" latinLnBrk="0" hangingPunct="1">
+      <a:lvl8pPr algn="l" defTabSz="914400" eaLnBrk="1" hangingPunct="1" indent="-228600" latinLnBrk="0" marL="3429000" rtl="0">
         <a:lnSpc>
           <a:spcPct val="90000"/>
         </a:lnSpc>
@@ -7560,7 +7548,7 @@
           <a:cs typeface="+mn-cs"/>
         </a:defRPr>
       </a:lvl8pPr>
-      <a:lvl9pPr marL="3886200" indent="-228600" algn="l" defTabSz="914400" rtl="0" eaLnBrk="1" latinLnBrk="0" hangingPunct="1">
+      <a:lvl9pPr algn="l" defTabSz="914400" eaLnBrk="1" hangingPunct="1" indent="-228600" latinLnBrk="0" marL="3886200" rtl="0">
         <a:lnSpc>
           <a:spcPct val="90000"/>
         </a:lnSpc>
@@ -7583,7 +7571,7 @@
       <a:defPPr>
         <a:defRPr lang="en-US"/>
       </a:defPPr>
-      <a:lvl1pPr marL="0" algn="l" defTabSz="914400" rtl="0" eaLnBrk="1" latinLnBrk="0" hangingPunct="1">
+      <a:lvl1pPr algn="l" defTabSz="914400" eaLnBrk="1" hangingPunct="1" latinLnBrk="0" marL="0" rtl="0">
         <a:defRPr sz="1800" kern="1200">
           <a:solidFill>
             <a:schemeClr val="tx1"/>
@@ -7593,7 +7581,7 @@
           <a:cs typeface="+mn-cs"/>
         </a:defRPr>
       </a:lvl1pPr>
-      <a:lvl2pPr marL="457200" algn="l" defTabSz="914400" rtl="0" eaLnBrk="1" latinLnBrk="0" hangingPunct="1">
+      <a:lvl2pPr algn="l" defTabSz="914400" eaLnBrk="1" hangingPunct="1" latinLnBrk="0" marL="457200" rtl="0">
         <a:defRPr sz="1800" kern="1200">
           <a:solidFill>
             <a:schemeClr val="tx1"/>
@@ -7603,7 +7591,7 @@
           <a:cs typeface="+mn-cs"/>
         </a:defRPr>
       </a:lvl2pPr>
-      <a:lvl3pPr marL="914400" algn="l" defTabSz="914400" rtl="0" eaLnBrk="1" latinLnBrk="0" hangingPunct="1">
+      <a:lvl3pPr algn="l" defTabSz="914400" eaLnBrk="1" hangingPunct="1" latinLnBrk="0" marL="914400" rtl="0">
         <a:defRPr sz="1800" kern="1200">
           <a:solidFill>
             <a:schemeClr val="tx1"/>
@@ -7613,7 +7601,7 @@
           <a:cs typeface="+mn-cs"/>
         </a:defRPr>
       </a:lvl3pPr>
-      <a:lvl4pPr marL="1371600" algn="l" defTabSz="914400" rtl="0" eaLnBrk="1" latinLnBrk="0" hangingPunct="1">
+      <a:lvl4pPr algn="l" defTabSz="914400" eaLnBrk="1" hangingPunct="1" latinLnBrk="0" marL="1371600" rtl="0">
         <a:defRPr sz="1800" kern="1200">
           <a:solidFill>
             <a:schemeClr val="tx1"/>
@@ -7623,7 +7611,7 @@
           <a:cs typeface="+mn-cs"/>
         </a:defRPr>
       </a:lvl4pPr>
-      <a:lvl5pPr marL="1828800" algn="l" defTabSz="914400" rtl="0" eaLnBrk="1" latinLnBrk="0" hangingPunct="1">
+      <a:lvl5pPr algn="l" defTabSz="914400" eaLnBrk="1" hangingPunct="1" latinLnBrk="0" marL="1828800" rtl="0">
         <a:defRPr sz="1800" kern="1200">
           <a:solidFill>
             <a:schemeClr val="tx1"/>
@@ -7633,7 +7621,7 @@
           <a:cs typeface="+mn-cs"/>
         </a:defRPr>
       </a:lvl5pPr>
-      <a:lvl6pPr marL="2286000" algn="l" defTabSz="914400" rtl="0" eaLnBrk="1" latinLnBrk="0" hangingPunct="1">
+      <a:lvl6pPr algn="l" defTabSz="914400" eaLnBrk="1" hangingPunct="1" latinLnBrk="0" marL="2286000" rtl="0">
         <a:defRPr sz="1800" kern="1200">
           <a:solidFill>
             <a:schemeClr val="tx1"/>
@@ -7643,7 +7631,7 @@
           <a:cs typeface="+mn-cs"/>
         </a:defRPr>
       </a:lvl6pPr>
-      <a:lvl7pPr marL="2743200" algn="l" defTabSz="914400" rtl="0" eaLnBrk="1" latinLnBrk="0" hangingPunct="1">
+      <a:lvl7pPr algn="l" defTabSz="914400" eaLnBrk="1" hangingPunct="1" latinLnBrk="0" marL="2743200" rtl="0">
         <a:defRPr sz="1800" kern="1200">
           <a:solidFill>
             <a:schemeClr val="tx1"/>
@@ -7653,7 +7641,7 @@
           <a:cs typeface="+mn-cs"/>
         </a:defRPr>
       </a:lvl7pPr>
-      <a:lvl8pPr marL="3200400" algn="l" defTabSz="914400" rtl="0" eaLnBrk="1" latinLnBrk="0" hangingPunct="1">
+      <a:lvl8pPr algn="l" defTabSz="914400" eaLnBrk="1" hangingPunct="1" latinLnBrk="0" marL="3200400" rtl="0">
         <a:defRPr sz="1800" kern="1200">
           <a:solidFill>
             <a:schemeClr val="tx1"/>
@@ -7663,7 +7651,7 @@
           <a:cs typeface="+mn-cs"/>
         </a:defRPr>
       </a:lvl8pPr>
-      <a:lvl9pPr marL="3657600" algn="l" defTabSz="914400" rtl="0" eaLnBrk="1" latinLnBrk="0" hangingPunct="1">
+      <a:lvl9pPr algn="l" defTabSz="914400" eaLnBrk="1" hangingPunct="1" latinLnBrk="0" marL="3657600" rtl="0">
         <a:defRPr sz="1800" kern="1200">
           <a:solidFill>
             <a:schemeClr val="tx1"/>
@@ -7683,7 +7671,7 @@
   <p:cSld>
     <p:spTree>
       <p:nvGrpSpPr>
-        <p:cNvPr id="1" name=""/>
+        <p:cNvPr id="36" name=""/>
         <p:cNvGrpSpPr/>
         <p:nvPr/>
       </p:nvGrpSpPr>
@@ -7697,7 +7685,7 @@
       </p:grpSpPr>
       <p:sp>
         <p:nvSpPr>
-          <p:cNvPr id="2" name="标题 1"/>
+          <p:cNvPr id="1048600" name="标题 1"/>
           <p:cNvSpPr>
             <a:spLocks noGrp="1"/>
           </p:cNvSpPr>
@@ -7707,28 +7695,47 @@
         </p:nvSpPr>
         <p:spPr>
           <a:xfrm>
-            <a:off x="680322" y="2316397"/>
-            <a:ext cx="9613858" cy="1885950"/>
+            <a:off x="680322" y="2316396"/>
+            <a:ext cx="6554312" cy="1828169"/>
           </a:xfrm>
         </p:spPr>
         <p:txBody>
           <a:bodyPr/>
-          <a:lstStyle/>
-          <a:p>
-            <a:r>
-              <a:rPr lang="en-US" altLang="zh-CN"/>
+          <a:p>
+            <a:r>
+              <a:rPr altLang="zh-CN" lang="en-US"/>
               <a:t>https://www.mauermuseum.de/</a:t>
             </a:r>
             <a:br>
-              <a:rPr lang="en-US" altLang="zh-CN"/>
+              <a:rPr altLang="zh-CN" lang="en-US"/>
             </a:br>
-            <a:endParaRPr lang="zh-CN" altLang="en-US"/>
-          </a:p>
-        </p:txBody>
-      </p:sp>
-      <p:sp>
-        <p:nvSpPr>
-          <p:cNvPr id="3" name="内容占位符 2"/>
+            <a:r>
+              <a:rPr altLang="zh-CN" lang="en-US"/>
+              <a:t>D</a:t>
+            </a:r>
+            <a:r>
+              <a:rPr altLang="zh-CN" lang="en-US"/>
+              <a:t>a</a:t>
+            </a:r>
+            <a:r>
+              <a:rPr altLang="zh-CN" lang="en-US"/>
+              <a:t>s</a:t>
+            </a:r>
+            <a:r>
+              <a:rPr altLang="zh-CN" lang="en-US"/>
+              <a:t> </a:t>
+            </a:r>
+            <a:r>
+              <a:rPr altLang="zh-CN" lang="en-US"/>
+              <a:t>Mauermuseum – Museum Haus am Checkpoint Charlie </a:t>
+            </a:r>
+            <a:endParaRPr altLang="en-US" lang="zh-CN"/>
+          </a:p>
+        </p:txBody>
+      </p:sp>
+      <p:sp>
+        <p:nvSpPr>
+          <p:cNvPr id="1048601" name="内容占位符 2"/>
           <p:cNvSpPr>
             <a:spLocks noGrp="1"/>
           </p:cNvSpPr>
@@ -7741,41 +7748,69 @@
           <a:bodyPr>
             <a:normAutofit/>
           </a:bodyPr>
-          <a:lstStyle/>
-          <a:p>
-            <a:r>
-              <a:rPr lang="en-US" altLang="en-US" sz="3200"/>
+          <a:p>
+            <a:r>
+              <a:rPr altLang="en-US" sz="3200" lang="en-US"/>
               <a:t>一个好像符合</a:t>
             </a:r>
             <a:r>
-              <a:rPr lang="zh-CN" altLang="en-US" sz="3200"/>
+              <a:rPr altLang="en-US" sz="3200" lang="zh-CN"/>
               <a:t>要求</a:t>
             </a:r>
             <a:r>
-              <a:rPr lang="en-US" altLang="en-US" sz="3200"/>
+              <a:rPr altLang="en-US" sz="3200" lang="en-US"/>
               <a:t>的缺失连词的演示文稿，用微软的非自由</a:t>
             </a:r>
             <a:r>
-              <a:rPr lang="en-US" altLang="zh-CN" sz="3200"/>
+              <a:rPr altLang="zh-CN" sz="3200" lang="en-US"/>
               <a:t>PPT</a:t>
             </a:r>
             <a:r>
-              <a:rPr lang="zh-CN" altLang="en-US" sz="3200"/>
+              <a:rPr altLang="en-US" sz="3200" lang="zh-CN"/>
               <a:t>格式储存。</a:t>
             </a:r>
+            <a:r>
+              <a:rPr altLang="en-US" sz="3200" lang="zh-CN"/>
+              <a:t>来源</a:t>
+            </a:r>
+            <a:r>
+              <a:rPr altLang="en-US" sz="3200" lang="zh-CN"/>
+              <a:t>在</a:t>
+            </a:r>
+            <a:r>
+              <a:rPr altLang="en-US" sz="3200" lang="zh-CN"/>
+              <a:t>大陆</a:t>
+            </a:r>
+            <a:r>
+              <a:rPr altLang="zh-CN" sz="3200" lang="zh-CN"/>
+              <a:t>可以</a:t>
+            </a:r>
+            <a:r>
+              <a:rPr altLang="zh-CN" sz="3200" lang="zh-CN"/>
+              <a:t>正常</a:t>
+            </a:r>
+            <a:r>
+              <a:rPr altLang="zh-CN" sz="3200" lang="zh-CN"/>
+              <a:t>查看</a:t>
+            </a:r>
+            <a:r>
+              <a:rPr altLang="zh-CN" sz="3200" lang="zh-CN"/>
+              <a:t>。</a:t>
+            </a:r>
+            <a:endParaRPr altLang="en-US" lang="zh-CN"/>
           </a:p>
         </p:txBody>
       </p:sp>
       <p:pic>
         <p:nvPicPr>
-          <p:cNvPr id="4" name="图片 4"/>
+          <p:cNvPr id="2097161" name="图片 4"/>
           <p:cNvPicPr>
             <a:picLocks noChangeAspect="1"/>
           </p:cNvPicPr>
           <p:nvPr/>
         </p:nvPicPr>
         <p:blipFill>
-          <a:blip r:embed="rId2"/>
+          <a:blip xmlns:r="http://schemas.openxmlformats.org/officeDocument/2006/relationships" r:embed="rId1"/>
           <a:stretch>
             <a:fillRect/>
           </a:stretch>
@@ -7785,21 +7820,19 @@
             <a:off x="279670" y="112621"/>
             <a:ext cx="4953000" cy="1885950"/>
           </a:xfrm>
-          <a:prstGeom prst="rect">
-            <a:avLst/>
-          </a:prstGeom>
+          <a:prstGeom prst="rect"/>
         </p:spPr>
       </p:pic>
       <p:pic>
         <p:nvPicPr>
-          <p:cNvPr id="5" name="图片 4" descr="01_th-1920x1506"/>
+          <p:cNvPr id="2097162" name="图片 4" descr="01_th-1920x1506"/>
           <p:cNvPicPr>
             <a:picLocks noChangeAspect="1"/>
           </p:cNvPicPr>
           <p:nvPr/>
         </p:nvPicPr>
         <p:blipFill>
-          <a:blip r:embed="rId3"/>
+          <a:blip xmlns:r="http://schemas.openxmlformats.org/officeDocument/2006/relationships" r:embed="rId2"/>
           <a:stretch>
             <a:fillRect/>
           </a:stretch>
@@ -7809,11 +7842,70 @@
             <a:off x="7513808" y="0"/>
             <a:ext cx="4589860" cy="3600026"/>
           </a:xfrm>
-          <a:prstGeom prst="rect">
-            <a:avLst/>
-          </a:prstGeom>
+          <a:prstGeom prst="rect"/>
         </p:spPr>
       </p:pic>
+    </p:spTree>
+  </p:cSld>
+  <p:clrMapOvr>
+    <a:masterClrMapping/>
+  </p:clrMapOvr>
+</p:sld>
+</file>
+
+<file path=ppt/slides/slide10.xml><?xml version="1.0" encoding="utf-8"?>
+<p:sld xmlns:a="http://schemas.openxmlformats.org/drawingml/2006/main" xmlns:r="http://schemas.openxmlformats.org/officeDocument/2006/relationships" xmlns:p="http://schemas.openxmlformats.org/presentationml/2006/main">
+  <p:cSld>
+    <p:spTree>
+      <p:nvGrpSpPr>
+        <p:cNvPr id="31" name=""/>
+        <p:cNvGrpSpPr/>
+        <p:nvPr/>
+      </p:nvGrpSpPr>
+      <p:grpSpPr>
+        <a:xfrm>
+          <a:off x="0" y="0"/>
+          <a:ext cx="0" cy="0"/>
+          <a:chOff x="0" y="0"/>
+          <a:chExt cx="0" cy="0"/>
+        </a:xfrm>
+      </p:grpSpPr>
+      <p:sp>
+        <p:nvSpPr>
+          <p:cNvPr id="1048588" name=""/>
+          <p:cNvSpPr>
+            <a:spLocks noGrp="1"/>
+          </p:cNvSpPr>
+          <p:nvPr>
+            <p:ph type="title"/>
+          </p:nvPr>
+        </p:nvSpPr>
+        <p:spPr/>
+        <p:txBody>
+          <a:bodyPr/>
+          <a:p>
+            <a:endParaRPr lang="zh-CN-#Hans"/>
+          </a:p>
+        </p:txBody>
+      </p:sp>
+      <p:sp>
+        <p:nvSpPr>
+          <p:cNvPr id="1048589" name=""/>
+          <p:cNvSpPr>
+            <a:spLocks noGrp="1"/>
+          </p:cNvSpPr>
+          <p:nvPr>
+            <p:ph idx="1" hasCustomPrompt="1"/>
+          </p:nvPr>
+        </p:nvSpPr>
+        <p:spPr/>
+        <p:txBody>
+          <a:bodyPr/>
+          <a:p>
+            <a:endParaRPr lang="zh-CN-#Hans"/>
+          </a:p>
+        </p:txBody>
+      </p:sp>
     </p:spTree>
   </p:cSld>
   <p:clrMapOvr>
@@ -7827,7 +7919,7 @@
   <p:cSld>
     <p:spTree>
       <p:nvGrpSpPr>
-        <p:cNvPr id="1" name=""/>
+        <p:cNvPr id="38" name=""/>
         <p:cNvGrpSpPr/>
         <p:nvPr/>
       </p:nvGrpSpPr>
@@ -7841,7 +7933,7 @@
       </p:grpSpPr>
       <p:sp>
         <p:nvSpPr>
-          <p:cNvPr id="2" name="标题 1"/>
+          <p:cNvPr id="1048609" name="标题 1"/>
           <p:cNvSpPr>
             <a:spLocks noGrp="1"/>
           </p:cNvSpPr>
@@ -7857,19 +7949,18 @@
         </p:spPr>
         <p:txBody>
           <a:bodyPr/>
-          <a:lstStyle/>
-          <a:p>
-            <a:r>
-              <a:rPr lang="en-US" altLang="zh-CN"/>
+          <a:p>
+            <a:r>
+              <a:rPr altLang="zh-CN" lang="en-US"/>
               <a:t>Die Deutsche Demokratische Republik</a:t>
             </a:r>
-            <a:endParaRPr lang="zh-CN" altLang="en-US"/>
-          </a:p>
-        </p:txBody>
-      </p:sp>
-      <p:sp>
-        <p:nvSpPr>
-          <p:cNvPr id="3" name="副标题 2"/>
+            <a:endParaRPr altLang="en-US" lang="zh-CN"/>
+          </a:p>
+        </p:txBody>
+      </p:sp>
+      <p:sp>
+        <p:nvSpPr>
+          <p:cNvPr id="1048610" name="副标题 2"/>
           <p:cNvSpPr>
             <a:spLocks noGrp="1"/>
           </p:cNvSpPr>
@@ -7880,36 +7971,29 @@
         <p:spPr/>
         <p:txBody>
           <a:bodyPr/>
-          <a:lstStyle/>
-          <a:p>
-            <a:r>
-              <a:rPr lang="zh-CN" altLang="en-US"/>
+          <a:p>
+            <a:r>
+              <a:rPr altLang="en-US" lang="zh-CN"/>
               <a:t>图片来源</a:t>
             </a:r>
             <a:r>
-              <a:rPr lang="en-US" altLang="zh-CN"/>
+              <a:rPr altLang="zh-CN" lang="en-US"/>
               <a:t>:https://d.sanwenba.com/p/117RNmG.html</a:t>
             </a:r>
-            <a:endParaRPr lang="zh-CN" altLang="en-US"/>
+            <a:endParaRPr altLang="en-US" lang="zh-CN"/>
           </a:p>
         </p:txBody>
       </p:sp>
       <p:pic>
         <p:nvPicPr>
-          <p:cNvPr id="5" name="图片 5">
-            <a:extLst>
-              <a:ext uri="{FF2B5EF4-FFF2-40B4-BE49-F238E27FC236}">
-                <a16:creationId xmlns:a16="http://schemas.microsoft.com/office/drawing/2014/main" id="{BB48E633-AF7D-764C-9CB9-7D19FC8E6B83}"/>
-              </a:ext>
-            </a:extLst>
-          </p:cNvPr>
+          <p:cNvPr id="2097165" name="图片 5"/>
           <p:cNvPicPr>
             <a:picLocks noChangeAspect="1"/>
           </p:cNvPicPr>
           <p:nvPr/>
         </p:nvPicPr>
         <p:blipFill>
-          <a:blip r:embed="rId2"/>
+          <a:blip xmlns:r="http://schemas.openxmlformats.org/officeDocument/2006/relationships" r:embed="rId1"/>
           <a:stretch>
             <a:fillRect/>
           </a:stretch>
@@ -7919,9 +8003,7 @@
             <a:off x="9057437" y="-1"/>
             <a:ext cx="3151048" cy="4579327"/>
           </a:xfrm>
-          <a:prstGeom prst="rect">
-            <a:avLst/>
-          </a:prstGeom>
+          <a:prstGeom prst="rect"/>
         </p:spPr>
       </p:pic>
     </p:spTree>
@@ -7937,7 +8019,7 @@
   <p:cSld>
     <p:spTree>
       <p:nvGrpSpPr>
-        <p:cNvPr id="1" name=""/>
+        <p:cNvPr id="39" name=""/>
         <p:cNvGrpSpPr/>
         <p:nvPr/>
       </p:nvGrpSpPr>
@@ -7951,7 +8033,7 @@
       </p:grpSpPr>
       <p:sp>
         <p:nvSpPr>
-          <p:cNvPr id="2" name="标题 1"/>
+          <p:cNvPr id="1048611" name="标题 1"/>
           <p:cNvSpPr>
             <a:spLocks noGrp="1"/>
           </p:cNvSpPr>
@@ -7962,27 +8044,26 @@
         <p:spPr/>
         <p:txBody>
           <a:bodyPr/>
-          <a:lstStyle/>
-          <a:p>
-            <a:r>
-              <a:rPr lang="en-US" altLang="en-US"/>
+          <a:p>
+            <a:r>
+              <a:rPr altLang="en-US" lang="en-US"/>
               <a:t>来源</a:t>
             </a:r>
             <a:r>
-              <a:rPr lang="zh-CN" altLang="en-US"/>
+              <a:rPr altLang="en-US" lang="zh-CN"/>
               <a:t>：</a:t>
             </a:r>
             <a:r>
-              <a:rPr lang="en-US" altLang="en-US"/>
+              <a:rPr altLang="en-US" lang="en-US"/>
               <a:t>百度百科</a:t>
             </a:r>
-            <a:endParaRPr lang="zh-CN" altLang="en-US"/>
-          </a:p>
-        </p:txBody>
-      </p:sp>
-      <p:sp>
-        <p:nvSpPr>
-          <p:cNvPr id="3" name="内容占位符 2"/>
+            <a:endParaRPr altLang="en-US" lang="zh-CN"/>
+          </a:p>
+        </p:txBody>
+      </p:sp>
+      <p:sp>
+        <p:nvSpPr>
+          <p:cNvPr id="1048612" name="内容占位符 2"/>
           <p:cNvSpPr>
             <a:spLocks noGrp="1"/>
           </p:cNvSpPr>
@@ -8000,94 +8081,93 @@
           <a:bodyPr>
             <a:noAutofit/>
           </a:bodyPr>
-          <a:lstStyle/>
-          <a:p>
-            <a:r>
-              <a:rPr lang="zh-CN" altLang="en-US">
+          <a:p>
+            <a:r>
+              <a:rPr altLang="en-US" lang="zh-CN">
                 <a:latin typeface="宋体" panose="02010600030101010101" pitchFamily="2" charset="-122"/>
                 <a:ea typeface="宋体" panose="02010600030101010101" pitchFamily="2" charset="-122"/>
               </a:rPr>
               <a:t>德意志民主共和国是</a:t>
             </a:r>
             <a:r>
-              <a:rPr lang="en-US" altLang="zh-CN">
+              <a:rPr altLang="zh-CN" lang="en-US">
                 <a:latin typeface="宋体" panose="02010600030101010101" pitchFamily="2" charset="-122"/>
                 <a:ea typeface="宋体" panose="02010600030101010101" pitchFamily="2" charset="-122"/>
               </a:rPr>
               <a:t>1949</a:t>
             </a:r>
             <a:r>
-              <a:rPr lang="zh-CN" altLang="en-US">
+              <a:rPr altLang="en-US" lang="zh-CN">
                 <a:latin typeface="宋体" panose="02010600030101010101" pitchFamily="2" charset="-122"/>
                 <a:ea typeface="宋体" panose="02010600030101010101" pitchFamily="2" charset="-122"/>
               </a:rPr>
               <a:t>年</a:t>
             </a:r>
             <a:r>
-              <a:rPr lang="en-US" altLang="zh-CN">
+              <a:rPr altLang="zh-CN" lang="en-US">
                 <a:latin typeface="宋体" panose="02010600030101010101" pitchFamily="2" charset="-122"/>
                 <a:ea typeface="宋体" panose="02010600030101010101" pitchFamily="2" charset="-122"/>
               </a:rPr>
               <a:t>10</a:t>
             </a:r>
             <a:r>
-              <a:rPr lang="zh-CN" altLang="en-US">
+              <a:rPr altLang="en-US" lang="zh-CN">
                 <a:latin typeface="宋体" panose="02010600030101010101" pitchFamily="2" charset="-122"/>
                 <a:ea typeface="宋体" panose="02010600030101010101" pitchFamily="2" charset="-122"/>
               </a:rPr>
               <a:t>月</a:t>
             </a:r>
             <a:r>
-              <a:rPr lang="en-US" altLang="zh-CN">
+              <a:rPr altLang="zh-CN" lang="en-US">
                 <a:latin typeface="宋体" panose="02010600030101010101" pitchFamily="2" charset="-122"/>
                 <a:ea typeface="宋体" panose="02010600030101010101" pitchFamily="2" charset="-122"/>
               </a:rPr>
               <a:t>7</a:t>
             </a:r>
             <a:r>
-              <a:rPr lang="zh-CN" altLang="en-US">
+              <a:rPr altLang="en-US" lang="zh-CN">
                 <a:latin typeface="宋体" panose="02010600030101010101" pitchFamily="2" charset="-122"/>
                 <a:ea typeface="宋体" panose="02010600030101010101" pitchFamily="2" charset="-122"/>
               </a:rPr>
               <a:t>日到</a:t>
             </a:r>
             <a:r>
-              <a:rPr lang="en-US" altLang="zh-CN">
+              <a:rPr altLang="zh-CN" lang="en-US">
                 <a:latin typeface="宋体" panose="02010600030101010101" pitchFamily="2" charset="-122"/>
                 <a:ea typeface="宋体" panose="02010600030101010101" pitchFamily="2" charset="-122"/>
               </a:rPr>
               <a:t>1990</a:t>
             </a:r>
             <a:r>
-              <a:rPr lang="zh-CN" altLang="en-US">
+              <a:rPr altLang="en-US" lang="zh-CN">
                 <a:latin typeface="宋体" panose="02010600030101010101" pitchFamily="2" charset="-122"/>
                 <a:ea typeface="宋体" panose="02010600030101010101" pitchFamily="2" charset="-122"/>
               </a:rPr>
               <a:t>年</a:t>
             </a:r>
             <a:r>
-              <a:rPr lang="en-US" altLang="zh-CN">
+              <a:rPr altLang="zh-CN" lang="en-US">
                 <a:latin typeface="宋体" panose="02010600030101010101" pitchFamily="2" charset="-122"/>
                 <a:ea typeface="宋体" panose="02010600030101010101" pitchFamily="2" charset="-122"/>
               </a:rPr>
               <a:t>10</a:t>
             </a:r>
             <a:r>
-              <a:rPr lang="zh-CN" altLang="en-US">
+              <a:rPr altLang="en-US" lang="zh-CN">
                 <a:latin typeface="宋体" panose="02010600030101010101" pitchFamily="2" charset="-122"/>
                 <a:ea typeface="宋体" panose="02010600030101010101" pitchFamily="2" charset="-122"/>
               </a:rPr>
               <a:t>月</a:t>
             </a:r>
             <a:r>
-              <a:rPr lang="en-US" altLang="zh-CN">
+              <a:rPr altLang="zh-CN" lang="en-US">
                 <a:latin typeface="宋体" panose="02010600030101010101" pitchFamily="2" charset="-122"/>
                 <a:ea typeface="宋体" panose="02010600030101010101" pitchFamily="2" charset="-122"/>
               </a:rPr>
               <a:t>3</a:t>
             </a:r>
             <a:r>
-              <a:rPr lang="zh-CN" altLang="en-US">
+              <a:rPr altLang="en-US" lang="zh-CN">
                 <a:latin typeface="宋体" panose="02010600030101010101" pitchFamily="2" charset="-122"/>
                 <a:ea typeface="宋体" panose="02010600030101010101" pitchFamily="2" charset="-122"/>
               </a:rPr>
@@ -8096,63 +8176,63 @@
           </a:p>
           <a:p>
             <a:r>
-              <a:rPr lang="zh-CN" altLang="en-US">
+              <a:rPr altLang="en-US" lang="zh-CN">
                 <a:latin typeface="宋体" panose="02010600030101010101" pitchFamily="2" charset="-122"/>
                 <a:ea typeface="宋体" panose="02010600030101010101" pitchFamily="2" charset="-122"/>
               </a:rPr>
               <a:t>民主德国是第二次世界大战结束后，在纳粹德国的苏联占领区基础上建国。首都柏林（东柏林）是在纳粹德国首都柏林的苏联占领区范围上成立。民主德国成立初期面临着严重的人口外逃问题，在</a:t>
             </a:r>
             <a:r>
-              <a:rPr lang="en-US" altLang="zh-CN">
+              <a:rPr altLang="zh-CN" lang="en-US">
                 <a:latin typeface="宋体" panose="02010600030101010101" pitchFamily="2" charset="-122"/>
                 <a:ea typeface="宋体" panose="02010600030101010101" pitchFamily="2" charset="-122"/>
               </a:rPr>
               <a:t>20</a:t>
             </a:r>
             <a:r>
-              <a:rPr lang="zh-CN" altLang="en-US">
+              <a:rPr altLang="en-US" lang="zh-CN">
                 <a:latin typeface="宋体" panose="02010600030101010101" pitchFamily="2" charset="-122"/>
                 <a:ea typeface="宋体" panose="02010600030101010101" pitchFamily="2" charset="-122"/>
               </a:rPr>
               <a:t>世纪</a:t>
             </a:r>
             <a:r>
-              <a:rPr lang="en-US" altLang="zh-CN">
+              <a:rPr altLang="zh-CN" lang="en-US">
                 <a:latin typeface="宋体" panose="02010600030101010101" pitchFamily="2" charset="-122"/>
                 <a:ea typeface="宋体" panose="02010600030101010101" pitchFamily="2" charset="-122"/>
               </a:rPr>
               <a:t>50</a:t>
             </a:r>
             <a:r>
-              <a:rPr lang="zh-CN" altLang="en-US">
+              <a:rPr altLang="en-US" lang="zh-CN">
                 <a:latin typeface="宋体" panose="02010600030101010101" pitchFamily="2" charset="-122"/>
                 <a:ea typeface="宋体" panose="02010600030101010101" pitchFamily="2" charset="-122"/>
               </a:rPr>
               <a:t>年代有大约</a:t>
             </a:r>
             <a:r>
-              <a:rPr lang="en-US" altLang="zh-CN">
+              <a:rPr altLang="zh-CN" lang="en-US">
                 <a:latin typeface="宋体" panose="02010600030101010101" pitchFamily="2" charset="-122"/>
                 <a:ea typeface="宋体" panose="02010600030101010101" pitchFamily="2" charset="-122"/>
               </a:rPr>
               <a:t>270</a:t>
             </a:r>
             <a:r>
-              <a:rPr lang="zh-CN" altLang="en-US">
+              <a:rPr altLang="en-US" lang="zh-CN">
                 <a:latin typeface="宋体" panose="02010600030101010101" pitchFamily="2" charset="-122"/>
                 <a:ea typeface="宋体" panose="02010600030101010101" pitchFamily="2" charset="-122"/>
               </a:rPr>
               <a:t>万居民由于政治或经济因素非法越境到联邦德国。</a:t>
             </a:r>
             <a:r>
-              <a:rPr lang="en-US" altLang="zh-CN">
+              <a:rPr altLang="zh-CN" lang="en-US">
                 <a:latin typeface="宋体" panose="02010600030101010101" pitchFamily="2" charset="-122"/>
                 <a:ea typeface="宋体" panose="02010600030101010101" pitchFamily="2" charset="-122"/>
               </a:rPr>
               <a:t>1961</a:t>
             </a:r>
             <a:r>
-              <a:rPr lang="zh-CN" altLang="en-US">
+              <a:rPr altLang="en-US" lang="zh-CN">
                 <a:latin typeface="宋体" panose="02010600030101010101" pitchFamily="2" charset="-122"/>
                 <a:ea typeface="宋体" panose="02010600030101010101" pitchFamily="2" charset="-122"/>
               </a:rPr>
@@ -8161,7 +8241,7 @@
           </a:p>
           <a:p>
             <a:r>
-              <a:rPr lang="zh-CN" altLang="en-US">
+              <a:rPr altLang="en-US" lang="zh-CN">
                 <a:latin typeface="宋体" panose="02010600030101010101" pitchFamily="2" charset="-122"/>
                 <a:ea typeface="宋体" panose="02010600030101010101" pitchFamily="2" charset="-122"/>
               </a:rPr>
@@ -8170,63 +8250,63 @@
           </a:p>
           <a:p>
             <a:r>
-              <a:rPr lang="zh-CN" altLang="en-US">
+              <a:rPr altLang="en-US" lang="zh-CN">
                 <a:latin typeface="宋体" panose="02010600030101010101" pitchFamily="2" charset="-122"/>
                 <a:ea typeface="宋体" panose="02010600030101010101" pitchFamily="2" charset="-122"/>
               </a:rPr>
               <a:t>冷战时期，民主德国在经济、文化、体育等方面处于社会主义阵营的领先地位。冷战时期著名的标志性建筑</a:t>
             </a:r>
             <a:r>
-              <a:rPr lang="en-US" altLang="zh-CN">
+              <a:rPr altLang="zh-CN" lang="en-US">
                 <a:latin typeface="宋体" panose="02010600030101010101" pitchFamily="2" charset="-122"/>
                 <a:ea typeface="宋体" panose="02010600030101010101" pitchFamily="2" charset="-122"/>
               </a:rPr>
               <a:t>——</a:t>
             </a:r>
             <a:r>
-              <a:rPr lang="zh-CN" altLang="en-US">
+              <a:rPr altLang="en-US" lang="zh-CN">
                 <a:latin typeface="宋体" panose="02010600030101010101" pitchFamily="2" charset="-122"/>
                 <a:ea typeface="宋体" panose="02010600030101010101" pitchFamily="2" charset="-122"/>
               </a:rPr>
               <a:t>“柏林墙”就在民主德国境内，</a:t>
             </a:r>
             <a:r>
-              <a:rPr lang="en-US" altLang="zh-CN">
+              <a:rPr altLang="zh-CN" lang="en-US">
                 <a:latin typeface="宋体" panose="02010600030101010101" pitchFamily="2" charset="-122"/>
                 <a:ea typeface="宋体" panose="02010600030101010101" pitchFamily="2" charset="-122"/>
               </a:rPr>
               <a:t>1990</a:t>
             </a:r>
             <a:r>
-              <a:rPr lang="zh-CN" altLang="en-US">
+              <a:rPr altLang="en-US" lang="zh-CN">
                 <a:latin typeface="宋体" panose="02010600030101010101" pitchFamily="2" charset="-122"/>
                 <a:ea typeface="宋体" panose="02010600030101010101" pitchFamily="2" charset="-122"/>
               </a:rPr>
               <a:t>年</a:t>
             </a:r>
             <a:r>
-              <a:rPr lang="en-US" altLang="zh-CN">
+              <a:rPr altLang="zh-CN" lang="en-US">
                 <a:latin typeface="宋体" panose="02010600030101010101" pitchFamily="2" charset="-122"/>
                 <a:ea typeface="宋体" panose="02010600030101010101" pitchFamily="2" charset="-122"/>
               </a:rPr>
               <a:t>10</a:t>
             </a:r>
             <a:r>
-              <a:rPr lang="zh-CN" altLang="en-US">
+              <a:rPr altLang="en-US" lang="zh-CN">
                 <a:latin typeface="宋体" panose="02010600030101010101" pitchFamily="2" charset="-122"/>
                 <a:ea typeface="宋体" panose="02010600030101010101" pitchFamily="2" charset="-122"/>
               </a:rPr>
               <a:t>月</a:t>
             </a:r>
             <a:r>
-              <a:rPr lang="en-US" altLang="zh-CN">
+              <a:rPr altLang="zh-CN" lang="en-US">
                 <a:latin typeface="宋体" panose="02010600030101010101" pitchFamily="2" charset="-122"/>
                 <a:ea typeface="宋体" panose="02010600030101010101" pitchFamily="2" charset="-122"/>
               </a:rPr>
               <a:t>3</a:t>
             </a:r>
             <a:r>
-              <a:rPr lang="zh-CN" altLang="en-US">
+              <a:rPr altLang="en-US" lang="zh-CN">
                 <a:latin typeface="宋体" panose="02010600030101010101" pitchFamily="2" charset="-122"/>
                 <a:ea typeface="宋体" panose="02010600030101010101" pitchFamily="2" charset="-122"/>
               </a:rPr>
@@ -8248,7 +8328,7 @@
   <p:cSld>
     <p:spTree>
       <p:nvGrpSpPr>
-        <p:cNvPr id="1" name=""/>
+        <p:cNvPr id="40" name=""/>
         <p:cNvGrpSpPr/>
         <p:nvPr/>
       </p:nvGrpSpPr>
@@ -8262,7 +8342,7 @@
       </p:grpSpPr>
       <p:sp>
         <p:nvSpPr>
-          <p:cNvPr id="2" name="标题 1"/>
+          <p:cNvPr id="1048613" name="标题 1"/>
           <p:cNvSpPr>
             <a:spLocks noGrp="1"/>
           </p:cNvSpPr>
@@ -8278,27 +8358,26 @@
         </p:spPr>
         <p:txBody>
           <a:bodyPr/>
-          <a:lstStyle/>
-          <a:p>
-            <a:r>
-              <a:rPr lang="en-US" altLang="zh-CN" sz="6000"/>
+          <a:p>
+            <a:r>
+              <a:rPr altLang="zh-CN" sz="6000" lang="en-US"/>
               <a:t>Ministerium für</a:t>
             </a:r>
             <a:r>
-              <a:rPr lang="zh-CN" altLang="en-US" sz="6000"/>
+              <a:rPr altLang="en-US" sz="6000" lang="zh-CN"/>
               <a:t> </a:t>
             </a:r>
             <a:r>
-              <a:rPr lang="en-US" altLang="zh-CN" sz="6000"/>
+              <a:rPr altLang="zh-CN" sz="6000" lang="en-US"/>
               <a:t>Staatssicherheit</a:t>
             </a:r>
-            <a:endParaRPr lang="zh-CN" altLang="en-US" sz="6000"/>
-          </a:p>
-        </p:txBody>
-      </p:sp>
-      <p:sp>
-        <p:nvSpPr>
-          <p:cNvPr id="3" name="副标题 2"/>
+            <a:endParaRPr altLang="en-US" sz="6000" lang="zh-CN"/>
+          </a:p>
+        </p:txBody>
+      </p:sp>
+      <p:sp>
+        <p:nvSpPr>
+          <p:cNvPr id="1048614" name="副标题 2"/>
           <p:cNvSpPr>
             <a:spLocks noGrp="1"/>
           </p:cNvSpPr>
@@ -8309,22 +8388,21 @@
         <p:spPr/>
         <p:txBody>
           <a:bodyPr/>
-          <a:lstStyle/>
-          <a:p>
-            <a:endParaRPr lang="zh-CN" altLang="en-US"/>
+          <a:p>
+            <a:endParaRPr altLang="en-US" lang="zh-CN"/>
           </a:p>
         </p:txBody>
       </p:sp>
       <p:pic>
         <p:nvPicPr>
-          <p:cNvPr id="5" name="图片 5"/>
+          <p:cNvPr id="2097166" name="图片 5"/>
           <p:cNvPicPr>
             <a:picLocks noChangeAspect="1"/>
           </p:cNvPicPr>
           <p:nvPr/>
         </p:nvPicPr>
         <p:blipFill>
-          <a:blip r:embed="rId2"/>
+          <a:blip xmlns:r="http://schemas.openxmlformats.org/officeDocument/2006/relationships" r:embed="rId1"/>
           <a:stretch>
             <a:fillRect/>
           </a:stretch>
@@ -8334,9 +8412,7 @@
             <a:off x="9062936" y="2170638"/>
             <a:ext cx="3129064" cy="4687362"/>
           </a:xfrm>
-          <a:prstGeom prst="rect">
-            <a:avLst/>
-          </a:prstGeom>
+          <a:prstGeom prst="rect"/>
         </p:spPr>
       </p:pic>
     </p:spTree>
@@ -8352,7 +8428,7 @@
   <p:cSld>
     <p:spTree>
       <p:nvGrpSpPr>
-        <p:cNvPr id="1" name=""/>
+        <p:cNvPr id="41" name=""/>
         <p:cNvGrpSpPr/>
         <p:nvPr/>
       </p:nvGrpSpPr>
@@ -8366,7 +8442,7 @@
       </p:grpSpPr>
       <p:sp>
         <p:nvSpPr>
-          <p:cNvPr id="2" name="标题 1"/>
+          <p:cNvPr id="1048615" name="标题 1"/>
           <p:cNvSpPr>
             <a:spLocks noGrp="1"/>
           </p:cNvSpPr>
@@ -8377,27 +8453,26 @@
         <p:spPr/>
         <p:txBody>
           <a:bodyPr/>
-          <a:lstStyle/>
-          <a:p>
-            <a:r>
-              <a:rPr lang="en-US" altLang="en-US"/>
+          <a:p>
+            <a:r>
+              <a:rPr altLang="en-US" lang="en-US"/>
               <a:t>来源</a:t>
             </a:r>
             <a:r>
-              <a:rPr lang="zh-CN" altLang="en-US"/>
+              <a:rPr altLang="en-US" lang="zh-CN"/>
               <a:t>：</a:t>
             </a:r>
             <a:r>
-              <a:rPr lang="en-US" altLang="en-US"/>
+              <a:rPr altLang="en-US" lang="en-US"/>
               <a:t>百度百科</a:t>
             </a:r>
-            <a:endParaRPr lang="zh-CN" altLang="en-US"/>
-          </a:p>
-        </p:txBody>
-      </p:sp>
-      <p:sp>
-        <p:nvSpPr>
-          <p:cNvPr id="3" name="内容占位符 2"/>
+            <a:endParaRPr altLang="en-US" lang="zh-CN"/>
+          </a:p>
+        </p:txBody>
+      </p:sp>
+      <p:sp>
+        <p:nvSpPr>
+          <p:cNvPr id="1048616" name="内容占位符 2"/>
           <p:cNvSpPr>
             <a:spLocks noGrp="1"/>
           </p:cNvSpPr>
@@ -8415,10 +8490,9 @@
           <a:bodyPr>
             <a:noAutofit/>
           </a:bodyPr>
-          <a:lstStyle/>
-          <a:p>
-            <a:r>
-              <a:rPr lang="en-US" altLang="zh-CN" kern="100">
+          <a:p>
+            <a:r>
+              <a:rPr altLang="zh-CN" kern="100" lang="en-US">
                 <a:effectLst/>
                 <a:latin typeface="等线" panose="02010600030101010101" pitchFamily="2" charset="-122"/>
                 <a:ea typeface="等线" panose="02010600030101010101" pitchFamily="2" charset="-122"/>
@@ -8427,7 +8501,7 @@
               <a:t>Stasi</a:t>
             </a:r>
             <a:r>
-              <a:rPr lang="zh-CN" altLang="zh-CN" kern="100">
+              <a:rPr altLang="zh-CN" kern="100" lang="zh-CN">
                 <a:effectLst/>
                 <a:latin typeface="等线" panose="02010600030101010101" pitchFamily="2" charset="-122"/>
                 <a:ea typeface="等线" panose="02010600030101010101" pitchFamily="2" charset="-122"/>
@@ -8436,7 +8510,7 @@
               <a:t>，前东德国家安全部，曾经是世界上比较强大的情报机构，全称是</a:t>
             </a:r>
             <a:r>
-              <a:rPr lang="en-US" altLang="zh-CN" kern="100">
+              <a:rPr altLang="zh-CN" kern="100" lang="en-US">
                 <a:effectLst/>
                 <a:latin typeface="等线" panose="02010600030101010101" pitchFamily="2" charset="-122"/>
                 <a:ea typeface="等线" panose="02010600030101010101" pitchFamily="2" charset="-122"/>
@@ -8445,7 +8519,7 @@
               <a:t>“</a:t>
             </a:r>
             <a:r>
-              <a:rPr lang="zh-CN" altLang="zh-CN" kern="100">
+              <a:rPr altLang="zh-CN" kern="100" lang="zh-CN">
                 <a:effectLst/>
                 <a:latin typeface="等线" panose="02010600030101010101" pitchFamily="2" charset="-122"/>
                 <a:ea typeface="等线" panose="02010600030101010101" pitchFamily="2" charset="-122"/>
@@ -8454,7 +8528,7 @@
               <a:t>德意志民主共和国国家安全部</a:t>
             </a:r>
             <a:r>
-              <a:rPr lang="en-US" altLang="zh-CN" kern="100">
+              <a:rPr altLang="zh-CN" kern="100" lang="en-US">
                 <a:effectLst/>
                 <a:latin typeface="等线" panose="02010600030101010101" pitchFamily="2" charset="-122"/>
                 <a:ea typeface="等线" panose="02010600030101010101" pitchFamily="2" charset="-122"/>
@@ -8463,7 +8537,7 @@
               <a:t>”</a:t>
             </a:r>
             <a:r>
-              <a:rPr lang="zh-CN" altLang="zh-CN" kern="100">
+              <a:rPr altLang="zh-CN" kern="100" lang="zh-CN">
                 <a:effectLst/>
                 <a:latin typeface="等线" panose="02010600030101010101" pitchFamily="2" charset="-122"/>
                 <a:ea typeface="等线" panose="02010600030101010101" pitchFamily="2" charset="-122"/>
@@ -8472,7 +8546,7 @@
               <a:t>，成立于</a:t>
             </a:r>
             <a:r>
-              <a:rPr lang="en-US" altLang="zh-CN" kern="100">
+              <a:rPr altLang="zh-CN" kern="100" lang="en-US">
                 <a:effectLst/>
                 <a:latin typeface="等线" panose="02010600030101010101" pitchFamily="2" charset="-122"/>
                 <a:ea typeface="等线" panose="02010600030101010101" pitchFamily="2" charset="-122"/>
@@ -8481,7 +8555,7 @@
               <a:t>1950</a:t>
             </a:r>
             <a:r>
-              <a:rPr lang="zh-CN" altLang="zh-CN" kern="100">
+              <a:rPr altLang="zh-CN" kern="100" lang="zh-CN">
                 <a:effectLst/>
                 <a:latin typeface="等线" panose="02010600030101010101" pitchFamily="2" charset="-122"/>
                 <a:ea typeface="等线" panose="02010600030101010101" pitchFamily="2" charset="-122"/>
@@ -8490,7 +8564,7 @@
               <a:t>年</a:t>
             </a:r>
             <a:r>
-              <a:rPr lang="en-US" altLang="zh-CN" kern="100">
+              <a:rPr altLang="zh-CN" kern="100" lang="en-US">
                 <a:effectLst/>
                 <a:latin typeface="等线" panose="02010600030101010101" pitchFamily="2" charset="-122"/>
                 <a:ea typeface="等线" panose="02010600030101010101" pitchFamily="2" charset="-122"/>
@@ -8499,7 +8573,7 @@
               <a:t>2</a:t>
             </a:r>
             <a:r>
-              <a:rPr lang="zh-CN" altLang="zh-CN" kern="100">
+              <a:rPr altLang="zh-CN" kern="100" lang="zh-CN">
                 <a:effectLst/>
                 <a:latin typeface="等线" panose="02010600030101010101" pitchFamily="2" charset="-122"/>
                 <a:ea typeface="等线" panose="02010600030101010101" pitchFamily="2" charset="-122"/>
@@ -8508,7 +8582,7 @@
               <a:t>月</a:t>
             </a:r>
             <a:r>
-              <a:rPr lang="en-US" altLang="zh-CN" kern="100">
+              <a:rPr altLang="zh-CN" kern="100" lang="en-US">
                 <a:effectLst/>
                 <a:latin typeface="等线" panose="02010600030101010101" pitchFamily="2" charset="-122"/>
                 <a:ea typeface="等线" panose="02010600030101010101" pitchFamily="2" charset="-122"/>
@@ -8517,7 +8591,7 @@
               <a:t>8</a:t>
             </a:r>
             <a:r>
-              <a:rPr lang="zh-CN" altLang="zh-CN" kern="100">
+              <a:rPr altLang="zh-CN" kern="100" lang="zh-CN">
                 <a:effectLst/>
                 <a:latin typeface="等线" panose="02010600030101010101" pitchFamily="2" charset="-122"/>
                 <a:ea typeface="等线" panose="02010600030101010101" pitchFamily="2" charset="-122"/>
@@ -8528,7 +8602,7 @@
           </a:p>
           <a:p>
             <a:r>
-              <a:rPr lang="en-US" altLang="zh-CN" kern="100">
+              <a:rPr altLang="zh-CN" kern="100" lang="en-US">
                 <a:effectLst/>
                 <a:latin typeface="等线" panose="02010600030101010101" pitchFamily="2" charset="-122"/>
                 <a:ea typeface="等线" panose="02010600030101010101" pitchFamily="2" charset="-122"/>
@@ -8537,7 +8611,7 @@
               <a:t>2013</a:t>
             </a:r>
             <a:r>
-              <a:rPr lang="zh-CN" altLang="zh-CN" kern="100">
+              <a:rPr altLang="zh-CN" kern="100" lang="zh-CN">
                 <a:effectLst/>
                 <a:latin typeface="等线" panose="02010600030101010101" pitchFamily="2" charset="-122"/>
                 <a:ea typeface="等线" panose="02010600030101010101" pitchFamily="2" charset="-122"/>
@@ -8546,7 +8620,7 @@
               <a:t>年</a:t>
             </a:r>
             <a:r>
-              <a:rPr lang="en-US" altLang="zh-CN" kern="100">
+              <a:rPr altLang="zh-CN" kern="100" lang="en-US">
                 <a:effectLst/>
                 <a:latin typeface="等线" panose="02010600030101010101" pitchFamily="2" charset="-122"/>
                 <a:ea typeface="等线" panose="02010600030101010101" pitchFamily="2" charset="-122"/>
@@ -8555,7 +8629,7 @@
               <a:t>7</a:t>
             </a:r>
             <a:r>
-              <a:rPr lang="zh-CN" altLang="zh-CN" kern="100">
+              <a:rPr altLang="zh-CN" kern="100" lang="zh-CN">
                 <a:effectLst/>
                 <a:latin typeface="等线" panose="02010600030101010101" pitchFamily="2" charset="-122"/>
                 <a:ea typeface="等线" panose="02010600030101010101" pitchFamily="2" charset="-122"/>
@@ -8564,7 +8638,7 @@
               <a:t>月</a:t>
             </a:r>
             <a:r>
-              <a:rPr lang="en-US" altLang="zh-CN" kern="100">
+              <a:rPr altLang="zh-CN" kern="100" lang="en-US">
                 <a:effectLst/>
                 <a:latin typeface="等线" panose="02010600030101010101" pitchFamily="2" charset="-122"/>
                 <a:ea typeface="等线" panose="02010600030101010101" pitchFamily="2" charset="-122"/>
@@ -8573,7 +8647,7 @@
               <a:t>7</a:t>
             </a:r>
             <a:r>
-              <a:rPr lang="zh-CN" altLang="zh-CN" kern="100">
+              <a:rPr altLang="zh-CN" kern="100" lang="zh-CN">
                 <a:effectLst/>
                 <a:latin typeface="等线" panose="02010600030101010101" pitchFamily="2" charset="-122"/>
                 <a:ea typeface="等线" panose="02010600030101010101" pitchFamily="2" charset="-122"/>
@@ -8582,7 +8656,7 @@
               <a:t>日，艺术家宾科夫斯基借用</a:t>
             </a:r>
             <a:r>
-              <a:rPr lang="en-US" altLang="zh-CN" kern="100">
+              <a:rPr altLang="zh-CN" kern="100" lang="en-US">
                 <a:effectLst/>
                 <a:latin typeface="等线" panose="02010600030101010101" pitchFamily="2" charset="-122"/>
                 <a:ea typeface="等线" panose="02010600030101010101" pitchFamily="2" charset="-122"/>
@@ -8591,7 +8665,7 @@
               <a:t>“</a:t>
             </a:r>
             <a:r>
-              <a:rPr lang="zh-CN" altLang="zh-CN" kern="100">
+              <a:rPr altLang="zh-CN" kern="100" lang="zh-CN">
                 <a:effectLst/>
                 <a:latin typeface="等线" panose="02010600030101010101" pitchFamily="2" charset="-122"/>
                 <a:ea typeface="等线" panose="02010600030101010101" pitchFamily="2" charset="-122"/>
@@ -8600,7 +8674,7 @@
               <a:t>斯塔西</a:t>
             </a:r>
             <a:r>
-              <a:rPr lang="en-US" altLang="zh-CN" kern="100">
+              <a:rPr altLang="zh-CN" kern="100" lang="en-US">
                 <a:effectLst/>
                 <a:latin typeface="等线" panose="02010600030101010101" pitchFamily="2" charset="-122"/>
                 <a:ea typeface="等线" panose="02010600030101010101" pitchFamily="2" charset="-122"/>
@@ -8609,7 +8683,7 @@
               <a:t>”</a:t>
             </a:r>
             <a:r>
-              <a:rPr lang="zh-CN" altLang="zh-CN" kern="100">
+              <a:rPr altLang="zh-CN" kern="100" lang="zh-CN">
                 <a:effectLst/>
                 <a:latin typeface="等线" panose="02010600030101010101" pitchFamily="2" charset="-122"/>
                 <a:ea typeface="等线" panose="02010600030101010101" pitchFamily="2" charset="-122"/>
@@ -8620,7 +8694,7 @@
           </a:p>
           <a:p>
             <a:r>
-              <a:rPr lang="zh-CN" altLang="zh-CN" kern="100">
+              <a:rPr altLang="zh-CN" kern="100" lang="zh-CN">
                 <a:effectLst/>
                 <a:latin typeface="等线" panose="02010600030101010101" pitchFamily="2" charset="-122"/>
                 <a:ea typeface="等线" panose="02010600030101010101" pitchFamily="2" charset="-122"/>
@@ -8629,7 +8703,7 @@
               <a:t>该秘密警察机构建于</a:t>
             </a:r>
             <a:r>
-              <a:rPr lang="en-US" altLang="zh-CN" kern="100">
+              <a:rPr altLang="zh-CN" kern="100" lang="en-US">
                 <a:effectLst/>
                 <a:latin typeface="等线" panose="02010600030101010101" pitchFamily="2" charset="-122"/>
                 <a:ea typeface="等线" panose="02010600030101010101" pitchFamily="2" charset="-122"/>
@@ -8638,7 +8712,7 @@
               <a:t>1950</a:t>
             </a:r>
             <a:r>
-              <a:rPr lang="zh-CN" altLang="zh-CN" kern="100">
+              <a:rPr altLang="zh-CN" kern="100" lang="zh-CN">
                 <a:effectLst/>
                 <a:latin typeface="等线" panose="02010600030101010101" pitchFamily="2" charset="-122"/>
                 <a:ea typeface="等线" panose="02010600030101010101" pitchFamily="2" charset="-122"/>
@@ -8647,7 +8721,7 @@
               <a:t>年的</a:t>
             </a:r>
             <a:r>
-              <a:rPr lang="en-US" altLang="zh-CN" kern="100">
+              <a:rPr altLang="zh-CN" kern="100" lang="en-US">
                 <a:effectLst/>
                 <a:latin typeface="等线" panose="02010600030101010101" pitchFamily="2" charset="-122"/>
                 <a:ea typeface="等线" panose="02010600030101010101" pitchFamily="2" charset="-122"/>
@@ -8656,7 +8730,7 @@
               <a:t>2</a:t>
             </a:r>
             <a:r>
-              <a:rPr lang="zh-CN" altLang="zh-CN" kern="100">
+              <a:rPr altLang="zh-CN" kern="100" lang="zh-CN">
                 <a:effectLst/>
                 <a:latin typeface="等线" panose="02010600030101010101" pitchFamily="2" charset="-122"/>
                 <a:ea typeface="等线" panose="02010600030101010101" pitchFamily="2" charset="-122"/>
@@ -8665,7 +8739,7 @@
               <a:t>月</a:t>
             </a:r>
             <a:r>
-              <a:rPr lang="en-US" altLang="zh-CN" kern="100">
+              <a:rPr altLang="zh-CN" kern="100" lang="en-US">
                 <a:effectLst/>
                 <a:latin typeface="等线" panose="02010600030101010101" pitchFamily="2" charset="-122"/>
                 <a:ea typeface="等线" panose="02010600030101010101" pitchFamily="2" charset="-122"/>
@@ -8674,7 +8748,7 @@
               <a:t>8</a:t>
             </a:r>
             <a:r>
-              <a:rPr lang="zh-CN" altLang="zh-CN" kern="100">
+              <a:rPr altLang="zh-CN" kern="100" lang="zh-CN">
                 <a:effectLst/>
                 <a:latin typeface="等线" panose="02010600030101010101" pitchFamily="2" charset="-122"/>
                 <a:ea typeface="等线" panose="02010600030101010101" pitchFamily="2" charset="-122"/>
@@ -8683,7 +8757,7 @@
               <a:t>日，</a:t>
             </a:r>
             <a:r>
-              <a:rPr lang="en-US" altLang="zh-CN" kern="100">
+              <a:rPr altLang="zh-CN" kern="100" lang="en-US">
                 <a:effectLst/>
                 <a:latin typeface="等线" panose="02010600030101010101" pitchFamily="2" charset="-122"/>
                 <a:ea typeface="等线" panose="02010600030101010101" pitchFamily="2" charset="-122"/>
@@ -8692,7 +8766,7 @@
               <a:t>1990</a:t>
             </a:r>
             <a:r>
-              <a:rPr lang="zh-CN" altLang="zh-CN" kern="100">
+              <a:rPr altLang="zh-CN" kern="100" lang="zh-CN">
                 <a:effectLst/>
                 <a:latin typeface="等线" panose="02010600030101010101" pitchFamily="2" charset="-122"/>
                 <a:ea typeface="等线" panose="02010600030101010101" pitchFamily="2" charset="-122"/>
@@ -8701,7 +8775,7 @@
               <a:t>年</a:t>
             </a:r>
             <a:r>
-              <a:rPr lang="en-US" altLang="zh-CN" kern="100">
+              <a:rPr altLang="zh-CN" kern="100" lang="en-US">
                 <a:effectLst/>
                 <a:latin typeface="等线" panose="02010600030101010101" pitchFamily="2" charset="-122"/>
                 <a:ea typeface="等线" panose="02010600030101010101" pitchFamily="2" charset="-122"/>
@@ -8710,7 +8784,7 @@
               <a:t>3</a:t>
             </a:r>
             <a:r>
-              <a:rPr lang="zh-CN" altLang="zh-CN" kern="100">
+              <a:rPr altLang="zh-CN" kern="100" lang="zh-CN">
                 <a:effectLst/>
                 <a:latin typeface="等线" panose="02010600030101010101" pitchFamily="2" charset="-122"/>
                 <a:ea typeface="等线" panose="02010600030101010101" pitchFamily="2" charset="-122"/>
@@ -8719,7 +8793,7 @@
               <a:t>月</a:t>
             </a:r>
             <a:r>
-              <a:rPr lang="en-US" altLang="zh-CN" kern="100">
+              <a:rPr altLang="zh-CN" kern="100" lang="en-US">
                 <a:effectLst/>
                 <a:latin typeface="等线" panose="02010600030101010101" pitchFamily="2" charset="-122"/>
                 <a:ea typeface="等线" panose="02010600030101010101" pitchFamily="2" charset="-122"/>
@@ -8728,7 +8802,7 @@
               <a:t>31</a:t>
             </a:r>
             <a:r>
-              <a:rPr lang="zh-CN" altLang="zh-CN" kern="100">
+              <a:rPr altLang="zh-CN" kern="100" lang="zh-CN">
                 <a:effectLst/>
                 <a:latin typeface="等线" panose="02010600030101010101" pitchFamily="2" charset="-122"/>
                 <a:ea typeface="等线" panose="02010600030101010101" pitchFamily="2" charset="-122"/>
@@ -8737,7 +8811,7 @@
               <a:t>日正式解散。 斯塔西运作</a:t>
             </a:r>
             <a:r>
-              <a:rPr lang="en-US" altLang="zh-CN" kern="100">
+              <a:rPr altLang="zh-CN" kern="100" lang="en-US">
                 <a:effectLst/>
                 <a:latin typeface="等线" panose="02010600030101010101" pitchFamily="2" charset="-122"/>
                 <a:ea typeface="等线" panose="02010600030101010101" pitchFamily="2" charset="-122"/>
@@ -8746,7 +8820,7 @@
               <a:t>40</a:t>
             </a:r>
             <a:r>
-              <a:rPr lang="zh-CN" altLang="zh-CN" kern="100">
+              <a:rPr altLang="zh-CN" kern="100" lang="zh-CN">
                 <a:effectLst/>
                 <a:latin typeface="等线" panose="02010600030101010101" pitchFamily="2" charset="-122"/>
                 <a:ea typeface="等线" panose="02010600030101010101" pitchFamily="2" charset="-122"/>
@@ -8757,7 +8831,7 @@
           </a:p>
           <a:p>
             <a:r>
-              <a:rPr lang="zh-CN" altLang="zh-CN" kern="100">
+              <a:rPr altLang="zh-CN" kern="100" lang="zh-CN">
                 <a:effectLst/>
                 <a:latin typeface="等线" panose="02010600030101010101" pitchFamily="2" charset="-122"/>
                 <a:ea typeface="等线" panose="02010600030101010101" pitchFamily="2" charset="-122"/>
@@ -8766,7 +8840,7 @@
               <a:t>斯塔西的标语是“</a:t>
             </a:r>
             <a:r>
-              <a:rPr lang="en-US" altLang="zh-CN" kern="100">
+              <a:rPr altLang="zh-CN" kern="100" lang="en-US">
                 <a:effectLst/>
                 <a:latin typeface="等线" panose="02010600030101010101" pitchFamily="2" charset="-122"/>
                 <a:ea typeface="等线" panose="02010600030101010101" pitchFamily="2" charset="-122"/>
@@ -8775,7 +8849,7 @@
               <a:t>WIR SIND UEBERALL”</a:t>
             </a:r>
             <a:r>
-              <a:rPr lang="zh-CN" altLang="zh-CN" kern="100">
+              <a:rPr altLang="zh-CN" kern="100" lang="zh-CN">
                 <a:effectLst/>
                 <a:latin typeface="等线" panose="02010600030101010101" pitchFamily="2" charset="-122"/>
                 <a:ea typeface="等线" panose="02010600030101010101" pitchFamily="2" charset="-122"/>
@@ -8784,7 +8858,7 @@
               <a:t>（我们无处不在），座右铭是</a:t>
             </a:r>
             <a:r>
-              <a:rPr lang="en-US" altLang="zh-CN" kern="100">
+              <a:rPr altLang="zh-CN" kern="100" lang="en-US">
                 <a:effectLst/>
                 <a:latin typeface="等线" panose="02010600030101010101" pitchFamily="2" charset="-122"/>
                 <a:ea typeface="等线" panose="02010600030101010101" pitchFamily="2" charset="-122"/>
@@ -8793,7 +8867,7 @@
               <a:t>“</a:t>
             </a:r>
             <a:r>
-              <a:rPr lang="zh-CN" altLang="zh-CN" kern="100">
+              <a:rPr altLang="zh-CN" kern="100" lang="zh-CN">
                 <a:effectLst/>
                 <a:latin typeface="等线" panose="02010600030101010101" pitchFamily="2" charset="-122"/>
                 <a:ea typeface="等线" panose="02010600030101010101" pitchFamily="2" charset="-122"/>
@@ -8802,7 +8876,7 @@
               <a:t>党的剑与盾</a:t>
             </a:r>
             <a:r>
-              <a:rPr lang="en-US" altLang="zh-CN" kern="100">
+              <a:rPr altLang="zh-CN" kern="100" lang="en-US">
                 <a:effectLst/>
                 <a:latin typeface="等线" panose="02010600030101010101" pitchFamily="2" charset="-122"/>
                 <a:ea typeface="等线" panose="02010600030101010101" pitchFamily="2" charset="-122"/>
@@ -8811,7 +8885,7 @@
               <a:t>”</a:t>
             </a:r>
             <a:r>
-              <a:rPr lang="zh-CN" altLang="zh-CN" kern="100">
+              <a:rPr altLang="zh-CN" kern="100" lang="zh-CN">
                 <a:effectLst/>
                 <a:latin typeface="等线" panose="02010600030101010101" pitchFamily="2" charset="-122"/>
                 <a:ea typeface="等线" panose="02010600030101010101" pitchFamily="2" charset="-122"/>
@@ -8821,7 +8895,7 @@
             </a:r>
           </a:p>
           <a:p>
-            <a:endParaRPr lang="zh-CN" altLang="en-US"/>
+            <a:endParaRPr altLang="en-US" lang="zh-CN"/>
           </a:p>
         </p:txBody>
       </p:sp>
@@ -8838,7 +8912,7 @@
   <p:cSld>
     <p:spTree>
       <p:nvGrpSpPr>
-        <p:cNvPr id="1" name=""/>
+        <p:cNvPr id="42" name=""/>
         <p:cNvGrpSpPr/>
         <p:nvPr/>
       </p:nvGrpSpPr>
@@ -8852,13 +8926,7 @@
       </p:grpSpPr>
       <p:sp>
         <p:nvSpPr>
-          <p:cNvPr id="2" name="标题 1">
-            <a:extLst>
-              <a:ext uri="{FF2B5EF4-FFF2-40B4-BE49-F238E27FC236}">
-                <a16:creationId xmlns:a16="http://schemas.microsoft.com/office/drawing/2014/main" id="{2C3B837B-248E-2C4E-9FB5-2EDC354E4238}"/>
-              </a:ext>
-            </a:extLst>
-          </p:cNvPr>
+          <p:cNvPr id="1048617" name="标题 1"/>
           <p:cNvSpPr>
             <a:spLocks noGrp="1"/>
           </p:cNvSpPr>
@@ -8869,34 +8937,39 @@
         <p:spPr/>
         <p:txBody>
           <a:bodyPr/>
-          <a:lstStyle/>
-          <a:p>
-            <a:r>
-              <a:rPr lang="af-ZA" altLang="zh-CN"/>
+          <a:p>
+            <a:r>
+              <a:rPr altLang="zh-CN" lang="af-ZA"/>
               <a:t>Fluchtobjekte</a:t>
             </a:r>
-            <a:endParaRPr lang="zh-CN" altLang="en-US"/>
+            <a:r>
+              <a:rPr altLang="zh-CN" lang="en-US"/>
+              <a:t> </a:t>
+            </a:r>
+            <a:r>
+              <a:rPr altLang="zh-CN" lang="zh-CN"/>
+              <a:t>翻墙</a:t>
+            </a:r>
+            <a:r>
+              <a:rPr altLang="zh-CN" lang="zh-CN"/>
+              <a:t>工具</a:t>
+            </a:r>
+            <a:endParaRPr altLang="en-US" lang="zh-CN"/>
           </a:p>
         </p:txBody>
       </p:sp>
       <p:pic>
         <p:nvPicPr>
-          <p:cNvPr id="4" name="图片 4">
-            <a:extLst>
-              <a:ext uri="{FF2B5EF4-FFF2-40B4-BE49-F238E27FC236}">
-                <a16:creationId xmlns:a16="http://schemas.microsoft.com/office/drawing/2014/main" id="{1478FB4E-EF16-6D4B-B8B8-432822A8915A}"/>
-              </a:ext>
-            </a:extLst>
-          </p:cNvPr>
+          <p:cNvPr id="2097167" name="图片 4"/>
           <p:cNvPicPr>
-            <a:picLocks noGrp="1" noChangeAspect="1"/>
+            <a:picLocks noChangeAspect="1" noGrp="1"/>
           </p:cNvPicPr>
           <p:nvPr>
             <p:ph idx="1"/>
           </p:nvPr>
         </p:nvPicPr>
         <p:blipFill>
-          <a:blip r:embed="rId2"/>
+          <a:blip xmlns:r="http://schemas.openxmlformats.org/officeDocument/2006/relationships" r:embed="rId1"/>
           <a:stretch>
             <a:fillRect/>
           </a:stretch>
@@ -8906,17 +8979,402 @@
             <a:off x="680320" y="2141417"/>
             <a:ext cx="2473982" cy="3520292"/>
           </a:xfrm>
-          <a:prstGeom prst="rect">
-            <a:avLst/>
-          </a:prstGeom>
+          <a:prstGeom prst="rect"/>
+        </p:spPr>
+      </p:pic>
+      <p:sp>
+        <p:nvSpPr>
+          <p:cNvPr id="1048618" name=""/>
+          <p:cNvSpPr txBox="1"/>
+          <p:nvPr/>
+        </p:nvSpPr>
+        <p:spPr>
+          <a:xfrm>
+            <a:off x="680320" y="5809884"/>
+            <a:ext cx="2771241" cy="929641"/>
+          </a:xfrm>
+          <a:prstGeom prst="rect"/>
+        </p:spPr>
+        <p:txBody>
+          <a:bodyPr rtlCol="0" wrap="square">
+            <a:spAutoFit/>
+          </a:bodyPr>
+          <a:p>
+            <a:r>
+              <a:rPr sz="2800" lang="zh-CN-#Hans">
+                <a:solidFill>
+                  <a:srgbClr val="000000"/>
+                </a:solidFill>
+              </a:rPr>
+              <a:t>Selbstgebauter Heißluftballon</a:t>
+            </a:r>
+            <a:endParaRPr sz="2800" lang="zh-CN-#Hans">
+              <a:solidFill>
+                <a:srgbClr val="000000"/>
+              </a:solidFill>
+            </a:endParaRPr>
+          </a:p>
+        </p:txBody>
+      </p:sp>
+      <p:pic>
+        <p:nvPicPr>
+          <p:cNvPr id="2097168" name=""/>
+          <p:cNvPicPr>
+            <a:picLocks/>
+          </p:cNvPicPr>
+          <p:nvPr/>
+        </p:nvPicPr>
+        <p:blipFill>
+          <a:blip xmlns:r="http://schemas.openxmlformats.org/officeDocument/2006/relationships" r:embed="rId2"/>
+          <a:stretch>
+            <a:fillRect/>
+          </a:stretch>
+        </p:blipFill>
+        <p:spPr>
+          <a:xfrm rot="0">
+            <a:off x="3359703" y="2141417"/>
+            <a:ext cx="2736297" cy="1992381"/>
+          </a:xfrm>
+          <a:prstGeom prst="rect"/>
+        </p:spPr>
+      </p:pic>
+      <p:sp>
+        <p:nvSpPr>
+          <p:cNvPr id="1048619" name=""/>
+          <p:cNvSpPr txBox="1"/>
+          <p:nvPr/>
+        </p:nvSpPr>
+        <p:spPr>
+          <a:xfrm>
+            <a:off x="3359702" y="4441049"/>
+            <a:ext cx="2739618" cy="929640"/>
+          </a:xfrm>
+          <a:prstGeom prst="rect"/>
+        </p:spPr>
+        <p:txBody>
+          <a:bodyPr rtlCol="0" wrap="square">
+            <a:spAutoFit/>
+          </a:bodyPr>
+          <a:p>
+            <a:r>
+              <a:rPr sz="2800" lang="zh-CN-#Hans">
+                <a:solidFill>
+                  <a:srgbClr val="000000"/>
+                </a:solidFill>
+              </a:rPr>
+              <a:t>Gepanzertes Fluchtfahrzeug</a:t>
+            </a:r>
+            <a:endParaRPr sz="2800" lang="zh-CN-#Hans">
+              <a:solidFill>
+                <a:srgbClr val="000000"/>
+              </a:solidFill>
+            </a:endParaRPr>
+          </a:p>
+        </p:txBody>
+      </p:sp>
+      <p:pic>
+        <p:nvPicPr>
+          <p:cNvPr id="2097169" name=""/>
+          <p:cNvPicPr>
+            <a:picLocks/>
+          </p:cNvPicPr>
+          <p:nvPr/>
+        </p:nvPicPr>
+        <p:blipFill>
+          <a:blip xmlns:r="http://schemas.openxmlformats.org/officeDocument/2006/relationships" r:embed="rId3"/>
+          <a:stretch>
+            <a:fillRect/>
+          </a:stretch>
+        </p:blipFill>
+        <p:spPr>
+          <a:xfrm rot="0">
+            <a:off x="6301401" y="3503611"/>
+            <a:ext cx="2755939" cy="3354389"/>
+          </a:xfrm>
+          <a:prstGeom prst="rect"/>
+        </p:spPr>
+      </p:pic>
+      <p:sp>
+        <p:nvSpPr>
+          <p:cNvPr id="1048620" name=""/>
+          <p:cNvSpPr txBox="1"/>
+          <p:nvPr/>
+        </p:nvSpPr>
+        <p:spPr>
+          <a:xfrm>
+            <a:off x="6301400" y="1994517"/>
+            <a:ext cx="2668733" cy="1348740"/>
+          </a:xfrm>
+          <a:prstGeom prst="rect"/>
+        </p:spPr>
+        <p:txBody>
+          <a:bodyPr rtlCol="0" wrap="square">
+            <a:spAutoFit/>
+          </a:bodyPr>
+          <a:p>
+            <a:r>
+              <a:rPr altLang="zh-CN" sz="2800" lang="en-US">
+                <a:solidFill>
+                  <a:srgbClr val="000000"/>
+                </a:solidFill>
+              </a:rPr>
+              <a:t>Mini-U-Boot mit Fahrradmotor</a:t>
+            </a:r>
+            <a:endParaRPr sz="2800" lang="zh-CN-#Hans">
+              <a:solidFill>
+                <a:srgbClr val="000000"/>
+              </a:solidFill>
+            </a:endParaRPr>
+          </a:p>
+          <a:p>
+            <a:endParaRPr sz="2800" lang="zh-CN-#Hans">
+              <a:solidFill>
+                <a:srgbClr val="000000"/>
+              </a:solidFill>
+            </a:endParaRPr>
+          </a:p>
+        </p:txBody>
+      </p:sp>
+    </p:spTree>
+  </p:cSld>
+  <p:clrMapOvr>
+    <a:masterClrMapping/>
+  </p:clrMapOvr>
+</p:sld>
+</file>
+
+<file path=ppt/slides/slide7.xml><?xml version="1.0" encoding="utf-8"?>
+<p:sld xmlns:a="http://schemas.openxmlformats.org/drawingml/2006/main" xmlns:r="http://schemas.openxmlformats.org/officeDocument/2006/relationships" xmlns:p="http://schemas.openxmlformats.org/presentationml/2006/main">
+  <p:cSld>
+    <p:spTree>
+      <p:nvGrpSpPr>
+        <p:cNvPr id="34" name=""/>
+        <p:cNvGrpSpPr/>
+        <p:nvPr/>
+      </p:nvGrpSpPr>
+      <p:grpSpPr>
+        <a:xfrm>
+          <a:off x="0" y="0"/>
+          <a:ext cx="0" cy="0"/>
+          <a:chOff x="0" y="0"/>
+          <a:chExt cx="0" cy="0"/>
+        </a:xfrm>
+      </p:grpSpPr>
+      <p:sp>
+        <p:nvSpPr>
+          <p:cNvPr id="1048592" name=""/>
+          <p:cNvSpPr>
+            <a:spLocks noGrp="1"/>
+          </p:cNvSpPr>
+          <p:nvPr>
+            <p:ph type="title"/>
+          </p:nvPr>
+        </p:nvSpPr>
+        <p:spPr/>
+        <p:txBody>
+          <a:bodyPr/>
+          <a:p>
+            <a:r>
+              <a:rPr altLang="zh-CN" lang="en-US"/>
+              <a:t>Mit Stift und Banner gegen Willkür und Unterdrückung!</a:t>
+            </a:r>
+            <a:endParaRPr lang="zh-CN-#Hans"/>
+          </a:p>
+        </p:txBody>
+      </p:sp>
+      <p:pic>
+        <p:nvPicPr>
+          <p:cNvPr id="2097157" name=""/>
+          <p:cNvPicPr>
+            <a:picLocks/>
+          </p:cNvPicPr>
+          <p:nvPr/>
+        </p:nvPicPr>
+        <p:blipFill>
+          <a:blip xmlns:r="http://schemas.openxmlformats.org/officeDocument/2006/relationships" r:embed="rId1"/>
+          <a:stretch>
+            <a:fillRect/>
+          </a:stretch>
+        </p:blipFill>
+        <p:spPr>
+          <a:xfrm rot="0">
+            <a:off x="0" y="1938167"/>
+            <a:ext cx="3263846" cy="4919833"/>
+          </a:xfrm>
+          <a:prstGeom prst="rect"/>
+        </p:spPr>
+      </p:pic>
+      <p:pic>
+        <p:nvPicPr>
+          <p:cNvPr id="2097158" name=""/>
+          <p:cNvPicPr>
+            <a:picLocks/>
+          </p:cNvPicPr>
+          <p:nvPr/>
+        </p:nvPicPr>
+        <p:blipFill>
+          <a:blip xmlns:r="http://schemas.openxmlformats.org/officeDocument/2006/relationships" r:embed="rId2"/>
+          <a:stretch>
+            <a:fillRect/>
+          </a:stretch>
+        </p:blipFill>
+        <p:spPr>
+          <a:xfrm rot="0">
+            <a:off x="4894016" y="1911456"/>
+            <a:ext cx="7297984" cy="4946544"/>
+          </a:xfrm>
+          <a:prstGeom prst="rect"/>
         </p:spPr>
       </p:pic>
     </p:spTree>
-    <p:extLst>
-      <p:ext uri="{BB962C8B-B14F-4D97-AF65-F5344CB8AC3E}">
-        <p14:creationId xmlns:p14="http://schemas.microsoft.com/office/powerpoint/2010/main" val="4187211389"/>
-      </p:ext>
-    </p:extLst>
+  </p:cSld>
+  <p:clrMapOvr>
+    <a:masterClrMapping/>
+  </p:clrMapOvr>
+</p:sld>
+</file>
+
+<file path=ppt/slides/slide8.xml><?xml version="1.0" encoding="utf-8"?>
+<p:sld xmlns:a="http://schemas.openxmlformats.org/drawingml/2006/main" xmlns:r="http://schemas.openxmlformats.org/officeDocument/2006/relationships" xmlns:p="http://schemas.openxmlformats.org/presentationml/2006/main">
+  <p:cSld>
+    <p:spTree>
+      <p:nvGrpSpPr>
+        <p:cNvPr id="33" name=""/>
+        <p:cNvGrpSpPr/>
+        <p:nvPr/>
+      </p:nvGrpSpPr>
+      <p:grpSpPr>
+        <a:xfrm>
+          <a:off x="0" y="0"/>
+          <a:ext cx="0" cy="0"/>
+          <a:chOff x="0" y="0"/>
+          <a:chExt cx="0" cy="0"/>
+        </a:xfrm>
+      </p:grpSpPr>
+      <p:sp>
+        <p:nvSpPr>
+          <p:cNvPr id="1048591" name=""/>
+          <p:cNvSpPr>
+            <a:spLocks noGrp="1"/>
+          </p:cNvSpPr>
+          <p:nvPr>
+            <p:ph type="title"/>
+          </p:nvPr>
+        </p:nvSpPr>
+        <p:spPr/>
+        <p:txBody>
+          <a:bodyPr>
+            <a:normAutofit fontScale="90000"/>
+          </a:bodyPr>
+          <a:p>
+            <a:r>
+              <a:rPr altLang="zh-CN" lang="en-US"/>
+              <a:t>Mit Stift und Banner gegen Willkür und Unterdrückung!</a:t>
+            </a:r>
+            <a:br>
+              <a:rPr altLang="zh-CN" lang="en-US"/>
+            </a:br>
+            <a:endParaRPr lang="zh-CN-#Hans"/>
+          </a:p>
+        </p:txBody>
+      </p:sp>
+      <p:pic>
+        <p:nvPicPr>
+          <p:cNvPr id="2097156" name=""/>
+          <p:cNvPicPr>
+            <a:picLocks/>
+          </p:cNvPicPr>
+          <p:nvPr/>
+        </p:nvPicPr>
+        <p:blipFill>
+          <a:blip xmlns:r="http://schemas.openxmlformats.org/officeDocument/2006/relationships" r:embed="rId1"/>
+          <a:stretch>
+            <a:fillRect/>
+          </a:stretch>
+        </p:blipFill>
+        <p:spPr>
+          <a:xfrm rot="0">
+            <a:off x="1963937" y="1938415"/>
+            <a:ext cx="7046626" cy="4919585"/>
+          </a:xfrm>
+          <a:prstGeom prst="rect"/>
+        </p:spPr>
+      </p:pic>
+    </p:spTree>
+  </p:cSld>
+  <p:clrMapOvr>
+    <a:masterClrMapping/>
+  </p:clrMapOvr>
+</p:sld>
+</file>
+
+<file path=ppt/slides/slide9.xml><?xml version="1.0" encoding="utf-8"?>
+<p:sld xmlns:a="http://schemas.openxmlformats.org/drawingml/2006/main" xmlns:r="http://schemas.openxmlformats.org/officeDocument/2006/relationships" xmlns:p="http://schemas.openxmlformats.org/presentationml/2006/main">
+  <p:cSld>
+    <p:spTree>
+      <p:nvGrpSpPr>
+        <p:cNvPr id="32" name=""/>
+        <p:cNvGrpSpPr/>
+        <p:nvPr/>
+      </p:nvGrpSpPr>
+      <p:grpSpPr>
+        <a:xfrm>
+          <a:off x="0" y="0"/>
+          <a:ext cx="0" cy="0"/>
+          <a:chOff x="0" y="0"/>
+          <a:chExt cx="0" cy="0"/>
+        </a:xfrm>
+      </p:grpSpPr>
+      <p:sp>
+        <p:nvSpPr>
+          <p:cNvPr id="1048590" name=""/>
+          <p:cNvSpPr>
+            <a:spLocks noGrp="1"/>
+          </p:cNvSpPr>
+          <p:nvPr>
+            <p:ph type="title"/>
+          </p:nvPr>
+        </p:nvSpPr>
+        <p:spPr/>
+        <p:txBody>
+          <a:bodyPr>
+            <a:normAutofit fontScale="90000"/>
+          </a:bodyPr>
+          <a:p>
+            <a:r>
+              <a:rPr altLang="zh-CN" lang="en-US"/>
+              <a:t>Mit Stift und Banner gegen Willkür und Unterdrückung!</a:t>
+            </a:r>
+            <a:br>
+              <a:rPr altLang="zh-CN" lang="en-US"/>
+            </a:br>
+            <a:endParaRPr lang="zh-CN-#Hans"/>
+          </a:p>
+        </p:txBody>
+      </p:sp>
+      <p:pic>
+        <p:nvPicPr>
+          <p:cNvPr id="2097155" name=""/>
+          <p:cNvPicPr>
+            <a:picLocks/>
+          </p:cNvPicPr>
+          <p:nvPr/>
+        </p:nvPicPr>
+        <p:blipFill>
+          <a:blip xmlns:r="http://schemas.openxmlformats.org/officeDocument/2006/relationships" r:embed="rId1"/>
+          <a:stretch>
+            <a:fillRect/>
+          </a:stretch>
+        </p:blipFill>
+        <p:spPr>
+          <a:xfrm rot="0">
+            <a:off x="2558723" y="2041138"/>
+            <a:ext cx="7074555" cy="4965480"/>
+          </a:xfrm>
+          <a:prstGeom prst="rect"/>
+        </p:spPr>
+      </p:pic>
+    </p:spTree>
   </p:cSld>
   <p:clrMapOvr>
     <a:masterClrMapping/>
@@ -8929,10 +9387,10 @@
   <a:themeElements>
     <a:clrScheme name="Berlin">
       <a:dk1>
-        <a:sysClr val="windowText" lastClr="000000"/>
+        <a:sysClr lastClr="000000" val="windowText"/>
       </a:dk1>
       <a:lt1>
-        <a:sysClr val="window" lastClr="FFFFFF"/>
+        <a:sysClr lastClr="FFFFFF" val="window"/>
       </a:lt1>
       <a:dk2>
         <a:srgbClr val="9D360E"/>
@@ -9117,7 +9575,7 @@
         </a:effectStyle>
         <a:effectStyle>
           <a:effectLst>
-            <a:outerShdw blurRad="57150" dist="19050" dir="5400000" algn="ctr" rotWithShape="0">
+            <a:outerShdw algn="ctr" blurRad="57150" dir="5400000" dist="19050" rotWithShape="0">
               <a:srgbClr val="000000">
                 <a:alpha val="63000"/>
               </a:srgbClr>
@@ -9168,12 +9626,259 @@
       </a:bgFillStyleLst>
     </a:fmtScheme>
   </a:themeElements>
-  <a:objectDefaults/>
-  <a:extraClrSchemeLst/>
-  <a:extLst>
-    <a:ext uri="{05A4C25C-085E-4340-85A3-A5531E510DB2}">
-      <thm15:themeFamily xmlns:thm15="http://schemas.microsoft.com/office/thememl/2012/main" name="Office Theme" id="{62F939B6-93AF-4DB8-9C6B-D6C7DFDC589F}" vid="{4A3C46E8-61CC-4603-A589-7422A47A8E4A}"/>
-    </a:ext>
-  </a:extLst>
+</a:theme>
+</file>
+
+<file path=ppt/theme/theme2.xml><?xml version="1.0" encoding="utf-8"?>
+<a:theme xmlns:a="http://schemas.openxmlformats.org/drawingml/2006/main" name="Office 主题">
+  <a:themeElements>
+    <a:clrScheme name="Office">
+      <a:dk1>
+        <a:sysClr lastClr="000000" val="windowText"/>
+      </a:dk1>
+      <a:lt1>
+        <a:sysClr lastClr="FFFFFF" val="window"/>
+      </a:lt1>
+      <a:dk2>
+        <a:srgbClr val="44546A"/>
+      </a:dk2>
+      <a:lt2>
+        <a:srgbClr val="E7E6E6"/>
+      </a:lt2>
+      <a:accent1>
+        <a:srgbClr val="5B9BD5"/>
+      </a:accent1>
+      <a:accent2>
+        <a:srgbClr val="ED7D31"/>
+      </a:accent2>
+      <a:accent3>
+        <a:srgbClr val="A5A5A5"/>
+      </a:accent3>
+      <a:accent4>
+        <a:srgbClr val="FFC000"/>
+      </a:accent4>
+      <a:accent5>
+        <a:srgbClr val="4472C4"/>
+      </a:accent5>
+      <a:accent6>
+        <a:srgbClr val="70AD47"/>
+      </a:accent6>
+      <a:hlink>
+        <a:srgbClr val="0563C1"/>
+      </a:hlink>
+      <a:folHlink>
+        <a:srgbClr val="954F72"/>
+      </a:folHlink>
+    </a:clrScheme>
+    <a:fontScheme name="Office">
+      <a:majorFont>
+        <a:latin typeface="Calibri Light" panose="020F0302020204030204"/>
+        <a:ea typeface=""/>
+        <a:cs typeface=""/>
+        <a:font script="Jpan" typeface="ＭＳ Ｐゴシック"/>
+        <a:font script="Hang" typeface="맑은 고딕"/>
+        <a:font script="Hans" typeface="宋体"/>
+        <a:font script="Hant" typeface="新細明體"/>
+        <a:font script="Arab" typeface="Times New Roman"/>
+        <a:font script="Hebr" typeface="Times New Roman"/>
+        <a:font script="Thai" typeface="Angsana New"/>
+        <a:font script="Ethi" typeface="Nyala"/>
+        <a:font script="Beng" typeface="Vrinda"/>
+        <a:font script="Gujr" typeface="Shruti"/>
+        <a:font script="Khmr" typeface="MoolBoran"/>
+        <a:font script="Knda" typeface="Tunga"/>
+        <a:font script="Guru" typeface="Raavi"/>
+        <a:font script="Cans" typeface="Euphemia"/>
+        <a:font script="Cher" typeface="Plantagenet Cherokee"/>
+        <a:font script="Yiii" typeface="Microsoft Yi Baiti"/>
+        <a:font script="Tibt" typeface="Microsoft Himalaya"/>
+        <a:font script="Thaa" typeface="MV Boli"/>
+        <a:font script="Deva" typeface="Mangal"/>
+        <a:font script="Telu" typeface="Gautami"/>
+        <a:font script="Taml" typeface="Latha"/>
+        <a:font script="Syrc" typeface="Estrangelo Edessa"/>
+        <a:font script="Orya" typeface="Kalinga"/>
+        <a:font script="Mlym" typeface="Kartika"/>
+        <a:font script="Laoo" typeface="DokChampa"/>
+        <a:font script="Sinh" typeface="Iskoola Pota"/>
+        <a:font script="Mong" typeface="Mongolian Baiti"/>
+        <a:font script="Viet" typeface="Times New Roman"/>
+        <a:font script="Uigh" typeface="Microsoft Uighur"/>
+        <a:font script="Geor" typeface="Sylfaen"/>
+      </a:majorFont>
+      <a:minorFont>
+        <a:latin typeface="Calibri" panose="020F0502020204030204"/>
+        <a:ea typeface=""/>
+        <a:cs typeface=""/>
+        <a:font script="Jpan" typeface="ＭＳ Ｐゴシック"/>
+        <a:font script="Hang" typeface="맑은 고딕"/>
+        <a:font script="Hans" typeface="宋体"/>
+        <a:font script="Hant" typeface="新細明體"/>
+        <a:font script="Arab" typeface="Arial"/>
+        <a:font script="Hebr" typeface="Arial"/>
+        <a:font script="Thai" typeface="Cordia New"/>
+        <a:font script="Ethi" typeface="Nyala"/>
+        <a:font script="Beng" typeface="Vrinda"/>
+        <a:font script="Gujr" typeface="Shruti"/>
+        <a:font script="Khmr" typeface="DaunPenh"/>
+        <a:font script="Knda" typeface="Tunga"/>
+        <a:font script="Guru" typeface="Raavi"/>
+        <a:font script="Cans" typeface="Euphemia"/>
+        <a:font script="Cher" typeface="Plantagenet Cherokee"/>
+        <a:font script="Yiii" typeface="Microsoft Yi Baiti"/>
+        <a:font script="Tibt" typeface="Microsoft Himalaya"/>
+        <a:font script="Thaa" typeface="MV Boli"/>
+        <a:font script="Deva" typeface="Mangal"/>
+        <a:font script="Telu" typeface="Gautami"/>
+        <a:font script="Taml" typeface="Latha"/>
+        <a:font script="Syrc" typeface="Estrangelo Edessa"/>
+        <a:font script="Orya" typeface="Kalinga"/>
+        <a:font script="Mlym" typeface="Kartika"/>
+        <a:font script="Laoo" typeface="DokChampa"/>
+        <a:font script="Sinh" typeface="Iskoola Pota"/>
+        <a:font script="Mong" typeface="Mongolian Baiti"/>
+        <a:font script="Viet" typeface="Arial"/>
+        <a:font script="Uigh" typeface="Microsoft Uighur"/>
+        <a:font script="Geor" typeface="Sylfaen"/>
+      </a:minorFont>
+    </a:fontScheme>
+    <a:fmtScheme name="Office">
+      <a:fillStyleLst>
+        <a:solidFill>
+          <a:schemeClr val="phClr"/>
+        </a:solidFill>
+        <a:gradFill rotWithShape="1">
+          <a:gsLst>
+            <a:gs pos="0">
+              <a:schemeClr val="phClr">
+                <a:lumMod val="110000"/>
+                <a:satMod val="105000"/>
+                <a:tint val="67000"/>
+              </a:schemeClr>
+            </a:gs>
+            <a:gs pos="50000">
+              <a:schemeClr val="phClr">
+                <a:lumMod val="105000"/>
+                <a:satMod val="103000"/>
+                <a:tint val="73000"/>
+              </a:schemeClr>
+            </a:gs>
+            <a:gs pos="100000">
+              <a:schemeClr val="phClr">
+                <a:lumMod val="105000"/>
+                <a:satMod val="109000"/>
+                <a:tint val="81000"/>
+              </a:schemeClr>
+            </a:gs>
+          </a:gsLst>
+          <a:lin ang="5400000" scaled="0"/>
+        </a:gradFill>
+        <a:gradFill rotWithShape="1">
+          <a:gsLst>
+            <a:gs pos="0">
+              <a:schemeClr val="phClr">
+                <a:satMod val="103000"/>
+                <a:lumMod val="102000"/>
+                <a:tint val="94000"/>
+              </a:schemeClr>
+            </a:gs>
+            <a:gs pos="50000">
+              <a:schemeClr val="phClr">
+                <a:satMod val="110000"/>
+                <a:lumMod val="100000"/>
+                <a:shade val="100000"/>
+              </a:schemeClr>
+            </a:gs>
+            <a:gs pos="100000">
+              <a:schemeClr val="phClr">
+                <a:lumMod val="99000"/>
+                <a:satMod val="120000"/>
+                <a:shade val="78000"/>
+              </a:schemeClr>
+            </a:gs>
+          </a:gsLst>
+          <a:lin ang="5400000" scaled="0"/>
+        </a:gradFill>
+      </a:fillStyleLst>
+      <a:lnStyleLst>
+        <a:ln w="6350" cap="flat" cmpd="sng" algn="ctr">
+          <a:solidFill>
+            <a:schemeClr val="phClr"/>
+          </a:solidFill>
+          <a:prstDash val="solid"/>
+          <a:miter lim="800000"/>
+        </a:ln>
+        <a:ln w="12700" cap="flat" cmpd="sng" algn="ctr">
+          <a:solidFill>
+            <a:schemeClr val="phClr"/>
+          </a:solidFill>
+          <a:prstDash val="solid"/>
+          <a:miter lim="800000"/>
+        </a:ln>
+        <a:ln w="19050" cap="flat" cmpd="sng" algn="ctr">
+          <a:solidFill>
+            <a:schemeClr val="phClr"/>
+          </a:solidFill>
+          <a:prstDash val="solid"/>
+          <a:miter lim="800000"/>
+        </a:ln>
+      </a:lnStyleLst>
+      <a:effectStyleLst>
+        <a:effectStyle>
+          <a:effectLst/>
+        </a:effectStyle>
+        <a:effectStyle>
+          <a:effectLst/>
+        </a:effectStyle>
+        <a:effectStyle>
+          <a:effectLst>
+            <a:outerShdw algn="ctr" blurRad="57150" dir="5400000" dist="19050" rotWithShape="0">
+              <a:srgbClr val="000000">
+                <a:alpha val="63000"/>
+              </a:srgbClr>
+            </a:outerShdw>
+          </a:effectLst>
+        </a:effectStyle>
+      </a:effectStyleLst>
+      <a:bgFillStyleLst>
+        <a:solidFill>
+          <a:schemeClr val="phClr"/>
+        </a:solidFill>
+        <a:solidFill>
+          <a:schemeClr val="phClr">
+            <a:tint val="95000"/>
+            <a:satMod val="170000"/>
+          </a:schemeClr>
+        </a:solidFill>
+        <a:gradFill rotWithShape="1">
+          <a:gsLst>
+            <a:gs pos="0">
+              <a:schemeClr val="phClr">
+                <a:tint val="93000"/>
+                <a:satMod val="150000"/>
+                <a:shade val="98000"/>
+                <a:lumMod val="102000"/>
+              </a:schemeClr>
+            </a:gs>
+            <a:gs pos="50000">
+              <a:schemeClr val="phClr">
+                <a:tint val="98000"/>
+                <a:satMod val="130000"/>
+                <a:shade val="90000"/>
+                <a:lumMod val="103000"/>
+              </a:schemeClr>
+            </a:gs>
+            <a:gs pos="100000">
+              <a:schemeClr val="phClr">
+                <a:shade val="63000"/>
+                <a:satMod val="120000"/>
+              </a:schemeClr>
+            </a:gs>
+          </a:gsLst>
+          <a:lin ang="5400000" scaled="0"/>
+        </a:gradFill>
+      </a:bgFillStyleLst>
+    </a:fmtScheme>
+  </a:themeElements>
 </a:theme>
 </file>
--- a/DDR.pptx
+++ b/DDR.pptx
@@ -7884,6 +7884,10 @@
         <p:txBody>
           <a:bodyPr/>
           <a:p>
+            <a:r>
+              <a:rPr lang="zh-CN"/>
+              <a:t>文创</a:t>
+            </a:r>
             <a:endParaRPr lang="zh-CN-#Hans"/>
           </a:p>
         </p:txBody>
@@ -7898,11 +7902,3677 @@
             <p:ph idx="1" hasCustomPrompt="1"/>
           </p:nvPr>
         </p:nvSpPr>
-        <p:spPr/>
+        <p:spPr>
+          <a:xfrm>
+            <a:off x="0" y="34507"/>
+            <a:ext cx="9544588" cy="467624"/>
+          </a:xfrm>
+        </p:spPr>
         <p:txBody>
           <a:bodyPr/>
           <a:p>
+            <a:r>
+              <a:rPr lang="zh-CN"/>
+              <a:t>一个</a:t>
+            </a:r>
+            <a:r>
+              <a:rPr lang="zh-CN"/>
+              <a:t>背景</a:t>
+            </a:r>
+            <a:r>
+              <a:rPr lang="zh-CN"/>
+              <a:t>为</a:t>
+            </a:r>
+            <a:r>
+              <a:rPr altLang="zh-CN" lang="en-US"/>
+              <a:t>1</a:t>
+            </a:r>
+            <a:r>
+              <a:rPr altLang="zh-CN" lang="en-US"/>
+              <a:t>9</a:t>
+            </a:r>
+            <a:r>
+              <a:rPr altLang="zh-CN" lang="en-US"/>
+              <a:t>8</a:t>
+            </a:r>
+            <a:r>
+              <a:rPr altLang="zh-CN" lang="en-US"/>
+              <a:t>4</a:t>
+            </a:r>
+            <a:r>
+              <a:rPr altLang="zh-CN" lang="zh-CN"/>
+              <a:t>年</a:t>
+            </a:r>
+            <a:r>
+              <a:rPr altLang="zh-CN" lang="zh-CN"/>
+              <a:t>的</a:t>
+            </a:r>
+            <a:r>
+              <a:rPr altLang="zh-CN" lang="zh-CN"/>
+              <a:t>民主德国</a:t>
+            </a:r>
+            <a:r>
+              <a:rPr altLang="zh-CN" lang="zh-CN"/>
+              <a:t>的</a:t>
+            </a:r>
+            <a:r>
+              <a:rPr altLang="zh-CN" lang="zh-CN"/>
+              <a:t>游戏</a:t>
+            </a:r>
+            <a:r>
+              <a:rPr altLang="zh-CN" lang="zh-CN"/>
+              <a:t>。</a:t>
+            </a:r>
+            <a:r>
+              <a:rPr altLang="zh-CN" lang="zh-CN"/>
+              <a:t>效果</a:t>
+            </a:r>
+            <a:r>
+              <a:rPr altLang="zh-CN" lang="zh-CN"/>
+              <a:t>图</a:t>
+            </a:r>
+            <a:r>
+              <a:rPr altLang="zh-CN" lang="en-US"/>
+              <a:t>:</a:t>
+            </a:r>
             <a:endParaRPr lang="zh-CN-#Hans"/>
+          </a:p>
+        </p:txBody>
+      </p:sp>
+      <p:pic>
+        <p:nvPicPr>
+          <p:cNvPr id="2097195" name=""/>
+          <p:cNvPicPr>
+            <a:picLocks/>
+          </p:cNvPicPr>
+          <p:nvPr/>
+        </p:nvPicPr>
+        <p:blipFill>
+          <a:blip xmlns:r="http://schemas.openxmlformats.org/officeDocument/2006/relationships" r:embed="rId1"/>
+          <a:stretch>
+            <a:fillRect/>
+          </a:stretch>
+        </p:blipFill>
+        <p:spPr>
+          <a:xfrm rot="0">
+            <a:off x="4023590" y="980610"/>
+            <a:ext cx="5183909" cy="1502286"/>
+          </a:xfrm>
+          <a:prstGeom prst="rect"/>
+        </p:spPr>
+      </p:pic>
+      <p:pic>
+        <p:nvPicPr>
+          <p:cNvPr id="2097197" name=""/>
+          <p:cNvPicPr>
+            <a:picLocks/>
+          </p:cNvPicPr>
+          <p:nvPr/>
+        </p:nvPicPr>
+        <p:blipFill>
+          <a:blip xmlns:r="http://schemas.openxmlformats.org/officeDocument/2006/relationships" r:embed="rId2"/>
+          <a:stretch>
+            <a:fillRect/>
+          </a:stretch>
+        </p:blipFill>
+        <p:spPr>
+          <a:xfrm rot="0">
+            <a:off x="6627090" y="2989395"/>
+            <a:ext cx="5160818" cy="2946793"/>
+          </a:xfrm>
+          <a:prstGeom prst="rect"/>
+        </p:spPr>
+      </p:pic>
+      <p:pic>
+        <p:nvPicPr>
+          <p:cNvPr id="2097198" name=""/>
+          <p:cNvPicPr>
+            <a:picLocks/>
+          </p:cNvPicPr>
+          <p:nvPr/>
+        </p:nvPicPr>
+        <p:blipFill>
+          <a:blip xmlns:r="http://schemas.openxmlformats.org/officeDocument/2006/relationships" r:embed="rId3"/>
+          <a:stretch>
+            <a:fillRect/>
+          </a:stretch>
+        </p:blipFill>
+        <p:spPr>
+          <a:xfrm rot="0">
+            <a:off x="1128206" y="3428999"/>
+            <a:ext cx="4872182" cy="2877457"/>
+          </a:xfrm>
+          <a:prstGeom prst="rect"/>
+        </p:spPr>
+      </p:pic>
+      <p:sp>
+        <p:nvSpPr>
+          <p:cNvPr id="1048747" name=""/>
+          <p:cNvSpPr txBox="1"/>
+          <p:nvPr/>
+        </p:nvSpPr>
+        <p:spPr>
+          <a:xfrm>
+            <a:off x="2860426" y="1657003"/>
+            <a:ext cx="4000000" cy="14671040"/>
+          </a:xfrm>
+          <a:prstGeom prst="rect"/>
+        </p:spPr>
+        <p:txBody>
+          <a:bodyPr rtlCol="0" wrap="square">
+            <a:spAutoFit/>
+          </a:bodyPr>
+          <a:p>
+            <a:r>
+              <a:rPr altLang="zh-CN" sz="600" lang="en-US">
+                <a:solidFill>
+                  <a:srgbClr val="000000"/>
+                </a:solidFill>
+              </a:rPr>
+              <a:t>;;;; How to make a simple miniKanren (substitution only)</a:t>
+            </a:r>
+            <a:endParaRPr sz="600" lang="zh-CN-#Hans">
+              <a:solidFill>
+                <a:srgbClr val="000000"/>
+              </a:solidFill>
+            </a:endParaRPr>
+          </a:p>
+          <a:p>
+            <a:r>
+              <a:rPr altLang="zh-CN" sz="600" lang="en-US">
+                <a:solidFill>
+                  <a:srgbClr val="000000"/>
+                </a:solidFill>
+              </a:rPr>
+              <a:t>(define-syntax Zzz</a:t>
+            </a:r>
+            <a:endParaRPr sz="600" lang="zh-CN-#Hans">
+              <a:solidFill>
+                <a:srgbClr val="000000"/>
+              </a:solidFill>
+            </a:endParaRPr>
+          </a:p>
+          <a:p>
+            <a:r>
+              <a:rPr altLang="zh-CN" sz="600" lang="en-US">
+                <a:solidFill>
+                  <a:srgbClr val="000000"/>
+                </a:solidFill>
+              </a:rPr>
+              <a:t>  (syntax-rules ()</a:t>
+            </a:r>
+            <a:endParaRPr sz="600" lang="zh-CN-#Hans">
+              <a:solidFill>
+                <a:srgbClr val="000000"/>
+              </a:solidFill>
+            </a:endParaRPr>
+          </a:p>
+          <a:p>
+            <a:r>
+              <a:rPr altLang="zh-CN" sz="600" lang="en-US">
+                <a:solidFill>
+                  <a:srgbClr val="000000"/>
+                </a:solidFill>
+              </a:rPr>
+              <a:t>    ((_ g) (lambda (s/c) (lambda () (g s/c))))))</a:t>
+            </a:r>
+            <a:endParaRPr sz="600" lang="zh-CN-#Hans">
+              <a:solidFill>
+                <a:srgbClr val="000000"/>
+              </a:solidFill>
+            </a:endParaRPr>
+          </a:p>
+          <a:p>
+            <a:r>
+              <a:rPr altLang="zh-CN" sz="600" lang="en-US">
+                <a:solidFill>
+                  <a:srgbClr val="000000"/>
+                </a:solidFill>
+              </a:rPr>
+              <a:t>(define-syntax conj+</a:t>
+            </a:r>
+            <a:endParaRPr sz="600" lang="zh-CN-#Hans">
+              <a:solidFill>
+                <a:srgbClr val="000000"/>
+              </a:solidFill>
+            </a:endParaRPr>
+          </a:p>
+          <a:p>
+            <a:r>
+              <a:rPr altLang="zh-CN" sz="600" lang="en-US">
+                <a:solidFill>
+                  <a:srgbClr val="000000"/>
+                </a:solidFill>
+              </a:rPr>
+              <a:t>  (syntax-rules ()</a:t>
+            </a:r>
+            <a:endParaRPr sz="600" lang="zh-CN-#Hans">
+              <a:solidFill>
+                <a:srgbClr val="000000"/>
+              </a:solidFill>
+            </a:endParaRPr>
+          </a:p>
+          <a:p>
+            <a:r>
+              <a:rPr altLang="zh-CN" sz="600" lang="en-US">
+                <a:solidFill>
+                  <a:srgbClr val="000000"/>
+                </a:solidFill>
+              </a:rPr>
+              <a:t>    ((_ g) (Zzz g))</a:t>
+            </a:r>
+            <a:endParaRPr sz="600" lang="zh-CN-#Hans">
+              <a:solidFill>
+                <a:srgbClr val="000000"/>
+              </a:solidFill>
+            </a:endParaRPr>
+          </a:p>
+          <a:p>
+            <a:r>
+              <a:rPr altLang="zh-CN" sz="600" lang="en-US">
+                <a:solidFill>
+                  <a:srgbClr val="000000"/>
+                </a:solidFill>
+              </a:rPr>
+              <a:t>    ((_ g0 g ...) (conj (Zzz g0) (conj+ g ...)))))</a:t>
+            </a:r>
+            <a:endParaRPr sz="600" lang="zh-CN-#Hans">
+              <a:solidFill>
+                <a:srgbClr val="000000"/>
+              </a:solidFill>
+            </a:endParaRPr>
+          </a:p>
+          <a:p>
+            <a:r>
+              <a:rPr altLang="zh-CN" sz="600" lang="en-US">
+                <a:solidFill>
+                  <a:srgbClr val="000000"/>
+                </a:solidFill>
+              </a:rPr>
+              <a:t>(define-syntax disj+</a:t>
+            </a:r>
+            <a:endParaRPr sz="600" lang="zh-CN-#Hans">
+              <a:solidFill>
+                <a:srgbClr val="000000"/>
+              </a:solidFill>
+            </a:endParaRPr>
+          </a:p>
+          <a:p>
+            <a:r>
+              <a:rPr altLang="zh-CN" sz="600" lang="en-US">
+                <a:solidFill>
+                  <a:srgbClr val="000000"/>
+                </a:solidFill>
+              </a:rPr>
+              <a:t>  (syntax-rules ()</a:t>
+            </a:r>
+            <a:endParaRPr sz="600" lang="zh-CN-#Hans">
+              <a:solidFill>
+                <a:srgbClr val="000000"/>
+              </a:solidFill>
+            </a:endParaRPr>
+          </a:p>
+          <a:p>
+            <a:r>
+              <a:rPr altLang="zh-CN" sz="600" lang="en-US">
+                <a:solidFill>
+                  <a:srgbClr val="000000"/>
+                </a:solidFill>
+              </a:rPr>
+              <a:t>    ((_ g) (Zzz g))</a:t>
+            </a:r>
+            <a:endParaRPr sz="600" lang="zh-CN-#Hans">
+              <a:solidFill>
+                <a:srgbClr val="000000"/>
+              </a:solidFill>
+            </a:endParaRPr>
+          </a:p>
+          <a:p>
+            <a:r>
+              <a:rPr altLang="zh-CN" sz="600" lang="en-US">
+                <a:solidFill>
+                  <a:srgbClr val="000000"/>
+                </a:solidFill>
+              </a:rPr>
+              <a:t>    ((_ g0 g ...) (disj (Zzz g0) (disj+ g ...)))))</a:t>
+            </a:r>
+            <a:endParaRPr sz="600" lang="zh-CN-#Hans">
+              <a:solidFill>
+                <a:srgbClr val="000000"/>
+              </a:solidFill>
+            </a:endParaRPr>
+          </a:p>
+          <a:p>
+            <a:r>
+              <a:rPr altLang="zh-CN" sz="600" lang="en-US">
+                <a:solidFill>
+                  <a:srgbClr val="000000"/>
+                </a:solidFill>
+              </a:rPr>
+              <a:t>(define-syntax fresh</a:t>
+            </a:r>
+            <a:endParaRPr sz="600" lang="zh-CN-#Hans">
+              <a:solidFill>
+                <a:srgbClr val="000000"/>
+              </a:solidFill>
+            </a:endParaRPr>
+          </a:p>
+          <a:p>
+            <a:r>
+              <a:rPr altLang="zh-CN" sz="600" lang="en-US">
+                <a:solidFill>
+                  <a:srgbClr val="000000"/>
+                </a:solidFill>
+              </a:rPr>
+              <a:t>  (syntax-rules ()</a:t>
+            </a:r>
+            <a:endParaRPr sz="600" lang="zh-CN-#Hans">
+              <a:solidFill>
+                <a:srgbClr val="000000"/>
+              </a:solidFill>
+            </a:endParaRPr>
+          </a:p>
+          <a:p>
+            <a:r>
+              <a:rPr altLang="zh-CN" sz="600" lang="en-US">
+                <a:solidFill>
+                  <a:srgbClr val="000000"/>
+                </a:solidFill>
+              </a:rPr>
+              <a:t>    ((_ () g0 g ...) (conj+ g0 g ...))</a:t>
+            </a:r>
+            <a:endParaRPr sz="600" lang="zh-CN-#Hans">
+              <a:solidFill>
+                <a:srgbClr val="000000"/>
+              </a:solidFill>
+            </a:endParaRPr>
+          </a:p>
+          <a:p>
+            <a:r>
+              <a:rPr altLang="zh-CN" sz="600" lang="en-US">
+                <a:solidFill>
+                  <a:srgbClr val="000000"/>
+                </a:solidFill>
+              </a:rPr>
+              <a:t>    ((_ (x0 x ...) g0 g ...)</a:t>
+            </a:r>
+            <a:endParaRPr sz="600" lang="zh-CN-#Hans">
+              <a:solidFill>
+                <a:srgbClr val="000000"/>
+              </a:solidFill>
+            </a:endParaRPr>
+          </a:p>
+          <a:p>
+            <a:r>
+              <a:rPr altLang="zh-CN" sz="600" lang="en-US">
+                <a:solidFill>
+                  <a:srgbClr val="000000"/>
+                </a:solidFill>
+              </a:rPr>
+              <a:t>     (call/fresh</a:t>
+            </a:r>
+            <a:endParaRPr sz="600" lang="zh-CN-#Hans">
+              <a:solidFill>
+                <a:srgbClr val="000000"/>
+              </a:solidFill>
+            </a:endParaRPr>
+          </a:p>
+          <a:p>
+            <a:r>
+              <a:rPr altLang="zh-CN" sz="600" lang="en-US">
+                <a:solidFill>
+                  <a:srgbClr val="000000"/>
+                </a:solidFill>
+              </a:rPr>
+              <a:t>      (lambda (x0)</a:t>
+            </a:r>
+            <a:endParaRPr sz="600" lang="zh-CN-#Hans">
+              <a:solidFill>
+                <a:srgbClr val="000000"/>
+              </a:solidFill>
+            </a:endParaRPr>
+          </a:p>
+          <a:p>
+            <a:r>
+              <a:rPr altLang="zh-CN" sz="600" lang="en-US">
+                <a:solidFill>
+                  <a:srgbClr val="000000"/>
+                </a:solidFill>
+              </a:rPr>
+              <a:t>        (fresh (x ...) g0 g ...))))))</a:t>
+            </a:r>
+            <a:endParaRPr sz="600" lang="zh-CN-#Hans">
+              <a:solidFill>
+                <a:srgbClr val="000000"/>
+              </a:solidFill>
+            </a:endParaRPr>
+          </a:p>
+          <a:p>
+            <a:r>
+              <a:rPr altLang="zh-CN" sz="600" lang="en-US">
+                <a:solidFill>
+                  <a:srgbClr val="000000"/>
+                </a:solidFill>
+              </a:rPr>
+              <a:t>(define-syntax conde</a:t>
+            </a:r>
+            <a:endParaRPr sz="600" lang="zh-CN-#Hans">
+              <a:solidFill>
+                <a:srgbClr val="000000"/>
+              </a:solidFill>
+            </a:endParaRPr>
+          </a:p>
+          <a:p>
+            <a:r>
+              <a:rPr altLang="zh-CN" sz="600" lang="en-US">
+                <a:solidFill>
+                  <a:srgbClr val="000000"/>
+                </a:solidFill>
+              </a:rPr>
+              <a:t>  (syntax-rules ()</a:t>
+            </a:r>
+            <a:endParaRPr sz="600" lang="zh-CN-#Hans">
+              <a:solidFill>
+                <a:srgbClr val="000000"/>
+              </a:solidFill>
+            </a:endParaRPr>
+          </a:p>
+          <a:p>
+            <a:r>
+              <a:rPr altLang="zh-CN" sz="600" lang="en-US">
+                <a:solidFill>
+                  <a:srgbClr val="000000"/>
+                </a:solidFill>
+              </a:rPr>
+              <a:t>    ((_ (g0 g ...) ...) (disj+ (conj+ g0 g ...) ...))))</a:t>
+            </a:r>
+            <a:endParaRPr sz="600" lang="zh-CN-#Hans">
+              <a:solidFill>
+                <a:srgbClr val="000000"/>
+              </a:solidFill>
+            </a:endParaRPr>
+          </a:p>
+          <a:p>
+            <a:r>
+              <a:rPr altLang="zh-CN" sz="600" lang="en-US">
+                <a:solidFill>
+                  <a:srgbClr val="000000"/>
+                </a:solidFill>
+              </a:rPr>
+              <a:t>(define-syntax run</a:t>
+            </a:r>
+            <a:endParaRPr sz="600" lang="zh-CN-#Hans">
+              <a:solidFill>
+                <a:srgbClr val="000000"/>
+              </a:solidFill>
+            </a:endParaRPr>
+          </a:p>
+          <a:p>
+            <a:r>
+              <a:rPr altLang="zh-CN" sz="600" lang="en-US">
+                <a:solidFill>
+                  <a:srgbClr val="000000"/>
+                </a:solidFill>
+              </a:rPr>
+              <a:t>  (syntax-rules ()</a:t>
+            </a:r>
+            <a:endParaRPr sz="600" lang="zh-CN-#Hans">
+              <a:solidFill>
+                <a:srgbClr val="000000"/>
+              </a:solidFill>
+            </a:endParaRPr>
+          </a:p>
+          <a:p>
+            <a:r>
+              <a:rPr altLang="zh-CN" sz="600" lang="en-US">
+                <a:solidFill>
+                  <a:srgbClr val="000000"/>
+                </a:solidFill>
+              </a:rPr>
+              <a:t>    ((_ n (x ...) g0 g ...)</a:t>
+            </a:r>
+            <a:endParaRPr sz="600" lang="zh-CN-#Hans">
+              <a:solidFill>
+                <a:srgbClr val="000000"/>
+              </a:solidFill>
+            </a:endParaRPr>
+          </a:p>
+          <a:p>
+            <a:r>
+              <a:rPr altLang="zh-CN" sz="600" lang="en-US">
+                <a:solidFill>
+                  <a:srgbClr val="000000"/>
+                </a:solidFill>
+              </a:rPr>
+              <a:t>     (map reify-1st (take n (call/goal (fresh (x ...) g0 g ...)))))))</a:t>
+            </a:r>
+            <a:endParaRPr sz="600" lang="zh-CN-#Hans">
+              <a:solidFill>
+                <a:srgbClr val="000000"/>
+              </a:solidFill>
+            </a:endParaRPr>
+          </a:p>
+          <a:p>
+            <a:r>
+              <a:rPr altLang="zh-CN" sz="600" lang="en-US">
+                <a:solidFill>
+                  <a:srgbClr val="000000"/>
+                </a:solidFill>
+              </a:rPr>
+              <a:t>(define-syntax run*</a:t>
+            </a:r>
+            <a:endParaRPr sz="600" lang="zh-CN-#Hans">
+              <a:solidFill>
+                <a:srgbClr val="000000"/>
+              </a:solidFill>
+            </a:endParaRPr>
+          </a:p>
+          <a:p>
+            <a:r>
+              <a:rPr altLang="zh-CN" sz="600" lang="en-US">
+                <a:solidFill>
+                  <a:srgbClr val="000000"/>
+                </a:solidFill>
+              </a:rPr>
+              <a:t>  (syntax-rules ()</a:t>
+            </a:r>
+            <a:endParaRPr sz="600" lang="zh-CN-#Hans">
+              <a:solidFill>
+                <a:srgbClr val="000000"/>
+              </a:solidFill>
+            </a:endParaRPr>
+          </a:p>
+          <a:p>
+            <a:r>
+              <a:rPr altLang="zh-CN" sz="600" lang="en-US">
+                <a:solidFill>
+                  <a:srgbClr val="000000"/>
+                </a:solidFill>
+              </a:rPr>
+              <a:t>    ((_ (x ...) g0 g ...)</a:t>
+            </a:r>
+            <a:endParaRPr sz="600" lang="zh-CN-#Hans">
+              <a:solidFill>
+                <a:srgbClr val="000000"/>
+              </a:solidFill>
+            </a:endParaRPr>
+          </a:p>
+          <a:p>
+            <a:r>
+              <a:rPr altLang="zh-CN" sz="600" lang="en-US">
+                <a:solidFill>
+                  <a:srgbClr val="000000"/>
+                </a:solidFill>
+              </a:rPr>
+              <a:t>     (map reify-1st (take-all (call/goal (fresh (x ...) g0 g ...)))))))</a:t>
+            </a:r>
+            <a:endParaRPr sz="600" lang="zh-CN-#Hans">
+              <a:solidFill>
+                <a:srgbClr val="000000"/>
+              </a:solidFill>
+            </a:endParaRPr>
+          </a:p>
+          <a:p>
+            <a:r>
+              <a:rPr altLang="zh-CN" sz="600" lang="en-US">
+                <a:solidFill>
+                  <a:srgbClr val="000000"/>
+                </a:solidFill>
+              </a:rPr>
+              <a:t>(define empty-state '(() . 0))</a:t>
+            </a:r>
+            <a:endParaRPr sz="600" lang="zh-CN-#Hans">
+              <a:solidFill>
+                <a:srgbClr val="000000"/>
+              </a:solidFill>
+            </a:endParaRPr>
+          </a:p>
+          <a:p>
+            <a:r>
+              <a:rPr altLang="zh-CN" sz="600" lang="en-US">
+                <a:solidFill>
+                  <a:srgbClr val="000000"/>
+                </a:solidFill>
+              </a:rPr>
+              <a:t>(define (call/goal g) (g empty-state))</a:t>
+            </a:r>
+            <a:endParaRPr sz="600" lang="zh-CN-#Hans">
+              <a:solidFill>
+                <a:srgbClr val="000000"/>
+              </a:solidFill>
+            </a:endParaRPr>
+          </a:p>
+          <a:p>
+            <a:r>
+              <a:rPr altLang="zh-CN" sz="600" lang="en-US">
+                <a:solidFill>
+                  <a:srgbClr val="000000"/>
+                </a:solidFill>
+              </a:rPr>
+              <a:t>(define (pull $)</a:t>
+            </a:r>
+            <a:endParaRPr sz="600" lang="zh-CN-#Hans">
+              <a:solidFill>
+                <a:srgbClr val="000000"/>
+              </a:solidFill>
+            </a:endParaRPr>
+          </a:p>
+          <a:p>
+            <a:r>
+              <a:rPr altLang="zh-CN" sz="600" lang="en-US">
+                <a:solidFill>
+                  <a:srgbClr val="000000"/>
+                </a:solidFill>
+              </a:rPr>
+              <a:t>  (if (procedure? $) (pull ($)) $))</a:t>
+            </a:r>
+            <a:endParaRPr sz="600" lang="zh-CN-#Hans">
+              <a:solidFill>
+                <a:srgbClr val="000000"/>
+              </a:solidFill>
+            </a:endParaRPr>
+          </a:p>
+          <a:p>
+            <a:r>
+              <a:rPr altLang="zh-CN" sz="600" lang="en-US">
+                <a:solidFill>
+                  <a:srgbClr val="000000"/>
+                </a:solidFill>
+              </a:rPr>
+              <a:t>(define (take-all $)</a:t>
+            </a:r>
+            <a:endParaRPr sz="600" lang="zh-CN-#Hans">
+              <a:solidFill>
+                <a:srgbClr val="000000"/>
+              </a:solidFill>
+            </a:endParaRPr>
+          </a:p>
+          <a:p>
+            <a:r>
+              <a:rPr altLang="zh-CN" sz="600" lang="en-US">
+                <a:solidFill>
+                  <a:srgbClr val="000000"/>
+                </a:solidFill>
+              </a:rPr>
+              <a:t>  (let (($ (pull $)))</a:t>
+            </a:r>
+            <a:endParaRPr sz="600" lang="zh-CN-#Hans">
+              <a:solidFill>
+                <a:srgbClr val="000000"/>
+              </a:solidFill>
+            </a:endParaRPr>
+          </a:p>
+          <a:p>
+            <a:r>
+              <a:rPr altLang="zh-CN" sz="600" lang="en-US">
+                <a:solidFill>
+                  <a:srgbClr val="000000"/>
+                </a:solidFill>
+              </a:rPr>
+              <a:t>    (if (null? $) '() (cons (car $) (take-all (cdr $))))))</a:t>
+            </a:r>
+            <a:endParaRPr sz="600" lang="zh-CN-#Hans">
+              <a:solidFill>
+                <a:srgbClr val="000000"/>
+              </a:solidFill>
+            </a:endParaRPr>
+          </a:p>
+          <a:p>
+            <a:r>
+              <a:rPr altLang="zh-CN" sz="600" lang="en-US">
+                <a:solidFill>
+                  <a:srgbClr val="000000"/>
+                </a:solidFill>
+              </a:rPr>
+              <a:t>(define (take n $)</a:t>
+            </a:r>
+            <a:endParaRPr sz="600" lang="zh-CN-#Hans">
+              <a:solidFill>
+                <a:srgbClr val="000000"/>
+              </a:solidFill>
+            </a:endParaRPr>
+          </a:p>
+          <a:p>
+            <a:r>
+              <a:rPr altLang="zh-CN" sz="600" lang="en-US">
+                <a:solidFill>
+                  <a:srgbClr val="000000"/>
+                </a:solidFill>
+              </a:rPr>
+              <a:t>  (if (zero? n) '()</a:t>
+            </a:r>
+            <a:endParaRPr sz="600" lang="zh-CN-#Hans">
+              <a:solidFill>
+                <a:srgbClr val="000000"/>
+              </a:solidFill>
+            </a:endParaRPr>
+          </a:p>
+          <a:p>
+            <a:r>
+              <a:rPr altLang="zh-CN" sz="600" lang="en-US">
+                <a:solidFill>
+                  <a:srgbClr val="000000"/>
+                </a:solidFill>
+              </a:rPr>
+              <a:t>    (let (($ (pull $)))</a:t>
+            </a:r>
+            <a:endParaRPr sz="600" lang="zh-CN-#Hans">
+              <a:solidFill>
+                <a:srgbClr val="000000"/>
+              </a:solidFill>
+            </a:endParaRPr>
+          </a:p>
+          <a:p>
+            <a:r>
+              <a:rPr altLang="zh-CN" sz="600" lang="en-US">
+                <a:solidFill>
+                  <a:srgbClr val="000000"/>
+                </a:solidFill>
+              </a:rPr>
+              <a:t>      (if (null? $) '() (cons (car $) (take (- n 1) (cdr $)))))))</a:t>
+            </a:r>
+            <a:endParaRPr sz="600" lang="zh-CN-#Hans">
+              <a:solidFill>
+                <a:srgbClr val="000000"/>
+              </a:solidFill>
+            </a:endParaRPr>
+          </a:p>
+          <a:p>
+            <a:r>
+              <a:rPr altLang="zh-CN" sz="600" lang="en-US">
+                <a:solidFill>
+                  <a:srgbClr val="000000"/>
+                </a:solidFill>
+              </a:rPr>
+              <a:t>(define (reify-1st s/c)</a:t>
+            </a:r>
+            <a:endParaRPr sz="600" lang="zh-CN-#Hans">
+              <a:solidFill>
+                <a:srgbClr val="000000"/>
+              </a:solidFill>
+            </a:endParaRPr>
+          </a:p>
+          <a:p>
+            <a:r>
+              <a:rPr altLang="zh-CN" sz="600" lang="en-US">
+                <a:solidFill>
+                  <a:srgbClr val="000000"/>
+                </a:solidFill>
+              </a:rPr>
+              <a:t>  (let ((v (walk* (var 0) (car s/c))))</a:t>
+            </a:r>
+            <a:endParaRPr sz="600" lang="zh-CN-#Hans">
+              <a:solidFill>
+                <a:srgbClr val="000000"/>
+              </a:solidFill>
+            </a:endParaRPr>
+          </a:p>
+          <a:p>
+            <a:r>
+              <a:rPr altLang="zh-CN" sz="600" lang="en-US">
+                <a:solidFill>
+                  <a:srgbClr val="000000"/>
+                </a:solidFill>
+              </a:rPr>
+              <a:t>    (walk* v (reify-s v '()))))</a:t>
+            </a:r>
+            <a:endParaRPr sz="600" lang="zh-CN-#Hans">
+              <a:solidFill>
+                <a:srgbClr val="000000"/>
+              </a:solidFill>
+            </a:endParaRPr>
+          </a:p>
+          <a:p>
+            <a:r>
+              <a:rPr altLang="zh-CN" sz="600" lang="en-US">
+                <a:solidFill>
+                  <a:srgbClr val="000000"/>
+                </a:solidFill>
+              </a:rPr>
+              <a:t>(define (walk* v s)</a:t>
+            </a:r>
+            <a:endParaRPr sz="600" lang="zh-CN-#Hans">
+              <a:solidFill>
+                <a:srgbClr val="000000"/>
+              </a:solidFill>
+            </a:endParaRPr>
+          </a:p>
+          <a:p>
+            <a:r>
+              <a:rPr altLang="zh-CN" sz="600" lang="en-US">
+                <a:solidFill>
+                  <a:srgbClr val="000000"/>
+                </a:solidFill>
+              </a:rPr>
+              <a:t>  (let ((v (walk v s)))</a:t>
+            </a:r>
+            <a:endParaRPr sz="600" lang="zh-CN-#Hans">
+              <a:solidFill>
+                <a:srgbClr val="000000"/>
+              </a:solidFill>
+            </a:endParaRPr>
+          </a:p>
+          <a:p>
+            <a:r>
+              <a:rPr altLang="zh-CN" sz="600" lang="en-US">
+                <a:solidFill>
+                  <a:srgbClr val="000000"/>
+                </a:solidFill>
+              </a:rPr>
+              <a:t>    (cond</a:t>
+            </a:r>
+            <a:endParaRPr sz="600" lang="zh-CN-#Hans">
+              <a:solidFill>
+                <a:srgbClr val="000000"/>
+              </a:solidFill>
+            </a:endParaRPr>
+          </a:p>
+          <a:p>
+            <a:r>
+              <a:rPr altLang="zh-CN" sz="600" lang="en-US">
+                <a:solidFill>
+                  <a:srgbClr val="000000"/>
+                </a:solidFill>
+              </a:rPr>
+              <a:t>      ((var? v) v)</a:t>
+            </a:r>
+            <a:endParaRPr sz="600" lang="zh-CN-#Hans">
+              <a:solidFill>
+                <a:srgbClr val="000000"/>
+              </a:solidFill>
+            </a:endParaRPr>
+          </a:p>
+          <a:p>
+            <a:r>
+              <a:rPr altLang="zh-CN" sz="600" lang="en-US">
+                <a:solidFill>
+                  <a:srgbClr val="000000"/>
+                </a:solidFill>
+              </a:rPr>
+              <a:t>      ((pair? v) (cons (walk* (car v) s)</a:t>
+            </a:r>
+            <a:endParaRPr sz="600" lang="zh-CN-#Hans">
+              <a:solidFill>
+                <a:srgbClr val="000000"/>
+              </a:solidFill>
+            </a:endParaRPr>
+          </a:p>
+          <a:p>
+            <a:r>
+              <a:rPr altLang="zh-CN" sz="600" lang="en-US">
+                <a:solidFill>
+                  <a:srgbClr val="000000"/>
+                </a:solidFill>
+              </a:rPr>
+              <a:t>                   (walk* (cdr v) s)))</a:t>
+            </a:r>
+            <a:endParaRPr sz="600" lang="zh-CN-#Hans">
+              <a:solidFill>
+                <a:srgbClr val="000000"/>
+              </a:solidFill>
+            </a:endParaRPr>
+          </a:p>
+          <a:p>
+            <a:r>
+              <a:rPr altLang="zh-CN" sz="600" lang="en-US">
+                <a:solidFill>
+                  <a:srgbClr val="000000"/>
+                </a:solidFill>
+              </a:rPr>
+              <a:t>      (else  v))))</a:t>
+            </a:r>
+            <a:endParaRPr sz="600" lang="zh-CN-#Hans">
+              <a:solidFill>
+                <a:srgbClr val="000000"/>
+              </a:solidFill>
+            </a:endParaRPr>
+          </a:p>
+          <a:p>
+            <a:r>
+              <a:rPr altLang="zh-CN" sz="600" lang="en-US">
+                <a:solidFill>
+                  <a:srgbClr val="000000"/>
+                </a:solidFill>
+              </a:rPr>
+              <a:t>(define (reify-s v s)</a:t>
+            </a:r>
+            <a:endParaRPr sz="600" lang="zh-CN-#Hans">
+              <a:solidFill>
+                <a:srgbClr val="000000"/>
+              </a:solidFill>
+            </a:endParaRPr>
+          </a:p>
+          <a:p>
+            <a:r>
+              <a:rPr altLang="zh-CN" sz="600" lang="en-US">
+                <a:solidFill>
+                  <a:srgbClr val="000000"/>
+                </a:solidFill>
+              </a:rPr>
+              <a:t>  (let ((v (walk v s)))</a:t>
+            </a:r>
+            <a:endParaRPr sz="600" lang="zh-CN-#Hans">
+              <a:solidFill>
+                <a:srgbClr val="000000"/>
+              </a:solidFill>
+            </a:endParaRPr>
+          </a:p>
+          <a:p>
+            <a:r>
+              <a:rPr altLang="zh-CN" sz="600" lang="en-US">
+                <a:solidFill>
+                  <a:srgbClr val="000000"/>
+                </a:solidFill>
+              </a:rPr>
+              <a:t>    (cond</a:t>
+            </a:r>
+            <a:endParaRPr sz="600" lang="zh-CN-#Hans">
+              <a:solidFill>
+                <a:srgbClr val="000000"/>
+              </a:solidFill>
+            </a:endParaRPr>
+          </a:p>
+          <a:p>
+            <a:r>
+              <a:rPr altLang="zh-CN" sz="600" lang="en-US">
+                <a:solidFill>
+                  <a:srgbClr val="000000"/>
+                </a:solidFill>
+              </a:rPr>
+              <a:t>      ((var? v)</a:t>
+            </a:r>
+            <a:endParaRPr sz="600" lang="zh-CN-#Hans">
+              <a:solidFill>
+                <a:srgbClr val="000000"/>
+              </a:solidFill>
+            </a:endParaRPr>
+          </a:p>
+          <a:p>
+            <a:r>
+              <a:rPr altLang="zh-CN" sz="600" lang="en-US">
+                <a:solidFill>
+                  <a:srgbClr val="000000"/>
+                </a:solidFill>
+              </a:rPr>
+              <a:t>       (let  ((n (reify-name (length s))))</a:t>
+            </a:r>
+            <a:endParaRPr sz="600" lang="zh-CN-#Hans">
+              <a:solidFill>
+                <a:srgbClr val="000000"/>
+              </a:solidFill>
+            </a:endParaRPr>
+          </a:p>
+          <a:p>
+            <a:r>
+              <a:rPr altLang="zh-CN" sz="600" lang="en-US">
+                <a:solidFill>
+                  <a:srgbClr val="000000"/>
+                </a:solidFill>
+              </a:rPr>
+              <a:t>         (cons `(,v . ,n) s)))</a:t>
+            </a:r>
+            <a:endParaRPr sz="600" lang="zh-CN-#Hans">
+              <a:solidFill>
+                <a:srgbClr val="000000"/>
+              </a:solidFill>
+            </a:endParaRPr>
+          </a:p>
+          <a:p>
+            <a:r>
+              <a:rPr altLang="zh-CN" sz="600" lang="en-US">
+                <a:solidFill>
+                  <a:srgbClr val="000000"/>
+                </a:solidFill>
+              </a:rPr>
+              <a:t>      ((pair? v) (reify-s (cdr v) (reify-s (car v) s)))</a:t>
+            </a:r>
+            <a:endParaRPr sz="600" lang="zh-CN-#Hans">
+              <a:solidFill>
+                <a:srgbClr val="000000"/>
+              </a:solidFill>
+            </a:endParaRPr>
+          </a:p>
+          <a:p>
+            <a:r>
+              <a:rPr altLang="zh-CN" sz="600" lang="en-US">
+                <a:solidFill>
+                  <a:srgbClr val="000000"/>
+                </a:solidFill>
+              </a:rPr>
+              <a:t>      (else s))))</a:t>
+            </a:r>
+            <a:endParaRPr sz="600" lang="zh-CN-#Hans">
+              <a:solidFill>
+                <a:srgbClr val="000000"/>
+              </a:solidFill>
+            </a:endParaRPr>
+          </a:p>
+          <a:p>
+            <a:r>
+              <a:rPr altLang="zh-CN" sz="600" lang="en-US">
+                <a:solidFill>
+                  <a:srgbClr val="000000"/>
+                </a:solidFill>
+              </a:rPr>
+              <a:t>(define (reify-name n)</a:t>
+            </a:r>
+            <a:endParaRPr sz="600" lang="zh-CN-#Hans">
+              <a:solidFill>
+                <a:srgbClr val="000000"/>
+              </a:solidFill>
+            </a:endParaRPr>
+          </a:p>
+          <a:p>
+            <a:r>
+              <a:rPr altLang="zh-CN" sz="600" lang="en-US">
+                <a:solidFill>
+                  <a:srgbClr val="000000"/>
+                </a:solidFill>
+              </a:rPr>
+              <a:t>  (string-&gt;symbol</a:t>
+            </a:r>
+            <a:endParaRPr sz="600" lang="zh-CN-#Hans">
+              <a:solidFill>
+                <a:srgbClr val="000000"/>
+              </a:solidFill>
+            </a:endParaRPr>
+          </a:p>
+          <a:p>
+            <a:r>
+              <a:rPr altLang="zh-CN" sz="600" lang="en-US">
+                <a:solidFill>
+                  <a:srgbClr val="000000"/>
+                </a:solidFill>
+              </a:rPr>
+              <a:t>    (string-append "_" "." (number-&gt;string n))))</a:t>
+            </a:r>
+            <a:endParaRPr sz="600" lang="zh-CN-#Hans">
+              <a:solidFill>
+                <a:srgbClr val="000000"/>
+              </a:solidFill>
+            </a:endParaRPr>
+          </a:p>
+          <a:p>
+            <a:r>
+              <a:rPr altLang="zh-CN" sz="600" lang="en-US">
+                <a:solidFill>
+                  <a:srgbClr val="000000"/>
+                </a:solidFill>
+              </a:rPr>
+              <a:t>(define (fresh/nf n f)</a:t>
+            </a:r>
+            <a:endParaRPr sz="600" lang="zh-CN-#Hans">
+              <a:solidFill>
+                <a:srgbClr val="000000"/>
+              </a:solidFill>
+            </a:endParaRPr>
+          </a:p>
+          <a:p>
+            <a:r>
+              <a:rPr altLang="zh-CN" sz="600" lang="en-US">
+                <a:solidFill>
+                  <a:srgbClr val="000000"/>
+                </a:solidFill>
+              </a:rPr>
+              <a:t>  (letrec</a:t>
+            </a:r>
+            <a:endParaRPr sz="600" lang="zh-CN-#Hans">
+              <a:solidFill>
+                <a:srgbClr val="000000"/>
+              </a:solidFill>
+            </a:endParaRPr>
+          </a:p>
+          <a:p>
+            <a:r>
+              <a:rPr altLang="zh-CN" sz="600" lang="en-US">
+                <a:solidFill>
+                  <a:srgbClr val="000000"/>
+                </a:solidFill>
+              </a:rPr>
+              <a:t>    ((app-f/v*</a:t>
+            </a:r>
+            <a:endParaRPr sz="600" lang="zh-CN-#Hans">
+              <a:solidFill>
+                <a:srgbClr val="000000"/>
+              </a:solidFill>
+            </a:endParaRPr>
+          </a:p>
+          <a:p>
+            <a:r>
+              <a:rPr altLang="zh-CN" sz="600" lang="en-US">
+                <a:solidFill>
+                  <a:srgbClr val="000000"/>
+                </a:solidFill>
+              </a:rPr>
+              <a:t>       (lambda (n v*)</a:t>
+            </a:r>
+            <a:endParaRPr sz="600" lang="zh-CN-#Hans">
+              <a:solidFill>
+                <a:srgbClr val="000000"/>
+              </a:solidFill>
+            </a:endParaRPr>
+          </a:p>
+          <a:p>
+            <a:r>
+              <a:rPr altLang="zh-CN" sz="600" lang="en-US">
+                <a:solidFill>
+                  <a:srgbClr val="000000"/>
+                </a:solidFill>
+              </a:rPr>
+              <a:t>         (cond</a:t>
+            </a:r>
+            <a:endParaRPr sz="600" lang="zh-CN-#Hans">
+              <a:solidFill>
+                <a:srgbClr val="000000"/>
+              </a:solidFill>
+            </a:endParaRPr>
+          </a:p>
+          <a:p>
+            <a:r>
+              <a:rPr altLang="zh-CN" sz="600" lang="en-US">
+                <a:solidFill>
+                  <a:srgbClr val="000000"/>
+                </a:solidFill>
+              </a:rPr>
+              <a:t>           ((zero? n) (apply f (reverse v*)))</a:t>
+            </a:r>
+            <a:endParaRPr sz="600" lang="zh-CN-#Hans">
+              <a:solidFill>
+                <a:srgbClr val="000000"/>
+              </a:solidFill>
+            </a:endParaRPr>
+          </a:p>
+          <a:p>
+            <a:r>
+              <a:rPr altLang="zh-CN" sz="600" lang="en-US">
+                <a:solidFill>
+                  <a:srgbClr val="000000"/>
+                </a:solidFill>
+              </a:rPr>
+              <a:t>           (else (call/fresh</a:t>
+            </a:r>
+            <a:endParaRPr sz="600" lang="zh-CN-#Hans">
+              <a:solidFill>
+                <a:srgbClr val="000000"/>
+              </a:solidFill>
+            </a:endParaRPr>
+          </a:p>
+          <a:p>
+            <a:r>
+              <a:rPr altLang="zh-CN" sz="600" lang="en-US">
+                <a:solidFill>
+                  <a:srgbClr val="000000"/>
+                </a:solidFill>
+              </a:rPr>
+              <a:t>                   (lambda (x)</a:t>
+            </a:r>
+            <a:endParaRPr sz="600" lang="zh-CN-#Hans">
+              <a:solidFill>
+                <a:srgbClr val="000000"/>
+              </a:solidFill>
+            </a:endParaRPr>
+          </a:p>
+          <a:p>
+            <a:r>
+              <a:rPr altLang="zh-CN" sz="600" lang="en-US">
+                <a:solidFill>
+                  <a:srgbClr val="000000"/>
+                </a:solidFill>
+              </a:rPr>
+              <a:t>                     (app-f/v* (- n 1) (cons x v*)))))))))</a:t>
+            </a:r>
+            <a:endParaRPr sz="600" lang="zh-CN-#Hans">
+              <a:solidFill>
+                <a:srgbClr val="000000"/>
+              </a:solidFill>
+            </a:endParaRPr>
+          </a:p>
+          <a:p>
+            <a:r>
+              <a:rPr altLang="zh-CN" sz="600" lang="en-US">
+                <a:solidFill>
+                  <a:srgbClr val="000000"/>
+                </a:solidFill>
+              </a:rPr>
+              <a:t>     (app-f/v* n '())))</a:t>
+            </a:r>
+            <a:endParaRPr sz="600" lang="zh-CN-#Hans">
+              <a:solidFill>
+                <a:srgbClr val="000000"/>
+              </a:solidFill>
+            </a:endParaRPr>
+          </a:p>
+          <a:p>
+            <a:r>
+              <a:rPr altLang="zh-CN" sz="600" lang="en-US">
+                <a:solidFill>
+                  <a:srgbClr val="000000"/>
+                </a:solidFill>
+              </a:rPr>
+              <a:t>;;; Test programs</a:t>
+            </a:r>
+            <a:endParaRPr sz="600" lang="zh-CN-#Hans">
+              <a:solidFill>
+                <a:srgbClr val="000000"/>
+              </a:solidFill>
+            </a:endParaRPr>
+          </a:p>
+          <a:p>
+            <a:r>
+              <a:rPr altLang="zh-CN" sz="600" lang="en-US">
+                <a:solidFill>
+                  <a:srgbClr val="000000"/>
+                </a:solidFill>
+              </a:rPr>
+              <a:t>(define-syntax test-check</a:t>
+            </a:r>
+            <a:endParaRPr sz="600" lang="zh-CN-#Hans">
+              <a:solidFill>
+                <a:srgbClr val="000000"/>
+              </a:solidFill>
+            </a:endParaRPr>
+          </a:p>
+          <a:p>
+            <a:r>
+              <a:rPr altLang="zh-CN" sz="600" lang="en-US">
+                <a:solidFill>
+                  <a:srgbClr val="000000"/>
+                </a:solidFill>
+              </a:rPr>
+              <a:t>  (syntax-rules ()</a:t>
+            </a:r>
+            <a:endParaRPr sz="600" lang="zh-CN-#Hans">
+              <a:solidFill>
+                <a:srgbClr val="000000"/>
+              </a:solidFill>
+            </a:endParaRPr>
+          </a:p>
+          <a:p>
+            <a:r>
+              <a:rPr altLang="zh-CN" sz="600" lang="en-US">
+                <a:solidFill>
+                  <a:srgbClr val="000000"/>
+                </a:solidFill>
+              </a:rPr>
+              <a:t>    ((_ title tested-expression expected-result)</a:t>
+            </a:r>
+            <a:endParaRPr sz="600" lang="zh-CN-#Hans">
+              <a:solidFill>
+                <a:srgbClr val="000000"/>
+              </a:solidFill>
+            </a:endParaRPr>
+          </a:p>
+          <a:p>
+            <a:r>
+              <a:rPr altLang="zh-CN" sz="600" lang="en-US">
+                <a:solidFill>
+                  <a:srgbClr val="000000"/>
+                </a:solidFill>
+              </a:rPr>
+              <a:t>     (begin</a:t>
+            </a:r>
+            <a:endParaRPr sz="600" lang="zh-CN-#Hans">
+              <a:solidFill>
+                <a:srgbClr val="000000"/>
+              </a:solidFill>
+            </a:endParaRPr>
+          </a:p>
+          <a:p>
+            <a:r>
+              <a:rPr altLang="zh-CN" sz="600" lang="en-US">
+                <a:solidFill>
+                  <a:srgbClr val="000000"/>
+                </a:solidFill>
+              </a:rPr>
+              <a:t>       (printf "Testing ~s\n" title)</a:t>
+            </a:r>
+            <a:endParaRPr sz="600" lang="zh-CN-#Hans">
+              <a:solidFill>
+                <a:srgbClr val="000000"/>
+              </a:solidFill>
+            </a:endParaRPr>
+          </a:p>
+          <a:p>
+            <a:r>
+              <a:rPr altLang="zh-CN" sz="600" lang="en-US">
+                <a:solidFill>
+                  <a:srgbClr val="000000"/>
+                </a:solidFill>
+              </a:rPr>
+              <a:t>       (let* ((expected expected-result)</a:t>
+            </a:r>
+            <a:endParaRPr sz="600" lang="zh-CN-#Hans">
+              <a:solidFill>
+                <a:srgbClr val="000000"/>
+              </a:solidFill>
+            </a:endParaRPr>
+          </a:p>
+          <a:p>
+            <a:r>
+              <a:rPr altLang="zh-CN" sz="600" lang="en-US">
+                <a:solidFill>
+                  <a:srgbClr val="000000"/>
+                </a:solidFill>
+              </a:rPr>
+              <a:t>              (produced tested-expression))</a:t>
+            </a:r>
+            <a:endParaRPr sz="600" lang="zh-CN-#Hans">
+              <a:solidFill>
+                <a:srgbClr val="000000"/>
+              </a:solidFill>
+            </a:endParaRPr>
+          </a:p>
+          <a:p>
+            <a:r>
+              <a:rPr altLang="zh-CN" sz="600" lang="en-US">
+                <a:solidFill>
+                  <a:srgbClr val="000000"/>
+                </a:solidFill>
+              </a:rPr>
+              <a:t>         (or (equal? expected produced)</a:t>
+            </a:r>
+            <a:endParaRPr sz="600" lang="zh-CN-#Hans">
+              <a:solidFill>
+                <a:srgbClr val="000000"/>
+              </a:solidFill>
+            </a:endParaRPr>
+          </a:p>
+          <a:p>
+            <a:r>
+              <a:rPr altLang="zh-CN" sz="600" lang="en-US">
+                <a:solidFill>
+                  <a:srgbClr val="000000"/>
+                </a:solidFill>
+              </a:rPr>
+              <a:t>             (errorf 'test-check</a:t>
+            </a:r>
+            <a:endParaRPr sz="600" lang="zh-CN-#Hans">
+              <a:solidFill>
+                <a:srgbClr val="000000"/>
+              </a:solidFill>
+            </a:endParaRPr>
+          </a:p>
+          <a:p>
+            <a:r>
+              <a:rPr altLang="zh-CN" sz="600" lang="en-US">
+                <a:solidFill>
+                  <a:srgbClr val="000000"/>
+                </a:solidFill>
+              </a:rPr>
+              <a:t>               "Failed: ~a~%Expected: ~a~%Computed: ~a~%"</a:t>
+            </a:r>
+            <a:endParaRPr sz="600" lang="zh-CN-#Hans">
+              <a:solidFill>
+                <a:srgbClr val="000000"/>
+              </a:solidFill>
+            </a:endParaRPr>
+          </a:p>
+          <a:p>
+            <a:r>
+              <a:rPr altLang="zh-CN" sz="600" lang="en-US">
+                <a:solidFill>
+                  <a:srgbClr val="000000"/>
+                </a:solidFill>
+              </a:rPr>
+              <a:t>               'tested-expression expected produced)))))))</a:t>
+            </a:r>
+            <a:endParaRPr sz="600" lang="zh-CN-#Hans">
+              <a:solidFill>
+                <a:srgbClr val="000000"/>
+              </a:solidFill>
+            </a:endParaRPr>
+          </a:p>
+          <a:p>
+            <a:r>
+              <a:rPr altLang="zh-CN" sz="600" lang="en-US">
+                <a:solidFill>
+                  <a:srgbClr val="000000"/>
+                </a:solidFill>
+              </a:rPr>
+              <a:t>(define (appendo l s out)</a:t>
+            </a:r>
+            <a:endParaRPr sz="600" lang="zh-CN-#Hans">
+              <a:solidFill>
+                <a:srgbClr val="000000"/>
+              </a:solidFill>
+            </a:endParaRPr>
+          </a:p>
+          <a:p>
+            <a:r>
+              <a:rPr altLang="zh-CN" sz="600" lang="en-US">
+                <a:solidFill>
+                  <a:srgbClr val="000000"/>
+                </a:solidFill>
+              </a:rPr>
+              <a:t>  (conde</a:t>
+            </a:r>
+            <a:endParaRPr sz="600" lang="zh-CN-#Hans">
+              <a:solidFill>
+                <a:srgbClr val="000000"/>
+              </a:solidFill>
+            </a:endParaRPr>
+          </a:p>
+          <a:p>
+            <a:r>
+              <a:rPr altLang="zh-CN" sz="600" lang="en-US">
+                <a:solidFill>
+                  <a:srgbClr val="000000"/>
+                </a:solidFill>
+              </a:rPr>
+              <a:t>    ((== '() l) (== s out))</a:t>
+            </a:r>
+            <a:endParaRPr sz="600" lang="zh-CN-#Hans">
+              <a:solidFill>
+                <a:srgbClr val="000000"/>
+              </a:solidFill>
+            </a:endParaRPr>
+          </a:p>
+          <a:p>
+            <a:r>
+              <a:rPr altLang="zh-CN" sz="600" lang="en-US">
+                <a:solidFill>
+                  <a:srgbClr val="000000"/>
+                </a:solidFill>
+              </a:rPr>
+              <a:t>    ((fresh (a d res)</a:t>
+            </a:r>
+            <a:endParaRPr sz="600" lang="zh-CN-#Hans">
+              <a:solidFill>
+                <a:srgbClr val="000000"/>
+              </a:solidFill>
+            </a:endParaRPr>
+          </a:p>
+          <a:p>
+            <a:r>
+              <a:rPr altLang="zh-CN" sz="600" lang="en-US">
+                <a:solidFill>
+                  <a:srgbClr val="000000"/>
+                </a:solidFill>
+              </a:rPr>
+              <a:t>       (== `(,a . ,d) l)</a:t>
+            </a:r>
+            <a:endParaRPr sz="600" lang="zh-CN-#Hans">
+              <a:solidFill>
+                <a:srgbClr val="000000"/>
+              </a:solidFill>
+            </a:endParaRPr>
+          </a:p>
+          <a:p>
+            <a:r>
+              <a:rPr altLang="zh-CN" sz="600" lang="en-US">
+                <a:solidFill>
+                  <a:srgbClr val="000000"/>
+                </a:solidFill>
+              </a:rPr>
+              <a:t>       (== `(,a . ,res) out)</a:t>
+            </a:r>
+            <a:endParaRPr sz="600" lang="zh-CN-#Hans">
+              <a:solidFill>
+                <a:srgbClr val="000000"/>
+              </a:solidFill>
+            </a:endParaRPr>
+          </a:p>
+          <a:p>
+            <a:r>
+              <a:rPr altLang="zh-CN" sz="600" lang="en-US">
+                <a:solidFill>
+                  <a:srgbClr val="000000"/>
+                </a:solidFill>
+              </a:rPr>
+              <a:t>       (appendo d s res)))))</a:t>
+            </a:r>
+            <a:endParaRPr sz="600" lang="zh-CN-#Hans">
+              <a:solidFill>
+                <a:srgbClr val="000000"/>
+              </a:solidFill>
+            </a:endParaRPr>
+          </a:p>
+          <a:p>
+            <a:r>
+              <a:rPr altLang="zh-CN" sz="600" lang="en-US">
+                <a:solidFill>
+                  <a:srgbClr val="000000"/>
+                </a:solidFill>
+              </a:rPr>
+              <a:t>(test-check 'run*</a:t>
+            </a:r>
+            <a:endParaRPr sz="600" lang="zh-CN-#Hans">
+              <a:solidFill>
+                <a:srgbClr val="000000"/>
+              </a:solidFill>
+            </a:endParaRPr>
+          </a:p>
+          <a:p>
+            <a:r>
+              <a:rPr altLang="zh-CN" sz="600" lang="en-US">
+                <a:solidFill>
+                  <a:srgbClr val="000000"/>
+                </a:solidFill>
+              </a:rPr>
+              <a:t>  (run* (q) (fresh (x y) (== `(,x ,y) q) (appendo x y '(1 2 3 4 5))))</a:t>
+            </a:r>
+            <a:endParaRPr sz="600" lang="zh-CN-#Hans">
+              <a:solidFill>
+                <a:srgbClr val="000000"/>
+              </a:solidFill>
+            </a:endParaRPr>
+          </a:p>
+          <a:p>
+            <a:r>
+              <a:rPr altLang="zh-CN" sz="600" lang="en-US">
+                <a:solidFill>
+                  <a:srgbClr val="000000"/>
+                </a:solidFill>
+              </a:rPr>
+              <a:t>  '((() (1 2 3 4 5))</a:t>
+            </a:r>
+            <a:endParaRPr sz="600" lang="zh-CN-#Hans">
+              <a:solidFill>
+                <a:srgbClr val="000000"/>
+              </a:solidFill>
+            </a:endParaRPr>
+          </a:p>
+          <a:p>
+            <a:r>
+              <a:rPr altLang="zh-CN" sz="600" lang="en-US">
+                <a:solidFill>
+                  <a:srgbClr val="000000"/>
+                </a:solidFill>
+              </a:rPr>
+              <a:t>    ((1) (2 3 4 5))</a:t>
+            </a:r>
+            <a:endParaRPr sz="600" lang="zh-CN-#Hans">
+              <a:solidFill>
+                <a:srgbClr val="000000"/>
+              </a:solidFill>
+            </a:endParaRPr>
+          </a:p>
+          <a:p>
+            <a:r>
+              <a:rPr altLang="zh-CN" sz="600" lang="en-US">
+                <a:solidFill>
+                  <a:srgbClr val="000000"/>
+                </a:solidFill>
+              </a:rPr>
+              <a:t>    ((1 2) (3 4 5))</a:t>
+            </a:r>
+            <a:endParaRPr sz="600" lang="zh-CN-#Hans">
+              <a:solidFill>
+                <a:srgbClr val="000000"/>
+              </a:solidFill>
+            </a:endParaRPr>
+          </a:p>
+          <a:p>
+            <a:r>
+              <a:rPr altLang="zh-CN" sz="600" lang="en-US">
+                <a:solidFill>
+                  <a:srgbClr val="000000"/>
+                </a:solidFill>
+              </a:rPr>
+              <a:t>    ((1 2 3) (4 5))</a:t>
+            </a:r>
+            <a:endParaRPr sz="600" lang="zh-CN-#Hans">
+              <a:solidFill>
+                <a:srgbClr val="000000"/>
+              </a:solidFill>
+            </a:endParaRPr>
+          </a:p>
+          <a:p>
+            <a:r>
+              <a:rPr altLang="zh-CN" sz="600" lang="en-US">
+                <a:solidFill>
+                  <a:srgbClr val="000000"/>
+                </a:solidFill>
+              </a:rPr>
+              <a:t>    ((1 2 3 4) (5))</a:t>
+            </a:r>
+            <a:endParaRPr sz="600" lang="zh-CN-#Hans">
+              <a:solidFill>
+                <a:srgbClr val="000000"/>
+              </a:solidFill>
+            </a:endParaRPr>
+          </a:p>
+          <a:p>
+            <a:r>
+              <a:rPr altLang="zh-CN" sz="600" lang="en-US">
+                <a:solidFill>
+                  <a:srgbClr val="000000"/>
+                </a:solidFill>
+              </a:rPr>
+              <a:t>    ((1 2 3 4 5) ())))</a:t>
+            </a:r>
+            <a:endParaRPr sz="600" lang="zh-CN-#Hans">
+              <a:solidFill>
+                <a:srgbClr val="000000"/>
+              </a:solidFill>
+            </a:endParaRPr>
+          </a:p>
+          <a:p>
+            <a:r>
+              <a:rPr altLang="zh-CN" sz="600" lang="en-US">
+                <a:solidFill>
+                  <a:srgbClr val="000000"/>
+                </a:solidFill>
+              </a:rPr>
+              <a:t>(test-check 'run*2</a:t>
+            </a:r>
+            <a:endParaRPr sz="600" lang="zh-CN-#Hans">
+              <a:solidFill>
+                <a:srgbClr val="000000"/>
+              </a:solidFill>
+            </a:endParaRPr>
+          </a:p>
+          <a:p>
+            <a:r>
+              <a:rPr altLang="zh-CN" sz="600" lang="en-US">
+                <a:solidFill>
+                  <a:srgbClr val="000000"/>
+                </a:solidFill>
+              </a:rPr>
+              <a:t>  (run* (q x y) (== `(,x ,y) q) (appendo x y '(1 2 3 4 5)))</a:t>
+            </a:r>
+            <a:endParaRPr sz="600" lang="zh-CN-#Hans">
+              <a:solidFill>
+                <a:srgbClr val="000000"/>
+              </a:solidFill>
+            </a:endParaRPr>
+          </a:p>
+          <a:p>
+            <a:r>
+              <a:rPr altLang="zh-CN" sz="600" lang="en-US">
+                <a:solidFill>
+                  <a:srgbClr val="000000"/>
+                </a:solidFill>
+              </a:rPr>
+              <a:t>  '((() (1 2 3 4 5))</a:t>
+            </a:r>
+            <a:endParaRPr sz="600" lang="zh-CN-#Hans">
+              <a:solidFill>
+                <a:srgbClr val="000000"/>
+              </a:solidFill>
+            </a:endParaRPr>
+          </a:p>
+          <a:p>
+            <a:r>
+              <a:rPr altLang="zh-CN" sz="600" lang="en-US">
+                <a:solidFill>
+                  <a:srgbClr val="000000"/>
+                </a:solidFill>
+              </a:rPr>
+              <a:t>    ((1) (2 3 4 5))</a:t>
+            </a:r>
+            <a:endParaRPr sz="600" lang="zh-CN-#Hans">
+              <a:solidFill>
+                <a:srgbClr val="000000"/>
+              </a:solidFill>
+            </a:endParaRPr>
+          </a:p>
+          <a:p>
+            <a:r>
+              <a:rPr altLang="zh-CN" sz="600" lang="en-US">
+                <a:solidFill>
+                  <a:srgbClr val="000000"/>
+                </a:solidFill>
+              </a:rPr>
+              <a:t>    ((1 2) (3 4 5))</a:t>
+            </a:r>
+            <a:endParaRPr sz="600" lang="zh-CN-#Hans">
+              <a:solidFill>
+                <a:srgbClr val="000000"/>
+              </a:solidFill>
+            </a:endParaRPr>
+          </a:p>
+          <a:p>
+            <a:r>
+              <a:rPr altLang="zh-CN" sz="600" lang="en-US">
+                <a:solidFill>
+                  <a:srgbClr val="000000"/>
+                </a:solidFill>
+              </a:rPr>
+              <a:t>    ((1 2 3) (4 5))</a:t>
+            </a:r>
+            <a:endParaRPr sz="600" lang="zh-CN-#Hans">
+              <a:solidFill>
+                <a:srgbClr val="000000"/>
+              </a:solidFill>
+            </a:endParaRPr>
+          </a:p>
+          <a:p>
+            <a:r>
+              <a:rPr altLang="zh-CN" sz="600" lang="en-US">
+                <a:solidFill>
+                  <a:srgbClr val="000000"/>
+                </a:solidFill>
+              </a:rPr>
+              <a:t>    ((1 2 3 4) (5))</a:t>
+            </a:r>
+            <a:endParaRPr sz="600" lang="zh-CN-#Hans">
+              <a:solidFill>
+                <a:srgbClr val="000000"/>
+              </a:solidFill>
+            </a:endParaRPr>
+          </a:p>
+          <a:p>
+            <a:r>
+              <a:rPr altLang="zh-CN" sz="600" lang="en-US">
+                <a:solidFill>
+                  <a:srgbClr val="000000"/>
+                </a:solidFill>
+              </a:rPr>
+              <a:t>    ((1 2 3 4 5) ())))</a:t>
+            </a:r>
+            <a:endParaRPr sz="600" lang="zh-CN-#Hans">
+              <a:solidFill>
+                <a:srgbClr val="000000"/>
+              </a:solidFill>
+            </a:endParaRPr>
+          </a:p>
+          <a:p>
+            <a:r>
+              <a:rPr altLang="zh-CN" sz="600" lang="en-US">
+                <a:solidFill>
+                  <a:srgbClr val="000000"/>
+                </a:solidFill>
+              </a:rPr>
+              <a:t>  </a:t>
+            </a:r>
+            <a:endParaRPr sz="600" lang="zh-CN-#Hans">
+              <a:solidFill>
+                <a:srgbClr val="000000"/>
+              </a:solidFill>
+            </a:endParaRPr>
+          </a:p>
+          <a:p>
+            <a:r>
+              <a:rPr altLang="zh-CN" sz="600" lang="en-US">
+                <a:solidFill>
+                  <a:srgbClr val="000000"/>
+                </a:solidFill>
+              </a:rPr>
+              <a:t>(test-check 'rember*o</a:t>
+            </a:r>
+            <a:endParaRPr sz="600" lang="zh-CN-#Hans">
+              <a:solidFill>
+                <a:srgbClr val="000000"/>
+              </a:solidFill>
+            </a:endParaRPr>
+          </a:p>
+          <a:p>
+            <a:r>
+              <a:rPr altLang="zh-CN" sz="600" lang="en-US">
+                <a:solidFill>
+                  <a:srgbClr val="000000"/>
+                </a:solidFill>
+              </a:rPr>
+              <a:t>  (letrec</a:t>
+            </a:r>
+            <a:endParaRPr sz="600" lang="zh-CN-#Hans">
+              <a:solidFill>
+                <a:srgbClr val="000000"/>
+              </a:solidFill>
+            </a:endParaRPr>
+          </a:p>
+          <a:p>
+            <a:r>
+              <a:rPr altLang="zh-CN" sz="600" lang="en-US">
+                <a:solidFill>
+                  <a:srgbClr val="000000"/>
+                </a:solidFill>
+              </a:rPr>
+              <a:t>      ((rember*o (lambda (tr o)</a:t>
+            </a:r>
+            <a:endParaRPr sz="600" lang="zh-CN-#Hans">
+              <a:solidFill>
+                <a:srgbClr val="000000"/>
+              </a:solidFill>
+            </a:endParaRPr>
+          </a:p>
+          <a:p>
+            <a:r>
+              <a:rPr altLang="zh-CN" sz="600" lang="en-US">
+                <a:solidFill>
+                  <a:srgbClr val="000000"/>
+                </a:solidFill>
+              </a:rPr>
+              <a:t>                   (conde</a:t>
+            </a:r>
+            <a:endParaRPr sz="600" lang="zh-CN-#Hans">
+              <a:solidFill>
+                <a:srgbClr val="000000"/>
+              </a:solidFill>
+            </a:endParaRPr>
+          </a:p>
+          <a:p>
+            <a:r>
+              <a:rPr altLang="zh-CN" sz="600" lang="en-US">
+                <a:solidFill>
+                  <a:srgbClr val="000000"/>
+                </a:solidFill>
+              </a:rPr>
+              <a:t>                     ((== '() tr) (== '() o))</a:t>
+            </a:r>
+            <a:endParaRPr sz="600" lang="zh-CN-#Hans">
+              <a:solidFill>
+                <a:srgbClr val="000000"/>
+              </a:solidFill>
+            </a:endParaRPr>
+          </a:p>
+          <a:p>
+            <a:r>
+              <a:rPr altLang="zh-CN" sz="600" lang="en-US">
+                <a:solidFill>
+                  <a:srgbClr val="000000"/>
+                </a:solidFill>
+              </a:rPr>
+              <a:t>                     ((fresh (a d)</a:t>
+            </a:r>
+            <a:endParaRPr sz="600" lang="zh-CN-#Hans">
+              <a:solidFill>
+                <a:srgbClr val="000000"/>
+              </a:solidFill>
+            </a:endParaRPr>
+          </a:p>
+          <a:p>
+            <a:r>
+              <a:rPr altLang="zh-CN" sz="600" lang="en-US">
+                <a:solidFill>
+                  <a:srgbClr val="000000"/>
+                </a:solidFill>
+              </a:rPr>
+              <a:t>                        (== `(,a . ,d) tr)</a:t>
+            </a:r>
+            <a:endParaRPr sz="600" lang="zh-CN-#Hans">
+              <a:solidFill>
+                <a:srgbClr val="000000"/>
+              </a:solidFill>
+            </a:endParaRPr>
+          </a:p>
+          <a:p>
+            <a:r>
+              <a:rPr altLang="zh-CN" sz="600" lang="en-US">
+                <a:solidFill>
+                  <a:srgbClr val="000000"/>
+                </a:solidFill>
+              </a:rPr>
+              <a:t>                        (conde</a:t>
+            </a:r>
+            <a:endParaRPr sz="600" lang="zh-CN-#Hans">
+              <a:solidFill>
+                <a:srgbClr val="000000"/>
+              </a:solidFill>
+            </a:endParaRPr>
+          </a:p>
+          <a:p>
+            <a:r>
+              <a:rPr altLang="zh-CN" sz="600" lang="en-US">
+                <a:solidFill>
+                  <a:srgbClr val="000000"/>
+                </a:solidFill>
+              </a:rPr>
+              <a:t>                          ((fresh (aa da)</a:t>
+            </a:r>
+            <a:endParaRPr sz="600" lang="zh-CN-#Hans">
+              <a:solidFill>
+                <a:srgbClr val="000000"/>
+              </a:solidFill>
+            </a:endParaRPr>
+          </a:p>
+          <a:p>
+            <a:r>
+              <a:rPr altLang="zh-CN" sz="600" lang="en-US">
+                <a:solidFill>
+                  <a:srgbClr val="000000"/>
+                </a:solidFill>
+              </a:rPr>
+              <a:t>                             (== `(,aa . ,da) a)</a:t>
+            </a:r>
+            <a:endParaRPr sz="600" lang="zh-CN-#Hans">
+              <a:solidFill>
+                <a:srgbClr val="000000"/>
+              </a:solidFill>
+            </a:endParaRPr>
+          </a:p>
+          <a:p>
+            <a:r>
+              <a:rPr altLang="zh-CN" sz="600" lang="en-US">
+                <a:solidFill>
+                  <a:srgbClr val="000000"/>
+                </a:solidFill>
+              </a:rPr>
+              <a:t>                             (fresh (a^ d^)</a:t>
+            </a:r>
+            <a:endParaRPr sz="600" lang="zh-CN-#Hans">
+              <a:solidFill>
+                <a:srgbClr val="000000"/>
+              </a:solidFill>
+            </a:endParaRPr>
+          </a:p>
+          <a:p>
+            <a:r>
+              <a:rPr altLang="zh-CN" sz="600" lang="en-US">
+                <a:solidFill>
+                  <a:srgbClr val="000000"/>
+                </a:solidFill>
+              </a:rPr>
+              <a:t>                               (rember*o a a^)</a:t>
+            </a:r>
+            <a:endParaRPr sz="600" lang="zh-CN-#Hans">
+              <a:solidFill>
+                <a:srgbClr val="000000"/>
+              </a:solidFill>
+            </a:endParaRPr>
+          </a:p>
+          <a:p>
+            <a:r>
+              <a:rPr altLang="zh-CN" sz="600" lang="en-US">
+                <a:solidFill>
+                  <a:srgbClr val="000000"/>
+                </a:solidFill>
+              </a:rPr>
+              <a:t>                               (rember*o d d^)</a:t>
+            </a:r>
+            <a:endParaRPr sz="600" lang="zh-CN-#Hans">
+              <a:solidFill>
+                <a:srgbClr val="000000"/>
+              </a:solidFill>
+            </a:endParaRPr>
+          </a:p>
+          <a:p>
+            <a:r>
+              <a:rPr altLang="zh-CN" sz="600" lang="en-US">
+                <a:solidFill>
+                  <a:srgbClr val="000000"/>
+                </a:solidFill>
+              </a:rPr>
+              <a:t>                               (== `(,a^ . ,d^) o))))</a:t>
+            </a:r>
+            <a:endParaRPr sz="600" lang="zh-CN-#Hans">
+              <a:solidFill>
+                <a:srgbClr val="000000"/>
+              </a:solidFill>
+            </a:endParaRPr>
+          </a:p>
+          <a:p>
+            <a:r>
+              <a:rPr altLang="zh-CN" sz="600" lang="en-US">
+                <a:solidFill>
+                  <a:srgbClr val="000000"/>
+                </a:solidFill>
+              </a:rPr>
+              <a:t>                          ((== a 8) (rember*o d o))</a:t>
+            </a:r>
+            <a:endParaRPr sz="600" lang="zh-CN-#Hans">
+              <a:solidFill>
+                <a:srgbClr val="000000"/>
+              </a:solidFill>
+            </a:endParaRPr>
+          </a:p>
+          <a:p>
+            <a:r>
+              <a:rPr altLang="zh-CN" sz="600" lang="en-US">
+                <a:solidFill>
+                  <a:srgbClr val="000000"/>
+                </a:solidFill>
+              </a:rPr>
+              <a:t>                          ((fresh (d^)</a:t>
+            </a:r>
+            <a:endParaRPr sz="600" lang="zh-CN-#Hans">
+              <a:solidFill>
+                <a:srgbClr val="000000"/>
+              </a:solidFill>
+            </a:endParaRPr>
+          </a:p>
+          <a:p>
+            <a:r>
+              <a:rPr altLang="zh-CN" sz="600" lang="en-US">
+                <a:solidFill>
+                  <a:srgbClr val="000000"/>
+                </a:solidFill>
+              </a:rPr>
+              <a:t>                             (rember*o d d^)</a:t>
+            </a:r>
+            <a:endParaRPr sz="600" lang="zh-CN-#Hans">
+              <a:solidFill>
+                <a:srgbClr val="000000"/>
+              </a:solidFill>
+            </a:endParaRPr>
+          </a:p>
+          <a:p>
+            <a:r>
+              <a:rPr altLang="zh-CN" sz="600" lang="en-US">
+                <a:solidFill>
+                  <a:srgbClr val="000000"/>
+                </a:solidFill>
+              </a:rPr>
+              <a:t>                             (== `(,a . ,d^) o))))))))))</a:t>
+            </a:r>
+            <a:endParaRPr sz="600" lang="zh-CN-#Hans">
+              <a:solidFill>
+                <a:srgbClr val="000000"/>
+              </a:solidFill>
+            </a:endParaRPr>
+          </a:p>
+          <a:p>
+            <a:r>
+              <a:rPr altLang="zh-CN" sz="600" lang="en-US">
+                <a:solidFill>
+                  <a:srgbClr val="000000"/>
+                </a:solidFill>
+              </a:rPr>
+              <a:t>       (run 8 (q) (rember*o q '(1 2 8 3 4 5))))</a:t>
+            </a:r>
+            <a:endParaRPr sz="600" lang="zh-CN-#Hans">
+              <a:solidFill>
+                <a:srgbClr val="000000"/>
+              </a:solidFill>
+            </a:endParaRPr>
+          </a:p>
+          <a:p>
+            <a:r>
+              <a:rPr altLang="zh-CN" sz="600" lang="en-US">
+                <a:solidFill>
+                  <a:srgbClr val="000000"/>
+                </a:solidFill>
+              </a:rPr>
+              <a:t>    '((1 2 8 3 4 5)</a:t>
+            </a:r>
+            <a:endParaRPr sz="600" lang="zh-CN-#Hans">
+              <a:solidFill>
+                <a:srgbClr val="000000"/>
+              </a:solidFill>
+            </a:endParaRPr>
+          </a:p>
+          <a:p>
+            <a:r>
+              <a:rPr altLang="zh-CN" sz="600" lang="en-US">
+                <a:solidFill>
+                  <a:srgbClr val="000000"/>
+                </a:solidFill>
+              </a:rPr>
+              <a:t>      (1 2 8 3 4 5 8)</a:t>
+            </a:r>
+            <a:endParaRPr sz="600" lang="zh-CN-#Hans">
+              <a:solidFill>
+                <a:srgbClr val="000000"/>
+              </a:solidFill>
+            </a:endParaRPr>
+          </a:p>
+          <a:p>
+            <a:r>
+              <a:rPr altLang="zh-CN" sz="600" lang="en-US">
+                <a:solidFill>
+                  <a:srgbClr val="000000"/>
+                </a:solidFill>
+              </a:rPr>
+              <a:t>      (1 2 8 3 4 8 5)</a:t>
+            </a:r>
+            <a:endParaRPr sz="600" lang="zh-CN-#Hans">
+              <a:solidFill>
+                <a:srgbClr val="000000"/>
+              </a:solidFill>
+            </a:endParaRPr>
+          </a:p>
+          <a:p>
+            <a:r>
+              <a:rPr altLang="zh-CN" sz="600" lang="en-US">
+                <a:solidFill>
+                  <a:srgbClr val="000000"/>
+                </a:solidFill>
+              </a:rPr>
+              <a:t>      (1 2 8 3 8 4 5)</a:t>
+            </a:r>
+            <a:endParaRPr sz="600" lang="zh-CN-#Hans">
+              <a:solidFill>
+                <a:srgbClr val="000000"/>
+              </a:solidFill>
+            </a:endParaRPr>
+          </a:p>
+          <a:p>
+            <a:r>
+              <a:rPr altLang="zh-CN" sz="600" lang="en-US">
+                <a:solidFill>
+                  <a:srgbClr val="000000"/>
+                </a:solidFill>
+              </a:rPr>
+              <a:t>      (1 2 8 8 3 4 5)</a:t>
+            </a:r>
+            <a:endParaRPr sz="600" lang="zh-CN-#Hans">
+              <a:solidFill>
+                <a:srgbClr val="000000"/>
+              </a:solidFill>
+            </a:endParaRPr>
+          </a:p>
+          <a:p>
+            <a:r>
+              <a:rPr altLang="zh-CN" sz="600" lang="en-US">
+                <a:solidFill>
+                  <a:srgbClr val="000000"/>
+                </a:solidFill>
+              </a:rPr>
+              <a:t>      (1 2 8 8 3 4 5)</a:t>
+            </a:r>
+            <a:endParaRPr sz="600" lang="zh-CN-#Hans">
+              <a:solidFill>
+                <a:srgbClr val="000000"/>
+              </a:solidFill>
+            </a:endParaRPr>
+          </a:p>
+          <a:p>
+            <a:r>
+              <a:rPr altLang="zh-CN" sz="600" lang="en-US">
+                <a:solidFill>
+                  <a:srgbClr val="000000"/>
+                </a:solidFill>
+              </a:rPr>
+              <a:t>      (1 8 2 8 3 4 5)</a:t>
+            </a:r>
+            <a:endParaRPr sz="600" lang="zh-CN-#Hans">
+              <a:solidFill>
+                <a:srgbClr val="000000"/>
+              </a:solidFill>
+            </a:endParaRPr>
+          </a:p>
+          <a:p>
+            <a:r>
+              <a:rPr altLang="zh-CN" sz="600" lang="en-US">
+                <a:solidFill>
+                  <a:srgbClr val="000000"/>
+                </a:solidFill>
+              </a:rPr>
+              <a:t>      (8 1 2 8 3 4 5)))</a:t>
+            </a:r>
+            <a:endParaRPr sz="600" lang="zh-CN-#Hans">
+              <a:solidFill>
+                <a:srgbClr val="000000"/>
+              </a:solidFill>
+            </a:endParaRPr>
+          </a:p>
+          <a:p>
+            <a:r>
+              <a:rPr altLang="zh-CN" sz="600" lang="en-US">
+                <a:solidFill>
+                  <a:srgbClr val="000000"/>
+                </a:solidFill>
+              </a:rPr>
+              <a:t>(test-check 'rember*o</a:t>
+            </a:r>
+            <a:endParaRPr sz="600" lang="zh-CN-#Hans">
+              <a:solidFill>
+                <a:srgbClr val="000000"/>
+              </a:solidFill>
+            </a:endParaRPr>
+          </a:p>
+          <a:p>
+            <a:r>
+              <a:rPr altLang="zh-CN" sz="600" lang="en-US">
+                <a:solidFill>
+                  <a:srgbClr val="000000"/>
+                </a:solidFill>
+              </a:rPr>
+              <a:t>  (letrec</a:t>
+            </a:r>
+            <a:endParaRPr sz="600" lang="zh-CN-#Hans">
+              <a:solidFill>
+                <a:srgbClr val="000000"/>
+              </a:solidFill>
+            </a:endParaRPr>
+          </a:p>
+          <a:p>
+            <a:r>
+              <a:rPr altLang="zh-CN" sz="600" lang="en-US">
+                <a:solidFill>
+                  <a:srgbClr val="000000"/>
+                </a:solidFill>
+              </a:rPr>
+              <a:t>      ((rember*o (lambda (tr o)</a:t>
+            </a:r>
+            <a:endParaRPr sz="600" lang="zh-CN-#Hans">
+              <a:solidFill>
+                <a:srgbClr val="000000"/>
+              </a:solidFill>
+            </a:endParaRPr>
+          </a:p>
+          <a:p>
+            <a:r>
+              <a:rPr altLang="zh-CN" sz="600" lang="en-US">
+                <a:solidFill>
+                  <a:srgbClr val="000000"/>
+                </a:solidFill>
+              </a:rPr>
+              <a:t>                   (conde</a:t>
+            </a:r>
+            <a:endParaRPr sz="600" lang="zh-CN-#Hans">
+              <a:solidFill>
+                <a:srgbClr val="000000"/>
+              </a:solidFill>
+            </a:endParaRPr>
+          </a:p>
+          <a:p>
+            <a:r>
+              <a:rPr altLang="zh-CN" sz="600" lang="en-US">
+                <a:solidFill>
+                  <a:srgbClr val="000000"/>
+                </a:solidFill>
+              </a:rPr>
+              <a:t>                     ((== '() tr) (== '() o))</a:t>
+            </a:r>
+            <a:endParaRPr sz="600" lang="zh-CN-#Hans">
+              <a:solidFill>
+                <a:srgbClr val="000000"/>
+              </a:solidFill>
+            </a:endParaRPr>
+          </a:p>
+          <a:p>
+            <a:r>
+              <a:rPr altLang="zh-CN" sz="600" lang="en-US">
+                <a:solidFill>
+                  <a:srgbClr val="000000"/>
+                </a:solidFill>
+              </a:rPr>
+              <a:t>                     ((fresh (a d)</a:t>
+            </a:r>
+            <a:endParaRPr sz="600" lang="zh-CN-#Hans">
+              <a:solidFill>
+                <a:srgbClr val="000000"/>
+              </a:solidFill>
+            </a:endParaRPr>
+          </a:p>
+          <a:p>
+            <a:r>
+              <a:rPr altLang="zh-CN" sz="600" lang="en-US">
+                <a:solidFill>
+                  <a:srgbClr val="000000"/>
+                </a:solidFill>
+              </a:rPr>
+              <a:t>                        (== `(,a . ,d) tr)</a:t>
+            </a:r>
+            <a:endParaRPr sz="600" lang="zh-CN-#Hans">
+              <a:solidFill>
+                <a:srgbClr val="000000"/>
+              </a:solidFill>
+            </a:endParaRPr>
+          </a:p>
+          <a:p>
+            <a:r>
+              <a:rPr altLang="zh-CN" sz="600" lang="en-US">
+                <a:solidFill>
+                  <a:srgbClr val="000000"/>
+                </a:solidFill>
+              </a:rPr>
+              <a:t>                        (conde</a:t>
+            </a:r>
+            <a:endParaRPr sz="600" lang="zh-CN-#Hans">
+              <a:solidFill>
+                <a:srgbClr val="000000"/>
+              </a:solidFill>
+            </a:endParaRPr>
+          </a:p>
+          <a:p>
+            <a:r>
+              <a:rPr altLang="zh-CN" sz="600" lang="en-US">
+                <a:solidFill>
+                  <a:srgbClr val="000000"/>
+                </a:solidFill>
+              </a:rPr>
+              <a:t>                          ((fresh (aa da)</a:t>
+            </a:r>
+            <a:endParaRPr sz="600" lang="zh-CN-#Hans">
+              <a:solidFill>
+                <a:srgbClr val="000000"/>
+              </a:solidFill>
+            </a:endParaRPr>
+          </a:p>
+          <a:p>
+            <a:r>
+              <a:rPr altLang="zh-CN" sz="600" lang="en-US">
+                <a:solidFill>
+                  <a:srgbClr val="000000"/>
+                </a:solidFill>
+              </a:rPr>
+              <a:t>                             (== `(,aa . ,da) a)</a:t>
+            </a:r>
+            <a:endParaRPr sz="600" lang="zh-CN-#Hans">
+              <a:solidFill>
+                <a:srgbClr val="000000"/>
+              </a:solidFill>
+            </a:endParaRPr>
+          </a:p>
+          <a:p>
+            <a:r>
+              <a:rPr altLang="zh-CN" sz="600" lang="en-US">
+                <a:solidFill>
+                  <a:srgbClr val="000000"/>
+                </a:solidFill>
+              </a:rPr>
+              <a:t>                             (fresh (a^ d^)</a:t>
+            </a:r>
+            <a:endParaRPr sz="600" lang="zh-CN-#Hans">
+              <a:solidFill>
+                <a:srgbClr val="000000"/>
+              </a:solidFill>
+            </a:endParaRPr>
+          </a:p>
+          <a:p>
+            <a:r>
+              <a:rPr altLang="zh-CN" sz="600" lang="en-US">
+                <a:solidFill>
+                  <a:srgbClr val="000000"/>
+                </a:solidFill>
+              </a:rPr>
+              <a:t>                               (== `(,a^ . ,d^) o)</a:t>
+            </a:r>
+            <a:endParaRPr sz="600" lang="zh-CN-#Hans">
+              <a:solidFill>
+                <a:srgbClr val="000000"/>
+              </a:solidFill>
+            </a:endParaRPr>
+          </a:p>
+          <a:p>
+            <a:r>
+              <a:rPr altLang="zh-CN" sz="600" lang="en-US">
+                <a:solidFill>
+                  <a:srgbClr val="000000"/>
+                </a:solidFill>
+              </a:rPr>
+              <a:t>                               (rember*o d d^)</a:t>
+            </a:r>
+            <a:endParaRPr sz="600" lang="zh-CN-#Hans">
+              <a:solidFill>
+                <a:srgbClr val="000000"/>
+              </a:solidFill>
+            </a:endParaRPr>
+          </a:p>
+          <a:p>
+            <a:r>
+              <a:rPr altLang="zh-CN" sz="600" lang="en-US">
+                <a:solidFill>
+                  <a:srgbClr val="000000"/>
+                </a:solidFill>
+              </a:rPr>
+              <a:t>                               (rember*o a a^))))</a:t>
+            </a:r>
+            <a:endParaRPr sz="600" lang="zh-CN-#Hans">
+              <a:solidFill>
+                <a:srgbClr val="000000"/>
+              </a:solidFill>
+            </a:endParaRPr>
+          </a:p>
+          <a:p>
+            <a:r>
+              <a:rPr altLang="zh-CN" sz="600" lang="en-US">
+                <a:solidFill>
+                  <a:srgbClr val="000000"/>
+                </a:solidFill>
+              </a:rPr>
+              <a:t>                          ((== a 8) (rember*o d o))</a:t>
+            </a:r>
+            <a:endParaRPr sz="600" lang="zh-CN-#Hans">
+              <a:solidFill>
+                <a:srgbClr val="000000"/>
+              </a:solidFill>
+            </a:endParaRPr>
+          </a:p>
+          <a:p>
+            <a:r>
+              <a:rPr altLang="zh-CN" sz="600" lang="en-US">
+                <a:solidFill>
+                  <a:srgbClr val="000000"/>
+                </a:solidFill>
+              </a:rPr>
+              <a:t>                          ((fresh (d^)</a:t>
+            </a:r>
+            <a:endParaRPr sz="600" lang="zh-CN-#Hans">
+              <a:solidFill>
+                <a:srgbClr val="000000"/>
+              </a:solidFill>
+            </a:endParaRPr>
+          </a:p>
+          <a:p>
+            <a:r>
+              <a:rPr altLang="zh-CN" sz="600" lang="en-US">
+                <a:solidFill>
+                  <a:srgbClr val="000000"/>
+                </a:solidFill>
+              </a:rPr>
+              <a:t>                             (== `(,a . ,d^) o)</a:t>
+            </a:r>
+            <a:endParaRPr sz="600" lang="zh-CN-#Hans">
+              <a:solidFill>
+                <a:srgbClr val="000000"/>
+              </a:solidFill>
+            </a:endParaRPr>
+          </a:p>
+          <a:p>
+            <a:r>
+              <a:rPr altLang="zh-CN" sz="600" lang="en-US">
+                <a:solidFill>
+                  <a:srgbClr val="000000"/>
+                </a:solidFill>
+              </a:rPr>
+              <a:t>                             (rember*o d d^))))))))))</a:t>
+            </a:r>
+            <a:endParaRPr sz="600" lang="zh-CN-#Hans">
+              <a:solidFill>
+                <a:srgbClr val="000000"/>
+              </a:solidFill>
+            </a:endParaRPr>
+          </a:p>
+          <a:p>
+            <a:r>
+              <a:rPr altLang="zh-CN" sz="600" lang="en-US">
+                <a:solidFill>
+                  <a:srgbClr val="000000"/>
+                </a:solidFill>
+              </a:rPr>
+              <a:t>       (run 9 (q) (rember*o q '(1 (2 8 3 4) 5))))</a:t>
+            </a:r>
+            <a:endParaRPr sz="600" lang="zh-CN-#Hans">
+              <a:solidFill>
+                <a:srgbClr val="000000"/>
+              </a:solidFill>
+            </a:endParaRPr>
+          </a:p>
+          <a:p>
+            <a:r>
+              <a:rPr altLang="zh-CN" sz="600" lang="en-US">
+                <a:solidFill>
+                  <a:srgbClr val="000000"/>
+                </a:solidFill>
+              </a:rPr>
+              <a:t>    '((1 (2 8 3 4) 5)</a:t>
+            </a:r>
+            <a:endParaRPr sz="600" lang="zh-CN-#Hans">
+              <a:solidFill>
+                <a:srgbClr val="000000"/>
+              </a:solidFill>
+            </a:endParaRPr>
+          </a:p>
+          <a:p>
+            <a:r>
+              <a:rPr altLang="zh-CN" sz="600" lang="en-US">
+                <a:solidFill>
+                  <a:srgbClr val="000000"/>
+                </a:solidFill>
+              </a:rPr>
+              <a:t>      (1 (2 8 3 4) 5 8)</a:t>
+            </a:r>
+            <a:endParaRPr sz="600" lang="zh-CN-#Hans">
+              <a:solidFill>
+                <a:srgbClr val="000000"/>
+              </a:solidFill>
+            </a:endParaRPr>
+          </a:p>
+          <a:p>
+            <a:r>
+              <a:rPr altLang="zh-CN" sz="600" lang="en-US">
+                <a:solidFill>
+                  <a:srgbClr val="000000"/>
+                </a:solidFill>
+              </a:rPr>
+              <a:t>      (1 (2 8 3 4) 5 8 8)</a:t>
+            </a:r>
+            <a:endParaRPr sz="600" lang="zh-CN-#Hans">
+              <a:solidFill>
+                <a:srgbClr val="000000"/>
+              </a:solidFill>
+            </a:endParaRPr>
+          </a:p>
+          <a:p>
+            <a:r>
+              <a:rPr altLang="zh-CN" sz="600" lang="en-US">
+                <a:solidFill>
+                  <a:srgbClr val="000000"/>
+                </a:solidFill>
+              </a:rPr>
+              <a:t>      (1 (2 8 3 4) 8 5)</a:t>
+            </a:r>
+            <a:endParaRPr sz="600" lang="zh-CN-#Hans">
+              <a:solidFill>
+                <a:srgbClr val="000000"/>
+              </a:solidFill>
+            </a:endParaRPr>
+          </a:p>
+          <a:p>
+            <a:r>
+              <a:rPr altLang="zh-CN" sz="600" lang="en-US">
+                <a:solidFill>
+                  <a:srgbClr val="000000"/>
+                </a:solidFill>
+              </a:rPr>
+              <a:t>      (1 8 (2 8 3 4) 5)</a:t>
+            </a:r>
+            <a:endParaRPr sz="600" lang="zh-CN-#Hans">
+              <a:solidFill>
+                <a:srgbClr val="000000"/>
+              </a:solidFill>
+            </a:endParaRPr>
+          </a:p>
+          <a:p>
+            <a:r>
+              <a:rPr altLang="zh-CN" sz="600" lang="en-US">
+                <a:solidFill>
+                  <a:srgbClr val="000000"/>
+                </a:solidFill>
+              </a:rPr>
+              <a:t>      (8 1 (2 8 3 4) 5)</a:t>
+            </a:r>
+            <a:endParaRPr sz="600" lang="zh-CN-#Hans">
+              <a:solidFill>
+                <a:srgbClr val="000000"/>
+              </a:solidFill>
+            </a:endParaRPr>
+          </a:p>
+          <a:p>
+            <a:r>
+              <a:rPr altLang="zh-CN" sz="600" lang="en-US">
+                <a:solidFill>
+                  <a:srgbClr val="000000"/>
+                </a:solidFill>
+              </a:rPr>
+              <a:t>      (1 (2 8 3 4) 5 8 8 8)</a:t>
+            </a:r>
+            <a:endParaRPr sz="600" lang="zh-CN-#Hans">
+              <a:solidFill>
+                <a:srgbClr val="000000"/>
+              </a:solidFill>
+            </a:endParaRPr>
+          </a:p>
+          <a:p>
+            <a:r>
+              <a:rPr altLang="zh-CN" sz="600" lang="en-US">
+                <a:solidFill>
+                  <a:srgbClr val="000000"/>
+                </a:solidFill>
+              </a:rPr>
+              <a:t>      (1 (2 8 3 4) 5 8 8 8 8)</a:t>
+            </a:r>
+            <a:endParaRPr sz="600" lang="zh-CN-#Hans">
+              <a:solidFill>
+                <a:srgbClr val="000000"/>
+              </a:solidFill>
+            </a:endParaRPr>
+          </a:p>
+          <a:p>
+            <a:r>
+              <a:rPr altLang="zh-CN" sz="600" lang="en-US">
+                <a:solidFill>
+                  <a:srgbClr val="000000"/>
+                </a:solidFill>
+              </a:rPr>
+              <a:t>      (1 (2 8 3 4) 5 8 8 8 8 8)))</a:t>
+            </a:r>
+            <a:endParaRPr sz="600" lang="zh-CN-#Hans">
+              <a:solidFill>
+                <a:srgbClr val="000000"/>
+              </a:solidFill>
+            </a:endParaRPr>
+          </a:p>
+          <a:p>
+            <a:endParaRPr sz="600" lang="zh-CN-#Hans">
+              <a:solidFill>
+                <a:srgbClr val="000000"/>
+              </a:solidFill>
+            </a:endParaRPr>
+          </a:p>
+        </p:txBody>
+      </p:sp>
+      <p:sp>
+        <p:nvSpPr>
+          <p:cNvPr id="1048748" name=""/>
+          <p:cNvSpPr txBox="1"/>
+          <p:nvPr/>
+        </p:nvSpPr>
+        <p:spPr>
+          <a:xfrm>
+            <a:off x="0" y="1834166"/>
+            <a:ext cx="3295214" cy="4777741"/>
+          </a:xfrm>
+          <a:prstGeom prst="rect"/>
+        </p:spPr>
+        <p:txBody>
+          <a:bodyPr rtlCol="0" wrap="square">
+            <a:spAutoFit/>
+          </a:bodyPr>
+          <a:p>
+            <a:r>
+              <a:rPr sz="800" lang="zh-CN-#Hans">
+                <a:solidFill>
+                  <a:srgbClr val="000000"/>
+                </a:solidFill>
+              </a:rPr>
+              <a:t>;; Jason Hemann and Dan Friedman</a:t>
+            </a:r>
+            <a:endParaRPr sz="800" lang="zh-CN-#Hans">
+              <a:solidFill>
+                <a:srgbClr val="000000"/>
+              </a:solidFill>
+            </a:endParaRPr>
+          </a:p>
+          <a:p>
+            <a:r>
+              <a:rPr sz="800" lang="zh-CN-#Hans">
+                <a:solidFill>
+                  <a:srgbClr val="000000"/>
+                </a:solidFill>
+              </a:rPr>
+              <a:t>;; microKanren, final implementation from paper</a:t>
+            </a:r>
+            <a:endParaRPr sz="800" lang="zh-CN-#Hans">
+              <a:solidFill>
+                <a:srgbClr val="000000"/>
+              </a:solidFill>
+            </a:endParaRPr>
+          </a:p>
+          <a:p>
+            <a:r>
+              <a:rPr sz="800" lang="zh-CN-#Hans">
+                <a:solidFill>
+                  <a:srgbClr val="000000"/>
+                </a:solidFill>
+              </a:rPr>
+              <a:t>(define (var c) (vector c))</a:t>
+            </a:r>
+            <a:endParaRPr sz="800" lang="zh-CN-#Hans">
+              <a:solidFill>
+                <a:srgbClr val="000000"/>
+              </a:solidFill>
+            </a:endParaRPr>
+          </a:p>
+          <a:p>
+            <a:r>
+              <a:rPr sz="800" lang="zh-CN-#Hans">
+                <a:solidFill>
+                  <a:srgbClr val="000000"/>
+                </a:solidFill>
+              </a:rPr>
+              <a:t>(define (var? x) (vector? x))</a:t>
+            </a:r>
+            <a:endParaRPr sz="800" lang="zh-CN-#Hans">
+              <a:solidFill>
+                <a:srgbClr val="000000"/>
+              </a:solidFill>
+            </a:endParaRPr>
+          </a:p>
+          <a:p>
+            <a:r>
+              <a:rPr sz="800" lang="zh-CN-#Hans">
+                <a:solidFill>
+                  <a:srgbClr val="000000"/>
+                </a:solidFill>
+              </a:rPr>
+              <a:t>(define (var=? x1 x2) (= (vector-ref x1 0) (vector-ref x2 0)))</a:t>
+            </a:r>
+            <a:endParaRPr sz="800" lang="zh-CN-#Hans">
+              <a:solidFill>
+                <a:srgbClr val="000000"/>
+              </a:solidFill>
+            </a:endParaRPr>
+          </a:p>
+          <a:p>
+            <a:r>
+              <a:rPr sz="800" lang="zh-CN-#Hans">
+                <a:solidFill>
+                  <a:srgbClr val="000000"/>
+                </a:solidFill>
+              </a:rPr>
+              <a:t>(define (walk u s)</a:t>
+            </a:r>
+            <a:endParaRPr sz="800" lang="zh-CN-#Hans">
+              <a:solidFill>
+                <a:srgbClr val="000000"/>
+              </a:solidFill>
+            </a:endParaRPr>
+          </a:p>
+          <a:p>
+            <a:r>
+              <a:rPr sz="800" lang="zh-CN-#Hans">
+                <a:solidFill>
+                  <a:srgbClr val="000000"/>
+                </a:solidFill>
+              </a:rPr>
+              <a:t>  (let ((pr (and (var? u) (assp (lambda (v) (var=? u v)) s))))</a:t>
+            </a:r>
+            <a:endParaRPr sz="800" lang="zh-CN-#Hans">
+              <a:solidFill>
+                <a:srgbClr val="000000"/>
+              </a:solidFill>
+            </a:endParaRPr>
+          </a:p>
+          <a:p>
+            <a:r>
+              <a:rPr sz="800" lang="zh-CN-#Hans">
+                <a:solidFill>
+                  <a:srgbClr val="000000"/>
+                </a:solidFill>
+              </a:rPr>
+              <a:t>    (if pr (walk (cdr pr) s) u)))</a:t>
+            </a:r>
+            <a:endParaRPr sz="800" lang="zh-CN-#Hans">
+              <a:solidFill>
+                <a:srgbClr val="000000"/>
+              </a:solidFill>
+            </a:endParaRPr>
+          </a:p>
+          <a:p>
+            <a:r>
+              <a:rPr sz="800" lang="zh-CN-#Hans">
+                <a:solidFill>
+                  <a:srgbClr val="000000"/>
+                </a:solidFill>
+              </a:rPr>
+              <a:t>(define (ext-s x v s) `((,x . ,v) . ,s))</a:t>
+            </a:r>
+            <a:endParaRPr sz="800" lang="zh-CN-#Hans">
+              <a:solidFill>
+                <a:srgbClr val="000000"/>
+              </a:solidFill>
+            </a:endParaRPr>
+          </a:p>
+          <a:p>
+            <a:r>
+              <a:rPr sz="800" lang="zh-CN-#Hans">
+                <a:solidFill>
+                  <a:srgbClr val="000000"/>
+                </a:solidFill>
+              </a:rPr>
+              <a:t>(define (== u v)</a:t>
+            </a:r>
+            <a:endParaRPr sz="800" lang="zh-CN-#Hans">
+              <a:solidFill>
+                <a:srgbClr val="000000"/>
+              </a:solidFill>
+            </a:endParaRPr>
+          </a:p>
+          <a:p>
+            <a:r>
+              <a:rPr sz="800" lang="zh-CN-#Hans">
+                <a:solidFill>
+                  <a:srgbClr val="000000"/>
+                </a:solidFill>
+              </a:rPr>
+              <a:t>  (lambda (s/c)</a:t>
+            </a:r>
+            <a:endParaRPr sz="800" lang="zh-CN-#Hans">
+              <a:solidFill>
+                <a:srgbClr val="000000"/>
+              </a:solidFill>
+            </a:endParaRPr>
+          </a:p>
+          <a:p>
+            <a:r>
+              <a:rPr sz="800" lang="zh-CN-#Hans">
+                <a:solidFill>
+                  <a:srgbClr val="000000"/>
+                </a:solidFill>
+              </a:rPr>
+              <a:t>    (let ((s (unify u v (car s/c))))</a:t>
+            </a:r>
+            <a:endParaRPr sz="800" lang="zh-CN-#Hans">
+              <a:solidFill>
+                <a:srgbClr val="000000"/>
+              </a:solidFill>
+            </a:endParaRPr>
+          </a:p>
+          <a:p>
+            <a:r>
+              <a:rPr sz="800" lang="zh-CN-#Hans">
+                <a:solidFill>
+                  <a:srgbClr val="000000"/>
+                </a:solidFill>
+              </a:rPr>
+              <a:t>      (if s (unit `(,s . ,(cdr s/c))) mzero))))</a:t>
+            </a:r>
+            <a:endParaRPr sz="800" lang="zh-CN-#Hans">
+              <a:solidFill>
+                <a:srgbClr val="000000"/>
+              </a:solidFill>
+            </a:endParaRPr>
+          </a:p>
+          <a:p>
+            <a:r>
+              <a:rPr sz="800" lang="zh-CN-#Hans">
+                <a:solidFill>
+                  <a:srgbClr val="000000"/>
+                </a:solidFill>
+              </a:rPr>
+              <a:t>(define (unit s/c) (cons s/c mzero))</a:t>
+            </a:r>
+            <a:endParaRPr sz="800" lang="zh-CN-#Hans">
+              <a:solidFill>
+                <a:srgbClr val="000000"/>
+              </a:solidFill>
+            </a:endParaRPr>
+          </a:p>
+          <a:p>
+            <a:r>
+              <a:rPr sz="800" lang="zh-CN-#Hans">
+                <a:solidFill>
+                  <a:srgbClr val="000000"/>
+                </a:solidFill>
+              </a:rPr>
+              <a:t>(define mzero '())</a:t>
+            </a:r>
+            <a:endParaRPr sz="800" lang="zh-CN-#Hans">
+              <a:solidFill>
+                <a:srgbClr val="000000"/>
+              </a:solidFill>
+            </a:endParaRPr>
+          </a:p>
+          <a:p>
+            <a:r>
+              <a:rPr sz="800" lang="zh-CN-#Hans">
+                <a:solidFill>
+                  <a:srgbClr val="000000"/>
+                </a:solidFill>
+              </a:rPr>
+              <a:t>(define (unify u v s)</a:t>
+            </a:r>
+            <a:endParaRPr sz="800" lang="zh-CN-#Hans">
+              <a:solidFill>
+                <a:srgbClr val="000000"/>
+              </a:solidFill>
+            </a:endParaRPr>
+          </a:p>
+          <a:p>
+            <a:r>
+              <a:rPr sz="800" lang="zh-CN-#Hans">
+                <a:solidFill>
+                  <a:srgbClr val="000000"/>
+                </a:solidFill>
+              </a:rPr>
+              <a:t>  (let ((u (walk u s)) (v (walk v s)))</a:t>
+            </a:r>
+            <a:endParaRPr sz="800" lang="zh-CN-#Hans">
+              <a:solidFill>
+                <a:srgbClr val="000000"/>
+              </a:solidFill>
+            </a:endParaRPr>
+          </a:p>
+          <a:p>
+            <a:r>
+              <a:rPr sz="800" lang="zh-CN-#Hans">
+                <a:solidFill>
+                  <a:srgbClr val="000000"/>
+                </a:solidFill>
+              </a:rPr>
+              <a:t>    (cond</a:t>
+            </a:r>
+            <a:endParaRPr sz="800" lang="zh-CN-#Hans">
+              <a:solidFill>
+                <a:srgbClr val="000000"/>
+              </a:solidFill>
+            </a:endParaRPr>
+          </a:p>
+          <a:p>
+            <a:r>
+              <a:rPr sz="800" lang="zh-CN-#Hans">
+                <a:solidFill>
+                  <a:srgbClr val="000000"/>
+                </a:solidFill>
+              </a:rPr>
+              <a:t>      ((and (var? u) (var? v) (var=? u v)) s)</a:t>
+            </a:r>
+            <a:endParaRPr sz="800" lang="zh-CN-#Hans">
+              <a:solidFill>
+                <a:srgbClr val="000000"/>
+              </a:solidFill>
+            </a:endParaRPr>
+          </a:p>
+          <a:p>
+            <a:r>
+              <a:rPr sz="800" lang="zh-CN-#Hans">
+                <a:solidFill>
+                  <a:srgbClr val="000000"/>
+                </a:solidFill>
+              </a:rPr>
+              <a:t>      ((var? u) (ext-s u v s))</a:t>
+            </a:r>
+            <a:endParaRPr sz="800" lang="zh-CN-#Hans">
+              <a:solidFill>
+                <a:srgbClr val="000000"/>
+              </a:solidFill>
+            </a:endParaRPr>
+          </a:p>
+          <a:p>
+            <a:r>
+              <a:rPr sz="800" lang="zh-CN-#Hans">
+                <a:solidFill>
+                  <a:srgbClr val="000000"/>
+                </a:solidFill>
+              </a:rPr>
+              <a:t>      ((var? v) (ext-s v u s))</a:t>
+            </a:r>
+            <a:endParaRPr sz="800" lang="zh-CN-#Hans">
+              <a:solidFill>
+                <a:srgbClr val="000000"/>
+              </a:solidFill>
+            </a:endParaRPr>
+          </a:p>
+          <a:p>
+            <a:r>
+              <a:rPr sz="800" lang="zh-CN-#Hans">
+                <a:solidFill>
+                  <a:srgbClr val="000000"/>
+                </a:solidFill>
+              </a:rPr>
+              <a:t>      ((and (pair? u) (pair? v))</a:t>
+            </a:r>
+            <a:endParaRPr sz="800" lang="zh-CN-#Hans">
+              <a:solidFill>
+                <a:srgbClr val="000000"/>
+              </a:solidFill>
+            </a:endParaRPr>
+          </a:p>
+          <a:p>
+            <a:r>
+              <a:rPr sz="800" lang="zh-CN-#Hans">
+                <a:solidFill>
+                  <a:srgbClr val="000000"/>
+                </a:solidFill>
+              </a:rPr>
+              <a:t>       (let ((s (unify (car u) (car v) s)))</a:t>
+            </a:r>
+            <a:endParaRPr sz="800" lang="zh-CN-#Hans">
+              <a:solidFill>
+                <a:srgbClr val="000000"/>
+              </a:solidFill>
+            </a:endParaRPr>
+          </a:p>
+          <a:p>
+            <a:r>
+              <a:rPr sz="800" lang="zh-CN-#Hans">
+                <a:solidFill>
+                  <a:srgbClr val="000000"/>
+                </a:solidFill>
+              </a:rPr>
+              <a:t>         (and s (unify (cdr u) (cdr v) s))))</a:t>
+            </a:r>
+            <a:endParaRPr sz="800" lang="zh-CN-#Hans">
+              <a:solidFill>
+                <a:srgbClr val="000000"/>
+              </a:solidFill>
+            </a:endParaRPr>
+          </a:p>
+          <a:p>
+            <a:r>
+              <a:rPr sz="800" lang="zh-CN-#Hans">
+                <a:solidFill>
+                  <a:srgbClr val="000000"/>
+                </a:solidFill>
+              </a:rPr>
+              <a:t>      (else (and (eqv? u v) s)))))</a:t>
+            </a:r>
+            <a:endParaRPr sz="800" lang="zh-CN-#Hans">
+              <a:solidFill>
+                <a:srgbClr val="000000"/>
+              </a:solidFill>
+            </a:endParaRPr>
+          </a:p>
+          <a:p>
+            <a:r>
+              <a:rPr sz="800" lang="zh-CN-#Hans">
+                <a:solidFill>
+                  <a:srgbClr val="000000"/>
+                </a:solidFill>
+              </a:rPr>
+              <a:t>(define (call/fresh f)</a:t>
+            </a:r>
+            <a:endParaRPr sz="800" lang="zh-CN-#Hans">
+              <a:solidFill>
+                <a:srgbClr val="000000"/>
+              </a:solidFill>
+            </a:endParaRPr>
+          </a:p>
+          <a:p>
+            <a:r>
+              <a:rPr sz="800" lang="zh-CN-#Hans">
+                <a:solidFill>
+                  <a:srgbClr val="000000"/>
+                </a:solidFill>
+              </a:rPr>
+              <a:t>  (lambda (s/c)</a:t>
+            </a:r>
+            <a:endParaRPr sz="800" lang="zh-CN-#Hans">
+              <a:solidFill>
+                <a:srgbClr val="000000"/>
+              </a:solidFill>
+            </a:endParaRPr>
+          </a:p>
+          <a:p>
+            <a:r>
+              <a:rPr sz="800" lang="zh-CN-#Hans">
+                <a:solidFill>
+                  <a:srgbClr val="000000"/>
+                </a:solidFill>
+              </a:rPr>
+              <a:t>    (let ((c (cdr s/c)))</a:t>
+            </a:r>
+            <a:endParaRPr sz="800" lang="zh-CN-#Hans">
+              <a:solidFill>
+                <a:srgbClr val="000000"/>
+              </a:solidFill>
+            </a:endParaRPr>
+          </a:p>
+          <a:p>
+            <a:r>
+              <a:rPr sz="800" lang="zh-CN-#Hans">
+                <a:solidFill>
+                  <a:srgbClr val="000000"/>
+                </a:solidFill>
+              </a:rPr>
+              <a:t>      ((f (var c)) `(,(car s/c) . ,(+ c 1))))))</a:t>
+            </a:r>
+            <a:endParaRPr sz="800" lang="zh-CN-#Hans">
+              <a:solidFill>
+                <a:srgbClr val="000000"/>
+              </a:solidFill>
+            </a:endParaRPr>
+          </a:p>
+          <a:p>
+            <a:r>
+              <a:rPr sz="800" lang="zh-CN-#Hans">
+                <a:solidFill>
+                  <a:srgbClr val="000000"/>
+                </a:solidFill>
+              </a:rPr>
+              <a:t>(define (disj g1 g2) (lambda (s/c) (mplus (g1 s/c) (g2 s/c))))</a:t>
+            </a:r>
+            <a:endParaRPr sz="800" lang="zh-CN-#Hans">
+              <a:solidFill>
+                <a:srgbClr val="000000"/>
+              </a:solidFill>
+            </a:endParaRPr>
+          </a:p>
+          <a:p>
+            <a:r>
+              <a:rPr sz="800" lang="zh-CN-#Hans">
+                <a:solidFill>
+                  <a:srgbClr val="000000"/>
+                </a:solidFill>
+              </a:rPr>
+              <a:t>(define (conj g1 g2) (lambda (s/c) (bind (g1 s/c) g2)))</a:t>
+            </a:r>
+            <a:endParaRPr sz="800" lang="zh-CN-#Hans">
+              <a:solidFill>
+                <a:srgbClr val="000000"/>
+              </a:solidFill>
+            </a:endParaRPr>
+          </a:p>
+          <a:p>
+            <a:r>
+              <a:rPr sz="800" lang="zh-CN-#Hans">
+                <a:solidFill>
+                  <a:srgbClr val="000000"/>
+                </a:solidFill>
+              </a:rPr>
+              <a:t>(define (mplus $1 $2)</a:t>
+            </a:r>
+            <a:endParaRPr sz="800" lang="zh-CN-#Hans">
+              <a:solidFill>
+                <a:srgbClr val="000000"/>
+              </a:solidFill>
+            </a:endParaRPr>
+          </a:p>
+          <a:p>
+            <a:r>
+              <a:rPr sz="800" lang="zh-CN-#Hans">
+                <a:solidFill>
+                  <a:srgbClr val="000000"/>
+                </a:solidFill>
+              </a:rPr>
+              <a:t>  (cond</a:t>
+            </a:r>
+            <a:endParaRPr sz="800" lang="zh-CN-#Hans">
+              <a:solidFill>
+                <a:srgbClr val="000000"/>
+              </a:solidFill>
+            </a:endParaRPr>
+          </a:p>
+          <a:p>
+            <a:r>
+              <a:rPr sz="800" lang="zh-CN-#Hans">
+                <a:solidFill>
+                  <a:srgbClr val="000000"/>
+                </a:solidFill>
+              </a:rPr>
+              <a:t>    ((null? $1) $2)</a:t>
+            </a:r>
+            <a:endParaRPr sz="800" lang="zh-CN-#Hans">
+              <a:solidFill>
+                <a:srgbClr val="000000"/>
+              </a:solidFill>
+            </a:endParaRPr>
+          </a:p>
+          <a:p>
+            <a:r>
+              <a:rPr sz="800" lang="zh-CN-#Hans">
+                <a:solidFill>
+                  <a:srgbClr val="000000"/>
+                </a:solidFill>
+              </a:rPr>
+              <a:t>    ((procedure? $1) (lambda () (mplus $2 ($1))))</a:t>
+            </a:r>
+            <a:endParaRPr sz="800" lang="zh-CN-#Hans">
+              <a:solidFill>
+                <a:srgbClr val="000000"/>
+              </a:solidFill>
+            </a:endParaRPr>
+          </a:p>
+          <a:p>
+            <a:r>
+              <a:rPr sz="800" lang="zh-CN-#Hans">
+                <a:solidFill>
+                  <a:srgbClr val="000000"/>
+                </a:solidFill>
+              </a:rPr>
+              <a:t>    (else (cons (car $1) (mplus (cdr $1) $2)))))</a:t>
+            </a:r>
+            <a:endParaRPr sz="800" lang="zh-CN-#Hans">
+              <a:solidFill>
+                <a:srgbClr val="000000"/>
+              </a:solidFill>
+            </a:endParaRPr>
+          </a:p>
+          <a:p>
+            <a:r>
+              <a:rPr sz="800" lang="zh-CN-#Hans">
+                <a:solidFill>
+                  <a:srgbClr val="000000"/>
+                </a:solidFill>
+              </a:rPr>
+              <a:t>(define (bind $ g)</a:t>
+            </a:r>
+            <a:endParaRPr sz="800" lang="zh-CN-#Hans">
+              <a:solidFill>
+                <a:srgbClr val="000000"/>
+              </a:solidFill>
+            </a:endParaRPr>
+          </a:p>
+          <a:p>
+            <a:r>
+              <a:rPr sz="800" lang="zh-CN-#Hans">
+                <a:solidFill>
+                  <a:srgbClr val="000000"/>
+                </a:solidFill>
+              </a:rPr>
+              <a:t>  (cond</a:t>
+            </a:r>
+            <a:endParaRPr sz="800" lang="zh-CN-#Hans">
+              <a:solidFill>
+                <a:srgbClr val="000000"/>
+              </a:solidFill>
+            </a:endParaRPr>
+          </a:p>
+          <a:p>
+            <a:r>
+              <a:rPr sz="800" lang="zh-CN-#Hans">
+                <a:solidFill>
+                  <a:srgbClr val="000000"/>
+                </a:solidFill>
+              </a:rPr>
+              <a:t>    ((null? $) mzero)</a:t>
+            </a:r>
+            <a:endParaRPr sz="800" lang="zh-CN-#Hans">
+              <a:solidFill>
+                <a:srgbClr val="000000"/>
+              </a:solidFill>
+            </a:endParaRPr>
+          </a:p>
+          <a:p>
+            <a:r>
+              <a:rPr sz="800" lang="zh-CN-#Hans">
+                <a:solidFill>
+                  <a:srgbClr val="000000"/>
+                </a:solidFill>
+              </a:rPr>
+              <a:t>    ((procedure? $) (lambda () (bind ($) g)))</a:t>
+            </a:r>
+            <a:endParaRPr sz="800" lang="zh-CN-#Hans">
+              <a:solidFill>
+                <a:srgbClr val="000000"/>
+              </a:solidFill>
+            </a:endParaRPr>
+          </a:p>
+          <a:p>
+            <a:r>
+              <a:rPr sz="800" lang="zh-CN-#Hans">
+                <a:solidFill>
+                  <a:srgbClr val="000000"/>
+                </a:solidFill>
+              </a:rPr>
+              <a:t>    (else (mplus (g (car $)) (bind (cdr $) g)))))</a:t>
+            </a:r>
+            <a:endParaRPr sz="800" lang="zh-CN-#Hans">
+              <a:solidFill>
+                <a:srgbClr val="000000"/>
+              </a:solidFill>
+            </a:endParaRPr>
+          </a:p>
+        </p:txBody>
+      </p:sp>
+      <p:sp>
+        <p:nvSpPr>
+          <p:cNvPr id="1048749" name=""/>
+          <p:cNvSpPr txBox="1"/>
+          <p:nvPr/>
+        </p:nvSpPr>
+        <p:spPr>
+          <a:xfrm>
+            <a:off x="6406390" y="6042660"/>
+            <a:ext cx="4865689" cy="815340"/>
+          </a:xfrm>
+          <a:prstGeom prst="rect"/>
+        </p:spPr>
+        <p:txBody>
+          <a:bodyPr rtlCol="0" wrap="square">
+            <a:spAutoFit/>
+          </a:bodyPr>
+          <a:p>
+            <a:r>
+              <a:rPr sz="1600" lang="zh-CN">
+                <a:solidFill>
+                  <a:srgbClr val="000000"/>
+                </a:solidFill>
+              </a:rPr>
+              <a:t>图片</a:t>
+            </a:r>
+            <a:r>
+              <a:rPr sz="1600" lang="zh-CN">
+                <a:solidFill>
+                  <a:srgbClr val="000000"/>
+                </a:solidFill>
+              </a:rPr>
+              <a:t>表面</a:t>
+            </a:r>
+            <a:r>
+              <a:rPr sz="1600" lang="zh-CN">
+                <a:solidFill>
+                  <a:srgbClr val="000000"/>
+                </a:solidFill>
+              </a:rPr>
+              <a:t>覆盖</a:t>
+            </a:r>
+            <a:r>
+              <a:rPr sz="1600" lang="zh-CN">
+                <a:solidFill>
+                  <a:srgbClr val="000000"/>
+                </a:solidFill>
+              </a:rPr>
+              <a:t>着</a:t>
+            </a:r>
+            <a:r>
+              <a:rPr sz="1600" lang="zh-CN">
+                <a:solidFill>
+                  <a:srgbClr val="000000"/>
+                </a:solidFill>
+              </a:rPr>
+              <a:t>一层</a:t>
+            </a:r>
+            <a:r>
+              <a:rPr altLang="zh-CN" sz="1600" lang="en-US">
+                <a:solidFill>
+                  <a:srgbClr val="000000"/>
+                </a:solidFill>
+              </a:rPr>
+              <a:t>S</a:t>
+            </a:r>
+            <a:r>
+              <a:rPr altLang="zh-CN" sz="1600" lang="en-US">
+                <a:solidFill>
+                  <a:srgbClr val="000000"/>
+                </a:solidFill>
+              </a:rPr>
+              <a:t>c</a:t>
+            </a:r>
+            <a:r>
+              <a:rPr altLang="zh-CN" sz="1600" lang="en-US">
+                <a:solidFill>
+                  <a:srgbClr val="000000"/>
+                </a:solidFill>
+              </a:rPr>
+              <a:t>h</a:t>
+            </a:r>
+            <a:r>
+              <a:rPr altLang="zh-CN" sz="1600" lang="en-US">
+                <a:solidFill>
+                  <a:srgbClr val="000000"/>
+                </a:solidFill>
+              </a:rPr>
+              <a:t>e</a:t>
+            </a:r>
+            <a:r>
+              <a:rPr altLang="zh-CN" sz="1600" lang="en-US">
+                <a:solidFill>
+                  <a:srgbClr val="000000"/>
+                </a:solidFill>
+              </a:rPr>
+              <a:t>m</a:t>
+            </a:r>
+            <a:r>
+              <a:rPr altLang="zh-CN" sz="1600" lang="en-US">
+                <a:solidFill>
+                  <a:srgbClr val="000000"/>
+                </a:solidFill>
+              </a:rPr>
+              <a:t>e</a:t>
+            </a:r>
+            <a:r>
+              <a:rPr altLang="zh-CN" sz="1600" lang="zh-CN">
+                <a:solidFill>
+                  <a:srgbClr val="000000"/>
+                </a:solidFill>
+              </a:rPr>
+              <a:t>代码</a:t>
+            </a:r>
+            <a:r>
+              <a:rPr altLang="zh-CN" sz="1600" lang="zh-CN">
+                <a:solidFill>
+                  <a:srgbClr val="000000"/>
+                </a:solidFill>
+              </a:rPr>
+              <a:t>。</a:t>
+            </a:r>
+            <a:r>
+              <a:rPr altLang="zh-CN" sz="1600" lang="zh-CN">
+                <a:solidFill>
+                  <a:srgbClr val="000000"/>
+                </a:solidFill>
+              </a:rPr>
+              <a:t>此</a:t>
+            </a:r>
+            <a:r>
+              <a:rPr altLang="zh-CN" sz="1600" lang="zh-CN">
+                <a:solidFill>
+                  <a:srgbClr val="000000"/>
+                </a:solidFill>
+              </a:rPr>
+              <a:t>编程</a:t>
+            </a:r>
+            <a:r>
+              <a:rPr altLang="zh-CN" sz="1600" lang="zh-CN">
+                <a:solidFill>
+                  <a:srgbClr val="000000"/>
+                </a:solidFill>
+              </a:rPr>
+              <a:t>语言</a:t>
+            </a:r>
+            <a:r>
+              <a:rPr altLang="zh-CN" sz="1600" lang="zh-CN">
+                <a:solidFill>
+                  <a:srgbClr val="000000"/>
+                </a:solidFill>
+              </a:rPr>
+              <a:t>因为</a:t>
+            </a:r>
+            <a:r>
+              <a:rPr altLang="zh-CN" sz="1600" lang="zh-CN">
+                <a:solidFill>
+                  <a:srgbClr val="000000"/>
+                </a:solidFill>
+              </a:rPr>
+              <a:t>设计</a:t>
+            </a:r>
+            <a:r>
+              <a:rPr altLang="zh-CN" sz="1600" lang="zh-CN">
+                <a:solidFill>
+                  <a:srgbClr val="000000"/>
+                </a:solidFill>
+              </a:rPr>
+              <a:t>得</a:t>
+            </a:r>
+            <a:r>
+              <a:rPr altLang="zh-CN" sz="1600" lang="zh-CN">
+                <a:solidFill>
+                  <a:srgbClr val="000000"/>
+                </a:solidFill>
+              </a:rPr>
+              <a:t>较</a:t>
+            </a:r>
+            <a:r>
+              <a:rPr altLang="zh-CN" sz="1600" lang="zh-CN">
+                <a:solidFill>
+                  <a:srgbClr val="000000"/>
+                </a:solidFill>
+              </a:rPr>
+              <a:t>好</a:t>
+            </a:r>
+            <a:r>
+              <a:rPr altLang="zh-CN" sz="1600" lang="zh-CN">
+                <a:solidFill>
+                  <a:srgbClr val="000000"/>
+                </a:solidFill>
+              </a:rPr>
+              <a:t>，</a:t>
+            </a:r>
+            <a:r>
+              <a:rPr altLang="zh-CN" sz="1600" lang="zh-CN">
+                <a:solidFill>
+                  <a:srgbClr val="000000"/>
+                </a:solidFill>
+              </a:rPr>
+              <a:t>不能</a:t>
+            </a:r>
+            <a:r>
+              <a:rPr altLang="zh-CN" sz="1600" lang="zh-CN">
+                <a:solidFill>
+                  <a:srgbClr val="000000"/>
+                </a:solidFill>
+              </a:rPr>
+              <a:t>使</a:t>
+            </a:r>
+            <a:r>
+              <a:rPr altLang="zh-CN" sz="1600" lang="zh-CN">
+                <a:solidFill>
+                  <a:srgbClr val="000000"/>
+                </a:solidFill>
+              </a:rPr>
+              <a:t>思想</a:t>
+            </a:r>
+            <a:r>
+              <a:rPr altLang="zh-CN" sz="1600" lang="zh-CN">
+                <a:solidFill>
+                  <a:srgbClr val="000000"/>
+                </a:solidFill>
+              </a:rPr>
+              <a:t>僵化</a:t>
+            </a:r>
+            <a:r>
+              <a:rPr altLang="zh-CN" sz="1600" lang="zh-CN">
+                <a:solidFill>
+                  <a:srgbClr val="000000"/>
+                </a:solidFill>
+              </a:rPr>
+              <a:t>统一</a:t>
+            </a:r>
+            <a:r>
+              <a:rPr altLang="zh-CN" sz="1600" lang="zh-CN">
+                <a:solidFill>
+                  <a:srgbClr val="000000"/>
+                </a:solidFill>
+              </a:rPr>
+              <a:t>，</a:t>
+            </a:r>
+            <a:r>
+              <a:rPr altLang="zh-CN" sz="1600" lang="zh-CN">
+                <a:solidFill>
+                  <a:srgbClr val="000000"/>
+                </a:solidFill>
+              </a:rPr>
+              <a:t>也</a:t>
+            </a:r>
+            <a:r>
+              <a:rPr altLang="zh-CN" sz="1600" lang="zh-CN">
+                <a:solidFill>
+                  <a:srgbClr val="000000"/>
+                </a:solidFill>
+              </a:rPr>
+              <a:t>不能</a:t>
+            </a:r>
+            <a:r>
+              <a:rPr altLang="zh-CN" sz="1600" lang="zh-CN">
+                <a:solidFill>
+                  <a:srgbClr val="000000"/>
+                </a:solidFill>
+              </a:rPr>
+              <a:t>制造</a:t>
+            </a:r>
+            <a:r>
+              <a:rPr altLang="zh-CN" sz="1600" lang="zh-CN">
+                <a:solidFill>
+                  <a:srgbClr val="000000"/>
+                </a:solidFill>
+              </a:rPr>
+              <a:t>很多</a:t>
+            </a:r>
+            <a:r>
+              <a:rPr altLang="zh-CN" sz="1600" lang="en-US">
+                <a:solidFill>
+                  <a:srgbClr val="000000"/>
+                </a:solidFill>
+              </a:rPr>
+              <a:t>b</a:t>
+            </a:r>
+            <a:r>
+              <a:rPr altLang="zh-CN" sz="1600" lang="en-US">
+                <a:solidFill>
+                  <a:srgbClr val="000000"/>
+                </a:solidFill>
+              </a:rPr>
+              <a:t>u</a:t>
+            </a:r>
+            <a:r>
+              <a:rPr altLang="zh-CN" sz="1600" lang="en-US">
+                <a:solidFill>
+                  <a:srgbClr val="000000"/>
+                </a:solidFill>
+              </a:rPr>
+              <a:t>g</a:t>
+            </a:r>
+            <a:r>
+              <a:rPr altLang="zh-CN" sz="1600" lang="zh-CN">
+                <a:solidFill>
+                  <a:srgbClr val="000000"/>
+                </a:solidFill>
+              </a:rPr>
+              <a:t>，</a:t>
+            </a:r>
+            <a:r>
+              <a:rPr altLang="zh-CN" sz="1600" lang="zh-CN">
+                <a:solidFill>
+                  <a:srgbClr val="000000"/>
+                </a:solidFill>
+              </a:rPr>
+              <a:t>把</a:t>
+            </a:r>
+            <a:r>
+              <a:rPr altLang="zh-CN" sz="1600" lang="zh-CN">
+                <a:solidFill>
+                  <a:srgbClr val="000000"/>
+                </a:solidFill>
+              </a:rPr>
+              <a:t>代码</a:t>
+            </a:r>
+            <a:r>
+              <a:rPr altLang="zh-CN" sz="1600" lang="zh-CN">
+                <a:solidFill>
+                  <a:srgbClr val="000000"/>
+                </a:solidFill>
+              </a:rPr>
+              <a:t>写</a:t>
+            </a:r>
+            <a:r>
+              <a:rPr altLang="zh-CN" sz="1600" lang="zh-CN">
+                <a:solidFill>
+                  <a:srgbClr val="000000"/>
+                </a:solidFill>
+              </a:rPr>
+              <a:t>得</a:t>
+            </a:r>
+            <a:r>
+              <a:rPr altLang="zh-CN" sz="1600" lang="zh-CN">
+                <a:solidFill>
+                  <a:srgbClr val="000000"/>
+                </a:solidFill>
+              </a:rPr>
+              <a:t>很</a:t>
+            </a:r>
+            <a:r>
+              <a:rPr altLang="zh-CN" sz="1600" lang="zh-CN">
+                <a:solidFill>
+                  <a:srgbClr val="000000"/>
+                </a:solidFill>
+              </a:rPr>
+              <a:t>长</a:t>
+            </a:r>
+            <a:r>
+              <a:rPr altLang="zh-CN" sz="1600" lang="zh-CN">
+                <a:solidFill>
+                  <a:srgbClr val="000000"/>
+                </a:solidFill>
+              </a:rPr>
+              <a:t>，</a:t>
+            </a:r>
+            <a:r>
+              <a:rPr altLang="zh-CN" sz="1600" lang="zh-CN">
+                <a:solidFill>
+                  <a:srgbClr val="000000"/>
+                </a:solidFill>
+              </a:rPr>
+              <a:t>所以</a:t>
+            </a:r>
+            <a:r>
+              <a:rPr altLang="zh-CN" sz="1600" lang="zh-CN">
+                <a:solidFill>
+                  <a:srgbClr val="000000"/>
+                </a:solidFill>
+              </a:rPr>
+              <a:t>市场</a:t>
+            </a:r>
+            <a:r>
+              <a:rPr altLang="zh-CN" sz="1600" lang="zh-CN">
+                <a:solidFill>
+                  <a:srgbClr val="000000"/>
+                </a:solidFill>
+              </a:rPr>
+              <a:t>占用</a:t>
+            </a:r>
+            <a:r>
+              <a:rPr altLang="zh-CN" sz="1600" lang="zh-CN">
+                <a:solidFill>
+                  <a:srgbClr val="000000"/>
+                </a:solidFill>
+              </a:rPr>
+              <a:t>率</a:t>
+            </a:r>
+            <a:r>
+              <a:rPr altLang="zh-CN" sz="1600" lang="zh-CN">
+                <a:solidFill>
+                  <a:srgbClr val="000000"/>
+                </a:solidFill>
+              </a:rPr>
+              <a:t>极</a:t>
+            </a:r>
+            <a:r>
+              <a:rPr altLang="zh-CN" sz="1600" lang="zh-CN">
+                <a:solidFill>
+                  <a:srgbClr val="000000"/>
+                </a:solidFill>
+              </a:rPr>
+              <a:t>低</a:t>
+            </a:r>
+            <a:r>
+              <a:rPr altLang="zh-CN" sz="1600" lang="zh-CN">
+                <a:solidFill>
+                  <a:srgbClr val="000000"/>
+                </a:solidFill>
+              </a:rPr>
+              <a:t>。</a:t>
+            </a:r>
+            <a:endParaRPr sz="1600" lang="zh-CN-#Hans">
+              <a:solidFill>
+                <a:srgbClr val="000000"/>
+              </a:solidFill>
+            </a:endParaRPr>
           </a:p>
         </p:txBody>
       </p:sp>

--- a/DDR.pptx
+++ b/DDR.pptx
@@ -7116,9 +7116,38 @@
 <p:sldMaster xmlns:a="http://schemas.openxmlformats.org/drawingml/2006/main" xmlns:r="http://schemas.openxmlformats.org/officeDocument/2006/relationships" xmlns:p="http://schemas.openxmlformats.org/presentationml/2006/main">
   <p:cSld>
     <p:bg>
-      <p:bgRef idx="1003">
-        <a:schemeClr val="bg2"/>
-      </p:bgRef>
+      <p:bgPr>
+        <a:gradFill rotWithShape="1">
+          <a:gsLst>
+            <a:gs pos="0">
+              <a:schemeClr val="bg2">
+                <a:tint val="96000"/>
+                <a:shade val="100000"/>
+                <a:hueMod val="270000"/>
+                <a:satMod val="200000"/>
+                <a:lumMod val="128000"/>
+              </a:schemeClr>
+            </a:gs>
+            <a:gs pos="50000">
+              <a:schemeClr val="bg2">
+                <a:shade val="100000"/>
+                <a:hueMod val="100000"/>
+                <a:satMod val="110000"/>
+                <a:lumMod val="130000"/>
+              </a:schemeClr>
+            </a:gs>
+            <a:gs pos="100000">
+              <a:schemeClr val="bg2">
+                <a:shade val="78000"/>
+                <a:hueMod val="44000"/>
+                <a:satMod val="200000"/>
+                <a:lumMod val="69000"/>
+              </a:schemeClr>
+            </a:gs>
+          </a:gsLst>
+          <a:lin ang="2520000" scaled="0"/>
+        </a:gradFill>
+      </p:bgPr>
     </p:bg>
     <p:spTree>
       <p:nvGrpSpPr>
@@ -7397,8 +7426,8 @@
           <a:solidFill>
             <a:schemeClr val="tx1"/>
           </a:solidFill>
-          <a:latin typeface="+mj-lt"/>
-          <a:ea typeface="+mj-ea"/>
+          <a:latin typeface="Trebuchet MS"/>
+          <a:ea typeface="宋体"/>
           <a:cs typeface="+mj-cs"/>
         </a:defRPr>
       </a:lvl1pPr>
@@ -7417,8 +7446,8 @@
           <a:solidFill>
             <a:schemeClr val="tx1"/>
           </a:solidFill>
-          <a:latin typeface="+mn-lt"/>
-          <a:ea typeface="+mn-ea"/>
+          <a:latin typeface="Trebuchet MS"/>
+          <a:ea typeface="宋体"/>
           <a:cs typeface="+mn-cs"/>
         </a:defRPr>
       </a:lvl1pPr>
@@ -7435,8 +7464,8 @@
           <a:solidFill>
             <a:schemeClr val="tx1"/>
           </a:solidFill>
-          <a:latin typeface="+mn-lt"/>
-          <a:ea typeface="+mn-ea"/>
+          <a:latin typeface="Trebuchet MS"/>
+          <a:ea typeface="宋体"/>
           <a:cs typeface="+mn-cs"/>
         </a:defRPr>
       </a:lvl2pPr>
@@ -7453,8 +7482,8 @@
           <a:solidFill>
             <a:schemeClr val="tx1"/>
           </a:solidFill>
-          <a:latin typeface="+mn-lt"/>
-          <a:ea typeface="+mn-ea"/>
+          <a:latin typeface="Trebuchet MS"/>
+          <a:ea typeface="宋体"/>
           <a:cs typeface="+mn-cs"/>
         </a:defRPr>
       </a:lvl3pPr>
@@ -7471,8 +7500,8 @@
           <a:solidFill>
             <a:schemeClr val="tx1"/>
           </a:solidFill>
-          <a:latin typeface="+mn-lt"/>
-          <a:ea typeface="+mn-ea"/>
+          <a:latin typeface="Trebuchet MS"/>
+          <a:ea typeface="宋体"/>
           <a:cs typeface="+mn-cs"/>
         </a:defRPr>
       </a:lvl4pPr>
@@ -7489,8 +7518,8 @@
           <a:solidFill>
             <a:schemeClr val="tx1"/>
           </a:solidFill>
-          <a:latin typeface="+mn-lt"/>
-          <a:ea typeface="+mn-ea"/>
+          <a:latin typeface="Trebuchet MS"/>
+          <a:ea typeface="宋体"/>
           <a:cs typeface="+mn-cs"/>
         </a:defRPr>
       </a:lvl5pPr>
@@ -7576,8 +7605,8 @@
           <a:solidFill>
             <a:schemeClr val="tx1"/>
           </a:solidFill>
-          <a:latin typeface="+mn-lt"/>
-          <a:ea typeface="+mn-ea"/>
+          <a:latin typeface="Trebuchet MS"/>
+          <a:ea typeface="宋体"/>
           <a:cs typeface="+mn-cs"/>
         </a:defRPr>
       </a:lvl1pPr>
@@ -7586,8 +7615,8 @@
           <a:solidFill>
             <a:schemeClr val="tx1"/>
           </a:solidFill>
-          <a:latin typeface="+mn-lt"/>
-          <a:ea typeface="+mn-ea"/>
+          <a:latin typeface="Trebuchet MS"/>
+          <a:ea typeface="宋体"/>
           <a:cs typeface="+mn-cs"/>
         </a:defRPr>
       </a:lvl2pPr>
@@ -7596,8 +7625,8 @@
           <a:solidFill>
             <a:schemeClr val="tx1"/>
           </a:solidFill>
-          <a:latin typeface="+mn-lt"/>
-          <a:ea typeface="+mn-ea"/>
+          <a:latin typeface="Trebuchet MS"/>
+          <a:ea typeface="宋体"/>
           <a:cs typeface="+mn-cs"/>
         </a:defRPr>
       </a:lvl3pPr>
@@ -7606,8 +7635,8 @@
           <a:solidFill>
             <a:schemeClr val="tx1"/>
           </a:solidFill>
-          <a:latin typeface="+mn-lt"/>
-          <a:ea typeface="+mn-ea"/>
+          <a:latin typeface="Trebuchet MS"/>
+          <a:ea typeface="宋体"/>
           <a:cs typeface="+mn-cs"/>
         </a:defRPr>
       </a:lvl4pPr>
@@ -7616,8 +7645,8 @@
           <a:solidFill>
             <a:schemeClr val="tx1"/>
           </a:solidFill>
-          <a:latin typeface="+mn-lt"/>
-          <a:ea typeface="+mn-ea"/>
+          <a:latin typeface="Trebuchet MS"/>
+          <a:ea typeface="宋体"/>
           <a:cs typeface="+mn-cs"/>
         </a:defRPr>
       </a:lvl5pPr>
@@ -7695,12 +7724,14 @@
         </p:nvSpPr>
         <p:spPr>
           <a:xfrm>
-            <a:off x="680322" y="2316396"/>
-            <a:ext cx="6554312" cy="1828169"/>
-          </a:xfrm>
-        </p:spPr>
-        <p:txBody>
-          <a:bodyPr/>
+            <a:off x="6438217" y="1749347"/>
+            <a:ext cx="5749417" cy="1005545"/>
+          </a:xfrm>
+        </p:spPr>
+        <p:txBody>
+          <a:bodyPr>
+            <a:normAutofit fontScale="90000"/>
+          </a:bodyPr>
           <a:p>
             <a:r>
               <a:rPr altLang="zh-CN" lang="en-US"/>
@@ -7711,23 +7742,7 @@
             </a:br>
             <a:r>
               <a:rPr altLang="zh-CN" lang="en-US"/>
-              <a:t>D</a:t>
-            </a:r>
-            <a:r>
-              <a:rPr altLang="zh-CN" lang="en-US"/>
-              <a:t>a</a:t>
-            </a:r>
-            <a:r>
-              <a:rPr altLang="zh-CN" lang="en-US"/>
-              <a:t>s</a:t>
-            </a:r>
-            <a:r>
-              <a:rPr altLang="zh-CN" lang="en-US"/>
               <a:t> </a:t>
-            </a:r>
-            <a:r>
-              <a:rPr altLang="zh-CN" lang="en-US"/>
-              <a:t>Mauermuseum – Museum Haus am Checkpoint Charlie </a:t>
             </a:r>
             <a:endParaRPr altLang="en-US" lang="zh-CN"/>
           </a:p>
@@ -7743,61 +7758,38 @@
             <p:ph type="body" sz="half" idx="2"/>
           </p:nvPr>
         </p:nvSpPr>
-        <p:spPr/>
+        <p:spPr>
+          <a:xfrm>
+            <a:off x="680322" y="4711615"/>
+            <a:ext cx="5446810" cy="743747"/>
+          </a:xfrm>
+        </p:spPr>
         <p:txBody>
           <a:bodyPr>
-            <a:normAutofit/>
+            <a:normAutofit fontScale="89286" lnSpcReduction="20000"/>
           </a:bodyPr>
           <a:p>
             <a:r>
-              <a:rPr altLang="en-US" sz="3200" lang="en-US"/>
-              <a:t>一个好像符合</a:t>
-            </a:r>
-            <a:r>
-              <a:rPr altLang="en-US" sz="3200" lang="zh-CN"/>
-              <a:t>要求</a:t>
-            </a:r>
-            <a:r>
-              <a:rPr altLang="en-US" sz="3200" lang="en-US"/>
-              <a:t>的缺失连词的演示文稿，用微软的非自由</a:t>
-            </a:r>
-            <a:r>
-              <a:rPr altLang="zh-CN" sz="3200" lang="en-US"/>
-              <a:t>PPT</a:t>
-            </a:r>
-            <a:r>
-              <a:rPr altLang="en-US" sz="3200" lang="zh-CN"/>
-              <a:t>格式储存。</a:t>
-            </a:r>
-            <a:r>
-              <a:rPr altLang="en-US" sz="3200" lang="zh-CN"/>
-              <a:t>来源</a:t>
-            </a:r>
-            <a:r>
-              <a:rPr altLang="en-US" sz="3200" lang="zh-CN"/>
-              <a:t>在</a:t>
-            </a:r>
-            <a:r>
-              <a:rPr altLang="en-US" sz="3200" lang="zh-CN"/>
-              <a:t>大陆</a:t>
-            </a:r>
-            <a:r>
-              <a:rPr altLang="zh-CN" sz="3200" lang="zh-CN"/>
-              <a:t>可以</a:t>
-            </a:r>
-            <a:r>
-              <a:rPr altLang="zh-CN" sz="3200" lang="zh-CN"/>
-              <a:t>正常</a:t>
-            </a:r>
-            <a:r>
-              <a:rPr altLang="zh-CN" sz="3200" lang="zh-CN"/>
-              <a:t>查看</a:t>
-            </a:r>
-            <a:r>
-              <a:rPr altLang="zh-CN" sz="3200" lang="zh-CN"/>
-              <a:t>。</a:t>
-            </a:r>
-            <a:endParaRPr altLang="en-US" lang="zh-CN"/>
+              <a:rPr altLang="zh-CN" sz="2800" lang="en-US"/>
+              <a:t>D</a:t>
+            </a:r>
+            <a:r>
+              <a:rPr altLang="zh-CN" sz="2800" lang="en-US"/>
+              <a:t>a</a:t>
+            </a:r>
+            <a:r>
+              <a:rPr altLang="zh-CN" sz="2800" lang="en-US"/>
+              <a:t>s</a:t>
+            </a:r>
+            <a:r>
+              <a:rPr altLang="zh-CN" sz="2800" lang="en-US"/>
+              <a:t> </a:t>
+            </a:r>
+            <a:r>
+              <a:rPr altLang="zh-CN" sz="2800" lang="en-US"/>
+              <a:t>Mauermuseum – Museum Haus am Checkpoint Charlie</a:t>
+            </a:r>
+            <a:endParaRPr altLang="en-US" sz="2800" lang="zh-CN"/>
           </a:p>
         </p:txBody>
       </p:sp>
@@ -7817,7 +7809,7 @@
         </p:blipFill>
         <p:spPr>
           <a:xfrm>
-            <a:off x="279670" y="112621"/>
+            <a:off x="7234634" y="-136603"/>
             <a:ext cx="4953000" cy="1885950"/>
           </a:xfrm>
           <a:prstGeom prst="rect"/>
@@ -7839,8 +7831,30 @@
         </p:blipFill>
         <p:spPr>
           <a:xfrm>
-            <a:off x="7513808" y="0"/>
+            <a:off x="0" y="0"/>
             <a:ext cx="4589860" cy="3600026"/>
+          </a:xfrm>
+          <a:prstGeom prst="rect"/>
+        </p:spPr>
+      </p:pic>
+      <p:pic>
+        <p:nvPicPr>
+          <p:cNvPr id="2097449" name=""/>
+          <p:cNvPicPr>
+            <a:picLocks/>
+          </p:cNvPicPr>
+          <p:nvPr/>
+        </p:nvPicPr>
+        <p:blipFill>
+          <a:blip xmlns:r="http://schemas.openxmlformats.org/officeDocument/2006/relationships" r:embed="rId3"/>
+          <a:stretch>
+            <a:fillRect/>
+          </a:stretch>
+        </p:blipFill>
+        <p:spPr>
+          <a:xfrm rot="0">
+            <a:off x="6508318" y="2668246"/>
+            <a:ext cx="5683681" cy="4432806"/>
           </a:xfrm>
           <a:prstGeom prst="rect"/>
         </p:spPr>
@@ -7909,7 +7923,9 @@
           </a:xfrm>
         </p:spPr>
         <p:txBody>
-          <a:bodyPr/>
+          <a:bodyPr>
+            <a:normAutofit fontScale="95833" lnSpcReduction="20000"/>
+          </a:bodyPr>
           <a:p>
             <a:r>
               <a:rPr lang="zh-CN"/>
@@ -7974,6 +7990,34 @@
             <a:r>
               <a:rPr altLang="zh-CN" lang="en-US"/>
               <a:t>:</a:t>
+            </a:r>
+            <a:r>
+              <a:rPr altLang="zh-CN" lang="en-US"/>
+              <a:t> </a:t>
+            </a:r>
+            <a:r>
+              <a:rPr altLang="zh-CN" lang="en-US"/>
+              <a:t>(</a:t>
+            </a:r>
+            <a:r>
+              <a:rPr altLang="zh-CN" lang="zh-CN"/>
+              <a:t>图片</a:t>
+            </a:r>
+            <a:r>
+              <a:rPr altLang="zh-CN" lang="zh-CN"/>
+              <a:t>来源</a:t>
+            </a:r>
+            <a:r>
+              <a:rPr altLang="zh-CN" lang="zh-CN"/>
+              <a:t>：</a:t>
+            </a:r>
+            <a:r>
+              <a:rPr altLang="zh-CN" lang="en-US"/>
+              <a:t>Beholder</a:t>
+            </a:r>
+            <a:r>
+              <a:rPr altLang="zh-CN" lang="en-US"/>
+              <a:t>)</a:t>
             </a:r>
             <a:endParaRPr lang="zh-CN-#Hans"/>
           </a:p>
